--- a/slides/wk11.pptx
+++ b/slides/wk11.pptx
@@ -1,40 +1,40 @@
 
 <file path=ppt/presentation.xml><?xml version="1.0" encoding="utf-8"?>
-<p:presentation xmlns:a="http://schemas.openxmlformats.org/drawingml/2006/main" xmlns:r="http://schemas.openxmlformats.org/officeDocument/2006/relationships" xmlns:mc="http://schemas.openxmlformats.org/markup-compatibility/2006" xmlns:mv="urn:schemas-microsoft-com:mac:vml" xmlns:p="http://schemas.openxmlformats.org/presentationml/2006/main" xmlns:c="http://schemas.openxmlformats.org/drawingml/2006/chart" xmlns:dgm="http://schemas.openxmlformats.org/drawingml/2006/diagram" xmlns:o="urn:schemas-microsoft-com:office:office" xmlns:v="urn:schemas-microsoft-com:vml" xmlns:pvml="urn:schemas-microsoft-com:office:powerpoint" xmlns:com="http://schemas.openxmlformats.org/drawingml/2006/compatibility" xmlns:p14="http://schemas.microsoft.com/office/powerpoint/2010/main" xmlns:p15="http://schemas.microsoft.com/office/powerpoint/2012/main" autoCompressPictures="0" strictFirstAndLastChars="0" saveSubsetFonts="1">
+<p:presentation xmlns:a="http://schemas.openxmlformats.org/drawingml/2006/main" xmlns:r="http://schemas.openxmlformats.org/officeDocument/2006/relationships" xmlns:p="http://schemas.openxmlformats.org/presentationml/2006/main" strictFirstAndLastChars="0" saveSubsetFonts="1" autoCompressPictures="0">
   <p:sldMasterIdLst>
-    <p:sldMasterId id="2147483659" r:id="rId3"/>
+    <p:sldMasterId id="2147483659" r:id="rId1"/>
   </p:sldMasterIdLst>
   <p:notesMasterIdLst>
-    <p:notesMasterId r:id="rId4"/>
+    <p:notesMasterId r:id="rId24"/>
   </p:notesMasterIdLst>
   <p:sldIdLst>
-    <p:sldId id="256" r:id="rId5"/>
-    <p:sldId id="257" r:id="rId6"/>
-    <p:sldId id="258" r:id="rId7"/>
-    <p:sldId id="259" r:id="rId8"/>
-    <p:sldId id="260" r:id="rId9"/>
-    <p:sldId id="261" r:id="rId10"/>
-    <p:sldId id="262" r:id="rId11"/>
-    <p:sldId id="263" r:id="rId12"/>
-    <p:sldId id="264" r:id="rId13"/>
-    <p:sldId id="265" r:id="rId14"/>
-    <p:sldId id="266" r:id="rId15"/>
-    <p:sldId id="267" r:id="rId16"/>
-    <p:sldId id="268" r:id="rId17"/>
-    <p:sldId id="269" r:id="rId18"/>
-    <p:sldId id="270" r:id="rId19"/>
-    <p:sldId id="271" r:id="rId20"/>
-    <p:sldId id="272" r:id="rId21"/>
-    <p:sldId id="273" r:id="rId22"/>
-    <p:sldId id="274" r:id="rId23"/>
-    <p:sldId id="275" r:id="rId24"/>
-    <p:sldId id="276" r:id="rId25"/>
-    <p:sldId id="277" r:id="rId26"/>
+    <p:sldId id="256" r:id="rId2"/>
+    <p:sldId id="257" r:id="rId3"/>
+    <p:sldId id="258" r:id="rId4"/>
+    <p:sldId id="259" r:id="rId5"/>
+    <p:sldId id="260" r:id="rId6"/>
+    <p:sldId id="261" r:id="rId7"/>
+    <p:sldId id="262" r:id="rId8"/>
+    <p:sldId id="263" r:id="rId9"/>
+    <p:sldId id="264" r:id="rId10"/>
+    <p:sldId id="265" r:id="rId11"/>
+    <p:sldId id="266" r:id="rId12"/>
+    <p:sldId id="267" r:id="rId13"/>
+    <p:sldId id="268" r:id="rId14"/>
+    <p:sldId id="269" r:id="rId15"/>
+    <p:sldId id="270" r:id="rId16"/>
+    <p:sldId id="271" r:id="rId17"/>
+    <p:sldId id="272" r:id="rId18"/>
+    <p:sldId id="273" r:id="rId19"/>
+    <p:sldId id="274" r:id="rId20"/>
+    <p:sldId id="275" r:id="rId21"/>
+    <p:sldId id="276" r:id="rId22"/>
+    <p:sldId id="277" r:id="rId23"/>
   </p:sldIdLst>
-  <p:sldSz cy="5143500" cx="9144000"/>
+  <p:sldSz cx="9144000" cy="5143500" type="screen16x9"/>
   <p:notesSz cx="6858000" cy="9144000"/>
   <p:defaultTextStyle>
-    <a:defPPr lvl="0" marR="0" rtl="0" algn="l">
+    <a:defPPr marR="0" lvl="0" algn="l" rtl="0">
       <a:lnSpc>
         <a:spcPct val="100000"/>
       </a:lnSpc>
@@ -45,7 +45,7 @@
         <a:spcPts val="0"/>
       </a:spcAft>
     </a:defPPr>
-    <a:lvl1pPr lvl="0" marR="0" rtl="0" algn="l">
+    <a:lvl1pPr marR="0" lvl="0" algn="l" rtl="0">
       <a:lnSpc>
         <a:spcPct val="100000"/>
       </a:lnSpc>
@@ -59,7 +59,7 @@
         <a:srgbClr val="000000"/>
       </a:buClr>
       <a:buFont typeface="Arial"/>
-      <a:defRPr b="0" i="0" sz="1400" u="none" cap="none" strike="noStrike">
+      <a:defRPr sz="1400" b="0" i="0" u="none" strike="noStrike" cap="none">
         <a:solidFill>
           <a:srgbClr val="000000"/>
         </a:solidFill>
@@ -69,7 +69,7 @@
         <a:sym typeface="Arial"/>
       </a:defRPr>
     </a:lvl1pPr>
-    <a:lvl2pPr lvl="1" marR="0" rtl="0" algn="l">
+    <a:lvl2pPr marR="0" lvl="1" algn="l" rtl="0">
       <a:lnSpc>
         <a:spcPct val="100000"/>
       </a:lnSpc>
@@ -83,7 +83,7 @@
         <a:srgbClr val="000000"/>
       </a:buClr>
       <a:buFont typeface="Arial"/>
-      <a:defRPr b="0" i="0" sz="1400" u="none" cap="none" strike="noStrike">
+      <a:defRPr sz="1400" b="0" i="0" u="none" strike="noStrike" cap="none">
         <a:solidFill>
           <a:srgbClr val="000000"/>
         </a:solidFill>
@@ -93,7 +93,7 @@
         <a:sym typeface="Arial"/>
       </a:defRPr>
     </a:lvl2pPr>
-    <a:lvl3pPr lvl="2" marR="0" rtl="0" algn="l">
+    <a:lvl3pPr marR="0" lvl="2" algn="l" rtl="0">
       <a:lnSpc>
         <a:spcPct val="100000"/>
       </a:lnSpc>
@@ -107,7 +107,7 @@
         <a:srgbClr val="000000"/>
       </a:buClr>
       <a:buFont typeface="Arial"/>
-      <a:defRPr b="0" i="0" sz="1400" u="none" cap="none" strike="noStrike">
+      <a:defRPr sz="1400" b="0" i="0" u="none" strike="noStrike" cap="none">
         <a:solidFill>
           <a:srgbClr val="000000"/>
         </a:solidFill>
@@ -117,7 +117,7 @@
         <a:sym typeface="Arial"/>
       </a:defRPr>
     </a:lvl3pPr>
-    <a:lvl4pPr lvl="3" marR="0" rtl="0" algn="l">
+    <a:lvl4pPr marR="0" lvl="3" algn="l" rtl="0">
       <a:lnSpc>
         <a:spcPct val="100000"/>
       </a:lnSpc>
@@ -131,7 +131,7 @@
         <a:srgbClr val="000000"/>
       </a:buClr>
       <a:buFont typeface="Arial"/>
-      <a:defRPr b="0" i="0" sz="1400" u="none" cap="none" strike="noStrike">
+      <a:defRPr sz="1400" b="0" i="0" u="none" strike="noStrike" cap="none">
         <a:solidFill>
           <a:srgbClr val="000000"/>
         </a:solidFill>
@@ -141,7 +141,7 @@
         <a:sym typeface="Arial"/>
       </a:defRPr>
     </a:lvl4pPr>
-    <a:lvl5pPr lvl="4" marR="0" rtl="0" algn="l">
+    <a:lvl5pPr marR="0" lvl="4" algn="l" rtl="0">
       <a:lnSpc>
         <a:spcPct val="100000"/>
       </a:lnSpc>
@@ -155,7 +155,7 @@
         <a:srgbClr val="000000"/>
       </a:buClr>
       <a:buFont typeface="Arial"/>
-      <a:defRPr b="0" i="0" sz="1400" u="none" cap="none" strike="noStrike">
+      <a:defRPr sz="1400" b="0" i="0" u="none" strike="noStrike" cap="none">
         <a:solidFill>
           <a:srgbClr val="000000"/>
         </a:solidFill>
@@ -165,7 +165,7 @@
         <a:sym typeface="Arial"/>
       </a:defRPr>
     </a:lvl5pPr>
-    <a:lvl6pPr lvl="5" marR="0" rtl="0" algn="l">
+    <a:lvl6pPr marR="0" lvl="5" algn="l" rtl="0">
       <a:lnSpc>
         <a:spcPct val="100000"/>
       </a:lnSpc>
@@ -179,7 +179,7 @@
         <a:srgbClr val="000000"/>
       </a:buClr>
       <a:buFont typeface="Arial"/>
-      <a:defRPr b="0" i="0" sz="1400" u="none" cap="none" strike="noStrike">
+      <a:defRPr sz="1400" b="0" i="0" u="none" strike="noStrike" cap="none">
         <a:solidFill>
           <a:srgbClr val="000000"/>
         </a:solidFill>
@@ -189,7 +189,7 @@
         <a:sym typeface="Arial"/>
       </a:defRPr>
     </a:lvl6pPr>
-    <a:lvl7pPr lvl="6" marR="0" rtl="0" algn="l">
+    <a:lvl7pPr marR="0" lvl="6" algn="l" rtl="0">
       <a:lnSpc>
         <a:spcPct val="100000"/>
       </a:lnSpc>
@@ -203,7 +203,7 @@
         <a:srgbClr val="000000"/>
       </a:buClr>
       <a:buFont typeface="Arial"/>
-      <a:defRPr b="0" i="0" sz="1400" u="none" cap="none" strike="noStrike">
+      <a:defRPr sz="1400" b="0" i="0" u="none" strike="noStrike" cap="none">
         <a:solidFill>
           <a:srgbClr val="000000"/>
         </a:solidFill>
@@ -213,7 +213,7 @@
         <a:sym typeface="Arial"/>
       </a:defRPr>
     </a:lvl7pPr>
-    <a:lvl8pPr lvl="7" marR="0" rtl="0" algn="l">
+    <a:lvl8pPr marR="0" lvl="7" algn="l" rtl="0">
       <a:lnSpc>
         <a:spcPct val="100000"/>
       </a:lnSpc>
@@ -227,7 +227,7 @@
         <a:srgbClr val="000000"/>
       </a:buClr>
       <a:buFont typeface="Arial"/>
-      <a:defRPr b="0" i="0" sz="1400" u="none" cap="none" strike="noStrike">
+      <a:defRPr sz="1400" b="0" i="0" u="none" strike="noStrike" cap="none">
         <a:solidFill>
           <a:srgbClr val="000000"/>
         </a:solidFill>
@@ -237,7 +237,7 @@
         <a:sym typeface="Arial"/>
       </a:defRPr>
     </a:lvl8pPr>
-    <a:lvl9pPr lvl="8" marR="0" rtl="0" algn="l">
+    <a:lvl9pPr marR="0" lvl="8" algn="l" rtl="0">
       <a:lnSpc>
         <a:spcPct val="100000"/>
       </a:lnSpc>
@@ -251,7 +251,7 @@
         <a:srgbClr val="000000"/>
       </a:buClr>
       <a:buFont typeface="Arial"/>
-      <a:defRPr b="0" i="0" sz="1400" u="none" cap="none" strike="noStrike">
+      <a:defRPr sz="1400" b="0" i="0" u="none" strike="noStrike" cap="none">
         <a:solidFill>
           <a:srgbClr val="000000"/>
         </a:solidFill>
@@ -266,11 +266,16 @@
 </file>
 
 <file path=ppt/notesMasters/notesMaster1.xml><?xml version="1.0" encoding="utf-8"?>
-<p:notesMaster xmlns:a="http://schemas.openxmlformats.org/drawingml/2006/main" xmlns:r="http://schemas.openxmlformats.org/officeDocument/2006/relationships" xmlns:mc="http://schemas.openxmlformats.org/markup-compatibility/2006" xmlns:mv="urn:schemas-microsoft-com:mac:vml" xmlns:p="http://schemas.openxmlformats.org/presentationml/2006/main" xmlns:c="http://schemas.openxmlformats.org/drawingml/2006/chart" xmlns:dgm="http://schemas.openxmlformats.org/drawingml/2006/diagram" xmlns:o="urn:schemas-microsoft-com:office:office" xmlns:v="urn:schemas-microsoft-com:vml" xmlns:pvml="urn:schemas-microsoft-com:office:powerpoint" xmlns:com="http://schemas.openxmlformats.org/drawingml/2006/compatibility" xmlns:p14="http://schemas.microsoft.com/office/powerpoint/2010/main" xmlns:p15="http://schemas.microsoft.com/office/powerpoint/2012/main">
+<p:notesMaster xmlns:a="http://schemas.openxmlformats.org/drawingml/2006/main" xmlns:r="http://schemas.openxmlformats.org/officeDocument/2006/relationships" xmlns:p="http://schemas.openxmlformats.org/presentationml/2006/main">
   <p:cSld>
+    <p:bg>
+      <p:bgRef idx="1001">
+        <a:schemeClr val="bg1"/>
+      </p:bgRef>
+    </p:bg>
     <p:spTree>
       <p:nvGrpSpPr>
-        <p:cNvPr id="2" name="Shape 2"/>
+        <p:cNvPr id="1" name="Shape 2"/>
         <p:cNvGrpSpPr/>
         <p:nvPr/>
       </p:nvGrpSpPr>
@@ -285,9 +290,11 @@
       <p:sp>
         <p:nvSpPr>
           <p:cNvPr id="3" name="Shape 3"/>
-          <p:cNvSpPr/>
+          <p:cNvSpPr>
+            <a:spLocks noGrp="1" noRot="1" noChangeAspect="1"/>
+          </p:cNvSpPr>
           <p:nvPr>
-            <p:ph idx="2" type="sldImg"/>
+            <p:ph type="sldImg" idx="2"/>
           </p:nvPr>
         </p:nvSpPr>
         <p:spPr>
@@ -296,8 +303,13 @@
             <a:ext cx="6096075" cy="3429000"/>
           </a:xfrm>
           <a:custGeom>
+            <a:avLst/>
+            <a:gdLst/>
+            <a:ahLst/>
+            <a:cxnLst/>
+            <a:rect l="0" t="0" r="0" b="0"/>
             <a:pathLst>
-              <a:path extrusionOk="0" h="120000" w="120000">
+              <a:path w="120000" h="120000" extrusionOk="0">
                 <a:moveTo>
                   <a:pt x="0" y="0"/>
                 </a:moveTo>
@@ -315,23 +327,25 @@
             </a:pathLst>
           </a:custGeom>
           <a:noFill/>
-          <a:ln cap="flat" cmpd="sng" w="9525">
+          <a:ln w="9525" cap="flat" cmpd="sng">
             <a:solidFill>
               <a:srgbClr val="000000"/>
             </a:solidFill>
             <a:prstDash val="solid"/>
             <a:round/>
-            <a:headEnd len="sm" w="sm" type="none"/>
-            <a:tailEnd len="sm" w="sm" type="none"/>
+            <a:headEnd type="none" w="sm" len="sm"/>
+            <a:tailEnd type="none" w="sm" len="sm"/>
           </a:ln>
         </p:spPr>
       </p:sp>
       <p:sp>
         <p:nvSpPr>
           <p:cNvPr id="4" name="Shape 4"/>
-          <p:cNvSpPr txBox="1"/>
+          <p:cNvSpPr txBox="1">
+            <a:spLocks noGrp="1"/>
+          </p:cNvSpPr>
           <p:nvPr>
-            <p:ph idx="1" type="body"/>
+            <p:ph type="body" idx="1"/>
           </p:nvPr>
         </p:nvSpPr>
         <p:spPr>
@@ -348,9 +362,9 @@
           </a:ln>
         </p:spPr>
         <p:txBody>
-          <a:bodyPr anchorCtr="0" anchor="t" bIns="91425" lIns="91425" spcFirstLastPara="1" rIns="91425" wrap="square" tIns="91425"/>
+          <a:bodyPr spcFirstLastPara="1" wrap="square" lIns="91425" tIns="91425" rIns="91425" bIns="91425" anchor="t" anchorCtr="0"/>
           <a:lstStyle>
-            <a:lvl1pPr indent="-298450" lvl="0" marL="457200">
+            <a:lvl1pPr marL="457200" lvl="0" indent="-298450">
               <a:spcBef>
                 <a:spcPts val="0"/>
               </a:spcBef>
@@ -361,7 +375,7 @@
               <a:buChar char="●"/>
               <a:defRPr sz="1100"/>
             </a:lvl1pPr>
-            <a:lvl2pPr indent="-298450" lvl="1" marL="914400">
+            <a:lvl2pPr marL="914400" lvl="1" indent="-298450">
               <a:spcBef>
                 <a:spcPts val="0"/>
               </a:spcBef>
@@ -372,7 +386,7 @@
               <a:buChar char="○"/>
               <a:defRPr sz="1100"/>
             </a:lvl2pPr>
-            <a:lvl3pPr indent="-298450" lvl="2" marL="1371600">
+            <a:lvl3pPr marL="1371600" lvl="2" indent="-298450">
               <a:spcBef>
                 <a:spcPts val="0"/>
               </a:spcBef>
@@ -383,7 +397,7 @@
               <a:buChar char="■"/>
               <a:defRPr sz="1100"/>
             </a:lvl3pPr>
-            <a:lvl4pPr indent="-298450" lvl="3" marL="1828800">
+            <a:lvl4pPr marL="1828800" lvl="3" indent="-298450">
               <a:spcBef>
                 <a:spcPts val="0"/>
               </a:spcBef>
@@ -394,7 +408,7 @@
               <a:buChar char="●"/>
               <a:defRPr sz="1100"/>
             </a:lvl4pPr>
-            <a:lvl5pPr indent="-298450" lvl="4" marL="2286000">
+            <a:lvl5pPr marL="2286000" lvl="4" indent="-298450">
               <a:spcBef>
                 <a:spcPts val="0"/>
               </a:spcBef>
@@ -405,7 +419,7 @@
               <a:buChar char="○"/>
               <a:defRPr sz="1100"/>
             </a:lvl5pPr>
-            <a:lvl6pPr indent="-298450" lvl="5" marL="2743200">
+            <a:lvl6pPr marL="2743200" lvl="5" indent="-298450">
               <a:spcBef>
                 <a:spcPts val="0"/>
               </a:spcBef>
@@ -416,7 +430,7 @@
               <a:buChar char="■"/>
               <a:defRPr sz="1100"/>
             </a:lvl6pPr>
-            <a:lvl7pPr indent="-298450" lvl="6" marL="3200400">
+            <a:lvl7pPr marL="3200400" lvl="6" indent="-298450">
               <a:spcBef>
                 <a:spcPts val="0"/>
               </a:spcBef>
@@ -427,7 +441,7 @@
               <a:buChar char="●"/>
               <a:defRPr sz="1100"/>
             </a:lvl7pPr>
-            <a:lvl8pPr indent="-298450" lvl="7" marL="3657600">
+            <a:lvl8pPr marL="3657600" lvl="7" indent="-298450">
               <a:spcBef>
                 <a:spcPts val="0"/>
               </a:spcBef>
@@ -438,7 +452,7 @@
               <a:buChar char="○"/>
               <a:defRPr sz="1100"/>
             </a:lvl8pPr>
-            <a:lvl9pPr indent="-298450" lvl="8" marL="4114800">
+            <a:lvl9pPr marL="4114800" lvl="8" indent="-298450">
               <a:spcBef>
                 <a:spcPts val="0"/>
               </a:spcBef>
@@ -450,14 +464,16 @@
               <a:defRPr sz="1100"/>
             </a:lvl9pPr>
           </a:lstStyle>
-          <a:p/>
+          <a:p>
+            <a:endParaRPr/>
+          </a:p>
         </p:txBody>
       </p:sp>
     </p:spTree>
   </p:cSld>
-  <p:clrMap accent1="accent1" accent2="accent2" accent3="accent3" accent4="accent4" accent5="accent5" accent6="accent6" bg1="lt1" bg2="dk2" tx1="dk1" tx2="lt2" folHlink="folHlink" hlink="hlink"/>
+  <p:clrMap bg1="lt1" tx1="dk1" bg2="dk2" tx2="lt2" accent1="accent1" accent2="accent2" accent3="accent3" accent4="accent4" accent5="accent5" accent6="accent6" hlink="hlink" folHlink="folHlink"/>
   <p:notesStyle>
-    <a:defPPr lvl="0" marR="0" rtl="0" algn="l">
+    <a:defPPr marR="0" lvl="0" algn="l" rtl="0">
       <a:lnSpc>
         <a:spcPct val="100000"/>
       </a:lnSpc>
@@ -468,7 +484,7 @@
         <a:spcPts val="0"/>
       </a:spcAft>
     </a:defPPr>
-    <a:lvl1pPr lvl="0" marR="0" rtl="0" algn="l">
+    <a:lvl1pPr marR="0" lvl="0" algn="l" rtl="0">
       <a:lnSpc>
         <a:spcPct val="100000"/>
       </a:lnSpc>
@@ -482,7 +498,7 @@
         <a:srgbClr val="000000"/>
       </a:buClr>
       <a:buFont typeface="Arial"/>
-      <a:defRPr b="0" i="0" sz="1400" u="none" cap="none" strike="noStrike">
+      <a:defRPr sz="1400" b="0" i="0" u="none" strike="noStrike" cap="none">
         <a:solidFill>
           <a:srgbClr val="000000"/>
         </a:solidFill>
@@ -492,7 +508,7 @@
         <a:sym typeface="Arial"/>
       </a:defRPr>
     </a:lvl1pPr>
-    <a:lvl2pPr lvl="1" marR="0" rtl="0" algn="l">
+    <a:lvl2pPr marR="0" lvl="1" algn="l" rtl="0">
       <a:lnSpc>
         <a:spcPct val="100000"/>
       </a:lnSpc>
@@ -506,7 +522,7 @@
         <a:srgbClr val="000000"/>
       </a:buClr>
       <a:buFont typeface="Arial"/>
-      <a:defRPr b="0" i="0" sz="1400" u="none" cap="none" strike="noStrike">
+      <a:defRPr sz="1400" b="0" i="0" u="none" strike="noStrike" cap="none">
         <a:solidFill>
           <a:srgbClr val="000000"/>
         </a:solidFill>
@@ -516,7 +532,7 @@
         <a:sym typeface="Arial"/>
       </a:defRPr>
     </a:lvl2pPr>
-    <a:lvl3pPr lvl="2" marR="0" rtl="0" algn="l">
+    <a:lvl3pPr marR="0" lvl="2" algn="l" rtl="0">
       <a:lnSpc>
         <a:spcPct val="100000"/>
       </a:lnSpc>
@@ -530,7 +546,7 @@
         <a:srgbClr val="000000"/>
       </a:buClr>
       <a:buFont typeface="Arial"/>
-      <a:defRPr b="0" i="0" sz="1400" u="none" cap="none" strike="noStrike">
+      <a:defRPr sz="1400" b="0" i="0" u="none" strike="noStrike" cap="none">
         <a:solidFill>
           <a:srgbClr val="000000"/>
         </a:solidFill>
@@ -540,7 +556,7 @@
         <a:sym typeface="Arial"/>
       </a:defRPr>
     </a:lvl3pPr>
-    <a:lvl4pPr lvl="3" marR="0" rtl="0" algn="l">
+    <a:lvl4pPr marR="0" lvl="3" algn="l" rtl="0">
       <a:lnSpc>
         <a:spcPct val="100000"/>
       </a:lnSpc>
@@ -554,7 +570,7 @@
         <a:srgbClr val="000000"/>
       </a:buClr>
       <a:buFont typeface="Arial"/>
-      <a:defRPr b="0" i="0" sz="1400" u="none" cap="none" strike="noStrike">
+      <a:defRPr sz="1400" b="0" i="0" u="none" strike="noStrike" cap="none">
         <a:solidFill>
           <a:srgbClr val="000000"/>
         </a:solidFill>
@@ -564,7 +580,7 @@
         <a:sym typeface="Arial"/>
       </a:defRPr>
     </a:lvl4pPr>
-    <a:lvl5pPr lvl="4" marR="0" rtl="0" algn="l">
+    <a:lvl5pPr marR="0" lvl="4" algn="l" rtl="0">
       <a:lnSpc>
         <a:spcPct val="100000"/>
       </a:lnSpc>
@@ -578,7 +594,7 @@
         <a:srgbClr val="000000"/>
       </a:buClr>
       <a:buFont typeface="Arial"/>
-      <a:defRPr b="0" i="0" sz="1400" u="none" cap="none" strike="noStrike">
+      <a:defRPr sz="1400" b="0" i="0" u="none" strike="noStrike" cap="none">
         <a:solidFill>
           <a:srgbClr val="000000"/>
         </a:solidFill>
@@ -588,7 +604,7 @@
         <a:sym typeface="Arial"/>
       </a:defRPr>
     </a:lvl5pPr>
-    <a:lvl6pPr lvl="5" marR="0" rtl="0" algn="l">
+    <a:lvl6pPr marR="0" lvl="5" algn="l" rtl="0">
       <a:lnSpc>
         <a:spcPct val="100000"/>
       </a:lnSpc>
@@ -602,7 +618,7 @@
         <a:srgbClr val="000000"/>
       </a:buClr>
       <a:buFont typeface="Arial"/>
-      <a:defRPr b="0" i="0" sz="1400" u="none" cap="none" strike="noStrike">
+      <a:defRPr sz="1400" b="0" i="0" u="none" strike="noStrike" cap="none">
         <a:solidFill>
           <a:srgbClr val="000000"/>
         </a:solidFill>
@@ -612,7 +628,7 @@
         <a:sym typeface="Arial"/>
       </a:defRPr>
     </a:lvl6pPr>
-    <a:lvl7pPr lvl="6" marR="0" rtl="0" algn="l">
+    <a:lvl7pPr marR="0" lvl="6" algn="l" rtl="0">
       <a:lnSpc>
         <a:spcPct val="100000"/>
       </a:lnSpc>
@@ -626,7 +642,7 @@
         <a:srgbClr val="000000"/>
       </a:buClr>
       <a:buFont typeface="Arial"/>
-      <a:defRPr b="0" i="0" sz="1400" u="none" cap="none" strike="noStrike">
+      <a:defRPr sz="1400" b="0" i="0" u="none" strike="noStrike" cap="none">
         <a:solidFill>
           <a:srgbClr val="000000"/>
         </a:solidFill>
@@ -636,7 +652,7 @@
         <a:sym typeface="Arial"/>
       </a:defRPr>
     </a:lvl7pPr>
-    <a:lvl8pPr lvl="7" marR="0" rtl="0" algn="l">
+    <a:lvl8pPr marR="0" lvl="7" algn="l" rtl="0">
       <a:lnSpc>
         <a:spcPct val="100000"/>
       </a:lnSpc>
@@ -650,7 +666,7 @@
         <a:srgbClr val="000000"/>
       </a:buClr>
       <a:buFont typeface="Arial"/>
-      <a:defRPr b="0" i="0" sz="1400" u="none" cap="none" strike="noStrike">
+      <a:defRPr sz="1400" b="0" i="0" u="none" strike="noStrike" cap="none">
         <a:solidFill>
           <a:srgbClr val="000000"/>
         </a:solidFill>
@@ -660,7 +676,7 @@
         <a:sym typeface="Arial"/>
       </a:defRPr>
     </a:lvl8pPr>
-    <a:lvl9pPr lvl="8" marR="0" rtl="0" algn="l">
+    <a:lvl9pPr marR="0" lvl="8" algn="l" rtl="0">
       <a:lnSpc>
         <a:spcPct val="100000"/>
       </a:lnSpc>
@@ -674,7 +690,7 @@
         <a:srgbClr val="000000"/>
       </a:buClr>
       <a:buFont typeface="Arial"/>
-      <a:defRPr b="0" i="0" sz="1400" u="none" cap="none" strike="noStrike">
+      <a:defRPr sz="1400" b="0" i="0" u="none" strike="noStrike" cap="none">
         <a:solidFill>
           <a:srgbClr val="000000"/>
         </a:solidFill>
@@ -689,11 +705,11 @@
 </file>
 
 <file path=ppt/notesSlides/notesSlide1.xml><?xml version="1.0" encoding="utf-8"?>
-<p:notes xmlns:a="http://schemas.openxmlformats.org/drawingml/2006/main" xmlns:r="http://schemas.openxmlformats.org/officeDocument/2006/relationships" xmlns:mc="http://schemas.openxmlformats.org/markup-compatibility/2006" xmlns:mv="urn:schemas-microsoft-com:mac:vml" xmlns:p="http://schemas.openxmlformats.org/presentationml/2006/main" xmlns:c="http://schemas.openxmlformats.org/drawingml/2006/chart" xmlns:dgm="http://schemas.openxmlformats.org/drawingml/2006/diagram" xmlns:o="urn:schemas-microsoft-com:office:office" xmlns:v="urn:schemas-microsoft-com:vml" xmlns:pvml="urn:schemas-microsoft-com:office:powerpoint" xmlns:com="http://schemas.openxmlformats.org/drawingml/2006/compatibility" xmlns:p14="http://schemas.microsoft.com/office/powerpoint/2010/main" xmlns:p15="http://schemas.microsoft.com/office/powerpoint/2012/main" showMasterPhAnim="0" showMasterSp="0">
+<p:notes xmlns:a="http://schemas.openxmlformats.org/drawingml/2006/main" xmlns:r="http://schemas.openxmlformats.org/officeDocument/2006/relationships" xmlns:p="http://schemas.openxmlformats.org/presentationml/2006/main" showMasterSp="0" showMasterPhAnim="0">
   <p:cSld>
     <p:spTree>
       <p:nvGrpSpPr>
-        <p:cNvPr id="50" name="Shape 50"/>
+        <p:cNvPr id="1" name="Shape 50"/>
         <p:cNvGrpSpPr/>
         <p:nvPr/>
       </p:nvGrpSpPr>
@@ -708,9 +724,11 @@
       <p:sp>
         <p:nvSpPr>
           <p:cNvPr id="51" name="Shape 51"/>
-          <p:cNvSpPr/>
+          <p:cNvSpPr>
+            <a:spLocks noGrp="1" noRot="1" noChangeAspect="1"/>
+          </p:cNvSpPr>
           <p:nvPr>
-            <p:ph idx="2" type="sldImg"/>
+            <p:ph type="sldImg" idx="2"/>
           </p:nvPr>
         </p:nvSpPr>
         <p:spPr>
@@ -719,8 +737,13 @@
             <a:ext cx="6096075" cy="3429000"/>
           </a:xfrm>
           <a:custGeom>
+            <a:avLst/>
+            <a:gdLst/>
+            <a:ahLst/>
+            <a:cxnLst/>
+            <a:rect l="0" t="0" r="0" b="0"/>
             <a:pathLst>
-              <a:path extrusionOk="0" h="120000" w="120000">
+              <a:path w="120000" h="120000" extrusionOk="0">
                 <a:moveTo>
                   <a:pt x="0" y="0"/>
                 </a:moveTo>
@@ -742,9 +765,11 @@
       <p:sp>
         <p:nvSpPr>
           <p:cNvPr id="52" name="Shape 52"/>
-          <p:cNvSpPr txBox="1"/>
+          <p:cNvSpPr txBox="1">
+            <a:spLocks noGrp="1"/>
+          </p:cNvSpPr>
           <p:nvPr>
-            <p:ph idx="1" type="body"/>
+            <p:ph type="body" idx="1"/>
           </p:nvPr>
         </p:nvSpPr>
         <p:spPr>
@@ -757,12 +782,12 @@
           </a:prstGeom>
         </p:spPr>
         <p:txBody>
-          <a:bodyPr anchorCtr="0" anchor="t" bIns="91425" lIns="91425" spcFirstLastPara="1" rIns="91425" wrap="square" tIns="91425">
+          <a:bodyPr spcFirstLastPara="1" wrap="square" lIns="91425" tIns="91425" rIns="91425" bIns="91425" anchor="t" anchorCtr="0">
             <a:noAutofit/>
           </a:bodyPr>
           <a:lstStyle/>
           <a:p>
-            <a:pPr indent="0" lvl="0" marL="0">
+            <a:pPr marL="0" lvl="0" indent="0">
               <a:spcBef>
                 <a:spcPts val="0"/>
               </a:spcBef>
@@ -771,9 +796,6 @@
               </a:spcAft>
               <a:buNone/>
             </a:pPr>
-            <a:r>
-              <a:t/>
-            </a:r>
             <a:endParaRPr/>
           </a:p>
         </p:txBody>
@@ -787,11 +809,11 @@
 </file>
 
 <file path=ppt/notesSlides/notesSlide10.xml><?xml version="1.0" encoding="utf-8"?>
-<p:notes xmlns:a="http://schemas.openxmlformats.org/drawingml/2006/main" xmlns:r="http://schemas.openxmlformats.org/officeDocument/2006/relationships" xmlns:mc="http://schemas.openxmlformats.org/markup-compatibility/2006" xmlns:mv="urn:schemas-microsoft-com:mac:vml" xmlns:p="http://schemas.openxmlformats.org/presentationml/2006/main" xmlns:c="http://schemas.openxmlformats.org/drawingml/2006/chart" xmlns:dgm="http://schemas.openxmlformats.org/drawingml/2006/diagram" xmlns:o="urn:schemas-microsoft-com:office:office" xmlns:v="urn:schemas-microsoft-com:vml" xmlns:pvml="urn:schemas-microsoft-com:office:powerpoint" xmlns:com="http://schemas.openxmlformats.org/drawingml/2006/compatibility" xmlns:p14="http://schemas.microsoft.com/office/powerpoint/2010/main" xmlns:p15="http://schemas.microsoft.com/office/powerpoint/2012/main" showMasterPhAnim="0" showMasterSp="0">
+<p:notes xmlns:a="http://schemas.openxmlformats.org/drawingml/2006/main" xmlns:r="http://schemas.openxmlformats.org/officeDocument/2006/relationships" xmlns:p="http://schemas.openxmlformats.org/presentationml/2006/main" showMasterSp="0" showMasterPhAnim="0">
   <p:cSld>
     <p:spTree>
       <p:nvGrpSpPr>
-        <p:cNvPr id="105" name="Shape 105"/>
+        <p:cNvPr id="1" name="Shape 105"/>
         <p:cNvGrpSpPr/>
         <p:nvPr/>
       </p:nvGrpSpPr>
@@ -806,9 +828,11 @@
       <p:sp>
         <p:nvSpPr>
           <p:cNvPr id="106" name="Shape 106"/>
-          <p:cNvSpPr/>
+          <p:cNvSpPr>
+            <a:spLocks noGrp="1" noRot="1" noChangeAspect="1"/>
+          </p:cNvSpPr>
           <p:nvPr>
-            <p:ph idx="2" type="sldImg"/>
+            <p:ph type="sldImg" idx="2"/>
           </p:nvPr>
         </p:nvSpPr>
         <p:spPr>
@@ -817,8 +841,13 @@
             <a:ext cx="6096000" cy="3429000"/>
           </a:xfrm>
           <a:custGeom>
+            <a:avLst/>
+            <a:gdLst/>
+            <a:ahLst/>
+            <a:cxnLst/>
+            <a:rect l="0" t="0" r="0" b="0"/>
             <a:pathLst>
-              <a:path extrusionOk="0" h="120000" w="120000">
+              <a:path w="120000" h="120000" extrusionOk="0">
                 <a:moveTo>
                   <a:pt x="0" y="0"/>
                 </a:moveTo>
@@ -840,9 +869,11 @@
       <p:sp>
         <p:nvSpPr>
           <p:cNvPr id="107" name="Shape 107"/>
-          <p:cNvSpPr txBox="1"/>
+          <p:cNvSpPr txBox="1">
+            <a:spLocks noGrp="1"/>
+          </p:cNvSpPr>
           <p:nvPr>
-            <p:ph idx="1" type="body"/>
+            <p:ph type="body" idx="1"/>
           </p:nvPr>
         </p:nvSpPr>
         <p:spPr>
@@ -855,12 +886,12 @@
           </a:prstGeom>
         </p:spPr>
         <p:txBody>
-          <a:bodyPr anchorCtr="0" anchor="t" bIns="91425" lIns="91425" spcFirstLastPara="1" rIns="91425" wrap="square" tIns="91425">
+          <a:bodyPr spcFirstLastPara="1" wrap="square" lIns="91425" tIns="91425" rIns="91425" bIns="91425" anchor="t" anchorCtr="0">
             <a:noAutofit/>
           </a:bodyPr>
           <a:lstStyle/>
           <a:p>
-            <a:pPr indent="0" lvl="0" marL="0" rtl="0">
+            <a:pPr marL="0" lvl="0" indent="0" rtl="0">
               <a:spcBef>
                 <a:spcPts val="0"/>
               </a:spcBef>
@@ -869,9 +900,6 @@
               </a:spcAft>
               <a:buNone/>
             </a:pPr>
-            <a:r>
-              <a:t/>
-            </a:r>
             <a:endParaRPr/>
           </a:p>
         </p:txBody>
@@ -885,11 +913,11 @@
 </file>
 
 <file path=ppt/notesSlides/notesSlide11.xml><?xml version="1.0" encoding="utf-8"?>
-<p:notes xmlns:a="http://schemas.openxmlformats.org/drawingml/2006/main" xmlns:r="http://schemas.openxmlformats.org/officeDocument/2006/relationships" xmlns:mc="http://schemas.openxmlformats.org/markup-compatibility/2006" xmlns:mv="urn:schemas-microsoft-com:mac:vml" xmlns:p="http://schemas.openxmlformats.org/presentationml/2006/main" xmlns:c="http://schemas.openxmlformats.org/drawingml/2006/chart" xmlns:dgm="http://schemas.openxmlformats.org/drawingml/2006/diagram" xmlns:o="urn:schemas-microsoft-com:office:office" xmlns:v="urn:schemas-microsoft-com:vml" xmlns:pvml="urn:schemas-microsoft-com:office:powerpoint" xmlns:com="http://schemas.openxmlformats.org/drawingml/2006/compatibility" xmlns:p14="http://schemas.microsoft.com/office/powerpoint/2010/main" xmlns:p15="http://schemas.microsoft.com/office/powerpoint/2012/main" showMasterPhAnim="0" showMasterSp="0">
+<p:notes xmlns:a="http://schemas.openxmlformats.org/drawingml/2006/main" xmlns:r="http://schemas.openxmlformats.org/officeDocument/2006/relationships" xmlns:p="http://schemas.openxmlformats.org/presentationml/2006/main" showMasterSp="0" showMasterPhAnim="0">
   <p:cSld>
     <p:spTree>
       <p:nvGrpSpPr>
-        <p:cNvPr id="111" name="Shape 111"/>
+        <p:cNvPr id="1" name="Shape 111"/>
         <p:cNvGrpSpPr/>
         <p:nvPr/>
       </p:nvGrpSpPr>
@@ -904,9 +932,11 @@
       <p:sp>
         <p:nvSpPr>
           <p:cNvPr id="112" name="Shape 112"/>
-          <p:cNvSpPr/>
+          <p:cNvSpPr>
+            <a:spLocks noGrp="1" noRot="1" noChangeAspect="1"/>
+          </p:cNvSpPr>
           <p:nvPr>
-            <p:ph idx="2" type="sldImg"/>
+            <p:ph type="sldImg" idx="2"/>
           </p:nvPr>
         </p:nvSpPr>
         <p:spPr>
@@ -915,8 +945,13 @@
             <a:ext cx="6096000" cy="3429000"/>
           </a:xfrm>
           <a:custGeom>
+            <a:avLst/>
+            <a:gdLst/>
+            <a:ahLst/>
+            <a:cxnLst/>
+            <a:rect l="0" t="0" r="0" b="0"/>
             <a:pathLst>
-              <a:path extrusionOk="0" h="120000" w="120000">
+              <a:path w="120000" h="120000" extrusionOk="0">
                 <a:moveTo>
                   <a:pt x="0" y="0"/>
                 </a:moveTo>
@@ -938,9 +973,11 @@
       <p:sp>
         <p:nvSpPr>
           <p:cNvPr id="113" name="Shape 113"/>
-          <p:cNvSpPr txBox="1"/>
+          <p:cNvSpPr txBox="1">
+            <a:spLocks noGrp="1"/>
+          </p:cNvSpPr>
           <p:nvPr>
-            <p:ph idx="1" type="body"/>
+            <p:ph type="body" idx="1"/>
           </p:nvPr>
         </p:nvSpPr>
         <p:spPr>
@@ -953,12 +990,12 @@
           </a:prstGeom>
         </p:spPr>
         <p:txBody>
-          <a:bodyPr anchorCtr="0" anchor="t" bIns="91425" lIns="91425" spcFirstLastPara="1" rIns="91425" wrap="square" tIns="91425">
+          <a:bodyPr spcFirstLastPara="1" wrap="square" lIns="91425" tIns="91425" rIns="91425" bIns="91425" anchor="t" anchorCtr="0">
             <a:noAutofit/>
           </a:bodyPr>
           <a:lstStyle/>
           <a:p>
-            <a:pPr indent="0" lvl="0" marL="0" rtl="0">
+            <a:pPr marL="0" lvl="0" indent="0" rtl="0">
               <a:spcBef>
                 <a:spcPts val="0"/>
               </a:spcBef>
@@ -967,9 +1004,6 @@
               </a:spcAft>
               <a:buNone/>
             </a:pPr>
-            <a:r>
-              <a:t/>
-            </a:r>
             <a:endParaRPr/>
           </a:p>
         </p:txBody>
@@ -983,11 +1017,11 @@
 </file>
 
 <file path=ppt/notesSlides/notesSlide12.xml><?xml version="1.0" encoding="utf-8"?>
-<p:notes xmlns:a="http://schemas.openxmlformats.org/drawingml/2006/main" xmlns:r="http://schemas.openxmlformats.org/officeDocument/2006/relationships" xmlns:mc="http://schemas.openxmlformats.org/markup-compatibility/2006" xmlns:mv="urn:schemas-microsoft-com:mac:vml" xmlns:p="http://schemas.openxmlformats.org/presentationml/2006/main" xmlns:c="http://schemas.openxmlformats.org/drawingml/2006/chart" xmlns:dgm="http://schemas.openxmlformats.org/drawingml/2006/diagram" xmlns:o="urn:schemas-microsoft-com:office:office" xmlns:v="urn:schemas-microsoft-com:vml" xmlns:pvml="urn:schemas-microsoft-com:office:powerpoint" xmlns:com="http://schemas.openxmlformats.org/drawingml/2006/compatibility" xmlns:p14="http://schemas.microsoft.com/office/powerpoint/2010/main" xmlns:p15="http://schemas.microsoft.com/office/powerpoint/2012/main" showMasterPhAnim="0" showMasterSp="0">
+<p:notes xmlns:a="http://schemas.openxmlformats.org/drawingml/2006/main" xmlns:r="http://schemas.openxmlformats.org/officeDocument/2006/relationships" xmlns:p="http://schemas.openxmlformats.org/presentationml/2006/main" showMasterSp="0" showMasterPhAnim="0">
   <p:cSld>
     <p:spTree>
       <p:nvGrpSpPr>
-        <p:cNvPr id="117" name="Shape 117"/>
+        <p:cNvPr id="1" name="Shape 117"/>
         <p:cNvGrpSpPr/>
         <p:nvPr/>
       </p:nvGrpSpPr>
@@ -1002,9 +1036,11 @@
       <p:sp>
         <p:nvSpPr>
           <p:cNvPr id="118" name="Shape 118"/>
-          <p:cNvSpPr/>
+          <p:cNvSpPr>
+            <a:spLocks noGrp="1" noRot="1" noChangeAspect="1"/>
+          </p:cNvSpPr>
           <p:nvPr>
-            <p:ph idx="2" type="sldImg"/>
+            <p:ph type="sldImg" idx="2"/>
           </p:nvPr>
         </p:nvSpPr>
         <p:spPr>
@@ -1013,8 +1049,13 @@
             <a:ext cx="6096000" cy="3429000"/>
           </a:xfrm>
           <a:custGeom>
+            <a:avLst/>
+            <a:gdLst/>
+            <a:ahLst/>
+            <a:cxnLst/>
+            <a:rect l="0" t="0" r="0" b="0"/>
             <a:pathLst>
-              <a:path extrusionOk="0" h="120000" w="120000">
+              <a:path w="120000" h="120000" extrusionOk="0">
                 <a:moveTo>
                   <a:pt x="0" y="0"/>
                 </a:moveTo>
@@ -1036,9 +1077,11 @@
       <p:sp>
         <p:nvSpPr>
           <p:cNvPr id="119" name="Shape 119"/>
-          <p:cNvSpPr txBox="1"/>
+          <p:cNvSpPr txBox="1">
+            <a:spLocks noGrp="1"/>
+          </p:cNvSpPr>
           <p:nvPr>
-            <p:ph idx="1" type="body"/>
+            <p:ph type="body" idx="1"/>
           </p:nvPr>
         </p:nvSpPr>
         <p:spPr>
@@ -1051,12 +1094,12 @@
           </a:prstGeom>
         </p:spPr>
         <p:txBody>
-          <a:bodyPr anchorCtr="0" anchor="t" bIns="91425" lIns="91425" spcFirstLastPara="1" rIns="91425" wrap="square" tIns="91425">
+          <a:bodyPr spcFirstLastPara="1" wrap="square" lIns="91425" tIns="91425" rIns="91425" bIns="91425" anchor="t" anchorCtr="0">
             <a:noAutofit/>
           </a:bodyPr>
           <a:lstStyle/>
           <a:p>
-            <a:pPr indent="0" lvl="0" marL="0" rtl="0">
+            <a:pPr marL="0" lvl="0" indent="0" rtl="0">
               <a:spcBef>
                 <a:spcPts val="0"/>
               </a:spcBef>
@@ -1065,9 +1108,6 @@
               </a:spcAft>
               <a:buNone/>
             </a:pPr>
-            <a:r>
-              <a:t/>
-            </a:r>
             <a:endParaRPr/>
           </a:p>
         </p:txBody>
@@ -1081,11 +1121,11 @@
 </file>
 
 <file path=ppt/notesSlides/notesSlide13.xml><?xml version="1.0" encoding="utf-8"?>
-<p:notes xmlns:a="http://schemas.openxmlformats.org/drawingml/2006/main" xmlns:r="http://schemas.openxmlformats.org/officeDocument/2006/relationships" xmlns:mc="http://schemas.openxmlformats.org/markup-compatibility/2006" xmlns:mv="urn:schemas-microsoft-com:mac:vml" xmlns:p="http://schemas.openxmlformats.org/presentationml/2006/main" xmlns:c="http://schemas.openxmlformats.org/drawingml/2006/chart" xmlns:dgm="http://schemas.openxmlformats.org/drawingml/2006/diagram" xmlns:o="urn:schemas-microsoft-com:office:office" xmlns:v="urn:schemas-microsoft-com:vml" xmlns:pvml="urn:schemas-microsoft-com:office:powerpoint" xmlns:com="http://schemas.openxmlformats.org/drawingml/2006/compatibility" xmlns:p14="http://schemas.microsoft.com/office/powerpoint/2010/main" xmlns:p15="http://schemas.microsoft.com/office/powerpoint/2012/main" showMasterPhAnim="0" showMasterSp="0">
+<p:notes xmlns:a="http://schemas.openxmlformats.org/drawingml/2006/main" xmlns:r="http://schemas.openxmlformats.org/officeDocument/2006/relationships" xmlns:p="http://schemas.openxmlformats.org/presentationml/2006/main" showMasterSp="0" showMasterPhAnim="0">
   <p:cSld>
     <p:spTree>
       <p:nvGrpSpPr>
-        <p:cNvPr id="123" name="Shape 123"/>
+        <p:cNvPr id="1" name="Shape 123"/>
         <p:cNvGrpSpPr/>
         <p:nvPr/>
       </p:nvGrpSpPr>
@@ -1100,9 +1140,11 @@
       <p:sp>
         <p:nvSpPr>
           <p:cNvPr id="124" name="Shape 124"/>
-          <p:cNvSpPr/>
+          <p:cNvSpPr>
+            <a:spLocks noGrp="1" noRot="1" noChangeAspect="1"/>
+          </p:cNvSpPr>
           <p:nvPr>
-            <p:ph idx="2" type="sldImg"/>
+            <p:ph type="sldImg" idx="2"/>
           </p:nvPr>
         </p:nvSpPr>
         <p:spPr>
@@ -1111,8 +1153,13 @@
             <a:ext cx="6096000" cy="3429000"/>
           </a:xfrm>
           <a:custGeom>
+            <a:avLst/>
+            <a:gdLst/>
+            <a:ahLst/>
+            <a:cxnLst/>
+            <a:rect l="0" t="0" r="0" b="0"/>
             <a:pathLst>
-              <a:path extrusionOk="0" h="120000" w="120000">
+              <a:path w="120000" h="120000" extrusionOk="0">
                 <a:moveTo>
                   <a:pt x="0" y="0"/>
                 </a:moveTo>
@@ -1134,9 +1181,11 @@
       <p:sp>
         <p:nvSpPr>
           <p:cNvPr id="125" name="Shape 125"/>
-          <p:cNvSpPr txBox="1"/>
+          <p:cNvSpPr txBox="1">
+            <a:spLocks noGrp="1"/>
+          </p:cNvSpPr>
           <p:nvPr>
-            <p:ph idx="1" type="body"/>
+            <p:ph type="body" idx="1"/>
           </p:nvPr>
         </p:nvSpPr>
         <p:spPr>
@@ -1149,12 +1198,12 @@
           </a:prstGeom>
         </p:spPr>
         <p:txBody>
-          <a:bodyPr anchorCtr="0" anchor="t" bIns="91425" lIns="91425" spcFirstLastPara="1" rIns="91425" wrap="square" tIns="91425">
+          <a:bodyPr spcFirstLastPara="1" wrap="square" lIns="91425" tIns="91425" rIns="91425" bIns="91425" anchor="t" anchorCtr="0">
             <a:noAutofit/>
           </a:bodyPr>
           <a:lstStyle/>
           <a:p>
-            <a:pPr indent="0" lvl="0" marL="0" rtl="0">
+            <a:pPr marL="0" lvl="0" indent="0" rtl="0">
               <a:spcBef>
                 <a:spcPts val="0"/>
               </a:spcBef>
@@ -1163,9 +1212,6 @@
               </a:spcAft>
               <a:buNone/>
             </a:pPr>
-            <a:r>
-              <a:t/>
-            </a:r>
             <a:endParaRPr/>
           </a:p>
         </p:txBody>
@@ -1179,11 +1225,11 @@
 </file>
 
 <file path=ppt/notesSlides/notesSlide14.xml><?xml version="1.0" encoding="utf-8"?>
-<p:notes xmlns:a="http://schemas.openxmlformats.org/drawingml/2006/main" xmlns:r="http://schemas.openxmlformats.org/officeDocument/2006/relationships" xmlns:mc="http://schemas.openxmlformats.org/markup-compatibility/2006" xmlns:mv="urn:schemas-microsoft-com:mac:vml" xmlns:p="http://schemas.openxmlformats.org/presentationml/2006/main" xmlns:c="http://schemas.openxmlformats.org/drawingml/2006/chart" xmlns:dgm="http://schemas.openxmlformats.org/drawingml/2006/diagram" xmlns:o="urn:schemas-microsoft-com:office:office" xmlns:v="urn:schemas-microsoft-com:vml" xmlns:pvml="urn:schemas-microsoft-com:office:powerpoint" xmlns:com="http://schemas.openxmlformats.org/drawingml/2006/compatibility" xmlns:p14="http://schemas.microsoft.com/office/powerpoint/2010/main" xmlns:p15="http://schemas.microsoft.com/office/powerpoint/2012/main" showMasterPhAnim="0" showMasterSp="0">
+<p:notes xmlns:a="http://schemas.openxmlformats.org/drawingml/2006/main" xmlns:r="http://schemas.openxmlformats.org/officeDocument/2006/relationships" xmlns:p="http://schemas.openxmlformats.org/presentationml/2006/main" showMasterSp="0" showMasterPhAnim="0">
   <p:cSld>
     <p:spTree>
       <p:nvGrpSpPr>
-        <p:cNvPr id="129" name="Shape 129"/>
+        <p:cNvPr id="1" name="Shape 129"/>
         <p:cNvGrpSpPr/>
         <p:nvPr/>
       </p:nvGrpSpPr>
@@ -1198,9 +1244,11 @@
       <p:sp>
         <p:nvSpPr>
           <p:cNvPr id="130" name="Shape 130"/>
-          <p:cNvSpPr/>
+          <p:cNvSpPr>
+            <a:spLocks noGrp="1" noRot="1" noChangeAspect="1"/>
+          </p:cNvSpPr>
           <p:nvPr>
-            <p:ph idx="2" type="sldImg"/>
+            <p:ph type="sldImg" idx="2"/>
           </p:nvPr>
         </p:nvSpPr>
         <p:spPr>
@@ -1209,8 +1257,13 @@
             <a:ext cx="6096000" cy="3429000"/>
           </a:xfrm>
           <a:custGeom>
+            <a:avLst/>
+            <a:gdLst/>
+            <a:ahLst/>
+            <a:cxnLst/>
+            <a:rect l="0" t="0" r="0" b="0"/>
             <a:pathLst>
-              <a:path extrusionOk="0" h="120000" w="120000">
+              <a:path w="120000" h="120000" extrusionOk="0">
                 <a:moveTo>
                   <a:pt x="0" y="0"/>
                 </a:moveTo>
@@ -1232,9 +1285,11 @@
       <p:sp>
         <p:nvSpPr>
           <p:cNvPr id="131" name="Shape 131"/>
-          <p:cNvSpPr txBox="1"/>
+          <p:cNvSpPr txBox="1">
+            <a:spLocks noGrp="1"/>
+          </p:cNvSpPr>
           <p:nvPr>
-            <p:ph idx="1" type="body"/>
+            <p:ph type="body" idx="1"/>
           </p:nvPr>
         </p:nvSpPr>
         <p:spPr>
@@ -1247,12 +1302,12 @@
           </a:prstGeom>
         </p:spPr>
         <p:txBody>
-          <a:bodyPr anchorCtr="0" anchor="t" bIns="91425" lIns="91425" spcFirstLastPara="1" rIns="91425" wrap="square" tIns="91425">
+          <a:bodyPr spcFirstLastPara="1" wrap="square" lIns="91425" tIns="91425" rIns="91425" bIns="91425" anchor="t" anchorCtr="0">
             <a:noAutofit/>
           </a:bodyPr>
           <a:lstStyle/>
           <a:p>
-            <a:pPr indent="0" lvl="0" marL="0" rtl="0">
+            <a:pPr marL="0" lvl="0" indent="0" rtl="0">
               <a:spcBef>
                 <a:spcPts val="0"/>
               </a:spcBef>
@@ -1261,9 +1316,6 @@
               </a:spcAft>
               <a:buNone/>
             </a:pPr>
-            <a:r>
-              <a:t/>
-            </a:r>
             <a:endParaRPr/>
           </a:p>
         </p:txBody>
@@ -1277,11 +1329,11 @@
 </file>
 
 <file path=ppt/notesSlides/notesSlide15.xml><?xml version="1.0" encoding="utf-8"?>
-<p:notes xmlns:a="http://schemas.openxmlformats.org/drawingml/2006/main" xmlns:r="http://schemas.openxmlformats.org/officeDocument/2006/relationships" xmlns:mc="http://schemas.openxmlformats.org/markup-compatibility/2006" xmlns:mv="urn:schemas-microsoft-com:mac:vml" xmlns:p="http://schemas.openxmlformats.org/presentationml/2006/main" xmlns:c="http://schemas.openxmlformats.org/drawingml/2006/chart" xmlns:dgm="http://schemas.openxmlformats.org/drawingml/2006/diagram" xmlns:o="urn:schemas-microsoft-com:office:office" xmlns:v="urn:schemas-microsoft-com:vml" xmlns:pvml="urn:schemas-microsoft-com:office:powerpoint" xmlns:com="http://schemas.openxmlformats.org/drawingml/2006/compatibility" xmlns:p14="http://schemas.microsoft.com/office/powerpoint/2010/main" xmlns:p15="http://schemas.microsoft.com/office/powerpoint/2012/main" showMasterPhAnim="0" showMasterSp="0">
+<p:notes xmlns:a="http://schemas.openxmlformats.org/drawingml/2006/main" xmlns:r="http://schemas.openxmlformats.org/officeDocument/2006/relationships" xmlns:p="http://schemas.openxmlformats.org/presentationml/2006/main" showMasterSp="0" showMasterPhAnim="0">
   <p:cSld>
     <p:spTree>
       <p:nvGrpSpPr>
-        <p:cNvPr id="135" name="Shape 135"/>
+        <p:cNvPr id="1" name="Shape 135"/>
         <p:cNvGrpSpPr/>
         <p:nvPr/>
       </p:nvGrpSpPr>
@@ -1296,9 +1348,11 @@
       <p:sp>
         <p:nvSpPr>
           <p:cNvPr id="136" name="Shape 136"/>
-          <p:cNvSpPr/>
+          <p:cNvSpPr>
+            <a:spLocks noGrp="1" noRot="1" noChangeAspect="1"/>
+          </p:cNvSpPr>
           <p:nvPr>
-            <p:ph idx="2" type="sldImg"/>
+            <p:ph type="sldImg" idx="2"/>
           </p:nvPr>
         </p:nvSpPr>
         <p:spPr>
@@ -1307,8 +1361,13 @@
             <a:ext cx="6096000" cy="3429000"/>
           </a:xfrm>
           <a:custGeom>
+            <a:avLst/>
+            <a:gdLst/>
+            <a:ahLst/>
+            <a:cxnLst/>
+            <a:rect l="0" t="0" r="0" b="0"/>
             <a:pathLst>
-              <a:path extrusionOk="0" h="120000" w="120000">
+              <a:path w="120000" h="120000" extrusionOk="0">
                 <a:moveTo>
                   <a:pt x="0" y="0"/>
                 </a:moveTo>
@@ -1330,9 +1389,11 @@
       <p:sp>
         <p:nvSpPr>
           <p:cNvPr id="137" name="Shape 137"/>
-          <p:cNvSpPr txBox="1"/>
+          <p:cNvSpPr txBox="1">
+            <a:spLocks noGrp="1"/>
+          </p:cNvSpPr>
           <p:nvPr>
-            <p:ph idx="1" type="body"/>
+            <p:ph type="body" idx="1"/>
           </p:nvPr>
         </p:nvSpPr>
         <p:spPr>
@@ -1345,12 +1406,12 @@
           </a:prstGeom>
         </p:spPr>
         <p:txBody>
-          <a:bodyPr anchorCtr="0" anchor="t" bIns="91425" lIns="91425" spcFirstLastPara="1" rIns="91425" wrap="square" tIns="91425">
+          <a:bodyPr spcFirstLastPara="1" wrap="square" lIns="91425" tIns="91425" rIns="91425" bIns="91425" anchor="t" anchorCtr="0">
             <a:noAutofit/>
           </a:bodyPr>
           <a:lstStyle/>
           <a:p>
-            <a:pPr indent="0" lvl="0" marL="0" rtl="0">
+            <a:pPr marL="0" lvl="0" indent="0" rtl="0">
               <a:spcBef>
                 <a:spcPts val="0"/>
               </a:spcBef>
@@ -1359,9 +1420,6 @@
               </a:spcAft>
               <a:buNone/>
             </a:pPr>
-            <a:r>
-              <a:t/>
-            </a:r>
             <a:endParaRPr/>
           </a:p>
         </p:txBody>
@@ -1375,11 +1433,11 @@
 </file>
 
 <file path=ppt/notesSlides/notesSlide16.xml><?xml version="1.0" encoding="utf-8"?>
-<p:notes xmlns:a="http://schemas.openxmlformats.org/drawingml/2006/main" xmlns:r="http://schemas.openxmlformats.org/officeDocument/2006/relationships" xmlns:mc="http://schemas.openxmlformats.org/markup-compatibility/2006" xmlns:mv="urn:schemas-microsoft-com:mac:vml" xmlns:p="http://schemas.openxmlformats.org/presentationml/2006/main" xmlns:c="http://schemas.openxmlformats.org/drawingml/2006/chart" xmlns:dgm="http://schemas.openxmlformats.org/drawingml/2006/diagram" xmlns:o="urn:schemas-microsoft-com:office:office" xmlns:v="urn:schemas-microsoft-com:vml" xmlns:pvml="urn:schemas-microsoft-com:office:powerpoint" xmlns:com="http://schemas.openxmlformats.org/drawingml/2006/compatibility" xmlns:p14="http://schemas.microsoft.com/office/powerpoint/2010/main" xmlns:p15="http://schemas.microsoft.com/office/powerpoint/2012/main" showMasterPhAnim="0" showMasterSp="0">
+<p:notes xmlns:a="http://schemas.openxmlformats.org/drawingml/2006/main" xmlns:r="http://schemas.openxmlformats.org/officeDocument/2006/relationships" xmlns:p="http://schemas.openxmlformats.org/presentationml/2006/main" showMasterSp="0" showMasterPhAnim="0">
   <p:cSld>
     <p:spTree>
       <p:nvGrpSpPr>
-        <p:cNvPr id="141" name="Shape 141"/>
+        <p:cNvPr id="1" name="Shape 141"/>
         <p:cNvGrpSpPr/>
         <p:nvPr/>
       </p:nvGrpSpPr>
@@ -1394,9 +1452,11 @@
       <p:sp>
         <p:nvSpPr>
           <p:cNvPr id="142" name="Shape 142"/>
-          <p:cNvSpPr/>
+          <p:cNvSpPr>
+            <a:spLocks noGrp="1" noRot="1" noChangeAspect="1"/>
+          </p:cNvSpPr>
           <p:nvPr>
-            <p:ph idx="2" type="sldImg"/>
+            <p:ph type="sldImg" idx="2"/>
           </p:nvPr>
         </p:nvSpPr>
         <p:spPr>
@@ -1405,8 +1465,13 @@
             <a:ext cx="6096000" cy="3429000"/>
           </a:xfrm>
           <a:custGeom>
+            <a:avLst/>
+            <a:gdLst/>
+            <a:ahLst/>
+            <a:cxnLst/>
+            <a:rect l="0" t="0" r="0" b="0"/>
             <a:pathLst>
-              <a:path extrusionOk="0" h="120000" w="120000">
+              <a:path w="120000" h="120000" extrusionOk="0">
                 <a:moveTo>
                   <a:pt x="0" y="0"/>
                 </a:moveTo>
@@ -1428,9 +1493,11 @@
       <p:sp>
         <p:nvSpPr>
           <p:cNvPr id="143" name="Shape 143"/>
-          <p:cNvSpPr txBox="1"/>
+          <p:cNvSpPr txBox="1">
+            <a:spLocks noGrp="1"/>
+          </p:cNvSpPr>
           <p:nvPr>
-            <p:ph idx="1" type="body"/>
+            <p:ph type="body" idx="1"/>
           </p:nvPr>
         </p:nvSpPr>
         <p:spPr>
@@ -1443,12 +1510,12 @@
           </a:prstGeom>
         </p:spPr>
         <p:txBody>
-          <a:bodyPr anchorCtr="0" anchor="t" bIns="91425" lIns="91425" spcFirstLastPara="1" rIns="91425" wrap="square" tIns="91425">
+          <a:bodyPr spcFirstLastPara="1" wrap="square" lIns="91425" tIns="91425" rIns="91425" bIns="91425" anchor="t" anchorCtr="0">
             <a:noAutofit/>
           </a:bodyPr>
           <a:lstStyle/>
           <a:p>
-            <a:pPr indent="0" lvl="0" marL="0" rtl="0">
+            <a:pPr marL="0" lvl="0" indent="0" rtl="0">
               <a:spcBef>
                 <a:spcPts val="0"/>
               </a:spcBef>
@@ -1457,9 +1524,6 @@
               </a:spcAft>
               <a:buNone/>
             </a:pPr>
-            <a:r>
-              <a:t/>
-            </a:r>
             <a:endParaRPr/>
           </a:p>
         </p:txBody>
@@ -1473,11 +1537,11 @@
 </file>
 
 <file path=ppt/notesSlides/notesSlide17.xml><?xml version="1.0" encoding="utf-8"?>
-<p:notes xmlns:a="http://schemas.openxmlformats.org/drawingml/2006/main" xmlns:r="http://schemas.openxmlformats.org/officeDocument/2006/relationships" xmlns:mc="http://schemas.openxmlformats.org/markup-compatibility/2006" xmlns:mv="urn:schemas-microsoft-com:mac:vml" xmlns:p="http://schemas.openxmlformats.org/presentationml/2006/main" xmlns:c="http://schemas.openxmlformats.org/drawingml/2006/chart" xmlns:dgm="http://schemas.openxmlformats.org/drawingml/2006/diagram" xmlns:o="urn:schemas-microsoft-com:office:office" xmlns:v="urn:schemas-microsoft-com:vml" xmlns:pvml="urn:schemas-microsoft-com:office:powerpoint" xmlns:com="http://schemas.openxmlformats.org/drawingml/2006/compatibility" xmlns:p14="http://schemas.microsoft.com/office/powerpoint/2010/main" xmlns:p15="http://schemas.microsoft.com/office/powerpoint/2012/main" showMasterPhAnim="0" showMasterSp="0">
+<p:notes xmlns:a="http://schemas.openxmlformats.org/drawingml/2006/main" xmlns:r="http://schemas.openxmlformats.org/officeDocument/2006/relationships" xmlns:p="http://schemas.openxmlformats.org/presentationml/2006/main" showMasterSp="0" showMasterPhAnim="0">
   <p:cSld>
     <p:spTree>
       <p:nvGrpSpPr>
-        <p:cNvPr id="147" name="Shape 147"/>
+        <p:cNvPr id="1" name="Shape 147"/>
         <p:cNvGrpSpPr/>
         <p:nvPr/>
       </p:nvGrpSpPr>
@@ -1492,9 +1556,11 @@
       <p:sp>
         <p:nvSpPr>
           <p:cNvPr id="148" name="Shape 148"/>
-          <p:cNvSpPr/>
+          <p:cNvSpPr>
+            <a:spLocks noGrp="1" noRot="1" noChangeAspect="1"/>
+          </p:cNvSpPr>
           <p:nvPr>
-            <p:ph idx="2" type="sldImg"/>
+            <p:ph type="sldImg" idx="2"/>
           </p:nvPr>
         </p:nvSpPr>
         <p:spPr>
@@ -1503,8 +1569,13 @@
             <a:ext cx="6096000" cy="3429000"/>
           </a:xfrm>
           <a:custGeom>
+            <a:avLst/>
+            <a:gdLst/>
+            <a:ahLst/>
+            <a:cxnLst/>
+            <a:rect l="0" t="0" r="0" b="0"/>
             <a:pathLst>
-              <a:path extrusionOk="0" h="120000" w="120000">
+              <a:path w="120000" h="120000" extrusionOk="0">
                 <a:moveTo>
                   <a:pt x="0" y="0"/>
                 </a:moveTo>
@@ -1526,9 +1597,11 @@
       <p:sp>
         <p:nvSpPr>
           <p:cNvPr id="149" name="Shape 149"/>
-          <p:cNvSpPr txBox="1"/>
+          <p:cNvSpPr txBox="1">
+            <a:spLocks noGrp="1"/>
+          </p:cNvSpPr>
           <p:nvPr>
-            <p:ph idx="1" type="body"/>
+            <p:ph type="body" idx="1"/>
           </p:nvPr>
         </p:nvSpPr>
         <p:spPr>
@@ -1541,12 +1614,12 @@
           </a:prstGeom>
         </p:spPr>
         <p:txBody>
-          <a:bodyPr anchorCtr="0" anchor="t" bIns="91425" lIns="91425" spcFirstLastPara="1" rIns="91425" wrap="square" tIns="91425">
+          <a:bodyPr spcFirstLastPara="1" wrap="square" lIns="91425" tIns="91425" rIns="91425" bIns="91425" anchor="t" anchorCtr="0">
             <a:noAutofit/>
           </a:bodyPr>
           <a:lstStyle/>
           <a:p>
-            <a:pPr indent="0" lvl="0" marL="0" rtl="0">
+            <a:pPr marL="0" lvl="0" indent="0" rtl="0">
               <a:spcBef>
                 <a:spcPts val="0"/>
               </a:spcBef>
@@ -1555,9 +1628,6 @@
               </a:spcAft>
               <a:buNone/>
             </a:pPr>
-            <a:r>
-              <a:t/>
-            </a:r>
             <a:endParaRPr/>
           </a:p>
         </p:txBody>
@@ -1571,11 +1641,11 @@
 </file>
 
 <file path=ppt/notesSlides/notesSlide18.xml><?xml version="1.0" encoding="utf-8"?>
-<p:notes xmlns:a="http://schemas.openxmlformats.org/drawingml/2006/main" xmlns:r="http://schemas.openxmlformats.org/officeDocument/2006/relationships" xmlns:mc="http://schemas.openxmlformats.org/markup-compatibility/2006" xmlns:mv="urn:schemas-microsoft-com:mac:vml" xmlns:p="http://schemas.openxmlformats.org/presentationml/2006/main" xmlns:c="http://schemas.openxmlformats.org/drawingml/2006/chart" xmlns:dgm="http://schemas.openxmlformats.org/drawingml/2006/diagram" xmlns:o="urn:schemas-microsoft-com:office:office" xmlns:v="urn:schemas-microsoft-com:vml" xmlns:pvml="urn:schemas-microsoft-com:office:powerpoint" xmlns:com="http://schemas.openxmlformats.org/drawingml/2006/compatibility" xmlns:p14="http://schemas.microsoft.com/office/powerpoint/2010/main" xmlns:p15="http://schemas.microsoft.com/office/powerpoint/2012/main" showMasterPhAnim="0" showMasterSp="0">
+<p:notes xmlns:a="http://schemas.openxmlformats.org/drawingml/2006/main" xmlns:r="http://schemas.openxmlformats.org/officeDocument/2006/relationships" xmlns:p="http://schemas.openxmlformats.org/presentationml/2006/main" showMasterSp="0" showMasterPhAnim="0">
   <p:cSld>
     <p:spTree>
       <p:nvGrpSpPr>
-        <p:cNvPr id="153" name="Shape 153"/>
+        <p:cNvPr id="1" name="Shape 153"/>
         <p:cNvGrpSpPr/>
         <p:nvPr/>
       </p:nvGrpSpPr>
@@ -1590,9 +1660,11 @@
       <p:sp>
         <p:nvSpPr>
           <p:cNvPr id="154" name="Shape 154"/>
-          <p:cNvSpPr/>
+          <p:cNvSpPr>
+            <a:spLocks noGrp="1" noRot="1" noChangeAspect="1"/>
+          </p:cNvSpPr>
           <p:nvPr>
-            <p:ph idx="2" type="sldImg"/>
+            <p:ph type="sldImg" idx="2"/>
           </p:nvPr>
         </p:nvSpPr>
         <p:spPr>
@@ -1601,8 +1673,13 @@
             <a:ext cx="6096000" cy="3429000"/>
           </a:xfrm>
           <a:custGeom>
+            <a:avLst/>
+            <a:gdLst/>
+            <a:ahLst/>
+            <a:cxnLst/>
+            <a:rect l="0" t="0" r="0" b="0"/>
             <a:pathLst>
-              <a:path extrusionOk="0" h="120000" w="120000">
+              <a:path w="120000" h="120000" extrusionOk="0">
                 <a:moveTo>
                   <a:pt x="0" y="0"/>
                 </a:moveTo>
@@ -1624,9 +1701,11 @@
       <p:sp>
         <p:nvSpPr>
           <p:cNvPr id="155" name="Shape 155"/>
-          <p:cNvSpPr txBox="1"/>
+          <p:cNvSpPr txBox="1">
+            <a:spLocks noGrp="1"/>
+          </p:cNvSpPr>
           <p:nvPr>
-            <p:ph idx="1" type="body"/>
+            <p:ph type="body" idx="1"/>
           </p:nvPr>
         </p:nvSpPr>
         <p:spPr>
@@ -1639,12 +1718,12 @@
           </a:prstGeom>
         </p:spPr>
         <p:txBody>
-          <a:bodyPr anchorCtr="0" anchor="t" bIns="91425" lIns="91425" spcFirstLastPara="1" rIns="91425" wrap="square" tIns="91425">
+          <a:bodyPr spcFirstLastPara="1" wrap="square" lIns="91425" tIns="91425" rIns="91425" bIns="91425" anchor="t" anchorCtr="0">
             <a:noAutofit/>
           </a:bodyPr>
           <a:lstStyle/>
           <a:p>
-            <a:pPr indent="0" lvl="0" marL="0" rtl="0">
+            <a:pPr marL="0" lvl="0" indent="0" rtl="0">
               <a:spcBef>
                 <a:spcPts val="0"/>
               </a:spcBef>
@@ -1653,9 +1732,6 @@
               </a:spcAft>
               <a:buNone/>
             </a:pPr>
-            <a:r>
-              <a:t/>
-            </a:r>
             <a:endParaRPr/>
           </a:p>
         </p:txBody>
@@ -1669,11 +1745,11 @@
 </file>
 
 <file path=ppt/notesSlides/notesSlide19.xml><?xml version="1.0" encoding="utf-8"?>
-<p:notes xmlns:a="http://schemas.openxmlformats.org/drawingml/2006/main" xmlns:r="http://schemas.openxmlformats.org/officeDocument/2006/relationships" xmlns:mc="http://schemas.openxmlformats.org/markup-compatibility/2006" xmlns:mv="urn:schemas-microsoft-com:mac:vml" xmlns:p="http://schemas.openxmlformats.org/presentationml/2006/main" xmlns:c="http://schemas.openxmlformats.org/drawingml/2006/chart" xmlns:dgm="http://schemas.openxmlformats.org/drawingml/2006/diagram" xmlns:o="urn:schemas-microsoft-com:office:office" xmlns:v="urn:schemas-microsoft-com:vml" xmlns:pvml="urn:schemas-microsoft-com:office:powerpoint" xmlns:com="http://schemas.openxmlformats.org/drawingml/2006/compatibility" xmlns:p14="http://schemas.microsoft.com/office/powerpoint/2010/main" xmlns:p15="http://schemas.microsoft.com/office/powerpoint/2012/main" showMasterPhAnim="0" showMasterSp="0">
+<p:notes xmlns:a="http://schemas.openxmlformats.org/drawingml/2006/main" xmlns:r="http://schemas.openxmlformats.org/officeDocument/2006/relationships" xmlns:p="http://schemas.openxmlformats.org/presentationml/2006/main" showMasterSp="0" showMasterPhAnim="0">
   <p:cSld>
     <p:spTree>
       <p:nvGrpSpPr>
-        <p:cNvPr id="159" name="Shape 159"/>
+        <p:cNvPr id="1" name="Shape 159"/>
         <p:cNvGrpSpPr/>
         <p:nvPr/>
       </p:nvGrpSpPr>
@@ -1688,9 +1764,11 @@
       <p:sp>
         <p:nvSpPr>
           <p:cNvPr id="160" name="Shape 160"/>
-          <p:cNvSpPr/>
+          <p:cNvSpPr>
+            <a:spLocks noGrp="1" noRot="1" noChangeAspect="1"/>
+          </p:cNvSpPr>
           <p:nvPr>
-            <p:ph idx="2" type="sldImg"/>
+            <p:ph type="sldImg" idx="2"/>
           </p:nvPr>
         </p:nvSpPr>
         <p:spPr>
@@ -1699,8 +1777,13 @@
             <a:ext cx="6096000" cy="3429000"/>
           </a:xfrm>
           <a:custGeom>
+            <a:avLst/>
+            <a:gdLst/>
+            <a:ahLst/>
+            <a:cxnLst/>
+            <a:rect l="0" t="0" r="0" b="0"/>
             <a:pathLst>
-              <a:path extrusionOk="0" h="120000" w="120000">
+              <a:path w="120000" h="120000" extrusionOk="0">
                 <a:moveTo>
                   <a:pt x="0" y="0"/>
                 </a:moveTo>
@@ -1722,9 +1805,11 @@
       <p:sp>
         <p:nvSpPr>
           <p:cNvPr id="161" name="Shape 161"/>
-          <p:cNvSpPr txBox="1"/>
+          <p:cNvSpPr txBox="1">
+            <a:spLocks noGrp="1"/>
+          </p:cNvSpPr>
           <p:nvPr>
-            <p:ph idx="1" type="body"/>
+            <p:ph type="body" idx="1"/>
           </p:nvPr>
         </p:nvSpPr>
         <p:spPr>
@@ -1737,12 +1822,12 @@
           </a:prstGeom>
         </p:spPr>
         <p:txBody>
-          <a:bodyPr anchorCtr="0" anchor="t" bIns="91425" lIns="91425" spcFirstLastPara="1" rIns="91425" wrap="square" tIns="91425">
+          <a:bodyPr spcFirstLastPara="1" wrap="square" lIns="91425" tIns="91425" rIns="91425" bIns="91425" anchor="t" anchorCtr="0">
             <a:noAutofit/>
           </a:bodyPr>
           <a:lstStyle/>
           <a:p>
-            <a:pPr indent="0" lvl="0" marL="0" rtl="0">
+            <a:pPr marL="0" lvl="0" indent="0" rtl="0">
               <a:spcBef>
                 <a:spcPts val="0"/>
               </a:spcBef>
@@ -1751,9 +1836,6 @@
               </a:spcAft>
               <a:buNone/>
             </a:pPr>
-            <a:r>
-              <a:t/>
-            </a:r>
             <a:endParaRPr/>
           </a:p>
         </p:txBody>
@@ -1767,11 +1849,11 @@
 </file>
 
 <file path=ppt/notesSlides/notesSlide2.xml><?xml version="1.0" encoding="utf-8"?>
-<p:notes xmlns:a="http://schemas.openxmlformats.org/drawingml/2006/main" xmlns:r="http://schemas.openxmlformats.org/officeDocument/2006/relationships" xmlns:mc="http://schemas.openxmlformats.org/markup-compatibility/2006" xmlns:mv="urn:schemas-microsoft-com:mac:vml" xmlns:p="http://schemas.openxmlformats.org/presentationml/2006/main" xmlns:c="http://schemas.openxmlformats.org/drawingml/2006/chart" xmlns:dgm="http://schemas.openxmlformats.org/drawingml/2006/diagram" xmlns:o="urn:schemas-microsoft-com:office:office" xmlns:v="urn:schemas-microsoft-com:vml" xmlns:pvml="urn:schemas-microsoft-com:office:powerpoint" xmlns:com="http://schemas.openxmlformats.org/drawingml/2006/compatibility" xmlns:p14="http://schemas.microsoft.com/office/powerpoint/2010/main" xmlns:p15="http://schemas.microsoft.com/office/powerpoint/2012/main" showMasterPhAnim="0" showMasterSp="0">
+<p:notes xmlns:a="http://schemas.openxmlformats.org/drawingml/2006/main" xmlns:r="http://schemas.openxmlformats.org/officeDocument/2006/relationships" xmlns:p="http://schemas.openxmlformats.org/presentationml/2006/main" showMasterSp="0" showMasterPhAnim="0">
   <p:cSld>
     <p:spTree>
       <p:nvGrpSpPr>
-        <p:cNvPr id="56" name="Shape 56"/>
+        <p:cNvPr id="1" name="Shape 56"/>
         <p:cNvGrpSpPr/>
         <p:nvPr/>
       </p:nvGrpSpPr>
@@ -1786,9 +1868,11 @@
       <p:sp>
         <p:nvSpPr>
           <p:cNvPr id="57" name="Shape 57"/>
-          <p:cNvSpPr/>
+          <p:cNvSpPr>
+            <a:spLocks noGrp="1" noRot="1" noChangeAspect="1"/>
+          </p:cNvSpPr>
           <p:nvPr>
-            <p:ph idx="2" type="sldImg"/>
+            <p:ph type="sldImg" idx="2"/>
           </p:nvPr>
         </p:nvSpPr>
         <p:spPr>
@@ -1797,8 +1881,13 @@
             <a:ext cx="6096000" cy="3429000"/>
           </a:xfrm>
           <a:custGeom>
+            <a:avLst/>
+            <a:gdLst/>
+            <a:ahLst/>
+            <a:cxnLst/>
+            <a:rect l="0" t="0" r="0" b="0"/>
             <a:pathLst>
-              <a:path extrusionOk="0" h="120000" w="120000">
+              <a:path w="120000" h="120000" extrusionOk="0">
                 <a:moveTo>
                   <a:pt x="0" y="0"/>
                 </a:moveTo>
@@ -1820,9 +1909,11 @@
       <p:sp>
         <p:nvSpPr>
           <p:cNvPr id="58" name="Shape 58"/>
-          <p:cNvSpPr txBox="1"/>
+          <p:cNvSpPr txBox="1">
+            <a:spLocks noGrp="1"/>
+          </p:cNvSpPr>
           <p:nvPr>
-            <p:ph idx="1" type="body"/>
+            <p:ph type="body" idx="1"/>
           </p:nvPr>
         </p:nvSpPr>
         <p:spPr>
@@ -1835,12 +1926,12 @@
           </a:prstGeom>
         </p:spPr>
         <p:txBody>
-          <a:bodyPr anchorCtr="0" anchor="t" bIns="91425" lIns="91425" spcFirstLastPara="1" rIns="91425" wrap="square" tIns="91425">
+          <a:bodyPr spcFirstLastPara="1" wrap="square" lIns="91425" tIns="91425" rIns="91425" bIns="91425" anchor="t" anchorCtr="0">
             <a:noAutofit/>
           </a:bodyPr>
           <a:lstStyle/>
           <a:p>
-            <a:pPr indent="0" lvl="0" marL="0" rtl="0">
+            <a:pPr marL="0" lvl="0" indent="0" rtl="0">
               <a:spcBef>
                 <a:spcPts val="0"/>
               </a:spcBef>
@@ -1849,9 +1940,6 @@
               </a:spcAft>
               <a:buNone/>
             </a:pPr>
-            <a:r>
-              <a:t/>
-            </a:r>
             <a:endParaRPr/>
           </a:p>
         </p:txBody>
@@ -1865,11 +1953,11 @@
 </file>
 
 <file path=ppt/notesSlides/notesSlide20.xml><?xml version="1.0" encoding="utf-8"?>
-<p:notes xmlns:a="http://schemas.openxmlformats.org/drawingml/2006/main" xmlns:r="http://schemas.openxmlformats.org/officeDocument/2006/relationships" xmlns:mc="http://schemas.openxmlformats.org/markup-compatibility/2006" xmlns:mv="urn:schemas-microsoft-com:mac:vml" xmlns:p="http://schemas.openxmlformats.org/presentationml/2006/main" xmlns:c="http://schemas.openxmlformats.org/drawingml/2006/chart" xmlns:dgm="http://schemas.openxmlformats.org/drawingml/2006/diagram" xmlns:o="urn:schemas-microsoft-com:office:office" xmlns:v="urn:schemas-microsoft-com:vml" xmlns:pvml="urn:schemas-microsoft-com:office:powerpoint" xmlns:com="http://schemas.openxmlformats.org/drawingml/2006/compatibility" xmlns:p14="http://schemas.microsoft.com/office/powerpoint/2010/main" xmlns:p15="http://schemas.microsoft.com/office/powerpoint/2012/main" showMasterPhAnim="0" showMasterSp="0">
+<p:notes xmlns:a="http://schemas.openxmlformats.org/drawingml/2006/main" xmlns:r="http://schemas.openxmlformats.org/officeDocument/2006/relationships" xmlns:p="http://schemas.openxmlformats.org/presentationml/2006/main" showMasterSp="0" showMasterPhAnim="0">
   <p:cSld>
     <p:spTree>
       <p:nvGrpSpPr>
-        <p:cNvPr id="165" name="Shape 165"/>
+        <p:cNvPr id="1" name="Shape 165"/>
         <p:cNvGrpSpPr/>
         <p:nvPr/>
       </p:nvGrpSpPr>
@@ -1884,9 +1972,11 @@
       <p:sp>
         <p:nvSpPr>
           <p:cNvPr id="166" name="Shape 166"/>
-          <p:cNvSpPr/>
+          <p:cNvSpPr>
+            <a:spLocks noGrp="1" noRot="1" noChangeAspect="1"/>
+          </p:cNvSpPr>
           <p:nvPr>
-            <p:ph idx="2" type="sldImg"/>
+            <p:ph type="sldImg" idx="2"/>
           </p:nvPr>
         </p:nvSpPr>
         <p:spPr>
@@ -1895,8 +1985,13 @@
             <a:ext cx="6096000" cy="3429000"/>
           </a:xfrm>
           <a:custGeom>
+            <a:avLst/>
+            <a:gdLst/>
+            <a:ahLst/>
+            <a:cxnLst/>
+            <a:rect l="0" t="0" r="0" b="0"/>
             <a:pathLst>
-              <a:path extrusionOk="0" h="120000" w="120000">
+              <a:path w="120000" h="120000" extrusionOk="0">
                 <a:moveTo>
                   <a:pt x="0" y="0"/>
                 </a:moveTo>
@@ -1918,9 +2013,11 @@
       <p:sp>
         <p:nvSpPr>
           <p:cNvPr id="167" name="Shape 167"/>
-          <p:cNvSpPr txBox="1"/>
+          <p:cNvSpPr txBox="1">
+            <a:spLocks noGrp="1"/>
+          </p:cNvSpPr>
           <p:nvPr>
-            <p:ph idx="1" type="body"/>
+            <p:ph type="body" idx="1"/>
           </p:nvPr>
         </p:nvSpPr>
         <p:spPr>
@@ -1933,12 +2030,12 @@
           </a:prstGeom>
         </p:spPr>
         <p:txBody>
-          <a:bodyPr anchorCtr="0" anchor="t" bIns="91425" lIns="91425" spcFirstLastPara="1" rIns="91425" wrap="square" tIns="91425">
+          <a:bodyPr spcFirstLastPara="1" wrap="square" lIns="91425" tIns="91425" rIns="91425" bIns="91425" anchor="t" anchorCtr="0">
             <a:noAutofit/>
           </a:bodyPr>
           <a:lstStyle/>
           <a:p>
-            <a:pPr indent="0" lvl="0" marL="0" rtl="0">
+            <a:pPr marL="0" lvl="0" indent="0" rtl="0">
               <a:spcBef>
                 <a:spcPts val="0"/>
               </a:spcBef>
@@ -1947,9 +2044,6 @@
               </a:spcAft>
               <a:buNone/>
             </a:pPr>
-            <a:r>
-              <a:t/>
-            </a:r>
             <a:endParaRPr/>
           </a:p>
         </p:txBody>
@@ -1963,11 +2057,11 @@
 </file>
 
 <file path=ppt/notesSlides/notesSlide21.xml><?xml version="1.0" encoding="utf-8"?>
-<p:notes xmlns:a="http://schemas.openxmlformats.org/drawingml/2006/main" xmlns:r="http://schemas.openxmlformats.org/officeDocument/2006/relationships" xmlns:mc="http://schemas.openxmlformats.org/markup-compatibility/2006" xmlns:mv="urn:schemas-microsoft-com:mac:vml" xmlns:p="http://schemas.openxmlformats.org/presentationml/2006/main" xmlns:c="http://schemas.openxmlformats.org/drawingml/2006/chart" xmlns:dgm="http://schemas.openxmlformats.org/drawingml/2006/diagram" xmlns:o="urn:schemas-microsoft-com:office:office" xmlns:v="urn:schemas-microsoft-com:vml" xmlns:pvml="urn:schemas-microsoft-com:office:powerpoint" xmlns:com="http://schemas.openxmlformats.org/drawingml/2006/compatibility" xmlns:p14="http://schemas.microsoft.com/office/powerpoint/2010/main" xmlns:p15="http://schemas.microsoft.com/office/powerpoint/2012/main" showMasterPhAnim="0" showMasterSp="0">
+<p:notes xmlns:a="http://schemas.openxmlformats.org/drawingml/2006/main" xmlns:r="http://schemas.openxmlformats.org/officeDocument/2006/relationships" xmlns:p="http://schemas.openxmlformats.org/presentationml/2006/main" showMasterSp="0" showMasterPhAnim="0">
   <p:cSld>
     <p:spTree>
       <p:nvGrpSpPr>
-        <p:cNvPr id="171" name="Shape 171"/>
+        <p:cNvPr id="1" name="Shape 171"/>
         <p:cNvGrpSpPr/>
         <p:nvPr/>
       </p:nvGrpSpPr>
@@ -1982,9 +2076,11 @@
       <p:sp>
         <p:nvSpPr>
           <p:cNvPr id="172" name="Shape 172"/>
-          <p:cNvSpPr/>
+          <p:cNvSpPr>
+            <a:spLocks noGrp="1" noRot="1" noChangeAspect="1"/>
+          </p:cNvSpPr>
           <p:nvPr>
-            <p:ph idx="2" type="sldImg"/>
+            <p:ph type="sldImg" idx="2"/>
           </p:nvPr>
         </p:nvSpPr>
         <p:spPr>
@@ -1993,8 +2089,13 @@
             <a:ext cx="6096000" cy="3429000"/>
           </a:xfrm>
           <a:custGeom>
+            <a:avLst/>
+            <a:gdLst/>
+            <a:ahLst/>
+            <a:cxnLst/>
+            <a:rect l="0" t="0" r="0" b="0"/>
             <a:pathLst>
-              <a:path extrusionOk="0" h="120000" w="120000">
+              <a:path w="120000" h="120000" extrusionOk="0">
                 <a:moveTo>
                   <a:pt x="0" y="0"/>
                 </a:moveTo>
@@ -2016,9 +2117,11 @@
       <p:sp>
         <p:nvSpPr>
           <p:cNvPr id="173" name="Shape 173"/>
-          <p:cNvSpPr txBox="1"/>
+          <p:cNvSpPr txBox="1">
+            <a:spLocks noGrp="1"/>
+          </p:cNvSpPr>
           <p:nvPr>
-            <p:ph idx="1" type="body"/>
+            <p:ph type="body" idx="1"/>
           </p:nvPr>
         </p:nvSpPr>
         <p:spPr>
@@ -2031,12 +2134,12 @@
           </a:prstGeom>
         </p:spPr>
         <p:txBody>
-          <a:bodyPr anchorCtr="0" anchor="t" bIns="91425" lIns="91425" spcFirstLastPara="1" rIns="91425" wrap="square" tIns="91425">
+          <a:bodyPr spcFirstLastPara="1" wrap="square" lIns="91425" tIns="91425" rIns="91425" bIns="91425" anchor="t" anchorCtr="0">
             <a:noAutofit/>
           </a:bodyPr>
           <a:lstStyle/>
           <a:p>
-            <a:pPr indent="0" lvl="0" marL="0" rtl="0">
+            <a:pPr marL="0" lvl="0" indent="0" rtl="0">
               <a:spcBef>
                 <a:spcPts val="0"/>
               </a:spcBef>
@@ -2045,9 +2148,6 @@
               </a:spcAft>
               <a:buNone/>
             </a:pPr>
-            <a:r>
-              <a:t/>
-            </a:r>
             <a:endParaRPr/>
           </a:p>
         </p:txBody>
@@ -2061,11 +2161,11 @@
 </file>
 
 <file path=ppt/notesSlides/notesSlide22.xml><?xml version="1.0" encoding="utf-8"?>
-<p:notes xmlns:a="http://schemas.openxmlformats.org/drawingml/2006/main" xmlns:r="http://schemas.openxmlformats.org/officeDocument/2006/relationships" xmlns:mc="http://schemas.openxmlformats.org/markup-compatibility/2006" xmlns:mv="urn:schemas-microsoft-com:mac:vml" xmlns:p="http://schemas.openxmlformats.org/presentationml/2006/main" xmlns:c="http://schemas.openxmlformats.org/drawingml/2006/chart" xmlns:dgm="http://schemas.openxmlformats.org/drawingml/2006/diagram" xmlns:o="urn:schemas-microsoft-com:office:office" xmlns:v="urn:schemas-microsoft-com:vml" xmlns:pvml="urn:schemas-microsoft-com:office:powerpoint" xmlns:com="http://schemas.openxmlformats.org/drawingml/2006/compatibility" xmlns:p14="http://schemas.microsoft.com/office/powerpoint/2010/main" xmlns:p15="http://schemas.microsoft.com/office/powerpoint/2012/main" showMasterPhAnim="0" showMasterSp="0">
+<p:notes xmlns:a="http://schemas.openxmlformats.org/drawingml/2006/main" xmlns:r="http://schemas.openxmlformats.org/officeDocument/2006/relationships" xmlns:p="http://schemas.openxmlformats.org/presentationml/2006/main" showMasterSp="0" showMasterPhAnim="0">
   <p:cSld>
     <p:spTree>
       <p:nvGrpSpPr>
-        <p:cNvPr id="177" name="Shape 177"/>
+        <p:cNvPr id="1" name="Shape 177"/>
         <p:cNvGrpSpPr/>
         <p:nvPr/>
       </p:nvGrpSpPr>
@@ -2080,19 +2180,26 @@
       <p:sp>
         <p:nvSpPr>
           <p:cNvPr id="178" name="Shape 178"/>
-          <p:cNvSpPr/>
+          <p:cNvSpPr>
+            <a:spLocks noGrp="1" noRot="1" noChangeAspect="1"/>
+          </p:cNvSpPr>
           <p:nvPr>
-            <p:ph idx="2" type="sldImg"/>
+            <p:ph type="sldImg" idx="2"/>
           </p:nvPr>
         </p:nvSpPr>
         <p:spPr>
           <a:xfrm>
-            <a:off x="381300" y="685800"/>
+            <a:off x="381000" y="685800"/>
             <a:ext cx="6096000" cy="3429000"/>
           </a:xfrm>
           <a:custGeom>
+            <a:avLst/>
+            <a:gdLst/>
+            <a:ahLst/>
+            <a:cxnLst/>
+            <a:rect l="0" t="0" r="0" b="0"/>
             <a:pathLst>
-              <a:path extrusionOk="0" h="120000" w="120000">
+              <a:path w="120000" h="120000" extrusionOk="0">
                 <a:moveTo>
                   <a:pt x="0" y="0"/>
                 </a:moveTo>
@@ -2114,9 +2221,11 @@
       <p:sp>
         <p:nvSpPr>
           <p:cNvPr id="179" name="Shape 179"/>
-          <p:cNvSpPr txBox="1"/>
+          <p:cNvSpPr txBox="1">
+            <a:spLocks noGrp="1"/>
+          </p:cNvSpPr>
           <p:nvPr>
-            <p:ph idx="1" type="body"/>
+            <p:ph type="body" idx="1"/>
           </p:nvPr>
         </p:nvSpPr>
         <p:spPr>
@@ -2129,12 +2238,12 @@
           </a:prstGeom>
         </p:spPr>
         <p:txBody>
-          <a:bodyPr anchorCtr="0" anchor="t" bIns="91425" lIns="91425" spcFirstLastPara="1" rIns="91425" wrap="square" tIns="91425">
+          <a:bodyPr spcFirstLastPara="1" wrap="square" lIns="91425" tIns="91425" rIns="91425" bIns="91425" anchor="t" anchorCtr="0">
             <a:noAutofit/>
           </a:bodyPr>
           <a:lstStyle/>
           <a:p>
-            <a:pPr indent="0" lvl="0" marL="0" rtl="0">
+            <a:pPr marL="0" lvl="0" indent="0" rtl="0">
               <a:spcBef>
                 <a:spcPts val="0"/>
               </a:spcBef>
@@ -2143,9 +2252,6 @@
               </a:spcAft>
               <a:buNone/>
             </a:pPr>
-            <a:r>
-              <a:t/>
-            </a:r>
             <a:endParaRPr/>
           </a:p>
         </p:txBody>
@@ -2159,11 +2265,11 @@
 </file>
 
 <file path=ppt/notesSlides/notesSlide3.xml><?xml version="1.0" encoding="utf-8"?>
-<p:notes xmlns:a="http://schemas.openxmlformats.org/drawingml/2006/main" xmlns:r="http://schemas.openxmlformats.org/officeDocument/2006/relationships" xmlns:mc="http://schemas.openxmlformats.org/markup-compatibility/2006" xmlns:mv="urn:schemas-microsoft-com:mac:vml" xmlns:p="http://schemas.openxmlformats.org/presentationml/2006/main" xmlns:c="http://schemas.openxmlformats.org/drawingml/2006/chart" xmlns:dgm="http://schemas.openxmlformats.org/drawingml/2006/diagram" xmlns:o="urn:schemas-microsoft-com:office:office" xmlns:v="urn:schemas-microsoft-com:vml" xmlns:pvml="urn:schemas-microsoft-com:office:powerpoint" xmlns:com="http://schemas.openxmlformats.org/drawingml/2006/compatibility" xmlns:p14="http://schemas.microsoft.com/office/powerpoint/2010/main" xmlns:p15="http://schemas.microsoft.com/office/powerpoint/2012/main" showMasterPhAnim="0" showMasterSp="0">
+<p:notes xmlns:a="http://schemas.openxmlformats.org/drawingml/2006/main" xmlns:r="http://schemas.openxmlformats.org/officeDocument/2006/relationships" xmlns:p="http://schemas.openxmlformats.org/presentationml/2006/main" showMasterSp="0" showMasterPhAnim="0">
   <p:cSld>
     <p:spTree>
       <p:nvGrpSpPr>
-        <p:cNvPr id="63" name="Shape 63"/>
+        <p:cNvPr id="1" name="Shape 63"/>
         <p:cNvGrpSpPr/>
         <p:nvPr/>
       </p:nvGrpSpPr>
@@ -2178,9 +2284,11 @@
       <p:sp>
         <p:nvSpPr>
           <p:cNvPr id="64" name="Shape 64"/>
-          <p:cNvSpPr/>
+          <p:cNvSpPr>
+            <a:spLocks noGrp="1" noRot="1" noChangeAspect="1"/>
+          </p:cNvSpPr>
           <p:nvPr>
-            <p:ph idx="2" type="sldImg"/>
+            <p:ph type="sldImg" idx="2"/>
           </p:nvPr>
         </p:nvSpPr>
         <p:spPr>
@@ -2189,8 +2297,13 @@
             <a:ext cx="6096000" cy="3429000"/>
           </a:xfrm>
           <a:custGeom>
+            <a:avLst/>
+            <a:gdLst/>
+            <a:ahLst/>
+            <a:cxnLst/>
+            <a:rect l="0" t="0" r="0" b="0"/>
             <a:pathLst>
-              <a:path extrusionOk="0" h="120000" w="120000">
+              <a:path w="120000" h="120000" extrusionOk="0">
                 <a:moveTo>
                   <a:pt x="0" y="0"/>
                 </a:moveTo>
@@ -2212,9 +2325,11 @@
       <p:sp>
         <p:nvSpPr>
           <p:cNvPr id="65" name="Shape 65"/>
-          <p:cNvSpPr txBox="1"/>
+          <p:cNvSpPr txBox="1">
+            <a:spLocks noGrp="1"/>
+          </p:cNvSpPr>
           <p:nvPr>
-            <p:ph idx="1" type="body"/>
+            <p:ph type="body" idx="1"/>
           </p:nvPr>
         </p:nvSpPr>
         <p:spPr>
@@ -2227,12 +2342,12 @@
           </a:prstGeom>
         </p:spPr>
         <p:txBody>
-          <a:bodyPr anchorCtr="0" anchor="t" bIns="91425" lIns="91425" spcFirstLastPara="1" rIns="91425" wrap="square" tIns="91425">
+          <a:bodyPr spcFirstLastPara="1" wrap="square" lIns="91425" tIns="91425" rIns="91425" bIns="91425" anchor="t" anchorCtr="0">
             <a:noAutofit/>
           </a:bodyPr>
           <a:lstStyle/>
           <a:p>
-            <a:pPr indent="0" lvl="0" marL="0" rtl="0">
+            <a:pPr marL="0" lvl="0" indent="0" rtl="0">
               <a:spcBef>
                 <a:spcPts val="0"/>
               </a:spcBef>
@@ -2241,9 +2356,6 @@
               </a:spcAft>
               <a:buNone/>
             </a:pPr>
-            <a:r>
-              <a:t/>
-            </a:r>
             <a:endParaRPr/>
           </a:p>
         </p:txBody>
@@ -2257,11 +2369,11 @@
 </file>
 
 <file path=ppt/notesSlides/notesSlide4.xml><?xml version="1.0" encoding="utf-8"?>
-<p:notes xmlns:a="http://schemas.openxmlformats.org/drawingml/2006/main" xmlns:r="http://schemas.openxmlformats.org/officeDocument/2006/relationships" xmlns:mc="http://schemas.openxmlformats.org/markup-compatibility/2006" xmlns:mv="urn:schemas-microsoft-com:mac:vml" xmlns:p="http://schemas.openxmlformats.org/presentationml/2006/main" xmlns:c="http://schemas.openxmlformats.org/drawingml/2006/chart" xmlns:dgm="http://schemas.openxmlformats.org/drawingml/2006/diagram" xmlns:o="urn:schemas-microsoft-com:office:office" xmlns:v="urn:schemas-microsoft-com:vml" xmlns:pvml="urn:schemas-microsoft-com:office:powerpoint" xmlns:com="http://schemas.openxmlformats.org/drawingml/2006/compatibility" xmlns:p14="http://schemas.microsoft.com/office/powerpoint/2010/main" xmlns:p15="http://schemas.microsoft.com/office/powerpoint/2012/main" showMasterPhAnim="0" showMasterSp="0">
+<p:notes xmlns:a="http://schemas.openxmlformats.org/drawingml/2006/main" xmlns:r="http://schemas.openxmlformats.org/officeDocument/2006/relationships" xmlns:p="http://schemas.openxmlformats.org/presentationml/2006/main" showMasterSp="0" showMasterPhAnim="0">
   <p:cSld>
     <p:spTree>
       <p:nvGrpSpPr>
-        <p:cNvPr id="69" name="Shape 69"/>
+        <p:cNvPr id="1" name="Shape 69"/>
         <p:cNvGrpSpPr/>
         <p:nvPr/>
       </p:nvGrpSpPr>
@@ -2276,9 +2388,11 @@
       <p:sp>
         <p:nvSpPr>
           <p:cNvPr id="70" name="Shape 70"/>
-          <p:cNvSpPr/>
+          <p:cNvSpPr>
+            <a:spLocks noGrp="1" noRot="1" noChangeAspect="1"/>
+          </p:cNvSpPr>
           <p:nvPr>
-            <p:ph idx="2" type="sldImg"/>
+            <p:ph type="sldImg" idx="2"/>
           </p:nvPr>
         </p:nvSpPr>
         <p:spPr>
@@ -2287,8 +2401,13 @@
             <a:ext cx="6096000" cy="3429000"/>
           </a:xfrm>
           <a:custGeom>
+            <a:avLst/>
+            <a:gdLst/>
+            <a:ahLst/>
+            <a:cxnLst/>
+            <a:rect l="0" t="0" r="0" b="0"/>
             <a:pathLst>
-              <a:path extrusionOk="0" h="120000" w="120000">
+              <a:path w="120000" h="120000" extrusionOk="0">
                 <a:moveTo>
                   <a:pt x="0" y="0"/>
                 </a:moveTo>
@@ -2310,9 +2429,11 @@
       <p:sp>
         <p:nvSpPr>
           <p:cNvPr id="71" name="Shape 71"/>
-          <p:cNvSpPr txBox="1"/>
+          <p:cNvSpPr txBox="1">
+            <a:spLocks noGrp="1"/>
+          </p:cNvSpPr>
           <p:nvPr>
-            <p:ph idx="1" type="body"/>
+            <p:ph type="body" idx="1"/>
           </p:nvPr>
         </p:nvSpPr>
         <p:spPr>
@@ -2325,12 +2446,12 @@
           </a:prstGeom>
         </p:spPr>
         <p:txBody>
-          <a:bodyPr anchorCtr="0" anchor="t" bIns="91425" lIns="91425" spcFirstLastPara="1" rIns="91425" wrap="square" tIns="91425">
+          <a:bodyPr spcFirstLastPara="1" wrap="square" lIns="91425" tIns="91425" rIns="91425" bIns="91425" anchor="t" anchorCtr="0">
             <a:noAutofit/>
           </a:bodyPr>
           <a:lstStyle/>
           <a:p>
-            <a:pPr indent="0" lvl="0" marL="0" rtl="0">
+            <a:pPr marL="0" lvl="0" indent="0" rtl="0">
               <a:spcBef>
                 <a:spcPts val="0"/>
               </a:spcBef>
@@ -2339,9 +2460,6 @@
               </a:spcAft>
               <a:buNone/>
             </a:pPr>
-            <a:r>
-              <a:t/>
-            </a:r>
             <a:endParaRPr/>
           </a:p>
         </p:txBody>
@@ -2355,11 +2473,11 @@
 </file>
 
 <file path=ppt/notesSlides/notesSlide5.xml><?xml version="1.0" encoding="utf-8"?>
-<p:notes xmlns:a="http://schemas.openxmlformats.org/drawingml/2006/main" xmlns:r="http://schemas.openxmlformats.org/officeDocument/2006/relationships" xmlns:mc="http://schemas.openxmlformats.org/markup-compatibility/2006" xmlns:mv="urn:schemas-microsoft-com:mac:vml" xmlns:p="http://schemas.openxmlformats.org/presentationml/2006/main" xmlns:c="http://schemas.openxmlformats.org/drawingml/2006/chart" xmlns:dgm="http://schemas.openxmlformats.org/drawingml/2006/diagram" xmlns:o="urn:schemas-microsoft-com:office:office" xmlns:v="urn:schemas-microsoft-com:vml" xmlns:pvml="urn:schemas-microsoft-com:office:powerpoint" xmlns:com="http://schemas.openxmlformats.org/drawingml/2006/compatibility" xmlns:p14="http://schemas.microsoft.com/office/powerpoint/2010/main" xmlns:p15="http://schemas.microsoft.com/office/powerpoint/2012/main" showMasterPhAnim="0" showMasterSp="0">
+<p:notes xmlns:a="http://schemas.openxmlformats.org/drawingml/2006/main" xmlns:r="http://schemas.openxmlformats.org/officeDocument/2006/relationships" xmlns:p="http://schemas.openxmlformats.org/presentationml/2006/main" showMasterSp="0" showMasterPhAnim="0">
   <p:cSld>
     <p:spTree>
       <p:nvGrpSpPr>
-        <p:cNvPr id="75" name="Shape 75"/>
+        <p:cNvPr id="1" name="Shape 75"/>
         <p:cNvGrpSpPr/>
         <p:nvPr/>
       </p:nvGrpSpPr>
@@ -2374,9 +2492,11 @@
       <p:sp>
         <p:nvSpPr>
           <p:cNvPr id="76" name="Shape 76"/>
-          <p:cNvSpPr/>
+          <p:cNvSpPr>
+            <a:spLocks noGrp="1" noRot="1" noChangeAspect="1"/>
+          </p:cNvSpPr>
           <p:nvPr>
-            <p:ph idx="2" type="sldImg"/>
+            <p:ph type="sldImg" idx="2"/>
           </p:nvPr>
         </p:nvSpPr>
         <p:spPr>
@@ -2385,8 +2505,13 @@
             <a:ext cx="6096000" cy="3429000"/>
           </a:xfrm>
           <a:custGeom>
+            <a:avLst/>
+            <a:gdLst/>
+            <a:ahLst/>
+            <a:cxnLst/>
+            <a:rect l="0" t="0" r="0" b="0"/>
             <a:pathLst>
-              <a:path extrusionOk="0" h="120000" w="120000">
+              <a:path w="120000" h="120000" extrusionOk="0">
                 <a:moveTo>
                   <a:pt x="0" y="0"/>
                 </a:moveTo>
@@ -2408,9 +2533,11 @@
       <p:sp>
         <p:nvSpPr>
           <p:cNvPr id="77" name="Shape 77"/>
-          <p:cNvSpPr txBox="1"/>
+          <p:cNvSpPr txBox="1">
+            <a:spLocks noGrp="1"/>
+          </p:cNvSpPr>
           <p:nvPr>
-            <p:ph idx="1" type="body"/>
+            <p:ph type="body" idx="1"/>
           </p:nvPr>
         </p:nvSpPr>
         <p:spPr>
@@ -2423,12 +2550,12 @@
           </a:prstGeom>
         </p:spPr>
         <p:txBody>
-          <a:bodyPr anchorCtr="0" anchor="t" bIns="91425" lIns="91425" spcFirstLastPara="1" rIns="91425" wrap="square" tIns="91425">
+          <a:bodyPr spcFirstLastPara="1" wrap="square" lIns="91425" tIns="91425" rIns="91425" bIns="91425" anchor="t" anchorCtr="0">
             <a:noAutofit/>
           </a:bodyPr>
           <a:lstStyle/>
           <a:p>
-            <a:pPr indent="0" lvl="0" marL="0" rtl="0">
+            <a:pPr marL="0" lvl="0" indent="0" rtl="0">
               <a:spcBef>
                 <a:spcPts val="0"/>
               </a:spcBef>
@@ -2437,9 +2564,6 @@
               </a:spcAft>
               <a:buNone/>
             </a:pPr>
-            <a:r>
-              <a:t/>
-            </a:r>
             <a:endParaRPr/>
           </a:p>
         </p:txBody>
@@ -2453,11 +2577,11 @@
 </file>
 
 <file path=ppt/notesSlides/notesSlide6.xml><?xml version="1.0" encoding="utf-8"?>
-<p:notes xmlns:a="http://schemas.openxmlformats.org/drawingml/2006/main" xmlns:r="http://schemas.openxmlformats.org/officeDocument/2006/relationships" xmlns:mc="http://schemas.openxmlformats.org/markup-compatibility/2006" xmlns:mv="urn:schemas-microsoft-com:mac:vml" xmlns:p="http://schemas.openxmlformats.org/presentationml/2006/main" xmlns:c="http://schemas.openxmlformats.org/drawingml/2006/chart" xmlns:dgm="http://schemas.openxmlformats.org/drawingml/2006/diagram" xmlns:o="urn:schemas-microsoft-com:office:office" xmlns:v="urn:schemas-microsoft-com:vml" xmlns:pvml="urn:schemas-microsoft-com:office:powerpoint" xmlns:com="http://schemas.openxmlformats.org/drawingml/2006/compatibility" xmlns:p14="http://schemas.microsoft.com/office/powerpoint/2010/main" xmlns:p15="http://schemas.microsoft.com/office/powerpoint/2012/main" showMasterPhAnim="0" showMasterSp="0">
+<p:notes xmlns:a="http://schemas.openxmlformats.org/drawingml/2006/main" xmlns:r="http://schemas.openxmlformats.org/officeDocument/2006/relationships" xmlns:p="http://schemas.openxmlformats.org/presentationml/2006/main" showMasterSp="0" showMasterPhAnim="0">
   <p:cSld>
     <p:spTree>
       <p:nvGrpSpPr>
-        <p:cNvPr id="81" name="Shape 81"/>
+        <p:cNvPr id="1" name="Shape 81"/>
         <p:cNvGrpSpPr/>
         <p:nvPr/>
       </p:nvGrpSpPr>
@@ -2472,9 +2596,11 @@
       <p:sp>
         <p:nvSpPr>
           <p:cNvPr id="82" name="Shape 82"/>
-          <p:cNvSpPr/>
+          <p:cNvSpPr>
+            <a:spLocks noGrp="1" noRot="1" noChangeAspect="1"/>
+          </p:cNvSpPr>
           <p:nvPr>
-            <p:ph idx="2" type="sldImg"/>
+            <p:ph type="sldImg" idx="2"/>
           </p:nvPr>
         </p:nvSpPr>
         <p:spPr>
@@ -2483,8 +2609,13 @@
             <a:ext cx="6096000" cy="3429000"/>
           </a:xfrm>
           <a:custGeom>
+            <a:avLst/>
+            <a:gdLst/>
+            <a:ahLst/>
+            <a:cxnLst/>
+            <a:rect l="0" t="0" r="0" b="0"/>
             <a:pathLst>
-              <a:path extrusionOk="0" h="120000" w="120000">
+              <a:path w="120000" h="120000" extrusionOk="0">
                 <a:moveTo>
                   <a:pt x="0" y="0"/>
                 </a:moveTo>
@@ -2506,9 +2637,11 @@
       <p:sp>
         <p:nvSpPr>
           <p:cNvPr id="83" name="Shape 83"/>
-          <p:cNvSpPr txBox="1"/>
+          <p:cNvSpPr txBox="1">
+            <a:spLocks noGrp="1"/>
+          </p:cNvSpPr>
           <p:nvPr>
-            <p:ph idx="1" type="body"/>
+            <p:ph type="body" idx="1"/>
           </p:nvPr>
         </p:nvSpPr>
         <p:spPr>
@@ -2521,12 +2654,12 @@
           </a:prstGeom>
         </p:spPr>
         <p:txBody>
-          <a:bodyPr anchorCtr="0" anchor="t" bIns="91425" lIns="91425" spcFirstLastPara="1" rIns="91425" wrap="square" tIns="91425">
+          <a:bodyPr spcFirstLastPara="1" wrap="square" lIns="91425" tIns="91425" rIns="91425" bIns="91425" anchor="t" anchorCtr="0">
             <a:noAutofit/>
           </a:bodyPr>
           <a:lstStyle/>
           <a:p>
-            <a:pPr indent="0" lvl="0" marL="0" rtl="0">
+            <a:pPr marL="0" lvl="0" indent="0" rtl="0">
               <a:spcBef>
                 <a:spcPts val="0"/>
               </a:spcBef>
@@ -2535,9 +2668,6 @@
               </a:spcAft>
               <a:buNone/>
             </a:pPr>
-            <a:r>
-              <a:t/>
-            </a:r>
             <a:endParaRPr/>
           </a:p>
         </p:txBody>
@@ -2551,11 +2681,11 @@
 </file>
 
 <file path=ppt/notesSlides/notesSlide7.xml><?xml version="1.0" encoding="utf-8"?>
-<p:notes xmlns:a="http://schemas.openxmlformats.org/drawingml/2006/main" xmlns:r="http://schemas.openxmlformats.org/officeDocument/2006/relationships" xmlns:mc="http://schemas.openxmlformats.org/markup-compatibility/2006" xmlns:mv="urn:schemas-microsoft-com:mac:vml" xmlns:p="http://schemas.openxmlformats.org/presentationml/2006/main" xmlns:c="http://schemas.openxmlformats.org/drawingml/2006/chart" xmlns:dgm="http://schemas.openxmlformats.org/drawingml/2006/diagram" xmlns:o="urn:schemas-microsoft-com:office:office" xmlns:v="urn:schemas-microsoft-com:vml" xmlns:pvml="urn:schemas-microsoft-com:office:powerpoint" xmlns:com="http://schemas.openxmlformats.org/drawingml/2006/compatibility" xmlns:p14="http://schemas.microsoft.com/office/powerpoint/2010/main" xmlns:p15="http://schemas.microsoft.com/office/powerpoint/2012/main" showMasterPhAnim="0" showMasterSp="0">
+<p:notes xmlns:a="http://schemas.openxmlformats.org/drawingml/2006/main" xmlns:r="http://schemas.openxmlformats.org/officeDocument/2006/relationships" xmlns:p="http://schemas.openxmlformats.org/presentationml/2006/main" showMasterSp="0" showMasterPhAnim="0">
   <p:cSld>
     <p:spTree>
       <p:nvGrpSpPr>
-        <p:cNvPr id="87" name="Shape 87"/>
+        <p:cNvPr id="1" name="Shape 87"/>
         <p:cNvGrpSpPr/>
         <p:nvPr/>
       </p:nvGrpSpPr>
@@ -2570,9 +2700,11 @@
       <p:sp>
         <p:nvSpPr>
           <p:cNvPr id="88" name="Shape 88"/>
-          <p:cNvSpPr/>
+          <p:cNvSpPr>
+            <a:spLocks noGrp="1" noRot="1" noChangeAspect="1"/>
+          </p:cNvSpPr>
           <p:nvPr>
-            <p:ph idx="2" type="sldImg"/>
+            <p:ph type="sldImg" idx="2"/>
           </p:nvPr>
         </p:nvSpPr>
         <p:spPr>
@@ -2581,8 +2713,13 @@
             <a:ext cx="6096000" cy="3429000"/>
           </a:xfrm>
           <a:custGeom>
+            <a:avLst/>
+            <a:gdLst/>
+            <a:ahLst/>
+            <a:cxnLst/>
+            <a:rect l="0" t="0" r="0" b="0"/>
             <a:pathLst>
-              <a:path extrusionOk="0" h="120000" w="120000">
+              <a:path w="120000" h="120000" extrusionOk="0">
                 <a:moveTo>
                   <a:pt x="0" y="0"/>
                 </a:moveTo>
@@ -2604,9 +2741,11 @@
       <p:sp>
         <p:nvSpPr>
           <p:cNvPr id="89" name="Shape 89"/>
-          <p:cNvSpPr txBox="1"/>
+          <p:cNvSpPr txBox="1">
+            <a:spLocks noGrp="1"/>
+          </p:cNvSpPr>
           <p:nvPr>
-            <p:ph idx="1" type="body"/>
+            <p:ph type="body" idx="1"/>
           </p:nvPr>
         </p:nvSpPr>
         <p:spPr>
@@ -2619,12 +2758,12 @@
           </a:prstGeom>
         </p:spPr>
         <p:txBody>
-          <a:bodyPr anchorCtr="0" anchor="t" bIns="91425" lIns="91425" spcFirstLastPara="1" rIns="91425" wrap="square" tIns="91425">
+          <a:bodyPr spcFirstLastPara="1" wrap="square" lIns="91425" tIns="91425" rIns="91425" bIns="91425" anchor="t" anchorCtr="0">
             <a:noAutofit/>
           </a:bodyPr>
           <a:lstStyle/>
           <a:p>
-            <a:pPr indent="0" lvl="0" marL="0" rtl="0">
+            <a:pPr marL="0" lvl="0" indent="0" rtl="0">
               <a:spcBef>
                 <a:spcPts val="0"/>
               </a:spcBef>
@@ -2633,9 +2772,6 @@
               </a:spcAft>
               <a:buNone/>
             </a:pPr>
-            <a:r>
-              <a:t/>
-            </a:r>
             <a:endParaRPr/>
           </a:p>
         </p:txBody>
@@ -2649,11 +2785,11 @@
 </file>
 
 <file path=ppt/notesSlides/notesSlide8.xml><?xml version="1.0" encoding="utf-8"?>
-<p:notes xmlns:a="http://schemas.openxmlformats.org/drawingml/2006/main" xmlns:r="http://schemas.openxmlformats.org/officeDocument/2006/relationships" xmlns:mc="http://schemas.openxmlformats.org/markup-compatibility/2006" xmlns:mv="urn:schemas-microsoft-com:mac:vml" xmlns:p="http://schemas.openxmlformats.org/presentationml/2006/main" xmlns:c="http://schemas.openxmlformats.org/drawingml/2006/chart" xmlns:dgm="http://schemas.openxmlformats.org/drawingml/2006/diagram" xmlns:o="urn:schemas-microsoft-com:office:office" xmlns:v="urn:schemas-microsoft-com:vml" xmlns:pvml="urn:schemas-microsoft-com:office:powerpoint" xmlns:com="http://schemas.openxmlformats.org/drawingml/2006/compatibility" xmlns:p14="http://schemas.microsoft.com/office/powerpoint/2010/main" xmlns:p15="http://schemas.microsoft.com/office/powerpoint/2012/main" showMasterPhAnim="0" showMasterSp="0">
+<p:notes xmlns:a="http://schemas.openxmlformats.org/drawingml/2006/main" xmlns:r="http://schemas.openxmlformats.org/officeDocument/2006/relationships" xmlns:p="http://schemas.openxmlformats.org/presentationml/2006/main" showMasterSp="0" showMasterPhAnim="0">
   <p:cSld>
     <p:spTree>
       <p:nvGrpSpPr>
-        <p:cNvPr id="93" name="Shape 93"/>
+        <p:cNvPr id="1" name="Shape 93"/>
         <p:cNvGrpSpPr/>
         <p:nvPr/>
       </p:nvGrpSpPr>
@@ -2668,9 +2804,11 @@
       <p:sp>
         <p:nvSpPr>
           <p:cNvPr id="94" name="Shape 94"/>
-          <p:cNvSpPr/>
+          <p:cNvSpPr>
+            <a:spLocks noGrp="1" noRot="1" noChangeAspect="1"/>
+          </p:cNvSpPr>
           <p:nvPr>
-            <p:ph idx="2" type="sldImg"/>
+            <p:ph type="sldImg" idx="2"/>
           </p:nvPr>
         </p:nvSpPr>
         <p:spPr>
@@ -2679,8 +2817,13 @@
             <a:ext cx="6096000" cy="3429000"/>
           </a:xfrm>
           <a:custGeom>
+            <a:avLst/>
+            <a:gdLst/>
+            <a:ahLst/>
+            <a:cxnLst/>
+            <a:rect l="0" t="0" r="0" b="0"/>
             <a:pathLst>
-              <a:path extrusionOk="0" h="120000" w="120000">
+              <a:path w="120000" h="120000" extrusionOk="0">
                 <a:moveTo>
                   <a:pt x="0" y="0"/>
                 </a:moveTo>
@@ -2702,9 +2845,11 @@
       <p:sp>
         <p:nvSpPr>
           <p:cNvPr id="95" name="Shape 95"/>
-          <p:cNvSpPr txBox="1"/>
+          <p:cNvSpPr txBox="1">
+            <a:spLocks noGrp="1"/>
+          </p:cNvSpPr>
           <p:nvPr>
-            <p:ph idx="1" type="body"/>
+            <p:ph type="body" idx="1"/>
           </p:nvPr>
         </p:nvSpPr>
         <p:spPr>
@@ -2717,12 +2862,12 @@
           </a:prstGeom>
         </p:spPr>
         <p:txBody>
-          <a:bodyPr anchorCtr="0" anchor="t" bIns="91425" lIns="91425" spcFirstLastPara="1" rIns="91425" wrap="square" tIns="91425">
+          <a:bodyPr spcFirstLastPara="1" wrap="square" lIns="91425" tIns="91425" rIns="91425" bIns="91425" anchor="t" anchorCtr="0">
             <a:noAutofit/>
           </a:bodyPr>
           <a:lstStyle/>
           <a:p>
-            <a:pPr indent="0" lvl="0" marL="0" rtl="0">
+            <a:pPr marL="0" lvl="0" indent="0" rtl="0">
               <a:spcBef>
                 <a:spcPts val="0"/>
               </a:spcBef>
@@ -2731,9 +2876,6 @@
               </a:spcAft>
               <a:buNone/>
             </a:pPr>
-            <a:r>
-              <a:t/>
-            </a:r>
             <a:endParaRPr/>
           </a:p>
         </p:txBody>
@@ -2747,11 +2889,11 @@
 </file>
 
 <file path=ppt/notesSlides/notesSlide9.xml><?xml version="1.0" encoding="utf-8"?>
-<p:notes xmlns:a="http://schemas.openxmlformats.org/drawingml/2006/main" xmlns:r="http://schemas.openxmlformats.org/officeDocument/2006/relationships" xmlns:mc="http://schemas.openxmlformats.org/markup-compatibility/2006" xmlns:mv="urn:schemas-microsoft-com:mac:vml" xmlns:p="http://schemas.openxmlformats.org/presentationml/2006/main" xmlns:c="http://schemas.openxmlformats.org/drawingml/2006/chart" xmlns:dgm="http://schemas.openxmlformats.org/drawingml/2006/diagram" xmlns:o="urn:schemas-microsoft-com:office:office" xmlns:v="urn:schemas-microsoft-com:vml" xmlns:pvml="urn:schemas-microsoft-com:office:powerpoint" xmlns:com="http://schemas.openxmlformats.org/drawingml/2006/compatibility" xmlns:p14="http://schemas.microsoft.com/office/powerpoint/2010/main" xmlns:p15="http://schemas.microsoft.com/office/powerpoint/2012/main" showMasterPhAnim="0" showMasterSp="0">
+<p:notes xmlns:a="http://schemas.openxmlformats.org/drawingml/2006/main" xmlns:r="http://schemas.openxmlformats.org/officeDocument/2006/relationships" xmlns:p="http://schemas.openxmlformats.org/presentationml/2006/main" showMasterSp="0" showMasterPhAnim="0">
   <p:cSld>
     <p:spTree>
       <p:nvGrpSpPr>
-        <p:cNvPr id="99" name="Shape 99"/>
+        <p:cNvPr id="1" name="Shape 99"/>
         <p:cNvGrpSpPr/>
         <p:nvPr/>
       </p:nvGrpSpPr>
@@ -2766,9 +2908,11 @@
       <p:sp>
         <p:nvSpPr>
           <p:cNvPr id="100" name="Shape 100"/>
-          <p:cNvSpPr/>
+          <p:cNvSpPr>
+            <a:spLocks noGrp="1" noRot="1" noChangeAspect="1"/>
+          </p:cNvSpPr>
           <p:nvPr>
-            <p:ph idx="2" type="sldImg"/>
+            <p:ph type="sldImg" idx="2"/>
           </p:nvPr>
         </p:nvSpPr>
         <p:spPr>
@@ -2777,8 +2921,13 @@
             <a:ext cx="6096000" cy="3429000"/>
           </a:xfrm>
           <a:custGeom>
+            <a:avLst/>
+            <a:gdLst/>
+            <a:ahLst/>
+            <a:cxnLst/>
+            <a:rect l="0" t="0" r="0" b="0"/>
             <a:pathLst>
-              <a:path extrusionOk="0" h="120000" w="120000">
+              <a:path w="120000" h="120000" extrusionOk="0">
                 <a:moveTo>
                   <a:pt x="0" y="0"/>
                 </a:moveTo>
@@ -2800,9 +2949,11 @@
       <p:sp>
         <p:nvSpPr>
           <p:cNvPr id="101" name="Shape 101"/>
-          <p:cNvSpPr txBox="1"/>
+          <p:cNvSpPr txBox="1">
+            <a:spLocks noGrp="1"/>
+          </p:cNvSpPr>
           <p:nvPr>
-            <p:ph idx="1" type="body"/>
+            <p:ph type="body" idx="1"/>
           </p:nvPr>
         </p:nvSpPr>
         <p:spPr>
@@ -2815,12 +2966,12 @@
           </a:prstGeom>
         </p:spPr>
         <p:txBody>
-          <a:bodyPr anchorCtr="0" anchor="t" bIns="91425" lIns="91425" spcFirstLastPara="1" rIns="91425" wrap="square" tIns="91425">
+          <a:bodyPr spcFirstLastPara="1" wrap="square" lIns="91425" tIns="91425" rIns="91425" bIns="91425" anchor="t" anchorCtr="0">
             <a:noAutofit/>
           </a:bodyPr>
           <a:lstStyle/>
           <a:p>
-            <a:pPr indent="0" lvl="0" marL="0" rtl="0">
+            <a:pPr marL="0" lvl="0" indent="0" rtl="0">
               <a:spcBef>
                 <a:spcPts val="0"/>
               </a:spcBef>
@@ -2829,9 +2980,6 @@
               </a:spcAft>
               <a:buNone/>
             </a:pPr>
-            <a:r>
-              <a:t/>
-            </a:r>
             <a:endParaRPr/>
           </a:p>
         </p:txBody>
@@ -2845,11 +2993,11 @@
 </file>
 
 <file path=ppt/slideLayouts/slideLayout1.xml><?xml version="1.0" encoding="utf-8"?>
-<p:sldLayout xmlns:a="http://schemas.openxmlformats.org/drawingml/2006/main" xmlns:r="http://schemas.openxmlformats.org/officeDocument/2006/relationships" xmlns:mc="http://schemas.openxmlformats.org/markup-compatibility/2006" xmlns:mv="urn:schemas-microsoft-com:mac:vml" xmlns:p="http://schemas.openxmlformats.org/presentationml/2006/main" xmlns:c="http://schemas.openxmlformats.org/drawingml/2006/chart" xmlns:dgm="http://schemas.openxmlformats.org/drawingml/2006/diagram" xmlns:o="urn:schemas-microsoft-com:office:office" xmlns:v="urn:schemas-microsoft-com:vml" xmlns:pvml="urn:schemas-microsoft-com:office:powerpoint" xmlns:com="http://schemas.openxmlformats.org/drawingml/2006/compatibility" xmlns:p14="http://schemas.microsoft.com/office/powerpoint/2010/main" xmlns:p15="http://schemas.microsoft.com/office/powerpoint/2012/main" matchingName="Title slide" type="title">
+<p:sldLayout xmlns:a="http://schemas.openxmlformats.org/drawingml/2006/main" xmlns:r="http://schemas.openxmlformats.org/officeDocument/2006/relationships" xmlns:p="http://schemas.openxmlformats.org/presentationml/2006/main" matchingName="Title slide" type="title">
   <p:cSld name="TITLE">
     <p:spTree>
       <p:nvGrpSpPr>
-        <p:cNvPr id="9" name="Shape 9"/>
+        <p:cNvPr id="1" name="Shape 9"/>
         <p:cNvGrpSpPr/>
         <p:nvPr/>
       </p:nvGrpSpPr>
@@ -2864,7 +3012,9 @@
       <p:sp>
         <p:nvSpPr>
           <p:cNvPr id="10" name="Shape 10"/>
-          <p:cNvSpPr txBox="1"/>
+          <p:cNvSpPr txBox="1">
+            <a:spLocks noGrp="1"/>
+          </p:cNvSpPr>
           <p:nvPr>
             <p:ph type="ctrTitle"/>
           </p:nvPr>
@@ -2879,7 +3029,7 @@
           </a:prstGeom>
         </p:spPr>
         <p:txBody>
-          <a:bodyPr anchorCtr="0" anchor="b" bIns="91425" lIns="91425" spcFirstLastPara="1" rIns="91425" wrap="square" tIns="91425"/>
+          <a:bodyPr spcFirstLastPara="1" wrap="square" lIns="91425" tIns="91425" rIns="91425" bIns="91425" anchor="b" anchorCtr="0"/>
           <a:lstStyle>
             <a:lvl1pPr lvl="0" algn="ctr">
               <a:spcBef>
@@ -2981,15 +3131,19 @@
               <a:defRPr sz="5200"/>
             </a:lvl9pPr>
           </a:lstStyle>
-          <a:p/>
+          <a:p>
+            <a:endParaRPr/>
+          </a:p>
         </p:txBody>
       </p:sp>
       <p:sp>
         <p:nvSpPr>
           <p:cNvPr id="11" name="Shape 11"/>
-          <p:cNvSpPr txBox="1"/>
+          <p:cNvSpPr txBox="1">
+            <a:spLocks noGrp="1"/>
+          </p:cNvSpPr>
           <p:nvPr>
-            <p:ph idx="1" type="subTitle"/>
+            <p:ph type="subTitle" idx="1"/>
           </p:nvPr>
         </p:nvSpPr>
         <p:spPr>
@@ -3002,7 +3156,7 @@
           </a:prstGeom>
         </p:spPr>
         <p:txBody>
-          <a:bodyPr anchorCtr="0" anchor="t" bIns="91425" lIns="91425" spcFirstLastPara="1" rIns="91425" wrap="square" tIns="91425"/>
+          <a:bodyPr spcFirstLastPara="1" wrap="square" lIns="91425" tIns="91425" rIns="91425" bIns="91425" anchor="t" anchorCtr="0"/>
           <a:lstStyle>
             <a:lvl1pPr lvl="0" algn="ctr">
               <a:lnSpc>
@@ -3131,15 +3285,19 @@
               <a:defRPr sz="2800"/>
             </a:lvl9pPr>
           </a:lstStyle>
-          <a:p/>
+          <a:p>
+            <a:endParaRPr/>
+          </a:p>
         </p:txBody>
       </p:sp>
       <p:sp>
         <p:nvSpPr>
           <p:cNvPr id="12" name="Shape 12"/>
-          <p:cNvSpPr txBox="1"/>
+          <p:cNvSpPr txBox="1">
+            <a:spLocks noGrp="1"/>
+          </p:cNvSpPr>
           <p:nvPr>
-            <p:ph idx="12" type="sldNum"/>
+            <p:ph type="sldNum" idx="12"/>
           </p:nvPr>
         </p:nvSpPr>
         <p:spPr>
@@ -3152,7 +3310,7 @@
           </a:prstGeom>
         </p:spPr>
         <p:txBody>
-          <a:bodyPr anchorCtr="0" anchor="ctr" bIns="91425" lIns="91425" spcFirstLastPara="1" rIns="91425" wrap="square" tIns="91425">
+          <a:bodyPr spcFirstLastPara="1" wrap="square" lIns="91425" tIns="91425" rIns="91425" bIns="91425" anchor="ctr" anchorCtr="0">
             <a:noAutofit/>
           </a:bodyPr>
           <a:lstStyle>
@@ -3194,7 +3352,7 @@
             </a:lvl9pPr>
           </a:lstStyle>
           <a:p>
-            <a:pPr indent="0" lvl="0" marL="0">
+            <a:pPr marL="0" lvl="0" indent="0">
               <a:spcBef>
                 <a:spcPts val="0"/>
               </a:spcBef>
@@ -3220,11 +3378,11 @@
 </file>
 
 <file path=ppt/slideLayouts/slideLayout10.xml><?xml version="1.0" encoding="utf-8"?>
-<p:sldLayout xmlns:a="http://schemas.openxmlformats.org/drawingml/2006/main" xmlns:r="http://schemas.openxmlformats.org/officeDocument/2006/relationships" xmlns:mc="http://schemas.openxmlformats.org/markup-compatibility/2006" xmlns:mv="urn:schemas-microsoft-com:mac:vml" xmlns:p="http://schemas.openxmlformats.org/presentationml/2006/main" xmlns:c="http://schemas.openxmlformats.org/drawingml/2006/chart" xmlns:dgm="http://schemas.openxmlformats.org/drawingml/2006/diagram" xmlns:o="urn:schemas-microsoft-com:office:office" xmlns:v="urn:schemas-microsoft-com:vml" xmlns:pvml="urn:schemas-microsoft-com:office:powerpoint" xmlns:com="http://schemas.openxmlformats.org/drawingml/2006/compatibility" xmlns:p14="http://schemas.microsoft.com/office/powerpoint/2010/main" xmlns:p15="http://schemas.microsoft.com/office/powerpoint/2012/main" matchingName="Big number">
+<p:sldLayout xmlns:a="http://schemas.openxmlformats.org/drawingml/2006/main" xmlns:r="http://schemas.openxmlformats.org/officeDocument/2006/relationships" xmlns:p="http://schemas.openxmlformats.org/presentationml/2006/main" matchingName="Big number">
   <p:cSld name="BIG_NUMBER">
     <p:spTree>
       <p:nvGrpSpPr>
-        <p:cNvPr id="44" name="Shape 44"/>
+        <p:cNvPr id="1" name="Shape 44"/>
         <p:cNvGrpSpPr/>
         <p:nvPr/>
       </p:nvGrpSpPr>
@@ -3239,9 +3397,11 @@
       <p:sp>
         <p:nvSpPr>
           <p:cNvPr id="45" name="Shape 45"/>
-          <p:cNvSpPr txBox="1"/>
+          <p:cNvSpPr txBox="1">
+            <a:spLocks noGrp="1"/>
+          </p:cNvSpPr>
           <p:nvPr>
-            <p:ph hasCustomPrompt="1" type="title"/>
+            <p:ph type="title" hasCustomPrompt="1"/>
           </p:nvPr>
         </p:nvSpPr>
         <p:spPr>
@@ -3254,7 +3414,7 @@
           </a:prstGeom>
         </p:spPr>
         <p:txBody>
-          <a:bodyPr anchorCtr="0" anchor="b" bIns="91425" lIns="91425" spcFirstLastPara="1" rIns="91425" wrap="square" tIns="91425"/>
+          <a:bodyPr spcFirstLastPara="1" wrap="square" lIns="91425" tIns="91425" rIns="91425" bIns="91425" anchor="b" anchorCtr="0"/>
           <a:lstStyle>
             <a:lvl1pPr lvl="0" algn="ctr">
               <a:spcBef>
@@ -3366,9 +3526,11 @@
       <p:sp>
         <p:nvSpPr>
           <p:cNvPr id="46" name="Shape 46"/>
-          <p:cNvSpPr txBox="1"/>
+          <p:cNvSpPr txBox="1">
+            <a:spLocks noGrp="1"/>
+          </p:cNvSpPr>
           <p:nvPr>
-            <p:ph idx="1" type="body"/>
+            <p:ph type="body" idx="1"/>
           </p:nvPr>
         </p:nvSpPr>
         <p:spPr>
@@ -3381,9 +3543,9 @@
           </a:prstGeom>
         </p:spPr>
         <p:txBody>
-          <a:bodyPr anchorCtr="0" anchor="t" bIns="91425" lIns="91425" spcFirstLastPara="1" rIns="91425" wrap="square" tIns="91425"/>
+          <a:bodyPr spcFirstLastPara="1" wrap="square" lIns="91425" tIns="91425" rIns="91425" bIns="91425" anchor="t" anchorCtr="0"/>
           <a:lstStyle>
-            <a:lvl1pPr indent="-342900" lvl="0" marL="457200" algn="ctr">
+            <a:lvl1pPr marL="457200" lvl="0" indent="-342900" algn="ctr">
               <a:spcBef>
                 <a:spcPts val="0"/>
               </a:spcBef>
@@ -3394,7 +3556,7 @@
               <a:buChar char="●"/>
               <a:defRPr/>
             </a:lvl1pPr>
-            <a:lvl2pPr indent="-317500" lvl="1" marL="914400" algn="ctr">
+            <a:lvl2pPr marL="914400" lvl="1" indent="-317500" algn="ctr">
               <a:spcBef>
                 <a:spcPts val="1600"/>
               </a:spcBef>
@@ -3405,7 +3567,7 @@
               <a:buChar char="○"/>
               <a:defRPr/>
             </a:lvl2pPr>
-            <a:lvl3pPr indent="-317500" lvl="2" marL="1371600" algn="ctr">
+            <a:lvl3pPr marL="1371600" lvl="2" indent="-317500" algn="ctr">
               <a:spcBef>
                 <a:spcPts val="1600"/>
               </a:spcBef>
@@ -3416,7 +3578,7 @@
               <a:buChar char="■"/>
               <a:defRPr/>
             </a:lvl3pPr>
-            <a:lvl4pPr indent="-317500" lvl="3" marL="1828800" algn="ctr">
+            <a:lvl4pPr marL="1828800" lvl="3" indent="-317500" algn="ctr">
               <a:spcBef>
                 <a:spcPts val="1600"/>
               </a:spcBef>
@@ -3427,7 +3589,7 @@
               <a:buChar char="●"/>
               <a:defRPr/>
             </a:lvl4pPr>
-            <a:lvl5pPr indent="-317500" lvl="4" marL="2286000" algn="ctr">
+            <a:lvl5pPr marL="2286000" lvl="4" indent="-317500" algn="ctr">
               <a:spcBef>
                 <a:spcPts val="1600"/>
               </a:spcBef>
@@ -3438,7 +3600,7 @@
               <a:buChar char="○"/>
               <a:defRPr/>
             </a:lvl5pPr>
-            <a:lvl6pPr indent="-317500" lvl="5" marL="2743200" algn="ctr">
+            <a:lvl6pPr marL="2743200" lvl="5" indent="-317500" algn="ctr">
               <a:spcBef>
                 <a:spcPts val="1600"/>
               </a:spcBef>
@@ -3449,7 +3611,7 @@
               <a:buChar char="■"/>
               <a:defRPr/>
             </a:lvl6pPr>
-            <a:lvl7pPr indent="-317500" lvl="6" marL="3200400" algn="ctr">
+            <a:lvl7pPr marL="3200400" lvl="6" indent="-317500" algn="ctr">
               <a:spcBef>
                 <a:spcPts val="1600"/>
               </a:spcBef>
@@ -3460,7 +3622,7 @@
               <a:buChar char="●"/>
               <a:defRPr/>
             </a:lvl7pPr>
-            <a:lvl8pPr indent="-317500" lvl="7" marL="3657600" algn="ctr">
+            <a:lvl8pPr marL="3657600" lvl="7" indent="-317500" algn="ctr">
               <a:spcBef>
                 <a:spcPts val="1600"/>
               </a:spcBef>
@@ -3471,7 +3633,7 @@
               <a:buChar char="○"/>
               <a:defRPr/>
             </a:lvl8pPr>
-            <a:lvl9pPr indent="-317500" lvl="8" marL="4114800" algn="ctr">
+            <a:lvl9pPr marL="4114800" lvl="8" indent="-317500" algn="ctr">
               <a:spcBef>
                 <a:spcPts val="1600"/>
               </a:spcBef>
@@ -3483,15 +3645,19 @@
               <a:defRPr/>
             </a:lvl9pPr>
           </a:lstStyle>
-          <a:p/>
+          <a:p>
+            <a:endParaRPr/>
+          </a:p>
         </p:txBody>
       </p:sp>
       <p:sp>
         <p:nvSpPr>
           <p:cNvPr id="47" name="Shape 47"/>
-          <p:cNvSpPr txBox="1"/>
+          <p:cNvSpPr txBox="1">
+            <a:spLocks noGrp="1"/>
+          </p:cNvSpPr>
           <p:nvPr>
-            <p:ph idx="12" type="sldNum"/>
+            <p:ph type="sldNum" idx="12"/>
           </p:nvPr>
         </p:nvSpPr>
         <p:spPr>
@@ -3504,7 +3670,7 @@
           </a:prstGeom>
         </p:spPr>
         <p:txBody>
-          <a:bodyPr anchorCtr="0" anchor="ctr" bIns="91425" lIns="91425" spcFirstLastPara="1" rIns="91425" wrap="square" tIns="91425">
+          <a:bodyPr spcFirstLastPara="1" wrap="square" lIns="91425" tIns="91425" rIns="91425" bIns="91425" anchor="ctr" anchorCtr="0">
             <a:noAutofit/>
           </a:bodyPr>
           <a:lstStyle>
@@ -3546,7 +3712,7 @@
             </a:lvl9pPr>
           </a:lstStyle>
           <a:p>
-            <a:pPr indent="0" lvl="0" marL="0">
+            <a:pPr marL="0" lvl="0" indent="0">
               <a:spcBef>
                 <a:spcPts val="0"/>
               </a:spcBef>
@@ -3572,11 +3738,11 @@
 </file>
 
 <file path=ppt/slideLayouts/slideLayout11.xml><?xml version="1.0" encoding="utf-8"?>
-<p:sldLayout xmlns:a="http://schemas.openxmlformats.org/drawingml/2006/main" xmlns:r="http://schemas.openxmlformats.org/officeDocument/2006/relationships" xmlns:mc="http://schemas.openxmlformats.org/markup-compatibility/2006" xmlns:mv="urn:schemas-microsoft-com:mac:vml" xmlns:p="http://schemas.openxmlformats.org/presentationml/2006/main" xmlns:c="http://schemas.openxmlformats.org/drawingml/2006/chart" xmlns:dgm="http://schemas.openxmlformats.org/drawingml/2006/diagram" xmlns:o="urn:schemas-microsoft-com:office:office" xmlns:v="urn:schemas-microsoft-com:vml" xmlns:pvml="urn:schemas-microsoft-com:office:powerpoint" xmlns:com="http://schemas.openxmlformats.org/drawingml/2006/compatibility" xmlns:p14="http://schemas.microsoft.com/office/powerpoint/2010/main" xmlns:p15="http://schemas.microsoft.com/office/powerpoint/2012/main" matchingName="Blank" type="blank">
+<p:sldLayout xmlns:a="http://schemas.openxmlformats.org/drawingml/2006/main" xmlns:r="http://schemas.openxmlformats.org/officeDocument/2006/relationships" xmlns:p="http://schemas.openxmlformats.org/presentationml/2006/main" matchingName="Blank" type="blank">
   <p:cSld name="BLANK">
     <p:spTree>
       <p:nvGrpSpPr>
-        <p:cNvPr id="48" name="Shape 48"/>
+        <p:cNvPr id="1" name="Shape 48"/>
         <p:cNvGrpSpPr/>
         <p:nvPr/>
       </p:nvGrpSpPr>
@@ -3591,9 +3757,11 @@
       <p:sp>
         <p:nvSpPr>
           <p:cNvPr id="49" name="Shape 49"/>
-          <p:cNvSpPr txBox="1"/>
+          <p:cNvSpPr txBox="1">
+            <a:spLocks noGrp="1"/>
+          </p:cNvSpPr>
           <p:nvPr>
-            <p:ph idx="12" type="sldNum"/>
+            <p:ph type="sldNum" idx="12"/>
           </p:nvPr>
         </p:nvSpPr>
         <p:spPr>
@@ -3606,7 +3774,7 @@
           </a:prstGeom>
         </p:spPr>
         <p:txBody>
-          <a:bodyPr anchorCtr="0" anchor="ctr" bIns="91425" lIns="91425" spcFirstLastPara="1" rIns="91425" wrap="square" tIns="91425">
+          <a:bodyPr spcFirstLastPara="1" wrap="square" lIns="91425" tIns="91425" rIns="91425" bIns="91425" anchor="ctr" anchorCtr="0">
             <a:noAutofit/>
           </a:bodyPr>
           <a:lstStyle>
@@ -3648,7 +3816,7 @@
             </a:lvl9pPr>
           </a:lstStyle>
           <a:p>
-            <a:pPr indent="0" lvl="0" marL="0">
+            <a:pPr marL="0" lvl="0" indent="0">
               <a:spcBef>
                 <a:spcPts val="0"/>
               </a:spcBef>
@@ -3674,11 +3842,11 @@
 </file>
 
 <file path=ppt/slideLayouts/slideLayout2.xml><?xml version="1.0" encoding="utf-8"?>
-<p:sldLayout xmlns:a="http://schemas.openxmlformats.org/drawingml/2006/main" xmlns:r="http://schemas.openxmlformats.org/officeDocument/2006/relationships" xmlns:mc="http://schemas.openxmlformats.org/markup-compatibility/2006" xmlns:mv="urn:schemas-microsoft-com:mac:vml" xmlns:p="http://schemas.openxmlformats.org/presentationml/2006/main" xmlns:c="http://schemas.openxmlformats.org/drawingml/2006/chart" xmlns:dgm="http://schemas.openxmlformats.org/drawingml/2006/diagram" xmlns:o="urn:schemas-microsoft-com:office:office" xmlns:v="urn:schemas-microsoft-com:vml" xmlns:pvml="urn:schemas-microsoft-com:office:powerpoint" xmlns:com="http://schemas.openxmlformats.org/drawingml/2006/compatibility" xmlns:p14="http://schemas.microsoft.com/office/powerpoint/2010/main" xmlns:p15="http://schemas.microsoft.com/office/powerpoint/2012/main" matchingName="Section header" type="secHead">
+<p:sldLayout xmlns:a="http://schemas.openxmlformats.org/drawingml/2006/main" xmlns:r="http://schemas.openxmlformats.org/officeDocument/2006/relationships" xmlns:p="http://schemas.openxmlformats.org/presentationml/2006/main" matchingName="Section header" type="secHead">
   <p:cSld name="SECTION_HEADER">
     <p:spTree>
       <p:nvGrpSpPr>
-        <p:cNvPr id="13" name="Shape 13"/>
+        <p:cNvPr id="1" name="Shape 13"/>
         <p:cNvGrpSpPr/>
         <p:nvPr/>
       </p:nvGrpSpPr>
@@ -3693,7 +3861,9 @@
       <p:sp>
         <p:nvSpPr>
           <p:cNvPr id="14" name="Shape 14"/>
-          <p:cNvSpPr txBox="1"/>
+          <p:cNvSpPr txBox="1">
+            <a:spLocks noGrp="1"/>
+          </p:cNvSpPr>
           <p:nvPr>
             <p:ph type="title"/>
           </p:nvPr>
@@ -3708,7 +3878,7 @@
           </a:prstGeom>
         </p:spPr>
         <p:txBody>
-          <a:bodyPr anchorCtr="0" anchor="ctr" bIns="91425" lIns="91425" spcFirstLastPara="1" rIns="91425" wrap="square" tIns="91425"/>
+          <a:bodyPr spcFirstLastPara="1" wrap="square" lIns="91425" tIns="91425" rIns="91425" bIns="91425" anchor="ctr" anchorCtr="0"/>
           <a:lstStyle>
             <a:lvl1pPr lvl="0" algn="ctr">
               <a:spcBef>
@@ -3810,15 +3980,19 @@
               <a:defRPr sz="3600"/>
             </a:lvl9pPr>
           </a:lstStyle>
-          <a:p/>
+          <a:p>
+            <a:endParaRPr/>
+          </a:p>
         </p:txBody>
       </p:sp>
       <p:sp>
         <p:nvSpPr>
           <p:cNvPr id="15" name="Shape 15"/>
-          <p:cNvSpPr txBox="1"/>
+          <p:cNvSpPr txBox="1">
+            <a:spLocks noGrp="1"/>
+          </p:cNvSpPr>
           <p:nvPr>
-            <p:ph idx="12" type="sldNum"/>
+            <p:ph type="sldNum" idx="12"/>
           </p:nvPr>
         </p:nvSpPr>
         <p:spPr>
@@ -3831,7 +4005,7 @@
           </a:prstGeom>
         </p:spPr>
         <p:txBody>
-          <a:bodyPr anchorCtr="0" anchor="ctr" bIns="91425" lIns="91425" spcFirstLastPara="1" rIns="91425" wrap="square" tIns="91425">
+          <a:bodyPr spcFirstLastPara="1" wrap="square" lIns="91425" tIns="91425" rIns="91425" bIns="91425" anchor="ctr" anchorCtr="0">
             <a:noAutofit/>
           </a:bodyPr>
           <a:lstStyle>
@@ -3873,7 +4047,7 @@
             </a:lvl9pPr>
           </a:lstStyle>
           <a:p>
-            <a:pPr indent="0" lvl="0" marL="0">
+            <a:pPr marL="0" lvl="0" indent="0">
               <a:spcBef>
                 <a:spcPts val="0"/>
               </a:spcBef>
@@ -3899,11 +4073,11 @@
 </file>
 
 <file path=ppt/slideLayouts/slideLayout3.xml><?xml version="1.0" encoding="utf-8"?>
-<p:sldLayout xmlns:a="http://schemas.openxmlformats.org/drawingml/2006/main" xmlns:r="http://schemas.openxmlformats.org/officeDocument/2006/relationships" xmlns:mc="http://schemas.openxmlformats.org/markup-compatibility/2006" xmlns:mv="urn:schemas-microsoft-com:mac:vml" xmlns:p="http://schemas.openxmlformats.org/presentationml/2006/main" xmlns:c="http://schemas.openxmlformats.org/drawingml/2006/chart" xmlns:dgm="http://schemas.openxmlformats.org/drawingml/2006/diagram" xmlns:o="urn:schemas-microsoft-com:office:office" xmlns:v="urn:schemas-microsoft-com:vml" xmlns:pvml="urn:schemas-microsoft-com:office:powerpoint" xmlns:com="http://schemas.openxmlformats.org/drawingml/2006/compatibility" xmlns:p14="http://schemas.microsoft.com/office/powerpoint/2010/main" xmlns:p15="http://schemas.microsoft.com/office/powerpoint/2012/main" matchingName="Title and body" type="tx">
+<p:sldLayout xmlns:a="http://schemas.openxmlformats.org/drawingml/2006/main" xmlns:r="http://schemas.openxmlformats.org/officeDocument/2006/relationships" xmlns:p="http://schemas.openxmlformats.org/presentationml/2006/main" matchingName="Title and body" type="tx">
   <p:cSld name="TITLE_AND_BODY">
     <p:spTree>
       <p:nvGrpSpPr>
-        <p:cNvPr id="16" name="Shape 16"/>
+        <p:cNvPr id="1" name="Shape 16"/>
         <p:cNvGrpSpPr/>
         <p:nvPr/>
       </p:nvGrpSpPr>
@@ -3918,7 +4092,9 @@
       <p:sp>
         <p:nvSpPr>
           <p:cNvPr id="17" name="Shape 17"/>
-          <p:cNvSpPr txBox="1"/>
+          <p:cNvSpPr txBox="1">
+            <a:spLocks noGrp="1"/>
+          </p:cNvSpPr>
           <p:nvPr>
             <p:ph type="title"/>
           </p:nvPr>
@@ -3933,7 +4109,7 @@
           </a:prstGeom>
         </p:spPr>
         <p:txBody>
-          <a:bodyPr anchorCtr="0" anchor="t" bIns="91425" lIns="91425" spcFirstLastPara="1" rIns="91425" wrap="square" tIns="91425"/>
+          <a:bodyPr spcFirstLastPara="1" wrap="square" lIns="91425" tIns="91425" rIns="91425" bIns="91425" anchor="t" anchorCtr="0"/>
           <a:lstStyle>
             <a:lvl1pPr lvl="0">
               <a:spcBef>
@@ -4035,15 +4211,19 @@
               <a:defRPr/>
             </a:lvl9pPr>
           </a:lstStyle>
-          <a:p/>
+          <a:p>
+            <a:endParaRPr/>
+          </a:p>
         </p:txBody>
       </p:sp>
       <p:sp>
         <p:nvSpPr>
           <p:cNvPr id="18" name="Shape 18"/>
-          <p:cNvSpPr txBox="1"/>
+          <p:cNvSpPr txBox="1">
+            <a:spLocks noGrp="1"/>
+          </p:cNvSpPr>
           <p:nvPr>
-            <p:ph idx="1" type="body"/>
+            <p:ph type="body" idx="1"/>
           </p:nvPr>
         </p:nvSpPr>
         <p:spPr>
@@ -4056,9 +4236,9 @@
           </a:prstGeom>
         </p:spPr>
         <p:txBody>
-          <a:bodyPr anchorCtr="0" anchor="t" bIns="91425" lIns="91425" spcFirstLastPara="1" rIns="91425" wrap="square" tIns="91425"/>
+          <a:bodyPr spcFirstLastPara="1" wrap="square" lIns="91425" tIns="91425" rIns="91425" bIns="91425" anchor="t" anchorCtr="0"/>
           <a:lstStyle>
-            <a:lvl1pPr indent="-342900" lvl="0" marL="457200">
+            <a:lvl1pPr marL="457200" lvl="0" indent="-342900">
               <a:spcBef>
                 <a:spcPts val="0"/>
               </a:spcBef>
@@ -4069,7 +4249,7 @@
               <a:buChar char="●"/>
               <a:defRPr/>
             </a:lvl1pPr>
-            <a:lvl2pPr indent="-317500" lvl="1" marL="914400">
+            <a:lvl2pPr marL="914400" lvl="1" indent="-317500">
               <a:spcBef>
                 <a:spcPts val="1600"/>
               </a:spcBef>
@@ -4080,7 +4260,7 @@
               <a:buChar char="○"/>
               <a:defRPr/>
             </a:lvl2pPr>
-            <a:lvl3pPr indent="-317500" lvl="2" marL="1371600">
+            <a:lvl3pPr marL="1371600" lvl="2" indent="-317500">
               <a:spcBef>
                 <a:spcPts val="1600"/>
               </a:spcBef>
@@ -4091,7 +4271,7 @@
               <a:buChar char="■"/>
               <a:defRPr/>
             </a:lvl3pPr>
-            <a:lvl4pPr indent="-317500" lvl="3" marL="1828800">
+            <a:lvl4pPr marL="1828800" lvl="3" indent="-317500">
               <a:spcBef>
                 <a:spcPts val="1600"/>
               </a:spcBef>
@@ -4102,7 +4282,7 @@
               <a:buChar char="●"/>
               <a:defRPr/>
             </a:lvl4pPr>
-            <a:lvl5pPr indent="-317500" lvl="4" marL="2286000">
+            <a:lvl5pPr marL="2286000" lvl="4" indent="-317500">
               <a:spcBef>
                 <a:spcPts val="1600"/>
               </a:spcBef>
@@ -4113,7 +4293,7 @@
               <a:buChar char="○"/>
               <a:defRPr/>
             </a:lvl5pPr>
-            <a:lvl6pPr indent="-317500" lvl="5" marL="2743200">
+            <a:lvl6pPr marL="2743200" lvl="5" indent="-317500">
               <a:spcBef>
                 <a:spcPts val="1600"/>
               </a:spcBef>
@@ -4124,7 +4304,7 @@
               <a:buChar char="■"/>
               <a:defRPr/>
             </a:lvl6pPr>
-            <a:lvl7pPr indent="-317500" lvl="6" marL="3200400">
+            <a:lvl7pPr marL="3200400" lvl="6" indent="-317500">
               <a:spcBef>
                 <a:spcPts val="1600"/>
               </a:spcBef>
@@ -4135,7 +4315,7 @@
               <a:buChar char="●"/>
               <a:defRPr/>
             </a:lvl7pPr>
-            <a:lvl8pPr indent="-317500" lvl="7" marL="3657600">
+            <a:lvl8pPr marL="3657600" lvl="7" indent="-317500">
               <a:spcBef>
                 <a:spcPts val="1600"/>
               </a:spcBef>
@@ -4146,7 +4326,7 @@
               <a:buChar char="○"/>
               <a:defRPr/>
             </a:lvl8pPr>
-            <a:lvl9pPr indent="-317500" lvl="8" marL="4114800">
+            <a:lvl9pPr marL="4114800" lvl="8" indent="-317500">
               <a:spcBef>
                 <a:spcPts val="1600"/>
               </a:spcBef>
@@ -4158,15 +4338,19 @@
               <a:defRPr/>
             </a:lvl9pPr>
           </a:lstStyle>
-          <a:p/>
+          <a:p>
+            <a:endParaRPr/>
+          </a:p>
         </p:txBody>
       </p:sp>
       <p:sp>
         <p:nvSpPr>
           <p:cNvPr id="19" name="Shape 19"/>
-          <p:cNvSpPr txBox="1"/>
+          <p:cNvSpPr txBox="1">
+            <a:spLocks noGrp="1"/>
+          </p:cNvSpPr>
           <p:nvPr>
-            <p:ph idx="12" type="sldNum"/>
+            <p:ph type="sldNum" idx="12"/>
           </p:nvPr>
         </p:nvSpPr>
         <p:spPr>
@@ -4179,7 +4363,7 @@
           </a:prstGeom>
         </p:spPr>
         <p:txBody>
-          <a:bodyPr anchorCtr="0" anchor="ctr" bIns="91425" lIns="91425" spcFirstLastPara="1" rIns="91425" wrap="square" tIns="91425">
+          <a:bodyPr spcFirstLastPara="1" wrap="square" lIns="91425" tIns="91425" rIns="91425" bIns="91425" anchor="ctr" anchorCtr="0">
             <a:noAutofit/>
           </a:bodyPr>
           <a:lstStyle>
@@ -4221,7 +4405,7 @@
             </a:lvl9pPr>
           </a:lstStyle>
           <a:p>
-            <a:pPr indent="0" lvl="0" marL="0">
+            <a:pPr marL="0" lvl="0" indent="0">
               <a:spcBef>
                 <a:spcPts val="0"/>
               </a:spcBef>
@@ -4247,11 +4431,11 @@
 </file>
 
 <file path=ppt/slideLayouts/slideLayout4.xml><?xml version="1.0" encoding="utf-8"?>
-<p:sldLayout xmlns:a="http://schemas.openxmlformats.org/drawingml/2006/main" xmlns:r="http://schemas.openxmlformats.org/officeDocument/2006/relationships" xmlns:mc="http://schemas.openxmlformats.org/markup-compatibility/2006" xmlns:mv="urn:schemas-microsoft-com:mac:vml" xmlns:p="http://schemas.openxmlformats.org/presentationml/2006/main" xmlns:c="http://schemas.openxmlformats.org/drawingml/2006/chart" xmlns:dgm="http://schemas.openxmlformats.org/drawingml/2006/diagram" xmlns:o="urn:schemas-microsoft-com:office:office" xmlns:v="urn:schemas-microsoft-com:vml" xmlns:pvml="urn:schemas-microsoft-com:office:powerpoint" xmlns:com="http://schemas.openxmlformats.org/drawingml/2006/compatibility" xmlns:p14="http://schemas.microsoft.com/office/powerpoint/2010/main" xmlns:p15="http://schemas.microsoft.com/office/powerpoint/2012/main" matchingName="Title and two columns" type="twoColTx">
+<p:sldLayout xmlns:a="http://schemas.openxmlformats.org/drawingml/2006/main" xmlns:r="http://schemas.openxmlformats.org/officeDocument/2006/relationships" xmlns:p="http://schemas.openxmlformats.org/presentationml/2006/main" matchingName="Title and two columns" type="twoColTx">
   <p:cSld name="TITLE_AND_TWO_COLUMNS">
     <p:spTree>
       <p:nvGrpSpPr>
-        <p:cNvPr id="20" name="Shape 20"/>
+        <p:cNvPr id="1" name="Shape 20"/>
         <p:cNvGrpSpPr/>
         <p:nvPr/>
       </p:nvGrpSpPr>
@@ -4266,7 +4450,9 @@
       <p:sp>
         <p:nvSpPr>
           <p:cNvPr id="21" name="Shape 21"/>
-          <p:cNvSpPr txBox="1"/>
+          <p:cNvSpPr txBox="1">
+            <a:spLocks noGrp="1"/>
+          </p:cNvSpPr>
           <p:nvPr>
             <p:ph type="title"/>
           </p:nvPr>
@@ -4281,7 +4467,7 @@
           </a:prstGeom>
         </p:spPr>
         <p:txBody>
-          <a:bodyPr anchorCtr="0" anchor="t" bIns="91425" lIns="91425" spcFirstLastPara="1" rIns="91425" wrap="square" tIns="91425"/>
+          <a:bodyPr spcFirstLastPara="1" wrap="square" lIns="91425" tIns="91425" rIns="91425" bIns="91425" anchor="t" anchorCtr="0"/>
           <a:lstStyle>
             <a:lvl1pPr lvl="0">
               <a:spcBef>
@@ -4383,15 +4569,19 @@
               <a:defRPr/>
             </a:lvl9pPr>
           </a:lstStyle>
-          <a:p/>
+          <a:p>
+            <a:endParaRPr/>
+          </a:p>
         </p:txBody>
       </p:sp>
       <p:sp>
         <p:nvSpPr>
           <p:cNvPr id="22" name="Shape 22"/>
-          <p:cNvSpPr txBox="1"/>
+          <p:cNvSpPr txBox="1">
+            <a:spLocks noGrp="1"/>
+          </p:cNvSpPr>
           <p:nvPr>
-            <p:ph idx="1" type="body"/>
+            <p:ph type="body" idx="1"/>
           </p:nvPr>
         </p:nvSpPr>
         <p:spPr>
@@ -4404,9 +4594,9 @@
           </a:prstGeom>
         </p:spPr>
         <p:txBody>
-          <a:bodyPr anchorCtr="0" anchor="t" bIns="91425" lIns="91425" spcFirstLastPara="1" rIns="91425" wrap="square" tIns="91425"/>
+          <a:bodyPr spcFirstLastPara="1" wrap="square" lIns="91425" tIns="91425" rIns="91425" bIns="91425" anchor="t" anchorCtr="0"/>
           <a:lstStyle>
-            <a:lvl1pPr indent="-317500" lvl="0" marL="457200">
+            <a:lvl1pPr marL="457200" lvl="0" indent="-317500">
               <a:spcBef>
                 <a:spcPts val="0"/>
               </a:spcBef>
@@ -4417,7 +4607,7 @@
               <a:buChar char="●"/>
               <a:defRPr sz="1400"/>
             </a:lvl1pPr>
-            <a:lvl2pPr indent="-304800" lvl="1" marL="914400">
+            <a:lvl2pPr marL="914400" lvl="1" indent="-304800">
               <a:spcBef>
                 <a:spcPts val="1600"/>
               </a:spcBef>
@@ -4428,7 +4618,7 @@
               <a:buChar char="○"/>
               <a:defRPr sz="1200"/>
             </a:lvl2pPr>
-            <a:lvl3pPr indent="-304800" lvl="2" marL="1371600">
+            <a:lvl3pPr marL="1371600" lvl="2" indent="-304800">
               <a:spcBef>
                 <a:spcPts val="1600"/>
               </a:spcBef>
@@ -4439,7 +4629,7 @@
               <a:buChar char="■"/>
               <a:defRPr sz="1200"/>
             </a:lvl3pPr>
-            <a:lvl4pPr indent="-304800" lvl="3" marL="1828800">
+            <a:lvl4pPr marL="1828800" lvl="3" indent="-304800">
               <a:spcBef>
                 <a:spcPts val="1600"/>
               </a:spcBef>
@@ -4450,7 +4640,7 @@
               <a:buChar char="●"/>
               <a:defRPr sz="1200"/>
             </a:lvl4pPr>
-            <a:lvl5pPr indent="-304800" lvl="4" marL="2286000">
+            <a:lvl5pPr marL="2286000" lvl="4" indent="-304800">
               <a:spcBef>
                 <a:spcPts val="1600"/>
               </a:spcBef>
@@ -4461,7 +4651,7 @@
               <a:buChar char="○"/>
               <a:defRPr sz="1200"/>
             </a:lvl5pPr>
-            <a:lvl6pPr indent="-304800" lvl="5" marL="2743200">
+            <a:lvl6pPr marL="2743200" lvl="5" indent="-304800">
               <a:spcBef>
                 <a:spcPts val="1600"/>
               </a:spcBef>
@@ -4472,7 +4662,7 @@
               <a:buChar char="■"/>
               <a:defRPr sz="1200"/>
             </a:lvl6pPr>
-            <a:lvl7pPr indent="-304800" lvl="6" marL="3200400">
+            <a:lvl7pPr marL="3200400" lvl="6" indent="-304800">
               <a:spcBef>
                 <a:spcPts val="1600"/>
               </a:spcBef>
@@ -4483,7 +4673,7 @@
               <a:buChar char="●"/>
               <a:defRPr sz="1200"/>
             </a:lvl7pPr>
-            <a:lvl8pPr indent="-304800" lvl="7" marL="3657600">
+            <a:lvl8pPr marL="3657600" lvl="7" indent="-304800">
               <a:spcBef>
                 <a:spcPts val="1600"/>
               </a:spcBef>
@@ -4494,7 +4684,7 @@
               <a:buChar char="○"/>
               <a:defRPr sz="1200"/>
             </a:lvl8pPr>
-            <a:lvl9pPr indent="-304800" lvl="8" marL="4114800">
+            <a:lvl9pPr marL="4114800" lvl="8" indent="-304800">
               <a:spcBef>
                 <a:spcPts val="1600"/>
               </a:spcBef>
@@ -4506,15 +4696,19 @@
               <a:defRPr sz="1200"/>
             </a:lvl9pPr>
           </a:lstStyle>
-          <a:p/>
+          <a:p>
+            <a:endParaRPr/>
+          </a:p>
         </p:txBody>
       </p:sp>
       <p:sp>
         <p:nvSpPr>
           <p:cNvPr id="23" name="Shape 23"/>
-          <p:cNvSpPr txBox="1"/>
+          <p:cNvSpPr txBox="1">
+            <a:spLocks noGrp="1"/>
+          </p:cNvSpPr>
           <p:nvPr>
-            <p:ph idx="2" type="body"/>
+            <p:ph type="body" idx="2"/>
           </p:nvPr>
         </p:nvSpPr>
         <p:spPr>
@@ -4527,9 +4721,9 @@
           </a:prstGeom>
         </p:spPr>
         <p:txBody>
-          <a:bodyPr anchorCtr="0" anchor="t" bIns="91425" lIns="91425" spcFirstLastPara="1" rIns="91425" wrap="square" tIns="91425"/>
+          <a:bodyPr spcFirstLastPara="1" wrap="square" lIns="91425" tIns="91425" rIns="91425" bIns="91425" anchor="t" anchorCtr="0"/>
           <a:lstStyle>
-            <a:lvl1pPr indent="-317500" lvl="0" marL="457200">
+            <a:lvl1pPr marL="457200" lvl="0" indent="-317500">
               <a:spcBef>
                 <a:spcPts val="0"/>
               </a:spcBef>
@@ -4540,7 +4734,7 @@
               <a:buChar char="●"/>
               <a:defRPr sz="1400"/>
             </a:lvl1pPr>
-            <a:lvl2pPr indent="-304800" lvl="1" marL="914400">
+            <a:lvl2pPr marL="914400" lvl="1" indent="-304800">
               <a:spcBef>
                 <a:spcPts val="1600"/>
               </a:spcBef>
@@ -4551,7 +4745,7 @@
               <a:buChar char="○"/>
               <a:defRPr sz="1200"/>
             </a:lvl2pPr>
-            <a:lvl3pPr indent="-304800" lvl="2" marL="1371600">
+            <a:lvl3pPr marL="1371600" lvl="2" indent="-304800">
               <a:spcBef>
                 <a:spcPts val="1600"/>
               </a:spcBef>
@@ -4562,7 +4756,7 @@
               <a:buChar char="■"/>
               <a:defRPr sz="1200"/>
             </a:lvl3pPr>
-            <a:lvl4pPr indent="-304800" lvl="3" marL="1828800">
+            <a:lvl4pPr marL="1828800" lvl="3" indent="-304800">
               <a:spcBef>
                 <a:spcPts val="1600"/>
               </a:spcBef>
@@ -4573,7 +4767,7 @@
               <a:buChar char="●"/>
               <a:defRPr sz="1200"/>
             </a:lvl4pPr>
-            <a:lvl5pPr indent="-304800" lvl="4" marL="2286000">
+            <a:lvl5pPr marL="2286000" lvl="4" indent="-304800">
               <a:spcBef>
                 <a:spcPts val="1600"/>
               </a:spcBef>
@@ -4584,7 +4778,7 @@
               <a:buChar char="○"/>
               <a:defRPr sz="1200"/>
             </a:lvl5pPr>
-            <a:lvl6pPr indent="-304800" lvl="5" marL="2743200">
+            <a:lvl6pPr marL="2743200" lvl="5" indent="-304800">
               <a:spcBef>
                 <a:spcPts val="1600"/>
               </a:spcBef>
@@ -4595,7 +4789,7 @@
               <a:buChar char="■"/>
               <a:defRPr sz="1200"/>
             </a:lvl6pPr>
-            <a:lvl7pPr indent="-304800" lvl="6" marL="3200400">
+            <a:lvl7pPr marL="3200400" lvl="6" indent="-304800">
               <a:spcBef>
                 <a:spcPts val="1600"/>
               </a:spcBef>
@@ -4606,7 +4800,7 @@
               <a:buChar char="●"/>
               <a:defRPr sz="1200"/>
             </a:lvl7pPr>
-            <a:lvl8pPr indent="-304800" lvl="7" marL="3657600">
+            <a:lvl8pPr marL="3657600" lvl="7" indent="-304800">
               <a:spcBef>
                 <a:spcPts val="1600"/>
               </a:spcBef>
@@ -4617,7 +4811,7 @@
               <a:buChar char="○"/>
               <a:defRPr sz="1200"/>
             </a:lvl8pPr>
-            <a:lvl9pPr indent="-304800" lvl="8" marL="4114800">
+            <a:lvl9pPr marL="4114800" lvl="8" indent="-304800">
               <a:spcBef>
                 <a:spcPts val="1600"/>
               </a:spcBef>
@@ -4629,15 +4823,19 @@
               <a:defRPr sz="1200"/>
             </a:lvl9pPr>
           </a:lstStyle>
-          <a:p/>
+          <a:p>
+            <a:endParaRPr/>
+          </a:p>
         </p:txBody>
       </p:sp>
       <p:sp>
         <p:nvSpPr>
           <p:cNvPr id="24" name="Shape 24"/>
-          <p:cNvSpPr txBox="1"/>
+          <p:cNvSpPr txBox="1">
+            <a:spLocks noGrp="1"/>
+          </p:cNvSpPr>
           <p:nvPr>
-            <p:ph idx="12" type="sldNum"/>
+            <p:ph type="sldNum" idx="12"/>
           </p:nvPr>
         </p:nvSpPr>
         <p:spPr>
@@ -4650,7 +4848,7 @@
           </a:prstGeom>
         </p:spPr>
         <p:txBody>
-          <a:bodyPr anchorCtr="0" anchor="ctr" bIns="91425" lIns="91425" spcFirstLastPara="1" rIns="91425" wrap="square" tIns="91425">
+          <a:bodyPr spcFirstLastPara="1" wrap="square" lIns="91425" tIns="91425" rIns="91425" bIns="91425" anchor="ctr" anchorCtr="0">
             <a:noAutofit/>
           </a:bodyPr>
           <a:lstStyle>
@@ -4692,7 +4890,7 @@
             </a:lvl9pPr>
           </a:lstStyle>
           <a:p>
-            <a:pPr indent="0" lvl="0" marL="0">
+            <a:pPr marL="0" lvl="0" indent="0">
               <a:spcBef>
                 <a:spcPts val="0"/>
               </a:spcBef>
@@ -4718,11 +4916,11 @@
 </file>
 
 <file path=ppt/slideLayouts/slideLayout5.xml><?xml version="1.0" encoding="utf-8"?>
-<p:sldLayout xmlns:a="http://schemas.openxmlformats.org/drawingml/2006/main" xmlns:r="http://schemas.openxmlformats.org/officeDocument/2006/relationships" xmlns:mc="http://schemas.openxmlformats.org/markup-compatibility/2006" xmlns:mv="urn:schemas-microsoft-com:mac:vml" xmlns:p="http://schemas.openxmlformats.org/presentationml/2006/main" xmlns:c="http://schemas.openxmlformats.org/drawingml/2006/chart" xmlns:dgm="http://schemas.openxmlformats.org/drawingml/2006/diagram" xmlns:o="urn:schemas-microsoft-com:office:office" xmlns:v="urn:schemas-microsoft-com:vml" xmlns:pvml="urn:schemas-microsoft-com:office:powerpoint" xmlns:com="http://schemas.openxmlformats.org/drawingml/2006/compatibility" xmlns:p14="http://schemas.microsoft.com/office/powerpoint/2010/main" xmlns:p15="http://schemas.microsoft.com/office/powerpoint/2012/main" matchingName="Title only" type="titleOnly">
+<p:sldLayout xmlns:a="http://schemas.openxmlformats.org/drawingml/2006/main" xmlns:r="http://schemas.openxmlformats.org/officeDocument/2006/relationships" xmlns:p="http://schemas.openxmlformats.org/presentationml/2006/main" matchingName="Title only" type="titleOnly">
   <p:cSld name="TITLE_ONLY">
     <p:spTree>
       <p:nvGrpSpPr>
-        <p:cNvPr id="25" name="Shape 25"/>
+        <p:cNvPr id="1" name="Shape 25"/>
         <p:cNvGrpSpPr/>
         <p:nvPr/>
       </p:nvGrpSpPr>
@@ -4737,7 +4935,9 @@
       <p:sp>
         <p:nvSpPr>
           <p:cNvPr id="26" name="Shape 26"/>
-          <p:cNvSpPr txBox="1"/>
+          <p:cNvSpPr txBox="1">
+            <a:spLocks noGrp="1"/>
+          </p:cNvSpPr>
           <p:nvPr>
             <p:ph type="title"/>
           </p:nvPr>
@@ -4752,7 +4952,7 @@
           </a:prstGeom>
         </p:spPr>
         <p:txBody>
-          <a:bodyPr anchorCtr="0" anchor="t" bIns="91425" lIns="91425" spcFirstLastPara="1" rIns="91425" wrap="square" tIns="91425"/>
+          <a:bodyPr spcFirstLastPara="1" wrap="square" lIns="91425" tIns="91425" rIns="91425" bIns="91425" anchor="t" anchorCtr="0"/>
           <a:lstStyle>
             <a:lvl1pPr lvl="0">
               <a:spcBef>
@@ -4854,15 +5054,19 @@
               <a:defRPr/>
             </a:lvl9pPr>
           </a:lstStyle>
-          <a:p/>
+          <a:p>
+            <a:endParaRPr/>
+          </a:p>
         </p:txBody>
       </p:sp>
       <p:sp>
         <p:nvSpPr>
           <p:cNvPr id="27" name="Shape 27"/>
-          <p:cNvSpPr txBox="1"/>
+          <p:cNvSpPr txBox="1">
+            <a:spLocks noGrp="1"/>
+          </p:cNvSpPr>
           <p:nvPr>
-            <p:ph idx="12" type="sldNum"/>
+            <p:ph type="sldNum" idx="12"/>
           </p:nvPr>
         </p:nvSpPr>
         <p:spPr>
@@ -4875,7 +5079,7 @@
           </a:prstGeom>
         </p:spPr>
         <p:txBody>
-          <a:bodyPr anchorCtr="0" anchor="ctr" bIns="91425" lIns="91425" spcFirstLastPara="1" rIns="91425" wrap="square" tIns="91425">
+          <a:bodyPr spcFirstLastPara="1" wrap="square" lIns="91425" tIns="91425" rIns="91425" bIns="91425" anchor="ctr" anchorCtr="0">
             <a:noAutofit/>
           </a:bodyPr>
           <a:lstStyle>
@@ -4917,7 +5121,7 @@
             </a:lvl9pPr>
           </a:lstStyle>
           <a:p>
-            <a:pPr indent="0" lvl="0" marL="0">
+            <a:pPr marL="0" lvl="0" indent="0">
               <a:spcBef>
                 <a:spcPts val="0"/>
               </a:spcBef>
@@ -4943,11 +5147,11 @@
 </file>
 
 <file path=ppt/slideLayouts/slideLayout6.xml><?xml version="1.0" encoding="utf-8"?>
-<p:sldLayout xmlns:a="http://schemas.openxmlformats.org/drawingml/2006/main" xmlns:r="http://schemas.openxmlformats.org/officeDocument/2006/relationships" xmlns:mc="http://schemas.openxmlformats.org/markup-compatibility/2006" xmlns:mv="urn:schemas-microsoft-com:mac:vml" xmlns:p="http://schemas.openxmlformats.org/presentationml/2006/main" xmlns:c="http://schemas.openxmlformats.org/drawingml/2006/chart" xmlns:dgm="http://schemas.openxmlformats.org/drawingml/2006/diagram" xmlns:o="urn:schemas-microsoft-com:office:office" xmlns:v="urn:schemas-microsoft-com:vml" xmlns:pvml="urn:schemas-microsoft-com:office:powerpoint" xmlns:com="http://schemas.openxmlformats.org/drawingml/2006/compatibility" xmlns:p14="http://schemas.microsoft.com/office/powerpoint/2010/main" xmlns:p15="http://schemas.microsoft.com/office/powerpoint/2012/main" matchingName="One column text">
+<p:sldLayout xmlns:a="http://schemas.openxmlformats.org/drawingml/2006/main" xmlns:r="http://schemas.openxmlformats.org/officeDocument/2006/relationships" xmlns:p="http://schemas.openxmlformats.org/presentationml/2006/main" matchingName="One column text">
   <p:cSld name="ONE_COLUMN_TEXT">
     <p:spTree>
       <p:nvGrpSpPr>
-        <p:cNvPr id="28" name="Shape 28"/>
+        <p:cNvPr id="1" name="Shape 28"/>
         <p:cNvGrpSpPr/>
         <p:nvPr/>
       </p:nvGrpSpPr>
@@ -4962,7 +5166,9 @@
       <p:sp>
         <p:nvSpPr>
           <p:cNvPr id="29" name="Shape 29"/>
-          <p:cNvSpPr txBox="1"/>
+          <p:cNvSpPr txBox="1">
+            <a:spLocks noGrp="1"/>
+          </p:cNvSpPr>
           <p:nvPr>
             <p:ph type="title"/>
           </p:nvPr>
@@ -4977,7 +5183,7 @@
           </a:prstGeom>
         </p:spPr>
         <p:txBody>
-          <a:bodyPr anchorCtr="0" anchor="b" bIns="91425" lIns="91425" spcFirstLastPara="1" rIns="91425" wrap="square" tIns="91425"/>
+          <a:bodyPr spcFirstLastPara="1" wrap="square" lIns="91425" tIns="91425" rIns="91425" bIns="91425" anchor="b" anchorCtr="0"/>
           <a:lstStyle>
             <a:lvl1pPr lvl="0">
               <a:spcBef>
@@ -5079,15 +5285,19 @@
               <a:defRPr sz="2400"/>
             </a:lvl9pPr>
           </a:lstStyle>
-          <a:p/>
+          <a:p>
+            <a:endParaRPr/>
+          </a:p>
         </p:txBody>
       </p:sp>
       <p:sp>
         <p:nvSpPr>
           <p:cNvPr id="30" name="Shape 30"/>
-          <p:cNvSpPr txBox="1"/>
+          <p:cNvSpPr txBox="1">
+            <a:spLocks noGrp="1"/>
+          </p:cNvSpPr>
           <p:nvPr>
-            <p:ph idx="1" type="body"/>
+            <p:ph type="body" idx="1"/>
           </p:nvPr>
         </p:nvSpPr>
         <p:spPr>
@@ -5100,9 +5310,9 @@
           </a:prstGeom>
         </p:spPr>
         <p:txBody>
-          <a:bodyPr anchorCtr="0" anchor="t" bIns="91425" lIns="91425" spcFirstLastPara="1" rIns="91425" wrap="square" tIns="91425"/>
+          <a:bodyPr spcFirstLastPara="1" wrap="square" lIns="91425" tIns="91425" rIns="91425" bIns="91425" anchor="t" anchorCtr="0"/>
           <a:lstStyle>
-            <a:lvl1pPr indent="-304800" lvl="0" marL="457200">
+            <a:lvl1pPr marL="457200" lvl="0" indent="-304800">
               <a:spcBef>
                 <a:spcPts val="0"/>
               </a:spcBef>
@@ -5113,7 +5323,7 @@
               <a:buChar char="●"/>
               <a:defRPr sz="1200"/>
             </a:lvl1pPr>
-            <a:lvl2pPr indent="-304800" lvl="1" marL="914400">
+            <a:lvl2pPr marL="914400" lvl="1" indent="-304800">
               <a:spcBef>
                 <a:spcPts val="1600"/>
               </a:spcBef>
@@ -5124,7 +5334,7 @@
               <a:buChar char="○"/>
               <a:defRPr sz="1200"/>
             </a:lvl2pPr>
-            <a:lvl3pPr indent="-304800" lvl="2" marL="1371600">
+            <a:lvl3pPr marL="1371600" lvl="2" indent="-304800">
               <a:spcBef>
                 <a:spcPts val="1600"/>
               </a:spcBef>
@@ -5135,7 +5345,7 @@
               <a:buChar char="■"/>
               <a:defRPr sz="1200"/>
             </a:lvl3pPr>
-            <a:lvl4pPr indent="-304800" lvl="3" marL="1828800">
+            <a:lvl4pPr marL="1828800" lvl="3" indent="-304800">
               <a:spcBef>
                 <a:spcPts val="1600"/>
               </a:spcBef>
@@ -5146,7 +5356,7 @@
               <a:buChar char="●"/>
               <a:defRPr sz="1200"/>
             </a:lvl4pPr>
-            <a:lvl5pPr indent="-304800" lvl="4" marL="2286000">
+            <a:lvl5pPr marL="2286000" lvl="4" indent="-304800">
               <a:spcBef>
                 <a:spcPts val="1600"/>
               </a:spcBef>
@@ -5157,7 +5367,7 @@
               <a:buChar char="○"/>
               <a:defRPr sz="1200"/>
             </a:lvl5pPr>
-            <a:lvl6pPr indent="-304800" lvl="5" marL="2743200">
+            <a:lvl6pPr marL="2743200" lvl="5" indent="-304800">
               <a:spcBef>
                 <a:spcPts val="1600"/>
               </a:spcBef>
@@ -5168,7 +5378,7 @@
               <a:buChar char="■"/>
               <a:defRPr sz="1200"/>
             </a:lvl6pPr>
-            <a:lvl7pPr indent="-304800" lvl="6" marL="3200400">
+            <a:lvl7pPr marL="3200400" lvl="6" indent="-304800">
               <a:spcBef>
                 <a:spcPts val="1600"/>
               </a:spcBef>
@@ -5179,7 +5389,7 @@
               <a:buChar char="●"/>
               <a:defRPr sz="1200"/>
             </a:lvl7pPr>
-            <a:lvl8pPr indent="-304800" lvl="7" marL="3657600">
+            <a:lvl8pPr marL="3657600" lvl="7" indent="-304800">
               <a:spcBef>
                 <a:spcPts val="1600"/>
               </a:spcBef>
@@ -5190,7 +5400,7 @@
               <a:buChar char="○"/>
               <a:defRPr sz="1200"/>
             </a:lvl8pPr>
-            <a:lvl9pPr indent="-304800" lvl="8" marL="4114800">
+            <a:lvl9pPr marL="4114800" lvl="8" indent="-304800">
               <a:spcBef>
                 <a:spcPts val="1600"/>
               </a:spcBef>
@@ -5202,15 +5412,19 @@
               <a:defRPr sz="1200"/>
             </a:lvl9pPr>
           </a:lstStyle>
-          <a:p/>
+          <a:p>
+            <a:endParaRPr/>
+          </a:p>
         </p:txBody>
       </p:sp>
       <p:sp>
         <p:nvSpPr>
           <p:cNvPr id="31" name="Shape 31"/>
-          <p:cNvSpPr txBox="1"/>
+          <p:cNvSpPr txBox="1">
+            <a:spLocks noGrp="1"/>
+          </p:cNvSpPr>
           <p:nvPr>
-            <p:ph idx="12" type="sldNum"/>
+            <p:ph type="sldNum" idx="12"/>
           </p:nvPr>
         </p:nvSpPr>
         <p:spPr>
@@ -5223,7 +5437,7 @@
           </a:prstGeom>
         </p:spPr>
         <p:txBody>
-          <a:bodyPr anchorCtr="0" anchor="ctr" bIns="91425" lIns="91425" spcFirstLastPara="1" rIns="91425" wrap="square" tIns="91425">
+          <a:bodyPr spcFirstLastPara="1" wrap="square" lIns="91425" tIns="91425" rIns="91425" bIns="91425" anchor="ctr" anchorCtr="0">
             <a:noAutofit/>
           </a:bodyPr>
           <a:lstStyle>
@@ -5265,7 +5479,7 @@
             </a:lvl9pPr>
           </a:lstStyle>
           <a:p>
-            <a:pPr indent="0" lvl="0" marL="0">
+            <a:pPr marL="0" lvl="0" indent="0">
               <a:spcBef>
                 <a:spcPts val="0"/>
               </a:spcBef>
@@ -5291,11 +5505,11 @@
 </file>
 
 <file path=ppt/slideLayouts/slideLayout7.xml><?xml version="1.0" encoding="utf-8"?>
-<p:sldLayout xmlns:a="http://schemas.openxmlformats.org/drawingml/2006/main" xmlns:r="http://schemas.openxmlformats.org/officeDocument/2006/relationships" xmlns:mc="http://schemas.openxmlformats.org/markup-compatibility/2006" xmlns:mv="urn:schemas-microsoft-com:mac:vml" xmlns:p="http://schemas.openxmlformats.org/presentationml/2006/main" xmlns:c="http://schemas.openxmlformats.org/drawingml/2006/chart" xmlns:dgm="http://schemas.openxmlformats.org/drawingml/2006/diagram" xmlns:o="urn:schemas-microsoft-com:office:office" xmlns:v="urn:schemas-microsoft-com:vml" xmlns:pvml="urn:schemas-microsoft-com:office:powerpoint" xmlns:com="http://schemas.openxmlformats.org/drawingml/2006/compatibility" xmlns:p14="http://schemas.microsoft.com/office/powerpoint/2010/main" xmlns:p15="http://schemas.microsoft.com/office/powerpoint/2012/main" matchingName="Main point">
+<p:sldLayout xmlns:a="http://schemas.openxmlformats.org/drawingml/2006/main" xmlns:r="http://schemas.openxmlformats.org/officeDocument/2006/relationships" xmlns:p="http://schemas.openxmlformats.org/presentationml/2006/main" matchingName="Main point">
   <p:cSld name="MAIN_POINT">
     <p:spTree>
       <p:nvGrpSpPr>
-        <p:cNvPr id="32" name="Shape 32"/>
+        <p:cNvPr id="1" name="Shape 32"/>
         <p:cNvGrpSpPr/>
         <p:nvPr/>
       </p:nvGrpSpPr>
@@ -5310,7 +5524,9 @@
       <p:sp>
         <p:nvSpPr>
           <p:cNvPr id="33" name="Shape 33"/>
-          <p:cNvSpPr txBox="1"/>
+          <p:cNvSpPr txBox="1">
+            <a:spLocks noGrp="1"/>
+          </p:cNvSpPr>
           <p:nvPr>
             <p:ph type="title"/>
           </p:nvPr>
@@ -5325,7 +5541,7 @@
           </a:prstGeom>
         </p:spPr>
         <p:txBody>
-          <a:bodyPr anchorCtr="0" anchor="ctr" bIns="91425" lIns="91425" spcFirstLastPara="1" rIns="91425" wrap="square" tIns="91425"/>
+          <a:bodyPr spcFirstLastPara="1" wrap="square" lIns="91425" tIns="91425" rIns="91425" bIns="91425" anchor="ctr" anchorCtr="0"/>
           <a:lstStyle>
             <a:lvl1pPr lvl="0">
               <a:spcBef>
@@ -5427,15 +5643,19 @@
               <a:defRPr sz="4800"/>
             </a:lvl9pPr>
           </a:lstStyle>
-          <a:p/>
+          <a:p>
+            <a:endParaRPr/>
+          </a:p>
         </p:txBody>
       </p:sp>
       <p:sp>
         <p:nvSpPr>
           <p:cNvPr id="34" name="Shape 34"/>
-          <p:cNvSpPr txBox="1"/>
+          <p:cNvSpPr txBox="1">
+            <a:spLocks noGrp="1"/>
+          </p:cNvSpPr>
           <p:nvPr>
-            <p:ph idx="12" type="sldNum"/>
+            <p:ph type="sldNum" idx="12"/>
           </p:nvPr>
         </p:nvSpPr>
         <p:spPr>
@@ -5448,7 +5668,7 @@
           </a:prstGeom>
         </p:spPr>
         <p:txBody>
-          <a:bodyPr anchorCtr="0" anchor="ctr" bIns="91425" lIns="91425" spcFirstLastPara="1" rIns="91425" wrap="square" tIns="91425">
+          <a:bodyPr spcFirstLastPara="1" wrap="square" lIns="91425" tIns="91425" rIns="91425" bIns="91425" anchor="ctr" anchorCtr="0">
             <a:noAutofit/>
           </a:bodyPr>
           <a:lstStyle>
@@ -5490,7 +5710,7 @@
             </a:lvl9pPr>
           </a:lstStyle>
           <a:p>
-            <a:pPr indent="0" lvl="0" marL="0">
+            <a:pPr marL="0" lvl="0" indent="0">
               <a:spcBef>
                 <a:spcPts val="0"/>
               </a:spcBef>
@@ -5516,11 +5736,11 @@
 </file>
 
 <file path=ppt/slideLayouts/slideLayout8.xml><?xml version="1.0" encoding="utf-8"?>
-<p:sldLayout xmlns:a="http://schemas.openxmlformats.org/drawingml/2006/main" xmlns:r="http://schemas.openxmlformats.org/officeDocument/2006/relationships" xmlns:mc="http://schemas.openxmlformats.org/markup-compatibility/2006" xmlns:mv="urn:schemas-microsoft-com:mac:vml" xmlns:p="http://schemas.openxmlformats.org/presentationml/2006/main" xmlns:c="http://schemas.openxmlformats.org/drawingml/2006/chart" xmlns:dgm="http://schemas.openxmlformats.org/drawingml/2006/diagram" xmlns:o="urn:schemas-microsoft-com:office:office" xmlns:v="urn:schemas-microsoft-com:vml" xmlns:pvml="urn:schemas-microsoft-com:office:powerpoint" xmlns:com="http://schemas.openxmlformats.org/drawingml/2006/compatibility" xmlns:p14="http://schemas.microsoft.com/office/powerpoint/2010/main" xmlns:p15="http://schemas.microsoft.com/office/powerpoint/2012/main" matchingName="Section title and description">
+<p:sldLayout xmlns:a="http://schemas.openxmlformats.org/drawingml/2006/main" xmlns:r="http://schemas.openxmlformats.org/officeDocument/2006/relationships" xmlns:p="http://schemas.openxmlformats.org/presentationml/2006/main" matchingName="Section title and description">
   <p:cSld name="SECTION_TITLE_AND_DESCRIPTION">
     <p:spTree>
       <p:nvGrpSpPr>
-        <p:cNvPr id="35" name="Shape 35"/>
+        <p:cNvPr id="1" name="Shape 35"/>
         <p:cNvGrpSpPr/>
         <p:nvPr/>
       </p:nvGrpSpPr>
@@ -5554,12 +5774,12 @@
           </a:ln>
         </p:spPr>
         <p:txBody>
-          <a:bodyPr anchorCtr="0" anchor="ctr" bIns="91425" lIns="91425" spcFirstLastPara="1" rIns="91425" wrap="square" tIns="91425">
+          <a:bodyPr spcFirstLastPara="1" wrap="square" lIns="91425" tIns="91425" rIns="91425" bIns="91425" anchor="ctr" anchorCtr="0">
             <a:noAutofit/>
           </a:bodyPr>
           <a:lstStyle/>
           <a:p>
-            <a:pPr indent="0" lvl="0" marL="0">
+            <a:pPr marL="0" lvl="0" indent="0">
               <a:spcBef>
                 <a:spcPts val="0"/>
               </a:spcBef>
@@ -5568,9 +5788,6 @@
               </a:spcAft>
               <a:buNone/>
             </a:pPr>
-            <a:r>
-              <a:t/>
-            </a:r>
             <a:endParaRPr/>
           </a:p>
         </p:txBody>
@@ -5578,7 +5795,9 @@
       <p:sp>
         <p:nvSpPr>
           <p:cNvPr id="37" name="Shape 37"/>
-          <p:cNvSpPr txBox="1"/>
+          <p:cNvSpPr txBox="1">
+            <a:spLocks noGrp="1"/>
+          </p:cNvSpPr>
           <p:nvPr>
             <p:ph type="title"/>
           </p:nvPr>
@@ -5593,7 +5812,7 @@
           </a:prstGeom>
         </p:spPr>
         <p:txBody>
-          <a:bodyPr anchorCtr="0" anchor="b" bIns="91425" lIns="91425" spcFirstLastPara="1" rIns="91425" wrap="square" tIns="91425"/>
+          <a:bodyPr spcFirstLastPara="1" wrap="square" lIns="91425" tIns="91425" rIns="91425" bIns="91425" anchor="b" anchorCtr="0"/>
           <a:lstStyle>
             <a:lvl1pPr lvl="0" algn="ctr">
               <a:spcBef>
@@ -5695,15 +5914,19 @@
               <a:defRPr sz="4200"/>
             </a:lvl9pPr>
           </a:lstStyle>
-          <a:p/>
+          <a:p>
+            <a:endParaRPr/>
+          </a:p>
         </p:txBody>
       </p:sp>
       <p:sp>
         <p:nvSpPr>
           <p:cNvPr id="38" name="Shape 38"/>
-          <p:cNvSpPr txBox="1"/>
+          <p:cNvSpPr txBox="1">
+            <a:spLocks noGrp="1"/>
+          </p:cNvSpPr>
           <p:nvPr>
-            <p:ph idx="1" type="subTitle"/>
+            <p:ph type="subTitle" idx="1"/>
           </p:nvPr>
         </p:nvSpPr>
         <p:spPr>
@@ -5716,7 +5939,7 @@
           </a:prstGeom>
         </p:spPr>
         <p:txBody>
-          <a:bodyPr anchorCtr="0" anchor="t" bIns="91425" lIns="91425" spcFirstLastPara="1" rIns="91425" wrap="square" tIns="91425"/>
+          <a:bodyPr spcFirstLastPara="1" wrap="square" lIns="91425" tIns="91425" rIns="91425" bIns="91425" anchor="t" anchorCtr="0"/>
           <a:lstStyle>
             <a:lvl1pPr lvl="0" algn="ctr">
               <a:lnSpc>
@@ -5845,15 +6068,19 @@
               <a:defRPr sz="2100"/>
             </a:lvl9pPr>
           </a:lstStyle>
-          <a:p/>
+          <a:p>
+            <a:endParaRPr/>
+          </a:p>
         </p:txBody>
       </p:sp>
       <p:sp>
         <p:nvSpPr>
           <p:cNvPr id="39" name="Shape 39"/>
-          <p:cNvSpPr txBox="1"/>
+          <p:cNvSpPr txBox="1">
+            <a:spLocks noGrp="1"/>
+          </p:cNvSpPr>
           <p:nvPr>
-            <p:ph idx="2" type="body"/>
+            <p:ph type="body" idx="2"/>
           </p:nvPr>
         </p:nvSpPr>
         <p:spPr>
@@ -5866,9 +6093,9 @@
           </a:prstGeom>
         </p:spPr>
         <p:txBody>
-          <a:bodyPr anchorCtr="0" anchor="ctr" bIns="91425" lIns="91425" spcFirstLastPara="1" rIns="91425" wrap="square" tIns="91425"/>
+          <a:bodyPr spcFirstLastPara="1" wrap="square" lIns="91425" tIns="91425" rIns="91425" bIns="91425" anchor="ctr" anchorCtr="0"/>
           <a:lstStyle>
-            <a:lvl1pPr indent="-342900" lvl="0" marL="457200">
+            <a:lvl1pPr marL="457200" lvl="0" indent="-342900">
               <a:spcBef>
                 <a:spcPts val="0"/>
               </a:spcBef>
@@ -5879,7 +6106,7 @@
               <a:buChar char="●"/>
               <a:defRPr/>
             </a:lvl1pPr>
-            <a:lvl2pPr indent="-317500" lvl="1" marL="914400">
+            <a:lvl2pPr marL="914400" lvl="1" indent="-317500">
               <a:spcBef>
                 <a:spcPts val="1600"/>
               </a:spcBef>
@@ -5890,7 +6117,7 @@
               <a:buChar char="○"/>
               <a:defRPr/>
             </a:lvl2pPr>
-            <a:lvl3pPr indent="-317500" lvl="2" marL="1371600">
+            <a:lvl3pPr marL="1371600" lvl="2" indent="-317500">
               <a:spcBef>
                 <a:spcPts val="1600"/>
               </a:spcBef>
@@ -5901,7 +6128,7 @@
               <a:buChar char="■"/>
               <a:defRPr/>
             </a:lvl3pPr>
-            <a:lvl4pPr indent="-317500" lvl="3" marL="1828800">
+            <a:lvl4pPr marL="1828800" lvl="3" indent="-317500">
               <a:spcBef>
                 <a:spcPts val="1600"/>
               </a:spcBef>
@@ -5912,7 +6139,7 @@
               <a:buChar char="●"/>
               <a:defRPr/>
             </a:lvl4pPr>
-            <a:lvl5pPr indent="-317500" lvl="4" marL="2286000">
+            <a:lvl5pPr marL="2286000" lvl="4" indent="-317500">
               <a:spcBef>
                 <a:spcPts val="1600"/>
               </a:spcBef>
@@ -5923,7 +6150,7 @@
               <a:buChar char="○"/>
               <a:defRPr/>
             </a:lvl5pPr>
-            <a:lvl6pPr indent="-317500" lvl="5" marL="2743200">
+            <a:lvl6pPr marL="2743200" lvl="5" indent="-317500">
               <a:spcBef>
                 <a:spcPts val="1600"/>
               </a:spcBef>
@@ -5934,7 +6161,7 @@
               <a:buChar char="■"/>
               <a:defRPr/>
             </a:lvl6pPr>
-            <a:lvl7pPr indent="-317500" lvl="6" marL="3200400">
+            <a:lvl7pPr marL="3200400" lvl="6" indent="-317500">
               <a:spcBef>
                 <a:spcPts val="1600"/>
               </a:spcBef>
@@ -5945,7 +6172,7 @@
               <a:buChar char="●"/>
               <a:defRPr/>
             </a:lvl7pPr>
-            <a:lvl8pPr indent="-317500" lvl="7" marL="3657600">
+            <a:lvl8pPr marL="3657600" lvl="7" indent="-317500">
               <a:spcBef>
                 <a:spcPts val="1600"/>
               </a:spcBef>
@@ -5956,7 +6183,7 @@
               <a:buChar char="○"/>
               <a:defRPr/>
             </a:lvl8pPr>
-            <a:lvl9pPr indent="-317500" lvl="8" marL="4114800">
+            <a:lvl9pPr marL="4114800" lvl="8" indent="-317500">
               <a:spcBef>
                 <a:spcPts val="1600"/>
               </a:spcBef>
@@ -5968,15 +6195,19 @@
               <a:defRPr/>
             </a:lvl9pPr>
           </a:lstStyle>
-          <a:p/>
+          <a:p>
+            <a:endParaRPr/>
+          </a:p>
         </p:txBody>
       </p:sp>
       <p:sp>
         <p:nvSpPr>
           <p:cNvPr id="40" name="Shape 40"/>
-          <p:cNvSpPr txBox="1"/>
+          <p:cNvSpPr txBox="1">
+            <a:spLocks noGrp="1"/>
+          </p:cNvSpPr>
           <p:nvPr>
-            <p:ph idx="12" type="sldNum"/>
+            <p:ph type="sldNum" idx="12"/>
           </p:nvPr>
         </p:nvSpPr>
         <p:spPr>
@@ -5989,7 +6220,7 @@
           </a:prstGeom>
         </p:spPr>
         <p:txBody>
-          <a:bodyPr anchorCtr="0" anchor="ctr" bIns="91425" lIns="91425" spcFirstLastPara="1" rIns="91425" wrap="square" tIns="91425">
+          <a:bodyPr spcFirstLastPara="1" wrap="square" lIns="91425" tIns="91425" rIns="91425" bIns="91425" anchor="ctr" anchorCtr="0">
             <a:noAutofit/>
           </a:bodyPr>
           <a:lstStyle>
@@ -6031,7 +6262,7 @@
             </a:lvl9pPr>
           </a:lstStyle>
           <a:p>
-            <a:pPr indent="0" lvl="0" marL="0">
+            <a:pPr marL="0" lvl="0" indent="0">
               <a:spcBef>
                 <a:spcPts val="0"/>
               </a:spcBef>
@@ -6057,11 +6288,11 @@
 </file>
 
 <file path=ppt/slideLayouts/slideLayout9.xml><?xml version="1.0" encoding="utf-8"?>
-<p:sldLayout xmlns:a="http://schemas.openxmlformats.org/drawingml/2006/main" xmlns:r="http://schemas.openxmlformats.org/officeDocument/2006/relationships" xmlns:mc="http://schemas.openxmlformats.org/markup-compatibility/2006" xmlns:mv="urn:schemas-microsoft-com:mac:vml" xmlns:p="http://schemas.openxmlformats.org/presentationml/2006/main" xmlns:c="http://schemas.openxmlformats.org/drawingml/2006/chart" xmlns:dgm="http://schemas.openxmlformats.org/drawingml/2006/diagram" xmlns:o="urn:schemas-microsoft-com:office:office" xmlns:v="urn:schemas-microsoft-com:vml" xmlns:pvml="urn:schemas-microsoft-com:office:powerpoint" xmlns:com="http://schemas.openxmlformats.org/drawingml/2006/compatibility" xmlns:p14="http://schemas.microsoft.com/office/powerpoint/2010/main" xmlns:p15="http://schemas.microsoft.com/office/powerpoint/2012/main" matchingName="Caption">
+<p:sldLayout xmlns:a="http://schemas.openxmlformats.org/drawingml/2006/main" xmlns:r="http://schemas.openxmlformats.org/officeDocument/2006/relationships" xmlns:p="http://schemas.openxmlformats.org/presentationml/2006/main" matchingName="Caption">
   <p:cSld name="CAPTION_ONLY">
     <p:spTree>
       <p:nvGrpSpPr>
-        <p:cNvPr id="41" name="Shape 41"/>
+        <p:cNvPr id="1" name="Shape 41"/>
         <p:cNvGrpSpPr/>
         <p:nvPr/>
       </p:nvGrpSpPr>
@@ -6076,9 +6307,11 @@
       <p:sp>
         <p:nvSpPr>
           <p:cNvPr id="42" name="Shape 42"/>
-          <p:cNvSpPr txBox="1"/>
+          <p:cNvSpPr txBox="1">
+            <a:spLocks noGrp="1"/>
+          </p:cNvSpPr>
           <p:nvPr>
-            <p:ph idx="1" type="body"/>
+            <p:ph type="body" idx="1"/>
           </p:nvPr>
         </p:nvSpPr>
         <p:spPr>
@@ -6091,9 +6324,9 @@
           </a:prstGeom>
         </p:spPr>
         <p:txBody>
-          <a:bodyPr anchorCtr="0" anchor="ctr" bIns="91425" lIns="91425" spcFirstLastPara="1" rIns="91425" wrap="square" tIns="91425"/>
+          <a:bodyPr spcFirstLastPara="1" wrap="square" lIns="91425" tIns="91425" rIns="91425" bIns="91425" anchor="ctr" anchorCtr="0"/>
           <a:lstStyle>
-            <a:lvl1pPr indent="-228600" lvl="0" marL="457200">
+            <a:lvl1pPr marL="457200" lvl="0" indent="-228600">
               <a:lnSpc>
                 <a:spcPct val="100000"/>
               </a:lnSpc>
@@ -6108,15 +6341,19 @@
               <a:defRPr/>
             </a:lvl1pPr>
           </a:lstStyle>
-          <a:p/>
+          <a:p>
+            <a:endParaRPr/>
+          </a:p>
         </p:txBody>
       </p:sp>
       <p:sp>
         <p:nvSpPr>
           <p:cNvPr id="43" name="Shape 43"/>
-          <p:cNvSpPr txBox="1"/>
+          <p:cNvSpPr txBox="1">
+            <a:spLocks noGrp="1"/>
+          </p:cNvSpPr>
           <p:nvPr>
-            <p:ph idx="12" type="sldNum"/>
+            <p:ph type="sldNum" idx="12"/>
           </p:nvPr>
         </p:nvSpPr>
         <p:spPr>
@@ -6129,7 +6366,7 @@
           </a:prstGeom>
         </p:spPr>
         <p:txBody>
-          <a:bodyPr anchorCtr="0" anchor="ctr" bIns="91425" lIns="91425" spcFirstLastPara="1" rIns="91425" wrap="square" tIns="91425">
+          <a:bodyPr spcFirstLastPara="1" wrap="square" lIns="91425" tIns="91425" rIns="91425" bIns="91425" anchor="ctr" anchorCtr="0">
             <a:noAutofit/>
           </a:bodyPr>
           <a:lstStyle>
@@ -6171,7 +6408,7 @@
             </a:lvl9pPr>
           </a:lstStyle>
           <a:p>
-            <a:pPr indent="0" lvl="0" marL="0">
+            <a:pPr marL="0" lvl="0" indent="0">
               <a:spcBef>
                 <a:spcPts val="0"/>
               </a:spcBef>
@@ -6197,18 +6434,19 @@
 </file>
 
 <file path=ppt/slideMasters/slideMaster1.xml><?xml version="1.0" encoding="utf-8"?>
-<p:sldMaster xmlns:a="http://schemas.openxmlformats.org/drawingml/2006/main" xmlns:r="http://schemas.openxmlformats.org/officeDocument/2006/relationships" xmlns:mc="http://schemas.openxmlformats.org/markup-compatibility/2006" xmlns:mv="urn:schemas-microsoft-com:mac:vml" xmlns:p="http://schemas.openxmlformats.org/presentationml/2006/main" xmlns:c="http://schemas.openxmlformats.org/drawingml/2006/chart" xmlns:dgm="http://schemas.openxmlformats.org/drawingml/2006/diagram" xmlns:o="urn:schemas-microsoft-com:office:office" xmlns:v="urn:schemas-microsoft-com:vml" xmlns:pvml="urn:schemas-microsoft-com:office:powerpoint" xmlns:com="http://schemas.openxmlformats.org/drawingml/2006/compatibility" xmlns:p14="http://schemas.microsoft.com/office/powerpoint/2010/main" xmlns:p15="http://schemas.microsoft.com/office/powerpoint/2012/main">
+<p:sldMaster xmlns:a="http://schemas.openxmlformats.org/drawingml/2006/main" xmlns:r="http://schemas.openxmlformats.org/officeDocument/2006/relationships" xmlns:p="http://schemas.openxmlformats.org/presentationml/2006/main">
   <p:cSld name="simple-light-2">
     <p:bg>
       <p:bgPr>
         <a:solidFill>
           <a:schemeClr val="lt1"/>
         </a:solidFill>
+        <a:effectLst/>
       </p:bgPr>
     </p:bg>
     <p:spTree>
       <p:nvGrpSpPr>
-        <p:cNvPr id="5" name="Shape 5"/>
+        <p:cNvPr id="1" name="Shape 5"/>
         <p:cNvGrpSpPr/>
         <p:nvPr/>
       </p:nvGrpSpPr>
@@ -6223,7 +6461,9 @@
       <p:sp>
         <p:nvSpPr>
           <p:cNvPr id="6" name="Shape 6"/>
-          <p:cNvSpPr txBox="1"/>
+          <p:cNvSpPr txBox="1">
+            <a:spLocks noGrp="1"/>
+          </p:cNvSpPr>
           <p:nvPr>
             <p:ph type="title"/>
           </p:nvPr>
@@ -6242,7 +6482,7 @@
           </a:ln>
         </p:spPr>
         <p:txBody>
-          <a:bodyPr anchorCtr="0" anchor="t" bIns="91425" lIns="91425" spcFirstLastPara="1" rIns="91425" wrap="square" tIns="91425"/>
+          <a:bodyPr spcFirstLastPara="1" wrap="square" lIns="91425" tIns="91425" rIns="91425" bIns="91425" anchor="t" anchorCtr="0"/>
           <a:lstStyle>
             <a:lvl1pPr lvl="0">
               <a:spcBef>
@@ -6407,15 +6647,19 @@
               </a:defRPr>
             </a:lvl9pPr>
           </a:lstStyle>
-          <a:p/>
+          <a:p>
+            <a:endParaRPr/>
+          </a:p>
         </p:txBody>
       </p:sp>
       <p:sp>
         <p:nvSpPr>
           <p:cNvPr id="7" name="Shape 7"/>
-          <p:cNvSpPr txBox="1"/>
+          <p:cNvSpPr txBox="1">
+            <a:spLocks noGrp="1"/>
+          </p:cNvSpPr>
           <p:nvPr>
-            <p:ph idx="1" type="body"/>
+            <p:ph type="body" idx="1"/>
           </p:nvPr>
         </p:nvSpPr>
         <p:spPr>
@@ -6432,9 +6676,9 @@
           </a:ln>
         </p:spPr>
         <p:txBody>
-          <a:bodyPr anchorCtr="0" anchor="t" bIns="91425" lIns="91425" spcFirstLastPara="1" rIns="91425" wrap="square" tIns="91425"/>
+          <a:bodyPr spcFirstLastPara="1" wrap="square" lIns="91425" tIns="91425" rIns="91425" bIns="91425" anchor="t" anchorCtr="0"/>
           <a:lstStyle>
-            <a:lvl1pPr indent="-342900" lvl="0" marL="457200">
+            <a:lvl1pPr marL="457200" lvl="0" indent="-342900">
               <a:lnSpc>
                 <a:spcPct val="115000"/>
               </a:lnSpc>
@@ -6455,7 +6699,7 @@
                 </a:solidFill>
               </a:defRPr>
             </a:lvl1pPr>
-            <a:lvl2pPr indent="-317500" lvl="1" marL="914400">
+            <a:lvl2pPr marL="914400" lvl="1" indent="-317500">
               <a:lnSpc>
                 <a:spcPct val="115000"/>
               </a:lnSpc>
@@ -6476,7 +6720,7 @@
                 </a:solidFill>
               </a:defRPr>
             </a:lvl2pPr>
-            <a:lvl3pPr indent="-317500" lvl="2" marL="1371600">
+            <a:lvl3pPr marL="1371600" lvl="2" indent="-317500">
               <a:lnSpc>
                 <a:spcPct val="115000"/>
               </a:lnSpc>
@@ -6497,7 +6741,7 @@
                 </a:solidFill>
               </a:defRPr>
             </a:lvl3pPr>
-            <a:lvl4pPr indent="-317500" lvl="3" marL="1828800">
+            <a:lvl4pPr marL="1828800" lvl="3" indent="-317500">
               <a:lnSpc>
                 <a:spcPct val="115000"/>
               </a:lnSpc>
@@ -6518,7 +6762,7 @@
                 </a:solidFill>
               </a:defRPr>
             </a:lvl4pPr>
-            <a:lvl5pPr indent="-317500" lvl="4" marL="2286000">
+            <a:lvl5pPr marL="2286000" lvl="4" indent="-317500">
               <a:lnSpc>
                 <a:spcPct val="115000"/>
               </a:lnSpc>
@@ -6539,7 +6783,7 @@
                 </a:solidFill>
               </a:defRPr>
             </a:lvl5pPr>
-            <a:lvl6pPr indent="-317500" lvl="5" marL="2743200">
+            <a:lvl6pPr marL="2743200" lvl="5" indent="-317500">
               <a:lnSpc>
                 <a:spcPct val="115000"/>
               </a:lnSpc>
@@ -6560,7 +6804,7 @@
                 </a:solidFill>
               </a:defRPr>
             </a:lvl6pPr>
-            <a:lvl7pPr indent="-317500" lvl="6" marL="3200400">
+            <a:lvl7pPr marL="3200400" lvl="6" indent="-317500">
               <a:lnSpc>
                 <a:spcPct val="115000"/>
               </a:lnSpc>
@@ -6581,7 +6825,7 @@
                 </a:solidFill>
               </a:defRPr>
             </a:lvl7pPr>
-            <a:lvl8pPr indent="-317500" lvl="7" marL="3657600">
+            <a:lvl8pPr marL="3657600" lvl="7" indent="-317500">
               <a:lnSpc>
                 <a:spcPct val="115000"/>
               </a:lnSpc>
@@ -6602,7 +6846,7 @@
                 </a:solidFill>
               </a:defRPr>
             </a:lvl8pPr>
-            <a:lvl9pPr indent="-317500" lvl="8" marL="4114800">
+            <a:lvl9pPr marL="4114800" lvl="8" indent="-317500">
               <a:lnSpc>
                 <a:spcPct val="115000"/>
               </a:lnSpc>
@@ -6624,15 +6868,19 @@
               </a:defRPr>
             </a:lvl9pPr>
           </a:lstStyle>
-          <a:p/>
+          <a:p>
+            <a:endParaRPr/>
+          </a:p>
         </p:txBody>
       </p:sp>
       <p:sp>
         <p:nvSpPr>
           <p:cNvPr id="8" name="Shape 8"/>
-          <p:cNvSpPr txBox="1"/>
+          <p:cNvSpPr txBox="1">
+            <a:spLocks noGrp="1"/>
+          </p:cNvSpPr>
           <p:nvPr>
-            <p:ph idx="12" type="sldNum"/>
+            <p:ph type="sldNum" idx="12"/>
           </p:nvPr>
         </p:nvSpPr>
         <p:spPr>
@@ -6649,7 +6897,7 @@
           </a:ln>
         </p:spPr>
         <p:txBody>
-          <a:bodyPr anchorCtr="0" anchor="ctr" bIns="91425" lIns="91425" spcFirstLastPara="1" rIns="91425" wrap="square" tIns="91425">
+          <a:bodyPr spcFirstLastPara="1" wrap="square" lIns="91425" tIns="91425" rIns="91425" bIns="91425" anchor="ctr" anchorCtr="0">
             <a:noAutofit/>
           </a:bodyPr>
           <a:lstStyle>
@@ -6727,7 +6975,7 @@
             </a:lvl9pPr>
           </a:lstStyle>
           <a:p>
-            <a:pPr indent="0" lvl="0" marL="0">
+            <a:pPr marL="0" lvl="0" indent="0">
               <a:spcBef>
                 <a:spcPts val="0"/>
               </a:spcBef>
@@ -6746,7 +6994,7 @@
       </p:sp>
     </p:spTree>
   </p:cSld>
-  <p:clrMap accent1="accent1" accent2="accent2" accent3="accent3" accent4="accent4" accent5="accent5" accent6="accent6" bg1="lt1" bg2="dk2" tx1="dk1" tx2="lt2" folHlink="folHlink" hlink="hlink"/>
+  <p:clrMap bg1="lt1" tx1="dk1" bg2="dk2" tx2="lt2" accent1="accent1" accent2="accent2" accent3="accent3" accent4="accent4" accent5="accent5" accent6="accent6" hlink="hlink" folHlink="folHlink"/>
   <p:sldLayoutIdLst>
     <p:sldLayoutId id="2147483648" r:id="rId1"/>
     <p:sldLayoutId id="2147483649" r:id="rId2"/>
@@ -6760,10 +7008,10 @@
     <p:sldLayoutId id="2147483657" r:id="rId10"/>
     <p:sldLayoutId id="2147483658" r:id="rId11"/>
   </p:sldLayoutIdLst>
-  <p:hf dt="0" ftr="0" hdr="0" sldNum="0"/>
+  <p:hf sldNum="0" hdr="0" ftr="0" dt="0"/>
   <p:txStyles>
     <p:titleStyle>
-      <a:defPPr lvl="0" marR="0" rtl="0" algn="l">
+      <a:defPPr marR="0" lvl="0" algn="l" rtl="0">
         <a:lnSpc>
           <a:spcPct val="100000"/>
         </a:lnSpc>
@@ -6774,7 +7022,7 @@
           <a:spcPts val="0"/>
         </a:spcAft>
       </a:defPPr>
-      <a:lvl1pPr lvl="0" marR="0" rtl="0" algn="l">
+      <a:lvl1pPr marR="0" lvl="0" algn="l" rtl="0">
         <a:lnSpc>
           <a:spcPct val="100000"/>
         </a:lnSpc>
@@ -6788,7 +7036,7 @@
           <a:srgbClr val="000000"/>
         </a:buClr>
         <a:buFont typeface="Arial"/>
-        <a:defRPr b="0" i="0" sz="1400" u="none" cap="none" strike="noStrike">
+        <a:defRPr sz="1400" b="0" i="0" u="none" strike="noStrike" cap="none">
           <a:solidFill>
             <a:srgbClr val="000000"/>
           </a:solidFill>
@@ -6798,7 +7046,7 @@
           <a:sym typeface="Arial"/>
         </a:defRPr>
       </a:lvl1pPr>
-      <a:lvl2pPr lvl="1" marR="0" rtl="0" algn="l">
+      <a:lvl2pPr marR="0" lvl="1" algn="l" rtl="0">
         <a:lnSpc>
           <a:spcPct val="100000"/>
         </a:lnSpc>
@@ -6812,7 +7060,7 @@
           <a:srgbClr val="000000"/>
         </a:buClr>
         <a:buFont typeface="Arial"/>
-        <a:defRPr b="0" i="0" sz="1400" u="none" cap="none" strike="noStrike">
+        <a:defRPr sz="1400" b="0" i="0" u="none" strike="noStrike" cap="none">
           <a:solidFill>
             <a:srgbClr val="000000"/>
           </a:solidFill>
@@ -6822,7 +7070,7 @@
           <a:sym typeface="Arial"/>
         </a:defRPr>
       </a:lvl2pPr>
-      <a:lvl3pPr lvl="2" marR="0" rtl="0" algn="l">
+      <a:lvl3pPr marR="0" lvl="2" algn="l" rtl="0">
         <a:lnSpc>
           <a:spcPct val="100000"/>
         </a:lnSpc>
@@ -6836,7 +7084,7 @@
           <a:srgbClr val="000000"/>
         </a:buClr>
         <a:buFont typeface="Arial"/>
-        <a:defRPr b="0" i="0" sz="1400" u="none" cap="none" strike="noStrike">
+        <a:defRPr sz="1400" b="0" i="0" u="none" strike="noStrike" cap="none">
           <a:solidFill>
             <a:srgbClr val="000000"/>
           </a:solidFill>
@@ -6846,7 +7094,7 @@
           <a:sym typeface="Arial"/>
         </a:defRPr>
       </a:lvl3pPr>
-      <a:lvl4pPr lvl="3" marR="0" rtl="0" algn="l">
+      <a:lvl4pPr marR="0" lvl="3" algn="l" rtl="0">
         <a:lnSpc>
           <a:spcPct val="100000"/>
         </a:lnSpc>
@@ -6860,7 +7108,7 @@
           <a:srgbClr val="000000"/>
         </a:buClr>
         <a:buFont typeface="Arial"/>
-        <a:defRPr b="0" i="0" sz="1400" u="none" cap="none" strike="noStrike">
+        <a:defRPr sz="1400" b="0" i="0" u="none" strike="noStrike" cap="none">
           <a:solidFill>
             <a:srgbClr val="000000"/>
           </a:solidFill>
@@ -6870,7 +7118,7 @@
           <a:sym typeface="Arial"/>
         </a:defRPr>
       </a:lvl4pPr>
-      <a:lvl5pPr lvl="4" marR="0" rtl="0" algn="l">
+      <a:lvl5pPr marR="0" lvl="4" algn="l" rtl="0">
         <a:lnSpc>
           <a:spcPct val="100000"/>
         </a:lnSpc>
@@ -6884,7 +7132,7 @@
           <a:srgbClr val="000000"/>
         </a:buClr>
         <a:buFont typeface="Arial"/>
-        <a:defRPr b="0" i="0" sz="1400" u="none" cap="none" strike="noStrike">
+        <a:defRPr sz="1400" b="0" i="0" u="none" strike="noStrike" cap="none">
           <a:solidFill>
             <a:srgbClr val="000000"/>
           </a:solidFill>
@@ -6894,7 +7142,7 @@
           <a:sym typeface="Arial"/>
         </a:defRPr>
       </a:lvl5pPr>
-      <a:lvl6pPr lvl="5" marR="0" rtl="0" algn="l">
+      <a:lvl6pPr marR="0" lvl="5" algn="l" rtl="0">
         <a:lnSpc>
           <a:spcPct val="100000"/>
         </a:lnSpc>
@@ -6908,7 +7156,7 @@
           <a:srgbClr val="000000"/>
         </a:buClr>
         <a:buFont typeface="Arial"/>
-        <a:defRPr b="0" i="0" sz="1400" u="none" cap="none" strike="noStrike">
+        <a:defRPr sz="1400" b="0" i="0" u="none" strike="noStrike" cap="none">
           <a:solidFill>
             <a:srgbClr val="000000"/>
           </a:solidFill>
@@ -6918,7 +7166,7 @@
           <a:sym typeface="Arial"/>
         </a:defRPr>
       </a:lvl6pPr>
-      <a:lvl7pPr lvl="6" marR="0" rtl="0" algn="l">
+      <a:lvl7pPr marR="0" lvl="6" algn="l" rtl="0">
         <a:lnSpc>
           <a:spcPct val="100000"/>
         </a:lnSpc>
@@ -6932,7 +7180,7 @@
           <a:srgbClr val="000000"/>
         </a:buClr>
         <a:buFont typeface="Arial"/>
-        <a:defRPr b="0" i="0" sz="1400" u="none" cap="none" strike="noStrike">
+        <a:defRPr sz="1400" b="0" i="0" u="none" strike="noStrike" cap="none">
           <a:solidFill>
             <a:srgbClr val="000000"/>
           </a:solidFill>
@@ -6942,7 +7190,7 @@
           <a:sym typeface="Arial"/>
         </a:defRPr>
       </a:lvl7pPr>
-      <a:lvl8pPr lvl="7" marR="0" rtl="0" algn="l">
+      <a:lvl8pPr marR="0" lvl="7" algn="l" rtl="0">
         <a:lnSpc>
           <a:spcPct val="100000"/>
         </a:lnSpc>
@@ -6956,7 +7204,7 @@
           <a:srgbClr val="000000"/>
         </a:buClr>
         <a:buFont typeface="Arial"/>
-        <a:defRPr b="0" i="0" sz="1400" u="none" cap="none" strike="noStrike">
+        <a:defRPr sz="1400" b="0" i="0" u="none" strike="noStrike" cap="none">
           <a:solidFill>
             <a:srgbClr val="000000"/>
           </a:solidFill>
@@ -6966,7 +7214,7 @@
           <a:sym typeface="Arial"/>
         </a:defRPr>
       </a:lvl8pPr>
-      <a:lvl9pPr lvl="8" marR="0" rtl="0" algn="l">
+      <a:lvl9pPr marR="0" lvl="8" algn="l" rtl="0">
         <a:lnSpc>
           <a:spcPct val="100000"/>
         </a:lnSpc>
@@ -6980,7 +7228,7 @@
           <a:srgbClr val="000000"/>
         </a:buClr>
         <a:buFont typeface="Arial"/>
-        <a:defRPr b="0" i="0" sz="1400" u="none" cap="none" strike="noStrike">
+        <a:defRPr sz="1400" b="0" i="0" u="none" strike="noStrike" cap="none">
           <a:solidFill>
             <a:srgbClr val="000000"/>
           </a:solidFill>
@@ -6992,7 +7240,7 @@
       </a:lvl9pPr>
     </p:titleStyle>
     <p:bodyStyle>
-      <a:defPPr lvl="0" marR="0" rtl="0" algn="l">
+      <a:defPPr marR="0" lvl="0" algn="l" rtl="0">
         <a:lnSpc>
           <a:spcPct val="100000"/>
         </a:lnSpc>
@@ -7003,7 +7251,7 @@
           <a:spcPts val="0"/>
         </a:spcAft>
       </a:defPPr>
-      <a:lvl1pPr lvl="0" marR="0" rtl="0" algn="l">
+      <a:lvl1pPr marR="0" lvl="0" algn="l" rtl="0">
         <a:lnSpc>
           <a:spcPct val="100000"/>
         </a:lnSpc>
@@ -7017,7 +7265,7 @@
           <a:srgbClr val="000000"/>
         </a:buClr>
         <a:buFont typeface="Arial"/>
-        <a:defRPr b="0" i="0" sz="1400" u="none" cap="none" strike="noStrike">
+        <a:defRPr sz="1400" b="0" i="0" u="none" strike="noStrike" cap="none">
           <a:solidFill>
             <a:srgbClr val="000000"/>
           </a:solidFill>
@@ -7027,7 +7275,7 @@
           <a:sym typeface="Arial"/>
         </a:defRPr>
       </a:lvl1pPr>
-      <a:lvl2pPr lvl="1" marR="0" rtl="0" algn="l">
+      <a:lvl2pPr marR="0" lvl="1" algn="l" rtl="0">
         <a:lnSpc>
           <a:spcPct val="100000"/>
         </a:lnSpc>
@@ -7041,7 +7289,7 @@
           <a:srgbClr val="000000"/>
         </a:buClr>
         <a:buFont typeface="Arial"/>
-        <a:defRPr b="0" i="0" sz="1400" u="none" cap="none" strike="noStrike">
+        <a:defRPr sz="1400" b="0" i="0" u="none" strike="noStrike" cap="none">
           <a:solidFill>
             <a:srgbClr val="000000"/>
           </a:solidFill>
@@ -7051,7 +7299,7 @@
           <a:sym typeface="Arial"/>
         </a:defRPr>
       </a:lvl2pPr>
-      <a:lvl3pPr lvl="2" marR="0" rtl="0" algn="l">
+      <a:lvl3pPr marR="0" lvl="2" algn="l" rtl="0">
         <a:lnSpc>
           <a:spcPct val="100000"/>
         </a:lnSpc>
@@ -7065,7 +7313,7 @@
           <a:srgbClr val="000000"/>
         </a:buClr>
         <a:buFont typeface="Arial"/>
-        <a:defRPr b="0" i="0" sz="1400" u="none" cap="none" strike="noStrike">
+        <a:defRPr sz="1400" b="0" i="0" u="none" strike="noStrike" cap="none">
           <a:solidFill>
             <a:srgbClr val="000000"/>
           </a:solidFill>
@@ -7075,7 +7323,7 @@
           <a:sym typeface="Arial"/>
         </a:defRPr>
       </a:lvl3pPr>
-      <a:lvl4pPr lvl="3" marR="0" rtl="0" algn="l">
+      <a:lvl4pPr marR="0" lvl="3" algn="l" rtl="0">
         <a:lnSpc>
           <a:spcPct val="100000"/>
         </a:lnSpc>
@@ -7089,7 +7337,7 @@
           <a:srgbClr val="000000"/>
         </a:buClr>
         <a:buFont typeface="Arial"/>
-        <a:defRPr b="0" i="0" sz="1400" u="none" cap="none" strike="noStrike">
+        <a:defRPr sz="1400" b="0" i="0" u="none" strike="noStrike" cap="none">
           <a:solidFill>
             <a:srgbClr val="000000"/>
           </a:solidFill>
@@ -7099,7 +7347,7 @@
           <a:sym typeface="Arial"/>
         </a:defRPr>
       </a:lvl4pPr>
-      <a:lvl5pPr lvl="4" marR="0" rtl="0" algn="l">
+      <a:lvl5pPr marR="0" lvl="4" algn="l" rtl="0">
         <a:lnSpc>
           <a:spcPct val="100000"/>
         </a:lnSpc>
@@ -7113,7 +7361,7 @@
           <a:srgbClr val="000000"/>
         </a:buClr>
         <a:buFont typeface="Arial"/>
-        <a:defRPr b="0" i="0" sz="1400" u="none" cap="none" strike="noStrike">
+        <a:defRPr sz="1400" b="0" i="0" u="none" strike="noStrike" cap="none">
           <a:solidFill>
             <a:srgbClr val="000000"/>
           </a:solidFill>
@@ -7123,7 +7371,7 @@
           <a:sym typeface="Arial"/>
         </a:defRPr>
       </a:lvl5pPr>
-      <a:lvl6pPr lvl="5" marR="0" rtl="0" algn="l">
+      <a:lvl6pPr marR="0" lvl="5" algn="l" rtl="0">
         <a:lnSpc>
           <a:spcPct val="100000"/>
         </a:lnSpc>
@@ -7137,7 +7385,7 @@
           <a:srgbClr val="000000"/>
         </a:buClr>
         <a:buFont typeface="Arial"/>
-        <a:defRPr b="0" i="0" sz="1400" u="none" cap="none" strike="noStrike">
+        <a:defRPr sz="1400" b="0" i="0" u="none" strike="noStrike" cap="none">
           <a:solidFill>
             <a:srgbClr val="000000"/>
           </a:solidFill>
@@ -7147,7 +7395,7 @@
           <a:sym typeface="Arial"/>
         </a:defRPr>
       </a:lvl6pPr>
-      <a:lvl7pPr lvl="6" marR="0" rtl="0" algn="l">
+      <a:lvl7pPr marR="0" lvl="6" algn="l" rtl="0">
         <a:lnSpc>
           <a:spcPct val="100000"/>
         </a:lnSpc>
@@ -7161,7 +7409,7 @@
           <a:srgbClr val="000000"/>
         </a:buClr>
         <a:buFont typeface="Arial"/>
-        <a:defRPr b="0" i="0" sz="1400" u="none" cap="none" strike="noStrike">
+        <a:defRPr sz="1400" b="0" i="0" u="none" strike="noStrike" cap="none">
           <a:solidFill>
             <a:srgbClr val="000000"/>
           </a:solidFill>
@@ -7171,7 +7419,7 @@
           <a:sym typeface="Arial"/>
         </a:defRPr>
       </a:lvl7pPr>
-      <a:lvl8pPr lvl="7" marR="0" rtl="0" algn="l">
+      <a:lvl8pPr marR="0" lvl="7" algn="l" rtl="0">
         <a:lnSpc>
           <a:spcPct val="100000"/>
         </a:lnSpc>
@@ -7185,7 +7433,7 @@
           <a:srgbClr val="000000"/>
         </a:buClr>
         <a:buFont typeface="Arial"/>
-        <a:defRPr b="0" i="0" sz="1400" u="none" cap="none" strike="noStrike">
+        <a:defRPr sz="1400" b="0" i="0" u="none" strike="noStrike" cap="none">
           <a:solidFill>
             <a:srgbClr val="000000"/>
           </a:solidFill>
@@ -7195,7 +7443,7 @@
           <a:sym typeface="Arial"/>
         </a:defRPr>
       </a:lvl8pPr>
-      <a:lvl9pPr lvl="8" marR="0" rtl="0" algn="l">
+      <a:lvl9pPr marR="0" lvl="8" algn="l" rtl="0">
         <a:lnSpc>
           <a:spcPct val="100000"/>
         </a:lnSpc>
@@ -7209,7 +7457,7 @@
           <a:srgbClr val="000000"/>
         </a:buClr>
         <a:buFont typeface="Arial"/>
-        <a:defRPr b="0" i="0" sz="1400" u="none" cap="none" strike="noStrike">
+        <a:defRPr sz="1400" b="0" i="0" u="none" strike="noStrike" cap="none">
           <a:solidFill>
             <a:srgbClr val="000000"/>
           </a:solidFill>
@@ -7221,7 +7469,7 @@
       </a:lvl9pPr>
     </p:bodyStyle>
     <p:otherStyle>
-      <a:defPPr lvl="0" marR="0" rtl="0" algn="l">
+      <a:defPPr marR="0" lvl="0" algn="l" rtl="0">
         <a:lnSpc>
           <a:spcPct val="100000"/>
         </a:lnSpc>
@@ -7232,7 +7480,7 @@
           <a:spcPts val="0"/>
         </a:spcAft>
       </a:defPPr>
-      <a:lvl1pPr lvl="0" marR="0" rtl="0" algn="l">
+      <a:lvl1pPr marR="0" lvl="0" algn="l" rtl="0">
         <a:lnSpc>
           <a:spcPct val="100000"/>
         </a:lnSpc>
@@ -7246,7 +7494,7 @@
           <a:srgbClr val="000000"/>
         </a:buClr>
         <a:buFont typeface="Arial"/>
-        <a:defRPr b="0" i="0" sz="1400" u="none" cap="none" strike="noStrike">
+        <a:defRPr sz="1400" b="0" i="0" u="none" strike="noStrike" cap="none">
           <a:solidFill>
             <a:srgbClr val="000000"/>
           </a:solidFill>
@@ -7256,7 +7504,7 @@
           <a:sym typeface="Arial"/>
         </a:defRPr>
       </a:lvl1pPr>
-      <a:lvl2pPr lvl="1" marR="0" rtl="0" algn="l">
+      <a:lvl2pPr marR="0" lvl="1" algn="l" rtl="0">
         <a:lnSpc>
           <a:spcPct val="100000"/>
         </a:lnSpc>
@@ -7270,7 +7518,7 @@
           <a:srgbClr val="000000"/>
         </a:buClr>
         <a:buFont typeface="Arial"/>
-        <a:defRPr b="0" i="0" sz="1400" u="none" cap="none" strike="noStrike">
+        <a:defRPr sz="1400" b="0" i="0" u="none" strike="noStrike" cap="none">
           <a:solidFill>
             <a:srgbClr val="000000"/>
           </a:solidFill>
@@ -7280,7 +7528,7 @@
           <a:sym typeface="Arial"/>
         </a:defRPr>
       </a:lvl2pPr>
-      <a:lvl3pPr lvl="2" marR="0" rtl="0" algn="l">
+      <a:lvl3pPr marR="0" lvl="2" algn="l" rtl="0">
         <a:lnSpc>
           <a:spcPct val="100000"/>
         </a:lnSpc>
@@ -7294,7 +7542,7 @@
           <a:srgbClr val="000000"/>
         </a:buClr>
         <a:buFont typeface="Arial"/>
-        <a:defRPr b="0" i="0" sz="1400" u="none" cap="none" strike="noStrike">
+        <a:defRPr sz="1400" b="0" i="0" u="none" strike="noStrike" cap="none">
           <a:solidFill>
             <a:srgbClr val="000000"/>
           </a:solidFill>
@@ -7304,7 +7552,7 @@
           <a:sym typeface="Arial"/>
         </a:defRPr>
       </a:lvl3pPr>
-      <a:lvl4pPr lvl="3" marR="0" rtl="0" algn="l">
+      <a:lvl4pPr marR="0" lvl="3" algn="l" rtl="0">
         <a:lnSpc>
           <a:spcPct val="100000"/>
         </a:lnSpc>
@@ -7318,7 +7566,7 @@
           <a:srgbClr val="000000"/>
         </a:buClr>
         <a:buFont typeface="Arial"/>
-        <a:defRPr b="0" i="0" sz="1400" u="none" cap="none" strike="noStrike">
+        <a:defRPr sz="1400" b="0" i="0" u="none" strike="noStrike" cap="none">
           <a:solidFill>
             <a:srgbClr val="000000"/>
           </a:solidFill>
@@ -7328,7 +7576,7 @@
           <a:sym typeface="Arial"/>
         </a:defRPr>
       </a:lvl4pPr>
-      <a:lvl5pPr lvl="4" marR="0" rtl="0" algn="l">
+      <a:lvl5pPr marR="0" lvl="4" algn="l" rtl="0">
         <a:lnSpc>
           <a:spcPct val="100000"/>
         </a:lnSpc>
@@ -7342,7 +7590,7 @@
           <a:srgbClr val="000000"/>
         </a:buClr>
         <a:buFont typeface="Arial"/>
-        <a:defRPr b="0" i="0" sz="1400" u="none" cap="none" strike="noStrike">
+        <a:defRPr sz="1400" b="0" i="0" u="none" strike="noStrike" cap="none">
           <a:solidFill>
             <a:srgbClr val="000000"/>
           </a:solidFill>
@@ -7352,7 +7600,7 @@
           <a:sym typeface="Arial"/>
         </a:defRPr>
       </a:lvl5pPr>
-      <a:lvl6pPr lvl="5" marR="0" rtl="0" algn="l">
+      <a:lvl6pPr marR="0" lvl="5" algn="l" rtl="0">
         <a:lnSpc>
           <a:spcPct val="100000"/>
         </a:lnSpc>
@@ -7366,7 +7614,7 @@
           <a:srgbClr val="000000"/>
         </a:buClr>
         <a:buFont typeface="Arial"/>
-        <a:defRPr b="0" i="0" sz="1400" u="none" cap="none" strike="noStrike">
+        <a:defRPr sz="1400" b="0" i="0" u="none" strike="noStrike" cap="none">
           <a:solidFill>
             <a:srgbClr val="000000"/>
           </a:solidFill>
@@ -7376,7 +7624,7 @@
           <a:sym typeface="Arial"/>
         </a:defRPr>
       </a:lvl6pPr>
-      <a:lvl7pPr lvl="6" marR="0" rtl="0" algn="l">
+      <a:lvl7pPr marR="0" lvl="6" algn="l" rtl="0">
         <a:lnSpc>
           <a:spcPct val="100000"/>
         </a:lnSpc>
@@ -7390,7 +7638,7 @@
           <a:srgbClr val="000000"/>
         </a:buClr>
         <a:buFont typeface="Arial"/>
-        <a:defRPr b="0" i="0" sz="1400" u="none" cap="none" strike="noStrike">
+        <a:defRPr sz="1400" b="0" i="0" u="none" strike="noStrike" cap="none">
           <a:solidFill>
             <a:srgbClr val="000000"/>
           </a:solidFill>
@@ -7400,7 +7648,7 @@
           <a:sym typeface="Arial"/>
         </a:defRPr>
       </a:lvl7pPr>
-      <a:lvl8pPr lvl="7" marR="0" rtl="0" algn="l">
+      <a:lvl8pPr marR="0" lvl="7" algn="l" rtl="0">
         <a:lnSpc>
           <a:spcPct val="100000"/>
         </a:lnSpc>
@@ -7414,7 +7662,7 @@
           <a:srgbClr val="000000"/>
         </a:buClr>
         <a:buFont typeface="Arial"/>
-        <a:defRPr b="0" i="0" sz="1400" u="none" cap="none" strike="noStrike">
+        <a:defRPr sz="1400" b="0" i="0" u="none" strike="noStrike" cap="none">
           <a:solidFill>
             <a:srgbClr val="000000"/>
           </a:solidFill>
@@ -7424,7 +7672,7 @@
           <a:sym typeface="Arial"/>
         </a:defRPr>
       </a:lvl8pPr>
-      <a:lvl9pPr lvl="8" marR="0" rtl="0" algn="l">
+      <a:lvl9pPr marR="0" lvl="8" algn="l" rtl="0">
         <a:lnSpc>
           <a:spcPct val="100000"/>
         </a:lnSpc>
@@ -7438,7 +7686,7 @@
           <a:srgbClr val="000000"/>
         </a:buClr>
         <a:buFont typeface="Arial"/>
-        <a:defRPr b="0" i="0" sz="1400" u="none" cap="none" strike="noStrike">
+        <a:defRPr sz="1400" b="0" i="0" u="none" strike="noStrike" cap="none">
           <a:solidFill>
             <a:srgbClr val="000000"/>
           </a:solidFill>
@@ -7454,11 +7702,11 @@
 </file>
 
 <file path=ppt/slides/slide1.xml><?xml version="1.0" encoding="utf-8"?>
-<p:sld xmlns:a="http://schemas.openxmlformats.org/drawingml/2006/main" xmlns:r="http://schemas.openxmlformats.org/officeDocument/2006/relationships" xmlns:mc="http://schemas.openxmlformats.org/markup-compatibility/2006" xmlns:mv="urn:schemas-microsoft-com:mac:vml" xmlns:p="http://schemas.openxmlformats.org/presentationml/2006/main" xmlns:c="http://schemas.openxmlformats.org/drawingml/2006/chart" xmlns:dgm="http://schemas.openxmlformats.org/drawingml/2006/diagram" xmlns:o="urn:schemas-microsoft-com:office:office" xmlns:v="urn:schemas-microsoft-com:vml" xmlns:pvml="urn:schemas-microsoft-com:office:powerpoint" xmlns:com="http://schemas.openxmlformats.org/drawingml/2006/compatibility" xmlns:p14="http://schemas.microsoft.com/office/powerpoint/2010/main" xmlns:p15="http://schemas.microsoft.com/office/powerpoint/2012/main">
+<p:sld xmlns:a="http://schemas.openxmlformats.org/drawingml/2006/main" xmlns:r="http://schemas.openxmlformats.org/officeDocument/2006/relationships" xmlns:p="http://schemas.openxmlformats.org/presentationml/2006/main">
   <p:cSld>
     <p:spTree>
       <p:nvGrpSpPr>
-        <p:cNvPr id="53" name="Shape 53"/>
+        <p:cNvPr id="1" name="Shape 53"/>
         <p:cNvGrpSpPr/>
         <p:nvPr/>
       </p:nvGrpSpPr>
@@ -7473,7 +7721,9 @@
       <p:sp>
         <p:nvSpPr>
           <p:cNvPr id="54" name="Shape 54"/>
-          <p:cNvSpPr txBox="1"/>
+          <p:cNvSpPr txBox="1">
+            <a:spLocks noGrp="1"/>
+          </p:cNvSpPr>
           <p:nvPr>
             <p:ph type="ctrTitle"/>
           </p:nvPr>
@@ -7488,12 +7738,12 @@
           </a:prstGeom>
         </p:spPr>
         <p:txBody>
-          <a:bodyPr anchorCtr="0" anchor="b" bIns="91425" lIns="91425" spcFirstLastPara="1" rIns="91425" wrap="square" tIns="91425">
+          <a:bodyPr spcFirstLastPara="1" wrap="square" lIns="91425" tIns="91425" rIns="91425" bIns="91425" anchor="b" anchorCtr="0">
             <a:noAutofit/>
           </a:bodyPr>
           <a:lstStyle/>
           <a:p>
-            <a:pPr indent="0" lvl="0" marL="0">
+            <a:pPr marL="0" lvl="0" indent="0">
               <a:spcBef>
                 <a:spcPts val="0"/>
               </a:spcBef>
@@ -7523,9 +7773,11 @@
       <p:sp>
         <p:nvSpPr>
           <p:cNvPr id="55" name="Shape 55"/>
-          <p:cNvSpPr txBox="1"/>
+          <p:cNvSpPr txBox="1">
+            <a:spLocks noGrp="1"/>
+          </p:cNvSpPr>
           <p:nvPr>
-            <p:ph idx="1" type="subTitle"/>
+            <p:ph type="subTitle" idx="1"/>
           </p:nvPr>
         </p:nvSpPr>
         <p:spPr>
@@ -7538,12 +7790,12 @@
           </a:prstGeom>
         </p:spPr>
         <p:txBody>
-          <a:bodyPr anchorCtr="0" anchor="t" bIns="91425" lIns="91425" spcFirstLastPara="1" rIns="91425" wrap="square" tIns="91425">
+          <a:bodyPr spcFirstLastPara="1" wrap="square" lIns="91425" tIns="91425" rIns="91425" bIns="91425" anchor="t" anchorCtr="0">
             <a:noAutofit/>
           </a:bodyPr>
           <a:lstStyle/>
           <a:p>
-            <a:pPr indent="0" lvl="0" marL="0" rtl="0">
+            <a:pPr marL="0" lvl="0" indent="0" rtl="0">
               <a:spcBef>
                 <a:spcPts val="0"/>
               </a:spcBef>
@@ -7579,11 +7831,11 @@
 </file>
 
 <file path=ppt/slides/slide10.xml><?xml version="1.0" encoding="utf-8"?>
-<p:sld xmlns:a="http://schemas.openxmlformats.org/drawingml/2006/main" xmlns:r="http://schemas.openxmlformats.org/officeDocument/2006/relationships" xmlns:mc="http://schemas.openxmlformats.org/markup-compatibility/2006" xmlns:mv="urn:schemas-microsoft-com:mac:vml" xmlns:p="http://schemas.openxmlformats.org/presentationml/2006/main" xmlns:c="http://schemas.openxmlformats.org/drawingml/2006/chart" xmlns:dgm="http://schemas.openxmlformats.org/drawingml/2006/diagram" xmlns:o="urn:schemas-microsoft-com:office:office" xmlns:v="urn:schemas-microsoft-com:vml" xmlns:pvml="urn:schemas-microsoft-com:office:powerpoint" xmlns:com="http://schemas.openxmlformats.org/drawingml/2006/compatibility" xmlns:p14="http://schemas.microsoft.com/office/powerpoint/2010/main" xmlns:p15="http://schemas.microsoft.com/office/powerpoint/2012/main">
+<p:sld xmlns:a="http://schemas.openxmlformats.org/drawingml/2006/main" xmlns:r="http://schemas.openxmlformats.org/officeDocument/2006/relationships" xmlns:p="http://schemas.openxmlformats.org/presentationml/2006/main">
   <p:cSld>
     <p:spTree>
       <p:nvGrpSpPr>
-        <p:cNvPr id="108" name="Shape 108"/>
+        <p:cNvPr id="1" name="Shape 108"/>
         <p:cNvGrpSpPr/>
         <p:nvPr/>
       </p:nvGrpSpPr>
@@ -7598,9 +7850,11 @@
       <p:sp>
         <p:nvSpPr>
           <p:cNvPr id="109" name="Shape 109"/>
-          <p:cNvSpPr txBox="1"/>
+          <p:cNvSpPr txBox="1">
+            <a:spLocks noGrp="1"/>
+          </p:cNvSpPr>
           <p:nvPr>
-            <p:ph idx="1" type="body"/>
+            <p:ph type="body" idx="1"/>
           </p:nvPr>
         </p:nvSpPr>
         <p:spPr>
@@ -7613,12 +7867,12 @@
           </a:prstGeom>
         </p:spPr>
         <p:txBody>
-          <a:bodyPr anchorCtr="0" anchor="t" bIns="91425" lIns="91425" spcFirstLastPara="1" rIns="91425" wrap="square" tIns="91425">
+          <a:bodyPr spcFirstLastPara="1" wrap="square" lIns="91425" tIns="91425" rIns="91425" bIns="91425" anchor="t" anchorCtr="0">
             <a:noAutofit/>
           </a:bodyPr>
           <a:lstStyle/>
           <a:p>
-            <a:pPr indent="0" lvl="0" marL="0" rtl="0">
+            <a:pPr marL="0" lvl="0" indent="0" rtl="0">
               <a:spcBef>
                 <a:spcPts val="0"/>
               </a:spcBef>
@@ -7700,7 +7954,9 @@
       <p:sp>
         <p:nvSpPr>
           <p:cNvPr id="110" name="Shape 110"/>
-          <p:cNvSpPr txBox="1"/>
+          <p:cNvSpPr txBox="1">
+            <a:spLocks noGrp="1"/>
+          </p:cNvSpPr>
           <p:nvPr>
             <p:ph type="title"/>
           </p:nvPr>
@@ -7715,12 +7971,12 @@
           </a:prstGeom>
         </p:spPr>
         <p:txBody>
-          <a:bodyPr anchorCtr="0" anchor="t" bIns="91425" lIns="91425" spcFirstLastPara="1" rIns="91425" wrap="square" tIns="91425">
+          <a:bodyPr spcFirstLastPara="1" wrap="square" lIns="91425" tIns="91425" rIns="91425" bIns="91425" anchor="t" anchorCtr="0">
             <a:noAutofit/>
           </a:bodyPr>
           <a:lstStyle/>
           <a:p>
-            <a:pPr indent="0" lvl="0" marL="0" rtl="0">
+            <a:pPr marL="0" lvl="0" indent="0" rtl="0">
               <a:spcBef>
                 <a:spcPts val="0"/>
               </a:spcBef>
@@ -7756,11 +8012,11 @@
 </file>
 
 <file path=ppt/slides/slide11.xml><?xml version="1.0" encoding="utf-8"?>
-<p:sld xmlns:a="http://schemas.openxmlformats.org/drawingml/2006/main" xmlns:r="http://schemas.openxmlformats.org/officeDocument/2006/relationships" xmlns:mc="http://schemas.openxmlformats.org/markup-compatibility/2006" xmlns:mv="urn:schemas-microsoft-com:mac:vml" xmlns:p="http://schemas.openxmlformats.org/presentationml/2006/main" xmlns:c="http://schemas.openxmlformats.org/drawingml/2006/chart" xmlns:dgm="http://schemas.openxmlformats.org/drawingml/2006/diagram" xmlns:o="urn:schemas-microsoft-com:office:office" xmlns:v="urn:schemas-microsoft-com:vml" xmlns:pvml="urn:schemas-microsoft-com:office:powerpoint" xmlns:com="http://schemas.openxmlformats.org/drawingml/2006/compatibility" xmlns:p14="http://schemas.microsoft.com/office/powerpoint/2010/main" xmlns:p15="http://schemas.microsoft.com/office/powerpoint/2012/main">
+<p:sld xmlns:a="http://schemas.openxmlformats.org/drawingml/2006/main" xmlns:r="http://schemas.openxmlformats.org/officeDocument/2006/relationships" xmlns:p="http://schemas.openxmlformats.org/presentationml/2006/main">
   <p:cSld>
     <p:spTree>
       <p:nvGrpSpPr>
-        <p:cNvPr id="114" name="Shape 114"/>
+        <p:cNvPr id="1" name="Shape 114"/>
         <p:cNvGrpSpPr/>
         <p:nvPr/>
       </p:nvGrpSpPr>
@@ -7775,9 +8031,11 @@
       <p:sp>
         <p:nvSpPr>
           <p:cNvPr id="115" name="Shape 115"/>
-          <p:cNvSpPr txBox="1"/>
+          <p:cNvSpPr txBox="1">
+            <a:spLocks noGrp="1"/>
+          </p:cNvSpPr>
           <p:nvPr>
-            <p:ph idx="1" type="body"/>
+            <p:ph type="body" idx="1"/>
           </p:nvPr>
         </p:nvSpPr>
         <p:spPr>
@@ -7790,12 +8048,12 @@
           </a:prstGeom>
         </p:spPr>
         <p:txBody>
-          <a:bodyPr anchorCtr="0" anchor="t" bIns="91425" lIns="91425" spcFirstLastPara="1" rIns="91425" wrap="square" tIns="91425">
+          <a:bodyPr spcFirstLastPara="1" wrap="square" lIns="91425" tIns="91425" rIns="91425" bIns="91425" anchor="t" anchorCtr="0">
             <a:noAutofit/>
           </a:bodyPr>
           <a:lstStyle/>
           <a:p>
-            <a:pPr indent="0" lvl="0" marL="0" rtl="0">
+            <a:pPr marL="0" lvl="0" indent="0" rtl="0">
               <a:spcBef>
                 <a:spcPts val="0"/>
               </a:spcBef>
@@ -7805,18 +8063,66 @@
               <a:buNone/>
             </a:pPr>
             <a:r>
-              <a:rPr lang="en">
-                <a:solidFill>
-                  <a:schemeClr val="dk1"/>
-                </a:solidFill>
-                <a:latin typeface="Droid Serif"/>
-                <a:ea typeface="Droid Serif"/>
-                <a:cs typeface="Droid Serif"/>
-                <a:sym typeface="Droid Serif"/>
-              </a:rPr>
-              <a:t>If you call appendChild()  or insertBefore()  to insert a node that is already in the document, that node will automatically be removed from its current position and reinserted at its new position: there is no need to explicitly remove the node.</a:t>
-            </a:r>
-            <a:endParaRPr>
+              <a:rPr lang="en" dirty="0">
+                <a:solidFill>
+                  <a:schemeClr val="dk1"/>
+                </a:solidFill>
+                <a:latin typeface="Droid Serif"/>
+                <a:ea typeface="Droid Serif"/>
+                <a:cs typeface="Droid Serif"/>
+                <a:sym typeface="Droid Serif"/>
+              </a:rPr>
+              <a:t>If you call </a:t>
+            </a:r>
+            <a:r>
+              <a:rPr lang="en" dirty="0" err="1">
+                <a:solidFill>
+                  <a:schemeClr val="dk1"/>
+                </a:solidFill>
+                <a:latin typeface="Droid Serif"/>
+                <a:ea typeface="Droid Serif"/>
+                <a:cs typeface="Droid Serif"/>
+                <a:sym typeface="Droid Serif"/>
+              </a:rPr>
+              <a:t>appendChild</a:t>
+            </a:r>
+            <a:r>
+              <a:rPr lang="en" dirty="0">
+                <a:solidFill>
+                  <a:schemeClr val="dk1"/>
+                </a:solidFill>
+                <a:latin typeface="Droid Serif"/>
+                <a:ea typeface="Droid Serif"/>
+                <a:cs typeface="Droid Serif"/>
+                <a:sym typeface="Droid Serif"/>
+              </a:rPr>
+              <a:t>()  or </a:t>
+            </a:r>
+            <a:r>
+              <a:rPr lang="en" dirty="0" err="1">
+                <a:solidFill>
+                  <a:schemeClr val="dk1"/>
+                </a:solidFill>
+                <a:latin typeface="Droid Serif"/>
+                <a:ea typeface="Droid Serif"/>
+                <a:cs typeface="Droid Serif"/>
+                <a:sym typeface="Droid Serif"/>
+              </a:rPr>
+              <a:t>insertBefore</a:t>
+            </a:r>
+            <a:r>
+              <a:rPr lang="en" dirty="0">
+                <a:solidFill>
+                  <a:schemeClr val="dk1"/>
+                </a:solidFill>
+                <a:latin typeface="Droid Serif"/>
+                <a:ea typeface="Droid Serif"/>
+                <a:cs typeface="Droid Serif"/>
+                <a:sym typeface="Droid Serif"/>
+              </a:rPr>
+              <a:t>()  to insert a node that is already in the document, that node will automatically be removed from its current position and reinserted at its new position: there is no need to explicitly remove the node.</a:t>
+            </a:r>
+            <a:endParaRPr dirty="0">
               <a:solidFill>
                 <a:schemeClr val="dk1"/>
               </a:solidFill>
@@ -7831,7 +8137,9 @@
       <p:sp>
         <p:nvSpPr>
           <p:cNvPr id="116" name="Shape 116"/>
-          <p:cNvSpPr txBox="1"/>
+          <p:cNvSpPr txBox="1">
+            <a:spLocks noGrp="1"/>
+          </p:cNvSpPr>
           <p:nvPr>
             <p:ph type="title"/>
           </p:nvPr>
@@ -7846,12 +8154,12 @@
           </a:prstGeom>
         </p:spPr>
         <p:txBody>
-          <a:bodyPr anchorCtr="0" anchor="t" bIns="91425" lIns="91425" spcFirstLastPara="1" rIns="91425" wrap="square" tIns="91425">
+          <a:bodyPr spcFirstLastPara="1" wrap="square" lIns="91425" tIns="91425" rIns="91425" bIns="91425" anchor="t" anchorCtr="0">
             <a:noAutofit/>
           </a:bodyPr>
           <a:lstStyle/>
           <a:p>
-            <a:pPr indent="0" lvl="0" marL="0" rtl="0">
+            <a:pPr marL="0" lvl="0" indent="0" rtl="0">
               <a:spcBef>
                 <a:spcPts val="0"/>
               </a:spcBef>
@@ -7887,11 +8195,11 @@
 </file>
 
 <file path=ppt/slides/slide12.xml><?xml version="1.0" encoding="utf-8"?>
-<p:sld xmlns:a="http://schemas.openxmlformats.org/drawingml/2006/main" xmlns:r="http://schemas.openxmlformats.org/officeDocument/2006/relationships" xmlns:mc="http://schemas.openxmlformats.org/markup-compatibility/2006" xmlns:mv="urn:schemas-microsoft-com:mac:vml" xmlns:p="http://schemas.openxmlformats.org/presentationml/2006/main" xmlns:c="http://schemas.openxmlformats.org/drawingml/2006/chart" xmlns:dgm="http://schemas.openxmlformats.org/drawingml/2006/diagram" xmlns:o="urn:schemas-microsoft-com:office:office" xmlns:v="urn:schemas-microsoft-com:vml" xmlns:pvml="urn:schemas-microsoft-com:office:powerpoint" xmlns:com="http://schemas.openxmlformats.org/drawingml/2006/compatibility" xmlns:p14="http://schemas.microsoft.com/office/powerpoint/2010/main" xmlns:p15="http://schemas.microsoft.com/office/powerpoint/2012/main">
+<p:sld xmlns:a="http://schemas.openxmlformats.org/drawingml/2006/main" xmlns:r="http://schemas.openxmlformats.org/officeDocument/2006/relationships" xmlns:p="http://schemas.openxmlformats.org/presentationml/2006/main">
   <p:cSld>
     <p:spTree>
       <p:nvGrpSpPr>
-        <p:cNvPr id="120" name="Shape 120"/>
+        <p:cNvPr id="1" name="Shape 120"/>
         <p:cNvGrpSpPr/>
         <p:nvPr/>
       </p:nvGrpSpPr>
@@ -7906,9 +8214,11 @@
       <p:sp>
         <p:nvSpPr>
           <p:cNvPr id="121" name="Shape 121"/>
-          <p:cNvSpPr txBox="1"/>
+          <p:cNvSpPr txBox="1">
+            <a:spLocks noGrp="1"/>
+          </p:cNvSpPr>
           <p:nvPr>
-            <p:ph idx="1" type="body"/>
+            <p:ph type="body" idx="1"/>
           </p:nvPr>
         </p:nvSpPr>
         <p:spPr>
@@ -7921,12 +8231,12 @@
           </a:prstGeom>
         </p:spPr>
         <p:txBody>
-          <a:bodyPr anchorCtr="0" anchor="t" bIns="91425" lIns="91425" spcFirstLastPara="1" rIns="91425" wrap="square" tIns="91425">
+          <a:bodyPr spcFirstLastPara="1" wrap="square" lIns="91425" tIns="91425" rIns="91425" bIns="91425" anchor="t" anchorCtr="0">
             <a:noAutofit/>
           </a:bodyPr>
           <a:lstStyle/>
           <a:p>
-            <a:pPr indent="0" lvl="0" marL="0">
+            <a:pPr marL="0" lvl="0" indent="0">
               <a:spcBef>
                 <a:spcPts val="0"/>
               </a:spcBef>
@@ -7936,42 +8246,42 @@
               <a:buNone/>
             </a:pPr>
             <a:r>
-              <a:rPr lang="en">
-                <a:solidFill>
-                  <a:schemeClr val="dk1"/>
-                </a:solidFill>
-                <a:latin typeface="Droid Serif"/>
-                <a:ea typeface="Droid Serif"/>
-                <a:cs typeface="Droid Serif"/>
-                <a:sym typeface="Droid Serif"/>
-              </a:rPr>
-              <a:t>The removeChild()  method removes a node from the document tree. Be careful, however: this method isn’t invoked on the node to be removed but (as the “child” part of its name im</a:t>
-            </a:r>
-            <a:r>
-              <a:rPr lang="en">
-                <a:solidFill>
-                  <a:schemeClr val="dk1"/>
-                </a:solidFill>
-                <a:latin typeface="Droid Serif"/>
-                <a:ea typeface="Droid Serif"/>
-                <a:cs typeface="Droid Serif"/>
-                <a:sym typeface="Droid Serif"/>
-              </a:rPr>
-              <a:t>p</a:t>
-            </a:r>
-            <a:r>
-              <a:rPr lang="en">
-                <a:solidFill>
-                  <a:schemeClr val="dk1"/>
-                </a:solidFill>
-                <a:latin typeface="Droid Serif"/>
-                <a:ea typeface="Droid Serif"/>
-                <a:cs typeface="Droid Serif"/>
-                <a:sym typeface="Droid Serif"/>
-              </a:rPr>
-              <a:t>lies) on the parent of that node. Invoke the method on the parent node and pass the child node that is to be removed as the method argument. To remove the node n  from the document, you’d write:</a:t>
-            </a:r>
-            <a:endParaRPr>
+              <a:rPr lang="en" dirty="0">
+                <a:solidFill>
+                  <a:schemeClr val="dk1"/>
+                </a:solidFill>
+                <a:latin typeface="Droid Serif"/>
+                <a:ea typeface="Droid Serif"/>
+                <a:cs typeface="Droid Serif"/>
+                <a:sym typeface="Droid Serif"/>
+              </a:rPr>
+              <a:t>The </a:t>
+            </a:r>
+            <a:r>
+              <a:rPr lang="en" dirty="0" err="1">
+                <a:solidFill>
+                  <a:schemeClr val="dk1"/>
+                </a:solidFill>
+                <a:latin typeface="Droid Serif"/>
+                <a:ea typeface="Droid Serif"/>
+                <a:cs typeface="Droid Serif"/>
+                <a:sym typeface="Droid Serif"/>
+              </a:rPr>
+              <a:t>removeChild</a:t>
+            </a:r>
+            <a:r>
+              <a:rPr lang="en" dirty="0">
+                <a:solidFill>
+                  <a:schemeClr val="dk1"/>
+                </a:solidFill>
+                <a:latin typeface="Droid Serif"/>
+                <a:ea typeface="Droid Serif"/>
+                <a:cs typeface="Droid Serif"/>
+                <a:sym typeface="Droid Serif"/>
+              </a:rPr>
+              <a:t>()  method removes a node from the document tree. Be careful, however: this method isn’t invoked on the node to be removed but (as the “child” part of its name implies) on the parent of that node. Invoke the method on the parent node and pass the child node that is to be removed as the method argument. To remove the node n  from the document, you’d write:</a:t>
+            </a:r>
+            <a:endParaRPr dirty="0">
               <a:solidFill>
                 <a:schemeClr val="dk1"/>
               </a:solidFill>
@@ -7982,7 +8292,7 @@
             </a:endParaRPr>
           </a:p>
           <a:p>
-            <a:pPr indent="0" lvl="0" marL="0" rtl="0">
+            <a:pPr marL="0" lvl="0" indent="0" rtl="0">
               <a:spcBef>
                 <a:spcPts val="1600"/>
               </a:spcBef>
@@ -7992,18 +8302,30 @@
               <a:buNone/>
             </a:pPr>
             <a:r>
-              <a:rPr lang="en">
-                <a:solidFill>
-                  <a:schemeClr val="dk1"/>
-                </a:solidFill>
-                <a:latin typeface="Droid Serif"/>
-                <a:ea typeface="Droid Serif"/>
-                <a:cs typeface="Droid Serif"/>
-                <a:sym typeface="Droid Serif"/>
-              </a:rPr>
-              <a:t>n.parentNode.removeChild(n);</a:t>
-            </a:r>
-            <a:endParaRPr>
+              <a:rPr lang="en" dirty="0" err="1">
+                <a:solidFill>
+                  <a:schemeClr val="dk1"/>
+                </a:solidFill>
+                <a:latin typeface="Droid Serif"/>
+                <a:ea typeface="Droid Serif"/>
+                <a:cs typeface="Droid Serif"/>
+                <a:sym typeface="Droid Serif"/>
+              </a:rPr>
+              <a:t>n.parentNode.removeChild</a:t>
+            </a:r>
+            <a:r>
+              <a:rPr lang="en" dirty="0">
+                <a:solidFill>
+                  <a:schemeClr val="dk1"/>
+                </a:solidFill>
+                <a:latin typeface="Droid Serif"/>
+                <a:ea typeface="Droid Serif"/>
+                <a:cs typeface="Droid Serif"/>
+                <a:sym typeface="Droid Serif"/>
+              </a:rPr>
+              <a:t>(n);</a:t>
+            </a:r>
+            <a:endParaRPr dirty="0">
               <a:solidFill>
                 <a:schemeClr val="dk1"/>
               </a:solidFill>
@@ -8014,7 +8336,7 @@
             </a:endParaRPr>
           </a:p>
           <a:p>
-            <a:pPr indent="0" lvl="0" marL="0" rtl="0">
+            <a:pPr marL="0" lvl="0" indent="0" rtl="0">
               <a:spcBef>
                 <a:spcPts val="1600"/>
               </a:spcBef>
@@ -8023,10 +8345,7 @@
               </a:spcAft>
               <a:buNone/>
             </a:pPr>
-            <a:r>
-              <a:t/>
-            </a:r>
-            <a:endParaRPr>
+            <a:endParaRPr dirty="0">
               <a:solidFill>
                 <a:schemeClr val="dk1"/>
               </a:solidFill>
@@ -8041,7 +8360,9 @@
       <p:sp>
         <p:nvSpPr>
           <p:cNvPr id="122" name="Shape 122"/>
-          <p:cNvSpPr txBox="1"/>
+          <p:cNvSpPr txBox="1">
+            <a:spLocks noGrp="1"/>
+          </p:cNvSpPr>
           <p:nvPr>
             <p:ph type="title"/>
           </p:nvPr>
@@ -8056,12 +8377,12 @@
           </a:prstGeom>
         </p:spPr>
         <p:txBody>
-          <a:bodyPr anchorCtr="0" anchor="t" bIns="91425" lIns="91425" spcFirstLastPara="1" rIns="91425" wrap="square" tIns="91425">
+          <a:bodyPr spcFirstLastPara="1" wrap="square" lIns="91425" tIns="91425" rIns="91425" bIns="91425" anchor="t" anchorCtr="0">
             <a:noAutofit/>
           </a:bodyPr>
           <a:lstStyle/>
           <a:p>
-            <a:pPr indent="0" lvl="0" marL="0" rtl="0">
+            <a:pPr marL="0" lvl="0" indent="0" rtl="0">
               <a:spcBef>
                 <a:spcPts val="0"/>
               </a:spcBef>
@@ -8097,11 +8418,11 @@
 </file>
 
 <file path=ppt/slides/slide13.xml><?xml version="1.0" encoding="utf-8"?>
-<p:sld xmlns:a="http://schemas.openxmlformats.org/drawingml/2006/main" xmlns:r="http://schemas.openxmlformats.org/officeDocument/2006/relationships" xmlns:mc="http://schemas.openxmlformats.org/markup-compatibility/2006" xmlns:mv="urn:schemas-microsoft-com:mac:vml" xmlns:p="http://schemas.openxmlformats.org/presentationml/2006/main" xmlns:c="http://schemas.openxmlformats.org/drawingml/2006/chart" xmlns:dgm="http://schemas.openxmlformats.org/drawingml/2006/diagram" xmlns:o="urn:schemas-microsoft-com:office:office" xmlns:v="urn:schemas-microsoft-com:vml" xmlns:pvml="urn:schemas-microsoft-com:office:powerpoint" xmlns:com="http://schemas.openxmlformats.org/drawingml/2006/compatibility" xmlns:p14="http://schemas.microsoft.com/office/powerpoint/2010/main" xmlns:p15="http://schemas.microsoft.com/office/powerpoint/2012/main">
+<p:sld xmlns:a="http://schemas.openxmlformats.org/drawingml/2006/main" xmlns:r="http://schemas.openxmlformats.org/officeDocument/2006/relationships" xmlns:p="http://schemas.openxmlformats.org/presentationml/2006/main">
   <p:cSld>
     <p:spTree>
       <p:nvGrpSpPr>
-        <p:cNvPr id="126" name="Shape 126"/>
+        <p:cNvPr id="1" name="Shape 126"/>
         <p:cNvGrpSpPr/>
         <p:nvPr/>
       </p:nvGrpSpPr>
@@ -8116,9 +8437,11 @@
       <p:sp>
         <p:nvSpPr>
           <p:cNvPr id="127" name="Shape 127"/>
-          <p:cNvSpPr txBox="1"/>
+          <p:cNvSpPr txBox="1">
+            <a:spLocks noGrp="1"/>
+          </p:cNvSpPr>
           <p:nvPr>
-            <p:ph idx="1" type="body"/>
+            <p:ph type="body" idx="1"/>
           </p:nvPr>
         </p:nvSpPr>
         <p:spPr>
@@ -8131,12 +8454,12 @@
           </a:prstGeom>
         </p:spPr>
         <p:txBody>
-          <a:bodyPr anchorCtr="0" anchor="t" bIns="91425" lIns="91425" spcFirstLastPara="1" rIns="91425" wrap="square" tIns="91425">
+          <a:bodyPr spcFirstLastPara="1" wrap="square" lIns="91425" tIns="91425" rIns="91425" bIns="91425" anchor="t" anchorCtr="0">
             <a:noAutofit/>
           </a:bodyPr>
           <a:lstStyle/>
           <a:p>
-            <a:pPr indent="0" lvl="0" marL="0">
+            <a:pPr marL="0" lvl="0" indent="0">
               <a:spcBef>
                 <a:spcPts val="0"/>
               </a:spcBef>
@@ -8168,7 +8491,7 @@
             </a:endParaRPr>
           </a:p>
           <a:p>
-            <a:pPr indent="0" lvl="0" marL="0">
+            <a:pPr marL="0" lvl="0" indent="0">
               <a:spcBef>
                 <a:spcPts val="1600"/>
               </a:spcBef>
@@ -8200,7 +8523,7 @@
             </a:endParaRPr>
           </a:p>
           <a:p>
-            <a:pPr indent="0" lvl="0" marL="0" rtl="0">
+            <a:pPr marL="0" lvl="0" indent="0" rtl="0">
               <a:spcBef>
                 <a:spcPts val="1600"/>
               </a:spcBef>
@@ -8209,9 +8532,6 @@
               </a:spcAft>
               <a:buNone/>
             </a:pPr>
-            <a:r>
-              <a:t/>
-            </a:r>
             <a:endParaRPr>
               <a:solidFill>
                 <a:schemeClr val="dk1"/>
@@ -8227,7 +8547,9 @@
       <p:sp>
         <p:nvSpPr>
           <p:cNvPr id="128" name="Shape 128"/>
-          <p:cNvSpPr txBox="1"/>
+          <p:cNvSpPr txBox="1">
+            <a:spLocks noGrp="1"/>
+          </p:cNvSpPr>
           <p:nvPr>
             <p:ph type="title"/>
           </p:nvPr>
@@ -8242,12 +8564,12 @@
           </a:prstGeom>
         </p:spPr>
         <p:txBody>
-          <a:bodyPr anchorCtr="0" anchor="t" bIns="91425" lIns="91425" spcFirstLastPara="1" rIns="91425" wrap="square" tIns="91425">
+          <a:bodyPr spcFirstLastPara="1" wrap="square" lIns="91425" tIns="91425" rIns="91425" bIns="91425" anchor="t" anchorCtr="0">
             <a:noAutofit/>
           </a:bodyPr>
           <a:lstStyle/>
           <a:p>
-            <a:pPr indent="0" lvl="0" marL="0" rtl="0">
+            <a:pPr marL="0" lvl="0" indent="0" rtl="0">
               <a:spcBef>
                 <a:spcPts val="0"/>
               </a:spcBef>
@@ -8283,11 +8605,11 @@
 </file>
 
 <file path=ppt/slides/slide14.xml><?xml version="1.0" encoding="utf-8"?>
-<p:sld xmlns:a="http://schemas.openxmlformats.org/drawingml/2006/main" xmlns:r="http://schemas.openxmlformats.org/officeDocument/2006/relationships" xmlns:mc="http://schemas.openxmlformats.org/markup-compatibility/2006" xmlns:mv="urn:schemas-microsoft-com:mac:vml" xmlns:p="http://schemas.openxmlformats.org/presentationml/2006/main" xmlns:c="http://schemas.openxmlformats.org/drawingml/2006/chart" xmlns:dgm="http://schemas.openxmlformats.org/drawingml/2006/diagram" xmlns:o="urn:schemas-microsoft-com:office:office" xmlns:v="urn:schemas-microsoft-com:vml" xmlns:pvml="urn:schemas-microsoft-com:office:powerpoint" xmlns:com="http://schemas.openxmlformats.org/drawingml/2006/compatibility" xmlns:p14="http://schemas.microsoft.com/office/powerpoint/2010/main" xmlns:p15="http://schemas.microsoft.com/office/powerpoint/2012/main">
+<p:sld xmlns:a="http://schemas.openxmlformats.org/drawingml/2006/main" xmlns:r="http://schemas.openxmlformats.org/officeDocument/2006/relationships" xmlns:p="http://schemas.openxmlformats.org/presentationml/2006/main">
   <p:cSld>
     <p:spTree>
       <p:nvGrpSpPr>
-        <p:cNvPr id="132" name="Shape 132"/>
+        <p:cNvPr id="1" name="Shape 132"/>
         <p:cNvGrpSpPr/>
         <p:nvPr/>
       </p:nvGrpSpPr>
@@ -8302,9 +8624,11 @@
       <p:sp>
         <p:nvSpPr>
           <p:cNvPr id="133" name="Shape 133"/>
-          <p:cNvSpPr txBox="1"/>
+          <p:cNvSpPr txBox="1">
+            <a:spLocks noGrp="1"/>
+          </p:cNvSpPr>
           <p:nvPr>
-            <p:ph idx="1" type="body"/>
+            <p:ph type="body" idx="1"/>
           </p:nvPr>
         </p:nvSpPr>
         <p:spPr>
@@ -8317,12 +8641,12 @@
           </a:prstGeom>
         </p:spPr>
         <p:txBody>
-          <a:bodyPr anchorCtr="0" anchor="t" bIns="91425" lIns="91425" spcFirstLastPara="1" rIns="91425" wrap="square" tIns="91425">
+          <a:bodyPr spcFirstLastPara="1" wrap="square" lIns="91425" tIns="91425" rIns="91425" bIns="91425" anchor="t" anchorCtr="0">
             <a:noAutofit/>
           </a:bodyPr>
           <a:lstStyle/>
           <a:p>
-            <a:pPr indent="0" lvl="0" marL="0">
+            <a:pPr marL="0" lvl="0" indent="0">
               <a:spcBef>
                 <a:spcPts val="0"/>
               </a:spcBef>
@@ -8354,7 +8678,7 @@
             </a:endParaRPr>
           </a:p>
           <a:p>
-            <a:pPr indent="0" lvl="0" marL="0" rtl="0">
+            <a:pPr marL="0" lvl="0" indent="0" rtl="0">
               <a:spcBef>
                 <a:spcPts val="1600"/>
               </a:spcBef>
@@ -8390,7 +8714,9 @@
       <p:sp>
         <p:nvSpPr>
           <p:cNvPr id="134" name="Shape 134"/>
-          <p:cNvSpPr txBox="1"/>
+          <p:cNvSpPr txBox="1">
+            <a:spLocks noGrp="1"/>
+          </p:cNvSpPr>
           <p:nvPr>
             <p:ph type="title"/>
           </p:nvPr>
@@ -8405,12 +8731,12 @@
           </a:prstGeom>
         </p:spPr>
         <p:txBody>
-          <a:bodyPr anchorCtr="0" anchor="t" bIns="91425" lIns="91425" spcFirstLastPara="1" rIns="91425" wrap="square" tIns="91425">
+          <a:bodyPr spcFirstLastPara="1" wrap="square" lIns="91425" tIns="91425" rIns="91425" bIns="91425" anchor="t" anchorCtr="0">
             <a:noAutofit/>
           </a:bodyPr>
           <a:lstStyle/>
           <a:p>
-            <a:pPr indent="0" lvl="0" marL="0" rtl="0">
+            <a:pPr marL="0" lvl="0" indent="0" rtl="0">
               <a:spcBef>
                 <a:spcPts val="0"/>
               </a:spcBef>
@@ -8446,11 +8772,11 @@
 </file>
 
 <file path=ppt/slides/slide15.xml><?xml version="1.0" encoding="utf-8"?>
-<p:sld xmlns:a="http://schemas.openxmlformats.org/drawingml/2006/main" xmlns:r="http://schemas.openxmlformats.org/officeDocument/2006/relationships" xmlns:mc="http://schemas.openxmlformats.org/markup-compatibility/2006" xmlns:mv="urn:schemas-microsoft-com:mac:vml" xmlns:p="http://schemas.openxmlformats.org/presentationml/2006/main" xmlns:c="http://schemas.openxmlformats.org/drawingml/2006/chart" xmlns:dgm="http://schemas.openxmlformats.org/drawingml/2006/diagram" xmlns:o="urn:schemas-microsoft-com:office:office" xmlns:v="urn:schemas-microsoft-com:vml" xmlns:pvml="urn:schemas-microsoft-com:office:powerpoint" xmlns:com="http://schemas.openxmlformats.org/drawingml/2006/compatibility" xmlns:p14="http://schemas.microsoft.com/office/powerpoint/2010/main" xmlns:p15="http://schemas.microsoft.com/office/powerpoint/2012/main">
+<p:sld xmlns:a="http://schemas.openxmlformats.org/drawingml/2006/main" xmlns:r="http://schemas.openxmlformats.org/officeDocument/2006/relationships" xmlns:p="http://schemas.openxmlformats.org/presentationml/2006/main">
   <p:cSld>
     <p:spTree>
       <p:nvGrpSpPr>
-        <p:cNvPr id="138" name="Shape 138"/>
+        <p:cNvPr id="1" name="Shape 138"/>
         <p:cNvGrpSpPr/>
         <p:nvPr/>
       </p:nvGrpSpPr>
@@ -8465,9 +8791,11 @@
       <p:sp>
         <p:nvSpPr>
           <p:cNvPr id="139" name="Shape 139"/>
-          <p:cNvSpPr txBox="1"/>
+          <p:cNvSpPr txBox="1">
+            <a:spLocks noGrp="1"/>
+          </p:cNvSpPr>
           <p:nvPr>
-            <p:ph idx="1" type="body"/>
+            <p:ph type="body" idx="1"/>
           </p:nvPr>
         </p:nvSpPr>
         <p:spPr>
@@ -8480,12 +8808,12 @@
           </a:prstGeom>
         </p:spPr>
         <p:txBody>
-          <a:bodyPr anchorCtr="0" anchor="t" bIns="91425" lIns="91425" spcFirstLastPara="1" rIns="91425" wrap="square" tIns="91425">
+          <a:bodyPr spcFirstLastPara="1" wrap="square" lIns="91425" tIns="91425" rIns="91425" bIns="91425" anchor="t" anchorCtr="0">
             <a:noAutofit/>
           </a:bodyPr>
           <a:lstStyle/>
           <a:p>
-            <a:pPr indent="0" lvl="0" marL="0" rtl="0">
+            <a:pPr marL="0" lvl="0" indent="0" rtl="0">
               <a:spcBef>
                 <a:spcPts val="0"/>
               </a:spcBef>
@@ -8495,7 +8823,7 @@
               <a:buNone/>
             </a:pPr>
             <a:r>
-              <a:rPr lang="en">
+              <a:rPr lang="en" dirty="0">
                 <a:solidFill>
                   <a:schemeClr val="dk1"/>
                 </a:solidFill>
@@ -8506,7 +8834,7 @@
               </a:rPr>
               <a:t>HTML form elements are still a great way to gather input from the user, even when form data is processed entirely by client-side JavaScript and never submitted to the server. With server-side programs, a form isn’t useful unless it has a Submit button. In client-side programming, on the other hand, a Submit button is never necessary (though it may still be useful). Server-side programs are based on form submissions—they process data in form-sized chunks—and this limits their interactivity. Client-side programs are event based—they can respond to events on individual form elements—and this allows them to be much more responsive. A client-side program might validate the user’s input as she types it, for example. Or it might respond to a click on a checkbox by enabling a set of options that are only meaningful when that box is checked.</a:t>
             </a:r>
-            <a:endParaRPr>
+            <a:endParaRPr dirty="0">
               <a:solidFill>
                 <a:schemeClr val="dk1"/>
               </a:solidFill>
@@ -8521,7 +8849,9 @@
       <p:sp>
         <p:nvSpPr>
           <p:cNvPr id="140" name="Shape 140"/>
-          <p:cNvSpPr txBox="1"/>
+          <p:cNvSpPr txBox="1">
+            <a:spLocks noGrp="1"/>
+          </p:cNvSpPr>
           <p:nvPr>
             <p:ph type="title"/>
           </p:nvPr>
@@ -8536,12 +8866,12 @@
           </a:prstGeom>
         </p:spPr>
         <p:txBody>
-          <a:bodyPr anchorCtr="0" anchor="t" bIns="91425" lIns="91425" spcFirstLastPara="1" rIns="91425" wrap="square" tIns="91425">
+          <a:bodyPr spcFirstLastPara="1" wrap="square" lIns="91425" tIns="91425" rIns="91425" bIns="91425" anchor="t" anchorCtr="0">
             <a:noAutofit/>
           </a:bodyPr>
           <a:lstStyle/>
           <a:p>
-            <a:pPr indent="0" lvl="0" marL="0" rtl="0">
+            <a:pPr marL="0" lvl="0" indent="0" rtl="0">
               <a:spcBef>
                 <a:spcPts val="0"/>
               </a:spcBef>
@@ -8577,11 +8907,11 @@
 </file>
 
 <file path=ppt/slides/slide16.xml><?xml version="1.0" encoding="utf-8"?>
-<p:sld xmlns:a="http://schemas.openxmlformats.org/drawingml/2006/main" xmlns:r="http://schemas.openxmlformats.org/officeDocument/2006/relationships" xmlns:mc="http://schemas.openxmlformats.org/markup-compatibility/2006" xmlns:mv="urn:schemas-microsoft-com:mac:vml" xmlns:p="http://schemas.openxmlformats.org/presentationml/2006/main" xmlns:c="http://schemas.openxmlformats.org/drawingml/2006/chart" xmlns:dgm="http://schemas.openxmlformats.org/drawingml/2006/diagram" xmlns:o="urn:schemas-microsoft-com:office:office" xmlns:v="urn:schemas-microsoft-com:vml" xmlns:pvml="urn:schemas-microsoft-com:office:powerpoint" xmlns:com="http://schemas.openxmlformats.org/drawingml/2006/compatibility" xmlns:p14="http://schemas.microsoft.com/office/powerpoint/2010/main" xmlns:p15="http://schemas.microsoft.com/office/powerpoint/2012/main">
+<p:sld xmlns:a="http://schemas.openxmlformats.org/drawingml/2006/main" xmlns:r="http://schemas.openxmlformats.org/officeDocument/2006/relationships" xmlns:p="http://schemas.openxmlformats.org/presentationml/2006/main">
   <p:cSld>
     <p:spTree>
       <p:nvGrpSpPr>
-        <p:cNvPr id="144" name="Shape 144"/>
+        <p:cNvPr id="1" name="Shape 144"/>
         <p:cNvGrpSpPr/>
         <p:nvPr/>
       </p:nvGrpSpPr>
@@ -8596,9 +8926,11 @@
       <p:sp>
         <p:nvSpPr>
           <p:cNvPr id="145" name="Shape 145"/>
-          <p:cNvSpPr txBox="1"/>
+          <p:cNvSpPr txBox="1">
+            <a:spLocks noGrp="1"/>
+          </p:cNvSpPr>
           <p:nvPr>
-            <p:ph idx="1" type="body"/>
+            <p:ph type="body" idx="1"/>
           </p:nvPr>
         </p:nvSpPr>
         <p:spPr>
@@ -8611,12 +8943,12 @@
           </a:prstGeom>
         </p:spPr>
         <p:txBody>
-          <a:bodyPr anchorCtr="0" anchor="t" bIns="91425" lIns="91425" spcFirstLastPara="1" rIns="91425" wrap="square" tIns="91425">
+          <a:bodyPr spcFirstLastPara="1" wrap="square" lIns="91425" tIns="91425" rIns="91425" bIns="91425" anchor="t" anchorCtr="0">
             <a:noAutofit/>
           </a:bodyPr>
           <a:lstStyle/>
           <a:p>
-            <a:pPr indent="0" lvl="0" marL="0" rtl="0">
+            <a:pPr marL="0" lvl="0" indent="0" rtl="0">
               <a:spcBef>
                 <a:spcPts val="0"/>
               </a:spcBef>
@@ -8626,18 +8958,30 @@
               <a:buNone/>
             </a:pPr>
             <a:r>
-              <a:rPr lang="en">
-                <a:solidFill>
-                  <a:schemeClr val="dk1"/>
-                </a:solidFill>
-                <a:latin typeface="Droid Serif"/>
-                <a:ea typeface="Droid Serif"/>
-                <a:cs typeface="Droid Serif"/>
-                <a:sym typeface="Droid Serif"/>
-              </a:rPr>
-              <a:t>https://www.w3schools.com/html/html_forms.asp</a:t>
-            </a:r>
-            <a:endParaRPr>
+              <a:rPr lang="en" dirty="0">
+                <a:solidFill>
+                  <a:schemeClr val="dk1"/>
+                </a:solidFill>
+                <a:latin typeface="Droid Serif"/>
+                <a:ea typeface="Droid Serif"/>
+                <a:cs typeface="Droid Serif"/>
+                <a:sym typeface="Droid Serif"/>
+              </a:rPr>
+              <a:t>https://www.w3schools.com/html/</a:t>
+            </a:r>
+            <a:r>
+              <a:rPr lang="en" dirty="0" err="1">
+                <a:solidFill>
+                  <a:schemeClr val="dk1"/>
+                </a:solidFill>
+                <a:latin typeface="Droid Serif"/>
+                <a:ea typeface="Droid Serif"/>
+                <a:cs typeface="Droid Serif"/>
+                <a:sym typeface="Droid Serif"/>
+              </a:rPr>
+              <a:t>html_forms.asp</a:t>
+            </a:r>
+            <a:endParaRPr dirty="0">
               <a:solidFill>
                 <a:schemeClr val="dk1"/>
               </a:solidFill>
@@ -8652,7 +8996,9 @@
       <p:sp>
         <p:nvSpPr>
           <p:cNvPr id="146" name="Shape 146"/>
-          <p:cNvSpPr txBox="1"/>
+          <p:cNvSpPr txBox="1">
+            <a:spLocks noGrp="1"/>
+          </p:cNvSpPr>
           <p:nvPr>
             <p:ph type="title"/>
           </p:nvPr>
@@ -8667,12 +9013,12 @@
           </a:prstGeom>
         </p:spPr>
         <p:txBody>
-          <a:bodyPr anchorCtr="0" anchor="t" bIns="91425" lIns="91425" spcFirstLastPara="1" rIns="91425" wrap="square" tIns="91425">
+          <a:bodyPr spcFirstLastPara="1" wrap="square" lIns="91425" tIns="91425" rIns="91425" bIns="91425" anchor="t" anchorCtr="0">
             <a:noAutofit/>
           </a:bodyPr>
           <a:lstStyle/>
           <a:p>
-            <a:pPr indent="0" lvl="0" marL="0" rtl="0">
+            <a:pPr marL="0" lvl="0" indent="0" rtl="0">
               <a:spcBef>
                 <a:spcPts val="0"/>
               </a:spcBef>
@@ -8708,11 +9054,11 @@
 </file>
 
 <file path=ppt/slides/slide17.xml><?xml version="1.0" encoding="utf-8"?>
-<p:sld xmlns:a="http://schemas.openxmlformats.org/drawingml/2006/main" xmlns:r="http://schemas.openxmlformats.org/officeDocument/2006/relationships" xmlns:mc="http://schemas.openxmlformats.org/markup-compatibility/2006" xmlns:mv="urn:schemas-microsoft-com:mac:vml" xmlns:p="http://schemas.openxmlformats.org/presentationml/2006/main" xmlns:c="http://schemas.openxmlformats.org/drawingml/2006/chart" xmlns:dgm="http://schemas.openxmlformats.org/drawingml/2006/diagram" xmlns:o="urn:schemas-microsoft-com:office:office" xmlns:v="urn:schemas-microsoft-com:vml" xmlns:pvml="urn:schemas-microsoft-com:office:powerpoint" xmlns:com="http://schemas.openxmlformats.org/drawingml/2006/compatibility" xmlns:p14="http://schemas.microsoft.com/office/powerpoint/2010/main" xmlns:p15="http://schemas.microsoft.com/office/powerpoint/2012/main">
+<p:sld xmlns:a="http://schemas.openxmlformats.org/drawingml/2006/main" xmlns:r="http://schemas.openxmlformats.org/officeDocument/2006/relationships" xmlns:p="http://schemas.openxmlformats.org/presentationml/2006/main">
   <p:cSld>
     <p:spTree>
       <p:nvGrpSpPr>
-        <p:cNvPr id="150" name="Shape 150"/>
+        <p:cNvPr id="1" name="Shape 150"/>
         <p:cNvGrpSpPr/>
         <p:nvPr/>
       </p:nvGrpSpPr>
@@ -8727,7 +9073,9 @@
       <p:sp>
         <p:nvSpPr>
           <p:cNvPr id="151" name="Shape 151"/>
-          <p:cNvSpPr txBox="1"/>
+          <p:cNvSpPr txBox="1">
+            <a:spLocks noGrp="1"/>
+          </p:cNvSpPr>
           <p:nvPr>
             <p:ph type="title"/>
           </p:nvPr>
@@ -8742,12 +9090,12 @@
           </a:prstGeom>
         </p:spPr>
         <p:txBody>
-          <a:bodyPr anchorCtr="0" anchor="t" bIns="91425" lIns="91425" spcFirstLastPara="1" rIns="91425" wrap="square" tIns="91425">
+          <a:bodyPr spcFirstLastPara="1" wrap="square" lIns="91425" tIns="91425" rIns="91425" bIns="91425" anchor="t" anchorCtr="0">
             <a:noAutofit/>
           </a:bodyPr>
           <a:lstStyle/>
           <a:p>
-            <a:pPr indent="0" lvl="0" marL="0" rtl="0">
+            <a:pPr marL="0" lvl="0" indent="0" rtl="0">
               <a:spcBef>
                 <a:spcPts val="0"/>
               </a:spcBef>
@@ -8777,9 +9125,11 @@
       <p:sp>
         <p:nvSpPr>
           <p:cNvPr id="152" name="Shape 152"/>
-          <p:cNvSpPr txBox="1"/>
+          <p:cNvSpPr txBox="1">
+            <a:spLocks noGrp="1"/>
+          </p:cNvSpPr>
           <p:nvPr>
-            <p:ph idx="1" type="body"/>
+            <p:ph type="body" idx="1"/>
           </p:nvPr>
         </p:nvSpPr>
         <p:spPr>
@@ -8792,12 +9142,12 @@
           </a:prstGeom>
         </p:spPr>
         <p:txBody>
-          <a:bodyPr anchorCtr="0" anchor="t" bIns="91425" lIns="91425" spcFirstLastPara="1" rIns="91425" wrap="square" tIns="91425">
+          <a:bodyPr spcFirstLastPara="1" wrap="square" lIns="91425" tIns="91425" rIns="91425" bIns="91425" anchor="t" anchorCtr="0">
             <a:noAutofit/>
           </a:bodyPr>
           <a:lstStyle/>
           <a:p>
-            <a:pPr indent="0" lvl="0" marL="0">
+            <a:pPr marL="0" lvl="0" indent="0">
               <a:spcBef>
                 <a:spcPts val="0"/>
               </a:spcBef>
@@ -8807,18 +9157,66 @@
               <a:buNone/>
             </a:pPr>
             <a:r>
-              <a:rPr lang="en">
-                <a:solidFill>
-                  <a:schemeClr val="dk1"/>
-                </a:solidFill>
-                <a:latin typeface="Droid Serif"/>
-                <a:ea typeface="Droid Serif"/>
-                <a:cs typeface="Droid Serif"/>
-                <a:sym typeface="Droid Serif"/>
-              </a:rPr>
-              <a:t>Forms and the elements they contain can be selected from a document using standard methods like getElementById()  and getElementsByTagName() :</a:t>
-            </a:r>
-            <a:endParaRPr>
+              <a:rPr lang="en" dirty="0">
+                <a:solidFill>
+                  <a:schemeClr val="dk1"/>
+                </a:solidFill>
+                <a:latin typeface="Droid Serif"/>
+                <a:ea typeface="Droid Serif"/>
+                <a:cs typeface="Droid Serif"/>
+                <a:sym typeface="Droid Serif"/>
+              </a:rPr>
+              <a:t>Forms and the elements they contain can be selected from a document using standard methods like </a:t>
+            </a:r>
+            <a:r>
+              <a:rPr lang="en" dirty="0" err="1">
+                <a:solidFill>
+                  <a:schemeClr val="dk1"/>
+                </a:solidFill>
+                <a:latin typeface="Droid Serif"/>
+                <a:ea typeface="Droid Serif"/>
+                <a:cs typeface="Droid Serif"/>
+                <a:sym typeface="Droid Serif"/>
+              </a:rPr>
+              <a:t>getElementById</a:t>
+            </a:r>
+            <a:r>
+              <a:rPr lang="en" dirty="0">
+                <a:solidFill>
+                  <a:schemeClr val="dk1"/>
+                </a:solidFill>
+                <a:latin typeface="Droid Serif"/>
+                <a:ea typeface="Droid Serif"/>
+                <a:cs typeface="Droid Serif"/>
+                <a:sym typeface="Droid Serif"/>
+              </a:rPr>
+              <a:t>()  and </a:t>
+            </a:r>
+            <a:r>
+              <a:rPr lang="en" dirty="0" err="1">
+                <a:solidFill>
+                  <a:schemeClr val="dk1"/>
+                </a:solidFill>
+                <a:latin typeface="Droid Serif"/>
+                <a:ea typeface="Droid Serif"/>
+                <a:cs typeface="Droid Serif"/>
+                <a:sym typeface="Droid Serif"/>
+              </a:rPr>
+              <a:t>getElementsByTagName</a:t>
+            </a:r>
+            <a:r>
+              <a:rPr lang="en" dirty="0">
+                <a:solidFill>
+                  <a:schemeClr val="dk1"/>
+                </a:solidFill>
+                <a:latin typeface="Droid Serif"/>
+                <a:ea typeface="Droid Serif"/>
+                <a:cs typeface="Droid Serif"/>
+                <a:sym typeface="Droid Serif"/>
+              </a:rPr>
+              <a:t>() :</a:t>
+            </a:r>
+            <a:endParaRPr dirty="0">
               <a:solidFill>
                 <a:schemeClr val="dk1"/>
               </a:solidFill>
@@ -8829,7 +9227,7 @@
             </a:endParaRPr>
           </a:p>
           <a:p>
-            <a:pPr indent="0" lvl="0" marL="0">
+            <a:pPr marL="0" lvl="0" indent="0">
               <a:spcBef>
                 <a:spcPts val="1600"/>
               </a:spcBef>
@@ -8839,18 +9237,66 @@
               <a:buNone/>
             </a:pPr>
             <a:r>
-              <a:rPr lang="en" sz="1400">
-                <a:solidFill>
-                  <a:schemeClr val="dk1"/>
-                </a:solidFill>
-                <a:latin typeface="Droid Serif"/>
-                <a:ea typeface="Droid Serif"/>
-                <a:cs typeface="Droid Serif"/>
-                <a:sym typeface="Droid Serif"/>
-              </a:rPr>
-              <a:t>var fields = document.getElementById("address").getElementsByTagName("input");</a:t>
-            </a:r>
-            <a:endParaRPr sz="1400">
+              <a:rPr lang="en" sz="1400" dirty="0">
+                <a:solidFill>
+                  <a:schemeClr val="dk1"/>
+                </a:solidFill>
+                <a:latin typeface="Droid Serif"/>
+                <a:ea typeface="Droid Serif"/>
+                <a:cs typeface="Droid Serif"/>
+                <a:sym typeface="Droid Serif"/>
+              </a:rPr>
+              <a:t>var fields = </a:t>
+            </a:r>
+            <a:r>
+              <a:rPr lang="en" sz="1400" dirty="0" err="1">
+                <a:solidFill>
+                  <a:schemeClr val="dk1"/>
+                </a:solidFill>
+                <a:latin typeface="Droid Serif"/>
+                <a:ea typeface="Droid Serif"/>
+                <a:cs typeface="Droid Serif"/>
+                <a:sym typeface="Droid Serif"/>
+              </a:rPr>
+              <a:t>document.getElementById</a:t>
+            </a:r>
+            <a:r>
+              <a:rPr lang="en" sz="1400" dirty="0">
+                <a:solidFill>
+                  <a:schemeClr val="dk1"/>
+                </a:solidFill>
+                <a:latin typeface="Droid Serif"/>
+                <a:ea typeface="Droid Serif"/>
+                <a:cs typeface="Droid Serif"/>
+                <a:sym typeface="Droid Serif"/>
+              </a:rPr>
+              <a:t>("address").</a:t>
+            </a:r>
+            <a:r>
+              <a:rPr lang="en" sz="1400" dirty="0" err="1">
+                <a:solidFill>
+                  <a:schemeClr val="dk1"/>
+                </a:solidFill>
+                <a:latin typeface="Droid Serif"/>
+                <a:ea typeface="Droid Serif"/>
+                <a:cs typeface="Droid Serif"/>
+                <a:sym typeface="Droid Serif"/>
+              </a:rPr>
+              <a:t>getElementsByTagName</a:t>
+            </a:r>
+            <a:r>
+              <a:rPr lang="en" sz="1400" dirty="0">
+                <a:solidFill>
+                  <a:schemeClr val="dk1"/>
+                </a:solidFill>
+                <a:latin typeface="Droid Serif"/>
+                <a:ea typeface="Droid Serif"/>
+                <a:cs typeface="Droid Serif"/>
+                <a:sym typeface="Droid Serif"/>
+              </a:rPr>
+              <a:t>("input");</a:t>
+            </a:r>
+            <a:endParaRPr sz="1400" dirty="0">
               <a:solidFill>
                 <a:schemeClr val="dk1"/>
               </a:solidFill>
@@ -8861,7 +9307,7 @@
             </a:endParaRPr>
           </a:p>
           <a:p>
-            <a:pPr indent="0" lvl="0" marL="0">
+            <a:pPr marL="0" lvl="0" indent="0">
               <a:spcBef>
                 <a:spcPts val="1600"/>
               </a:spcBef>
@@ -8871,18 +9317,42 @@
               <a:buNone/>
             </a:pPr>
             <a:r>
-              <a:rPr lang="en">
-                <a:solidFill>
-                  <a:schemeClr val="dk1"/>
-                </a:solidFill>
-                <a:latin typeface="Droid Serif"/>
-                <a:ea typeface="Droid Serif"/>
-                <a:cs typeface="Droid Serif"/>
-                <a:sym typeface="Droid Serif"/>
-              </a:rPr>
-              <a:t>In browsers that support querySelectorAll() , you might select all radio buttons, or all elements with the same name, from a form:</a:t>
-            </a:r>
-            <a:endParaRPr>
+              <a:rPr lang="en" dirty="0">
+                <a:solidFill>
+                  <a:schemeClr val="dk1"/>
+                </a:solidFill>
+                <a:latin typeface="Droid Serif"/>
+                <a:ea typeface="Droid Serif"/>
+                <a:cs typeface="Droid Serif"/>
+                <a:sym typeface="Droid Serif"/>
+              </a:rPr>
+              <a:t>In browsers that support </a:t>
+            </a:r>
+            <a:r>
+              <a:rPr lang="en" dirty="0" err="1">
+                <a:solidFill>
+                  <a:schemeClr val="dk1"/>
+                </a:solidFill>
+                <a:latin typeface="Droid Serif"/>
+                <a:ea typeface="Droid Serif"/>
+                <a:cs typeface="Droid Serif"/>
+                <a:sym typeface="Droid Serif"/>
+              </a:rPr>
+              <a:t>querySelectorAll</a:t>
+            </a:r>
+            <a:r>
+              <a:rPr lang="en" dirty="0">
+                <a:solidFill>
+                  <a:schemeClr val="dk1"/>
+                </a:solidFill>
+                <a:latin typeface="Droid Serif"/>
+                <a:ea typeface="Droid Serif"/>
+                <a:cs typeface="Droid Serif"/>
+                <a:sym typeface="Droid Serif"/>
+              </a:rPr>
+              <a:t>() , you might select all radio buttons, or all elements with the same name, from a form:</a:t>
+            </a:r>
+            <a:endParaRPr dirty="0">
               <a:solidFill>
                 <a:schemeClr val="dk1"/>
               </a:solidFill>
@@ -8893,7 +9363,7 @@
             </a:endParaRPr>
           </a:p>
           <a:p>
-            <a:pPr indent="0" lvl="0" marL="0">
+            <a:pPr marL="0" lvl="0" indent="0">
               <a:spcBef>
                 <a:spcPts val="1600"/>
               </a:spcBef>
@@ -8903,7 +9373,7 @@
               <a:buNone/>
             </a:pPr>
             <a:r>
-              <a:rPr lang="en" sz="1400">
+              <a:rPr lang="en" sz="1400" dirty="0">
                 <a:solidFill>
                   <a:schemeClr val="dk1"/>
                 </a:solidFill>
@@ -8915,7 +9385,7 @@
               <a:t>// All radio buttons in the form with id "shipping"</a:t>
             </a:r>
             <a:br>
-              <a:rPr lang="en" sz="1400">
+              <a:rPr lang="en" sz="1400" dirty="0">
                 <a:solidFill>
                   <a:schemeClr val="dk1"/>
                 </a:solidFill>
@@ -8926,18 +9396,30 @@
               </a:rPr>
             </a:br>
             <a:r>
-              <a:rPr lang="en" sz="1400">
-                <a:solidFill>
-                  <a:schemeClr val="dk1"/>
-                </a:solidFill>
-                <a:latin typeface="Droid Serif"/>
-                <a:ea typeface="Droid Serif"/>
-                <a:cs typeface="Droid Serif"/>
-                <a:sym typeface="Droid Serif"/>
-              </a:rPr>
-              <a:t>document.querySelectorAll('#shipping input[type="radio"]');</a:t>
-            </a:r>
-            <a:endParaRPr sz="1400">
+              <a:rPr lang="en" sz="1400" dirty="0" err="1">
+                <a:solidFill>
+                  <a:schemeClr val="dk1"/>
+                </a:solidFill>
+                <a:latin typeface="Droid Serif"/>
+                <a:ea typeface="Droid Serif"/>
+                <a:cs typeface="Droid Serif"/>
+                <a:sym typeface="Droid Serif"/>
+              </a:rPr>
+              <a:t>document.querySelectorAll</a:t>
+            </a:r>
+            <a:r>
+              <a:rPr lang="en" sz="1400" dirty="0">
+                <a:solidFill>
+                  <a:schemeClr val="dk1"/>
+                </a:solidFill>
+                <a:latin typeface="Droid Serif"/>
+                <a:ea typeface="Droid Serif"/>
+                <a:cs typeface="Droid Serif"/>
+                <a:sym typeface="Droid Serif"/>
+              </a:rPr>
+              <a:t>('#shipping input[type="radio"]');</a:t>
+            </a:r>
+            <a:endParaRPr sz="1400" dirty="0">
               <a:solidFill>
                 <a:schemeClr val="dk1"/>
               </a:solidFill>
@@ -8948,7 +9430,7 @@
             </a:endParaRPr>
           </a:p>
           <a:p>
-            <a:pPr indent="0" lvl="0" marL="0" rtl="0">
+            <a:pPr marL="0" lvl="0" indent="0" rtl="0">
               <a:spcBef>
                 <a:spcPts val="1600"/>
               </a:spcBef>
@@ -8958,7 +9440,7 @@
               <a:buNone/>
             </a:pPr>
             <a:r>
-              <a:rPr lang="en" sz="1400">
+              <a:rPr lang="en" sz="1400" dirty="0">
                 <a:solidFill>
                   <a:schemeClr val="dk1"/>
                 </a:solidFill>
@@ -8970,7 +9452,7 @@
               <a:t>// All radio buttons with name "method" in form with id "shipping"</a:t>
             </a:r>
             <a:br>
-              <a:rPr lang="en" sz="1400">
+              <a:rPr lang="en" sz="1400" dirty="0">
                 <a:solidFill>
                   <a:schemeClr val="dk1"/>
                 </a:solidFill>
@@ -8981,18 +9463,30 @@
               </a:rPr>
             </a:br>
             <a:r>
-              <a:rPr lang="en" sz="1400">
-                <a:solidFill>
-                  <a:schemeClr val="dk1"/>
-                </a:solidFill>
-                <a:latin typeface="Droid Serif"/>
-                <a:ea typeface="Droid Serif"/>
-                <a:cs typeface="Droid Serif"/>
-                <a:sym typeface="Droid Serif"/>
-              </a:rPr>
-              <a:t>document.querySelectorAll('#shipping input[type="radio"][name="method"]');</a:t>
-            </a:r>
-            <a:endParaRPr>
+              <a:rPr lang="en" sz="1400" dirty="0" err="1">
+                <a:solidFill>
+                  <a:schemeClr val="dk1"/>
+                </a:solidFill>
+                <a:latin typeface="Droid Serif"/>
+                <a:ea typeface="Droid Serif"/>
+                <a:cs typeface="Droid Serif"/>
+                <a:sym typeface="Droid Serif"/>
+              </a:rPr>
+              <a:t>document.querySelectorAll</a:t>
+            </a:r>
+            <a:r>
+              <a:rPr lang="en" sz="1400" dirty="0">
+                <a:solidFill>
+                  <a:schemeClr val="dk1"/>
+                </a:solidFill>
+                <a:latin typeface="Droid Serif"/>
+                <a:ea typeface="Droid Serif"/>
+                <a:cs typeface="Droid Serif"/>
+                <a:sym typeface="Droid Serif"/>
+              </a:rPr>
+              <a:t>('#shipping input[type="radio"][name="method"]');</a:t>
+            </a:r>
+            <a:endParaRPr dirty="0">
               <a:solidFill>
                 <a:schemeClr val="dk1"/>
               </a:solidFill>
@@ -9013,11 +9507,11 @@
 </file>
 
 <file path=ppt/slides/slide18.xml><?xml version="1.0" encoding="utf-8"?>
-<p:sld xmlns:a="http://schemas.openxmlformats.org/drawingml/2006/main" xmlns:r="http://schemas.openxmlformats.org/officeDocument/2006/relationships" xmlns:mc="http://schemas.openxmlformats.org/markup-compatibility/2006" xmlns:mv="urn:schemas-microsoft-com:mac:vml" xmlns:p="http://schemas.openxmlformats.org/presentationml/2006/main" xmlns:c="http://schemas.openxmlformats.org/drawingml/2006/chart" xmlns:dgm="http://schemas.openxmlformats.org/drawingml/2006/diagram" xmlns:o="urn:schemas-microsoft-com:office:office" xmlns:v="urn:schemas-microsoft-com:vml" xmlns:pvml="urn:schemas-microsoft-com:office:powerpoint" xmlns:com="http://schemas.openxmlformats.org/drawingml/2006/compatibility" xmlns:p14="http://schemas.microsoft.com/office/powerpoint/2010/main" xmlns:p15="http://schemas.microsoft.com/office/powerpoint/2012/main">
+<p:sld xmlns:a="http://schemas.openxmlformats.org/drawingml/2006/main" xmlns:r="http://schemas.openxmlformats.org/officeDocument/2006/relationships" xmlns:p="http://schemas.openxmlformats.org/presentationml/2006/main">
   <p:cSld>
     <p:spTree>
       <p:nvGrpSpPr>
-        <p:cNvPr id="156" name="Shape 156"/>
+        <p:cNvPr id="1" name="Shape 156"/>
         <p:cNvGrpSpPr/>
         <p:nvPr/>
       </p:nvGrpSpPr>
@@ -9032,7 +9526,9 @@
       <p:sp>
         <p:nvSpPr>
           <p:cNvPr id="157" name="Shape 157"/>
-          <p:cNvSpPr txBox="1"/>
+          <p:cNvSpPr txBox="1">
+            <a:spLocks noGrp="1"/>
+          </p:cNvSpPr>
           <p:nvPr>
             <p:ph type="title"/>
           </p:nvPr>
@@ -9047,12 +9543,12 @@
           </a:prstGeom>
         </p:spPr>
         <p:txBody>
-          <a:bodyPr anchorCtr="0" anchor="t" bIns="91425" lIns="91425" spcFirstLastPara="1" rIns="91425" wrap="square" tIns="91425">
+          <a:bodyPr spcFirstLastPara="1" wrap="square" lIns="91425" tIns="91425" rIns="91425" bIns="91425" anchor="t" anchorCtr="0">
             <a:noAutofit/>
           </a:bodyPr>
           <a:lstStyle/>
           <a:p>
-            <a:pPr indent="0" lvl="0" marL="0" rtl="0">
+            <a:pPr marL="0" lvl="0" indent="0" rtl="0">
               <a:spcBef>
                 <a:spcPts val="0"/>
               </a:spcBef>
@@ -9082,9 +9578,11 @@
       <p:sp>
         <p:nvSpPr>
           <p:cNvPr id="158" name="Shape 158"/>
-          <p:cNvSpPr txBox="1"/>
+          <p:cNvSpPr txBox="1">
+            <a:spLocks noGrp="1"/>
+          </p:cNvSpPr>
           <p:nvPr>
-            <p:ph idx="1" type="body"/>
+            <p:ph type="body" idx="1"/>
           </p:nvPr>
         </p:nvSpPr>
         <p:spPr>
@@ -9097,12 +9595,12 @@
           </a:prstGeom>
         </p:spPr>
         <p:txBody>
-          <a:bodyPr anchorCtr="0" anchor="t" bIns="91425" lIns="91425" spcFirstLastPara="1" rIns="91425" wrap="square" tIns="91425">
+          <a:bodyPr spcFirstLastPara="1" wrap="square" lIns="91425" tIns="91425" rIns="91425" bIns="91425" anchor="t" anchorCtr="0">
             <a:noAutofit/>
           </a:bodyPr>
           <a:lstStyle/>
           <a:p>
-            <a:pPr indent="0" lvl="0" marL="0">
+            <a:pPr marL="0" lvl="0" indent="0">
               <a:spcBef>
                 <a:spcPts val="0"/>
               </a:spcBef>
@@ -9121,19 +9619,7 @@
                 <a:cs typeface="Droid Serif"/>
                 <a:sym typeface="Droid Serif"/>
               </a:rPr>
-              <a:t>Ho</a:t>
-            </a:r>
-            <a:r>
-              <a:rPr lang="en">
-                <a:solidFill>
-                  <a:schemeClr val="dk1"/>
-                </a:solidFill>
-                <a:latin typeface="Droid Serif"/>
-                <a:ea typeface="Droid Serif"/>
-                <a:cs typeface="Droid Serif"/>
-                <a:sym typeface="Droid Serif"/>
-              </a:rPr>
-              <a:t>wever, a &lt;form&gt;  element with a name  or id  attribute can be selected in a number of other ways. A &lt;form&gt;  with a name="address"  attribute can be selected in any of these ways:</a:t>
+              <a:t>However, a &lt;form&gt;  element with a name  or id  attribute can be selected in a number of other ways. A &lt;form&gt;  with a name="address"  attribute can be selected in any of these ways:</a:t>
             </a:r>
             <a:endParaRPr>
               <a:solidFill>
@@ -9146,7 +9632,7 @@
             </a:endParaRPr>
           </a:p>
           <a:p>
-            <a:pPr indent="0" lvl="0" marL="0">
+            <a:pPr marL="0" lvl="0" indent="0">
               <a:spcBef>
                 <a:spcPts val="1600"/>
               </a:spcBef>
@@ -9178,7 +9664,7 @@
             </a:endParaRPr>
           </a:p>
           <a:p>
-            <a:pPr indent="0" lvl="0" marL="0">
+            <a:pPr marL="0" lvl="0" indent="0">
               <a:spcBef>
                 <a:spcPts val="1600"/>
               </a:spcBef>
@@ -9210,7 +9696,7 @@
             </a:endParaRPr>
           </a:p>
           <a:p>
-            <a:pPr indent="0" lvl="0" marL="0">
+            <a:pPr marL="0" lvl="0" indent="0">
               <a:spcBef>
                 <a:spcPts val="1600"/>
               </a:spcBef>
@@ -9242,7 +9728,7 @@
             </a:endParaRPr>
           </a:p>
           <a:p>
-            <a:pPr indent="0" lvl="0" marL="0">
+            <a:pPr marL="0" lvl="0" indent="0">
               <a:spcBef>
                 <a:spcPts val="1600"/>
               </a:spcBef>
@@ -9274,7 +9760,7 @@
             </a:endParaRPr>
           </a:p>
           <a:p>
-            <a:pPr indent="0" lvl="0" marL="0" rtl="0">
+            <a:pPr marL="0" lvl="0" indent="0" rtl="0">
               <a:spcBef>
                 <a:spcPts val="1600"/>
               </a:spcBef>
@@ -9283,9 +9769,6 @@
               </a:spcAft>
               <a:buNone/>
             </a:pPr>
-            <a:r>
-              <a:t/>
-            </a:r>
             <a:endParaRPr>
               <a:solidFill>
                 <a:schemeClr val="dk1"/>
@@ -9307,11 +9790,11 @@
 </file>
 
 <file path=ppt/slides/slide19.xml><?xml version="1.0" encoding="utf-8"?>
-<p:sld xmlns:a="http://schemas.openxmlformats.org/drawingml/2006/main" xmlns:r="http://schemas.openxmlformats.org/officeDocument/2006/relationships" xmlns:mc="http://schemas.openxmlformats.org/markup-compatibility/2006" xmlns:mv="urn:schemas-microsoft-com:mac:vml" xmlns:p="http://schemas.openxmlformats.org/presentationml/2006/main" xmlns:c="http://schemas.openxmlformats.org/drawingml/2006/chart" xmlns:dgm="http://schemas.openxmlformats.org/drawingml/2006/diagram" xmlns:o="urn:schemas-microsoft-com:office:office" xmlns:v="urn:schemas-microsoft-com:vml" xmlns:pvml="urn:schemas-microsoft-com:office:powerpoint" xmlns:com="http://schemas.openxmlformats.org/drawingml/2006/compatibility" xmlns:p14="http://schemas.microsoft.com/office/powerpoint/2010/main" xmlns:p15="http://schemas.microsoft.com/office/powerpoint/2012/main">
+<p:sld xmlns:a="http://schemas.openxmlformats.org/drawingml/2006/main" xmlns:r="http://schemas.openxmlformats.org/officeDocument/2006/relationships" xmlns:p="http://schemas.openxmlformats.org/presentationml/2006/main">
   <p:cSld>
     <p:spTree>
       <p:nvGrpSpPr>
-        <p:cNvPr id="162" name="Shape 162"/>
+        <p:cNvPr id="1" name="Shape 162"/>
         <p:cNvGrpSpPr/>
         <p:nvPr/>
       </p:nvGrpSpPr>
@@ -9326,7 +9809,9 @@
       <p:sp>
         <p:nvSpPr>
           <p:cNvPr id="163" name="Shape 163"/>
-          <p:cNvSpPr txBox="1"/>
+          <p:cNvSpPr txBox="1">
+            <a:spLocks noGrp="1"/>
+          </p:cNvSpPr>
           <p:nvPr>
             <p:ph type="title"/>
           </p:nvPr>
@@ -9341,12 +9826,12 @@
           </a:prstGeom>
         </p:spPr>
         <p:txBody>
-          <a:bodyPr anchorCtr="0" anchor="t" bIns="91425" lIns="91425" spcFirstLastPara="1" rIns="91425" wrap="square" tIns="91425">
+          <a:bodyPr spcFirstLastPara="1" wrap="square" lIns="91425" tIns="91425" rIns="91425" bIns="91425" anchor="t" anchorCtr="0">
             <a:noAutofit/>
           </a:bodyPr>
           <a:lstStyle/>
           <a:p>
-            <a:pPr indent="0" lvl="0" marL="0" rtl="0">
+            <a:pPr marL="0" lvl="0" indent="0" rtl="0">
               <a:spcBef>
                 <a:spcPts val="0"/>
               </a:spcBef>
@@ -9376,9 +9861,11 @@
       <p:sp>
         <p:nvSpPr>
           <p:cNvPr id="164" name="Shape 164"/>
-          <p:cNvSpPr txBox="1"/>
+          <p:cNvSpPr txBox="1">
+            <a:spLocks noGrp="1"/>
+          </p:cNvSpPr>
           <p:nvPr>
-            <p:ph idx="1" type="body"/>
+            <p:ph type="body" idx="1"/>
           </p:nvPr>
         </p:nvSpPr>
         <p:spPr>
@@ -9391,12 +9878,12 @@
           </a:prstGeom>
         </p:spPr>
         <p:txBody>
-          <a:bodyPr anchorCtr="0" anchor="t" bIns="91425" lIns="91425" spcFirstLastPara="1" rIns="91425" wrap="square" tIns="91425">
+          <a:bodyPr spcFirstLastPara="1" wrap="square" lIns="91425" tIns="91425" rIns="91425" bIns="91425" anchor="t" anchorCtr="0">
             <a:noAutofit/>
           </a:bodyPr>
           <a:lstStyle/>
           <a:p>
-            <a:pPr indent="0" lvl="0" marL="0">
+            <a:pPr marL="0" lvl="0" indent="0">
               <a:spcBef>
                 <a:spcPts val="0"/>
               </a:spcBef>
@@ -9428,7 +9915,7 @@
             </a:endParaRPr>
           </a:p>
           <a:p>
-            <a:pPr indent="0" lvl="0" marL="0">
+            <a:pPr marL="0" lvl="0" indent="0">
               <a:spcBef>
                 <a:spcPts val="1600"/>
               </a:spcBef>
@@ -9460,7 +9947,7 @@
             </a:endParaRPr>
           </a:p>
           <a:p>
-            <a:pPr indent="0" lvl="0" marL="0">
+            <a:pPr marL="0" lvl="0" indent="0">
               <a:spcBef>
                 <a:spcPts val="1600"/>
               </a:spcBef>
@@ -9492,7 +9979,7 @@
             </a:endParaRPr>
           </a:p>
           <a:p>
-            <a:pPr indent="0" lvl="0" marL="0">
+            <a:pPr marL="0" lvl="0" indent="0">
               <a:spcBef>
                 <a:spcPts val="1600"/>
               </a:spcBef>
@@ -9524,7 +10011,7 @@
             </a:endParaRPr>
           </a:p>
           <a:p>
-            <a:pPr indent="0" lvl="0" marL="0" rtl="0">
+            <a:pPr marL="0" lvl="0" indent="0" rtl="0">
               <a:spcBef>
                 <a:spcPts val="1600"/>
               </a:spcBef>
@@ -9566,11 +10053,11 @@
 </file>
 
 <file path=ppt/slides/slide2.xml><?xml version="1.0" encoding="utf-8"?>
-<p:sld xmlns:a="http://schemas.openxmlformats.org/drawingml/2006/main" xmlns:r="http://schemas.openxmlformats.org/officeDocument/2006/relationships" xmlns:mc="http://schemas.openxmlformats.org/markup-compatibility/2006" xmlns:mv="urn:schemas-microsoft-com:mac:vml" xmlns:p="http://schemas.openxmlformats.org/presentationml/2006/main" xmlns:c="http://schemas.openxmlformats.org/drawingml/2006/chart" xmlns:dgm="http://schemas.openxmlformats.org/drawingml/2006/diagram" xmlns:o="urn:schemas-microsoft-com:office:office" xmlns:v="urn:schemas-microsoft-com:vml" xmlns:pvml="urn:schemas-microsoft-com:office:powerpoint" xmlns:com="http://schemas.openxmlformats.org/drawingml/2006/compatibility" xmlns:p14="http://schemas.microsoft.com/office/powerpoint/2010/main" xmlns:p15="http://schemas.microsoft.com/office/powerpoint/2012/main">
+<p:sld xmlns:a="http://schemas.openxmlformats.org/drawingml/2006/main" xmlns:r="http://schemas.openxmlformats.org/officeDocument/2006/relationships" xmlns:p="http://schemas.openxmlformats.org/presentationml/2006/main">
   <p:cSld>
     <p:spTree>
       <p:nvGrpSpPr>
-        <p:cNvPr id="59" name="Shape 59"/>
+        <p:cNvPr id="1" name="Shape 59"/>
         <p:cNvGrpSpPr/>
         <p:nvPr/>
       </p:nvGrpSpPr>
@@ -9585,7 +10072,9 @@
       <p:sp>
         <p:nvSpPr>
           <p:cNvPr id="60" name="Shape 60"/>
-          <p:cNvSpPr txBox="1"/>
+          <p:cNvSpPr txBox="1">
+            <a:spLocks noGrp="1"/>
+          </p:cNvSpPr>
           <p:nvPr>
             <p:ph type="title"/>
           </p:nvPr>
@@ -9600,12 +10089,12 @@
           </a:prstGeom>
         </p:spPr>
         <p:txBody>
-          <a:bodyPr anchorCtr="0" anchor="t" bIns="91425" lIns="91425" spcFirstLastPara="1" rIns="91425" wrap="square" tIns="91425">
+          <a:bodyPr spcFirstLastPara="1" wrap="square" lIns="91425" tIns="91425" rIns="91425" bIns="91425" anchor="t" anchorCtr="0">
             <a:noAutofit/>
           </a:bodyPr>
           <a:lstStyle/>
           <a:p>
-            <a:pPr indent="0" lvl="0" marL="0" rtl="0">
+            <a:pPr marL="0" lvl="0" indent="0" rtl="0">
               <a:spcBef>
                 <a:spcPts val="0"/>
               </a:spcBef>
@@ -9635,9 +10124,11 @@
       <p:sp>
         <p:nvSpPr>
           <p:cNvPr id="61" name="Shape 61"/>
-          <p:cNvSpPr txBox="1"/>
+          <p:cNvSpPr txBox="1">
+            <a:spLocks noGrp="1"/>
+          </p:cNvSpPr>
           <p:nvPr>
-            <p:ph idx="1" type="body"/>
+            <p:ph type="body" idx="1"/>
           </p:nvPr>
         </p:nvSpPr>
         <p:spPr>
@@ -9650,12 +10141,12 @@
           </a:prstGeom>
         </p:spPr>
         <p:txBody>
-          <a:bodyPr anchorCtr="0" anchor="t" bIns="91425" lIns="91425" spcFirstLastPara="1" rIns="91425" wrap="square" tIns="91425">
+          <a:bodyPr spcFirstLastPara="1" wrap="square" lIns="91425" tIns="91425" rIns="91425" bIns="91425" anchor="t" anchorCtr="0">
             <a:noAutofit/>
           </a:bodyPr>
           <a:lstStyle/>
           <a:p>
-            <a:pPr indent="0" lvl="0" marL="0" rtl="0">
+            <a:pPr marL="0" lvl="0" indent="0" rtl="0">
               <a:spcBef>
                 <a:spcPts val="0"/>
               </a:spcBef>
@@ -9725,11 +10216,11 @@
 </file>
 
 <file path=ppt/slides/slide20.xml><?xml version="1.0" encoding="utf-8"?>
-<p:sld xmlns:a="http://schemas.openxmlformats.org/drawingml/2006/main" xmlns:r="http://schemas.openxmlformats.org/officeDocument/2006/relationships" xmlns:mc="http://schemas.openxmlformats.org/markup-compatibility/2006" xmlns:mv="urn:schemas-microsoft-com:mac:vml" xmlns:p="http://schemas.openxmlformats.org/presentationml/2006/main" xmlns:c="http://schemas.openxmlformats.org/drawingml/2006/chart" xmlns:dgm="http://schemas.openxmlformats.org/drawingml/2006/diagram" xmlns:o="urn:schemas-microsoft-com:office:office" xmlns:v="urn:schemas-microsoft-com:vml" xmlns:pvml="urn:schemas-microsoft-com:office:powerpoint" xmlns:com="http://schemas.openxmlformats.org/drawingml/2006/compatibility" xmlns:p14="http://schemas.microsoft.com/office/powerpoint/2010/main" xmlns:p15="http://schemas.microsoft.com/office/powerpoint/2012/main">
+<p:sld xmlns:a="http://schemas.openxmlformats.org/drawingml/2006/main" xmlns:r="http://schemas.openxmlformats.org/officeDocument/2006/relationships" xmlns:p="http://schemas.openxmlformats.org/presentationml/2006/main">
   <p:cSld>
     <p:spTree>
       <p:nvGrpSpPr>
-        <p:cNvPr id="168" name="Shape 168"/>
+        <p:cNvPr id="1" name="Shape 168"/>
         <p:cNvGrpSpPr/>
         <p:nvPr/>
       </p:nvGrpSpPr>
@@ -9744,7 +10235,9 @@
       <p:sp>
         <p:nvSpPr>
           <p:cNvPr id="169" name="Shape 169"/>
-          <p:cNvSpPr txBox="1"/>
+          <p:cNvSpPr txBox="1">
+            <a:spLocks noGrp="1"/>
+          </p:cNvSpPr>
           <p:nvPr>
             <p:ph type="title"/>
           </p:nvPr>
@@ -9759,12 +10252,12 @@
           </a:prstGeom>
         </p:spPr>
         <p:txBody>
-          <a:bodyPr anchorCtr="0" anchor="t" bIns="91425" lIns="91425" spcFirstLastPara="1" rIns="91425" wrap="square" tIns="91425">
+          <a:bodyPr spcFirstLastPara="1" wrap="square" lIns="91425" tIns="91425" rIns="91425" bIns="91425" anchor="t" anchorCtr="0">
             <a:noAutofit/>
           </a:bodyPr>
           <a:lstStyle/>
           <a:p>
-            <a:pPr indent="0" lvl="0" marL="0" rtl="0">
+            <a:pPr marL="0" lvl="0" indent="0" rtl="0">
               <a:spcBef>
                 <a:spcPts val="0"/>
               </a:spcBef>
@@ -9794,9 +10287,11 @@
       <p:sp>
         <p:nvSpPr>
           <p:cNvPr id="170" name="Shape 170"/>
-          <p:cNvSpPr txBox="1"/>
+          <p:cNvSpPr txBox="1">
+            <a:spLocks noGrp="1"/>
+          </p:cNvSpPr>
           <p:nvPr>
-            <p:ph idx="1" type="body"/>
+            <p:ph type="body" idx="1"/>
           </p:nvPr>
         </p:nvSpPr>
         <p:spPr>
@@ -9809,12 +10304,12 @@
           </a:prstGeom>
         </p:spPr>
         <p:txBody>
-          <a:bodyPr anchorCtr="0" anchor="t" bIns="91425" lIns="91425" spcFirstLastPara="1" rIns="91425" wrap="square" tIns="91425">
+          <a:bodyPr spcFirstLastPara="1" wrap="square" lIns="91425" tIns="91425" rIns="91425" bIns="91425" anchor="t" anchorCtr="0">
             <a:noAutofit/>
           </a:bodyPr>
           <a:lstStyle/>
           <a:p>
-            <a:pPr indent="0" lvl="0" marL="0" rtl="0">
+            <a:pPr marL="0" lvl="0" indent="0" rtl="0">
               <a:spcBef>
                 <a:spcPts val="0"/>
               </a:spcBef>
@@ -9925,11 +10420,11 @@
 </file>
 
 <file path=ppt/slides/slide21.xml><?xml version="1.0" encoding="utf-8"?>
-<p:sld xmlns:a="http://schemas.openxmlformats.org/drawingml/2006/main" xmlns:r="http://schemas.openxmlformats.org/officeDocument/2006/relationships" xmlns:mc="http://schemas.openxmlformats.org/markup-compatibility/2006" xmlns:mv="urn:schemas-microsoft-com:mac:vml" xmlns:p="http://schemas.openxmlformats.org/presentationml/2006/main" xmlns:c="http://schemas.openxmlformats.org/drawingml/2006/chart" xmlns:dgm="http://schemas.openxmlformats.org/drawingml/2006/diagram" xmlns:o="urn:schemas-microsoft-com:office:office" xmlns:v="urn:schemas-microsoft-com:vml" xmlns:pvml="urn:schemas-microsoft-com:office:powerpoint" xmlns:com="http://schemas.openxmlformats.org/drawingml/2006/compatibility" xmlns:p14="http://schemas.microsoft.com/office/powerpoint/2010/main" xmlns:p15="http://schemas.microsoft.com/office/powerpoint/2012/main">
+<p:sld xmlns:a="http://schemas.openxmlformats.org/drawingml/2006/main" xmlns:r="http://schemas.openxmlformats.org/officeDocument/2006/relationships" xmlns:p="http://schemas.openxmlformats.org/presentationml/2006/main">
   <p:cSld>
     <p:spTree>
       <p:nvGrpSpPr>
-        <p:cNvPr id="174" name="Shape 174"/>
+        <p:cNvPr id="1" name="Shape 174"/>
         <p:cNvGrpSpPr/>
         <p:nvPr/>
       </p:nvGrpSpPr>
@@ -9944,7 +10439,9 @@
       <p:sp>
         <p:nvSpPr>
           <p:cNvPr id="175" name="Shape 175"/>
-          <p:cNvSpPr txBox="1"/>
+          <p:cNvSpPr txBox="1">
+            <a:spLocks noGrp="1"/>
+          </p:cNvSpPr>
           <p:nvPr>
             <p:ph type="title"/>
           </p:nvPr>
@@ -9959,12 +10456,12 @@
           </a:prstGeom>
         </p:spPr>
         <p:txBody>
-          <a:bodyPr anchorCtr="0" anchor="t" bIns="91425" lIns="91425" spcFirstLastPara="1" rIns="91425" wrap="square" tIns="91425">
+          <a:bodyPr spcFirstLastPara="1" wrap="square" lIns="91425" tIns="91425" rIns="91425" bIns="91425" anchor="t" anchorCtr="0">
             <a:noAutofit/>
           </a:bodyPr>
           <a:lstStyle/>
           <a:p>
-            <a:pPr indent="0" lvl="0" marL="0" rtl="0">
+            <a:pPr marL="0" lvl="0" indent="0" rtl="0">
               <a:spcBef>
                 <a:spcPts val="0"/>
               </a:spcBef>
@@ -9994,9 +10491,11 @@
       <p:sp>
         <p:nvSpPr>
           <p:cNvPr id="176" name="Shape 176"/>
-          <p:cNvSpPr txBox="1"/>
+          <p:cNvSpPr txBox="1">
+            <a:spLocks noGrp="1"/>
+          </p:cNvSpPr>
           <p:nvPr>
-            <p:ph idx="1" type="body"/>
+            <p:ph type="body" idx="1"/>
           </p:nvPr>
         </p:nvSpPr>
         <p:spPr>
@@ -10009,12 +10508,12 @@
           </a:prstGeom>
         </p:spPr>
         <p:txBody>
-          <a:bodyPr anchorCtr="0" anchor="t" bIns="91425" lIns="91425" spcFirstLastPara="1" rIns="91425" wrap="square" tIns="91425">
+          <a:bodyPr spcFirstLastPara="1" wrap="square" lIns="91425" tIns="91425" rIns="91425" bIns="91425" anchor="t" anchorCtr="0">
             <a:noAutofit/>
           </a:bodyPr>
           <a:lstStyle/>
           <a:p>
-            <a:pPr indent="0" lvl="0" marL="0" rtl="0">
+            <a:pPr marL="0" lvl="0" indent="0" rtl="0">
               <a:spcBef>
                 <a:spcPts val="0"/>
               </a:spcBef>
@@ -10024,7 +10523,7 @@
               <a:buNone/>
             </a:pPr>
             <a:r>
-              <a:rPr lang="en">
+              <a:rPr lang="en" dirty="0">
                 <a:solidFill>
                   <a:schemeClr val="dk1"/>
                 </a:solidFill>
@@ -10036,7 +10535,7 @@
               <a:t>Consider this form that contains radio buttons for selecting a shipping method:</a:t>
             </a:r>
             <a:br>
-              <a:rPr lang="en">
+              <a:rPr lang="en" dirty="0">
                 <a:solidFill>
                   <a:schemeClr val="dk1"/>
                 </a:solidFill>
@@ -10047,7 +10546,7 @@
               </a:rPr>
             </a:br>
             <a:r>
-              <a:rPr lang="en" sz="1400">
+              <a:rPr lang="en" sz="1400" dirty="0">
                 <a:solidFill>
                   <a:schemeClr val="dk1"/>
                 </a:solidFill>
@@ -10059,7 +10558,7 @@
               <a:t>&lt;form name="shipping"&gt;</a:t>
             </a:r>
             <a:br>
-              <a:rPr lang="en" sz="1400">
+              <a:rPr lang="en" sz="1400" dirty="0">
                 <a:solidFill>
                   <a:schemeClr val="dk1"/>
                 </a:solidFill>
@@ -10070,19 +10569,43 @@
               </a:rPr>
             </a:br>
             <a:r>
-              <a:rPr lang="en" sz="1400">
-                <a:solidFill>
-                  <a:schemeClr val="dk1"/>
-                </a:solidFill>
-                <a:latin typeface="Droid Serif"/>
-                <a:ea typeface="Droid Serif"/>
-                <a:cs typeface="Droid Serif"/>
-                <a:sym typeface="Droid Serif"/>
-              </a:rPr>
-              <a:t>	&lt;fieldset&gt;&lt;legend&gt;Shipping Method&lt;/legend&gt;</a:t>
+              <a:rPr lang="en" sz="1400" dirty="0">
+                <a:solidFill>
+                  <a:schemeClr val="dk1"/>
+                </a:solidFill>
+                <a:latin typeface="Droid Serif"/>
+                <a:ea typeface="Droid Serif"/>
+                <a:cs typeface="Droid Serif"/>
+                <a:sym typeface="Droid Serif"/>
+              </a:rPr>
+              <a:t>	&lt;</a:t>
+            </a:r>
+            <a:r>
+              <a:rPr lang="en" sz="1400" dirty="0" err="1">
+                <a:solidFill>
+                  <a:schemeClr val="dk1"/>
+                </a:solidFill>
+                <a:latin typeface="Droid Serif"/>
+                <a:ea typeface="Droid Serif"/>
+                <a:cs typeface="Droid Serif"/>
+                <a:sym typeface="Droid Serif"/>
+              </a:rPr>
+              <a:t>fieldset</a:t>
+            </a:r>
+            <a:r>
+              <a:rPr lang="en" sz="1400" dirty="0">
+                <a:solidFill>
+                  <a:schemeClr val="dk1"/>
+                </a:solidFill>
+                <a:latin typeface="Droid Serif"/>
+                <a:ea typeface="Droid Serif"/>
+                <a:cs typeface="Droid Serif"/>
+                <a:sym typeface="Droid Serif"/>
+              </a:rPr>
+              <a:t>&gt;&lt;legend&gt;Shipping Method&lt;/legend&gt;</a:t>
             </a:r>
             <a:br>
-              <a:rPr lang="en" sz="1400">
+              <a:rPr lang="en" sz="1400" dirty="0">
                 <a:solidFill>
                   <a:schemeClr val="dk1"/>
                 </a:solidFill>
@@ -10093,7 +10616,7 @@
               </a:rPr>
             </a:br>
             <a:r>
-              <a:rPr lang="en" sz="1400">
+              <a:rPr lang="en" sz="1400" dirty="0">
                 <a:solidFill>
                   <a:schemeClr val="dk1"/>
                 </a:solidFill>
@@ -10105,7 +10628,7 @@
               <a:t>		&lt;label&gt;&lt;input type="radio" name="method" value="1st"&gt;First-class&lt;/label&gt;</a:t>
             </a:r>
             <a:br>
-              <a:rPr lang="en" sz="1400">
+              <a:rPr lang="en" sz="1400" dirty="0">
                 <a:solidFill>
                   <a:schemeClr val="dk1"/>
                 </a:solidFill>
@@ -10116,7 +10639,7 @@
               </a:rPr>
             </a:br>
             <a:r>
-              <a:rPr lang="en" sz="1400">
+              <a:rPr lang="en" sz="1400" dirty="0">
                 <a:solidFill>
                   <a:schemeClr val="dk1"/>
                 </a:solidFill>
@@ -10128,7 +10651,7 @@
               <a:t>		&lt;label&gt;&lt;input type="radio" name="method" value="2day"&gt;2-day Air&lt;/label&gt;</a:t>
             </a:r>
             <a:br>
-              <a:rPr lang="en" sz="1400">
+              <a:rPr lang="en" sz="1400" dirty="0">
                 <a:solidFill>
                   <a:schemeClr val="dk1"/>
                 </a:solidFill>
@@ -10139,19 +10662,43 @@
               </a:rPr>
             </a:br>
             <a:r>
-              <a:rPr lang="en" sz="1400">
-                <a:solidFill>
-                  <a:schemeClr val="dk1"/>
-                </a:solidFill>
-                <a:latin typeface="Droid Serif"/>
-                <a:ea typeface="Droid Serif"/>
-                <a:cs typeface="Droid Serif"/>
-                <a:sym typeface="Droid Serif"/>
-              </a:rPr>
-              <a:t>		&lt;label&gt;&lt;input type="radio" name="method" value="overnite"&gt;Overnight&lt;/label&gt;</a:t>
+              <a:rPr lang="en" sz="1400" dirty="0">
+                <a:solidFill>
+                  <a:schemeClr val="dk1"/>
+                </a:solidFill>
+                <a:latin typeface="Droid Serif"/>
+                <a:ea typeface="Droid Serif"/>
+                <a:cs typeface="Droid Serif"/>
+                <a:sym typeface="Droid Serif"/>
+              </a:rPr>
+              <a:t>		&lt;label&gt;&lt;input type="radio" name="method" value="</a:t>
+            </a:r>
+            <a:r>
+              <a:rPr lang="en" sz="1400" dirty="0" err="1">
+                <a:solidFill>
+                  <a:schemeClr val="dk1"/>
+                </a:solidFill>
+                <a:latin typeface="Droid Serif"/>
+                <a:ea typeface="Droid Serif"/>
+                <a:cs typeface="Droid Serif"/>
+                <a:sym typeface="Droid Serif"/>
+              </a:rPr>
+              <a:t>overnite</a:t>
+            </a:r>
+            <a:r>
+              <a:rPr lang="en" sz="1400" dirty="0">
+                <a:solidFill>
+                  <a:schemeClr val="dk1"/>
+                </a:solidFill>
+                <a:latin typeface="Droid Serif"/>
+                <a:ea typeface="Droid Serif"/>
+                <a:cs typeface="Droid Serif"/>
+                <a:sym typeface="Droid Serif"/>
+              </a:rPr>
+              <a:t>"&gt;Overnight&lt;/label&gt;</a:t>
             </a:r>
             <a:br>
-              <a:rPr lang="en" sz="1400">
+              <a:rPr lang="en" sz="1400" dirty="0">
                 <a:solidFill>
                   <a:schemeClr val="dk1"/>
                 </a:solidFill>
@@ -10162,19 +10709,43 @@
               </a:rPr>
             </a:br>
             <a:r>
-              <a:rPr lang="en" sz="1400">
-                <a:solidFill>
-                  <a:schemeClr val="dk1"/>
-                </a:solidFill>
-                <a:latin typeface="Droid Serif"/>
-                <a:ea typeface="Droid Serif"/>
-                <a:cs typeface="Droid Serif"/>
-                <a:sym typeface="Droid Serif"/>
-              </a:rPr>
-              <a:t>	&lt;/fieldset&gt;</a:t>
+              <a:rPr lang="en" sz="1400" dirty="0">
+                <a:solidFill>
+                  <a:schemeClr val="dk1"/>
+                </a:solidFill>
+                <a:latin typeface="Droid Serif"/>
+                <a:ea typeface="Droid Serif"/>
+                <a:cs typeface="Droid Serif"/>
+                <a:sym typeface="Droid Serif"/>
+              </a:rPr>
+              <a:t>	&lt;/</a:t>
+            </a:r>
+            <a:r>
+              <a:rPr lang="en" sz="1400" dirty="0" err="1">
+                <a:solidFill>
+                  <a:schemeClr val="dk1"/>
+                </a:solidFill>
+                <a:latin typeface="Droid Serif"/>
+                <a:ea typeface="Droid Serif"/>
+                <a:cs typeface="Droid Serif"/>
+                <a:sym typeface="Droid Serif"/>
+              </a:rPr>
+              <a:t>fieldset</a:t>
+            </a:r>
+            <a:r>
+              <a:rPr lang="en" sz="1400" dirty="0">
+                <a:solidFill>
+                  <a:schemeClr val="dk1"/>
+                </a:solidFill>
+                <a:latin typeface="Droid Serif"/>
+                <a:ea typeface="Droid Serif"/>
+                <a:cs typeface="Droid Serif"/>
+                <a:sym typeface="Droid Serif"/>
+              </a:rPr>
+              <a:t>&gt;</a:t>
             </a:r>
             <a:br>
-              <a:rPr lang="en" sz="1400">
+              <a:rPr lang="en" sz="1400" dirty="0">
                 <a:solidFill>
                   <a:schemeClr val="dk1"/>
                 </a:solidFill>
@@ -10185,7 +10756,7 @@
               </a:rPr>
             </a:br>
             <a:r>
-              <a:rPr lang="en" sz="1400">
+              <a:rPr lang="en" sz="1400" dirty="0">
                 <a:solidFill>
                   <a:schemeClr val="dk1"/>
                 </a:solidFill>
@@ -10197,7 +10768,7 @@
               <a:t>&lt;/form&gt;</a:t>
             </a:r>
             <a:br>
-              <a:rPr lang="en" sz="1400">
+              <a:rPr lang="en" sz="1400" dirty="0">
                 <a:solidFill>
                   <a:schemeClr val="dk1"/>
                 </a:solidFill>
@@ -10208,7 +10779,7 @@
               </a:rPr>
             </a:br>
             <a:r>
-              <a:rPr lang="en">
+              <a:rPr lang="en" dirty="0">
                 <a:solidFill>
                   <a:schemeClr val="dk1"/>
                 </a:solidFill>
@@ -10220,7 +10791,7 @@
               <a:t>With this form, you might refer to the array of radio button elements like this:</a:t>
             </a:r>
             <a:br>
-              <a:rPr lang="en">
+              <a:rPr lang="en" dirty="0">
                 <a:solidFill>
                   <a:schemeClr val="dk1"/>
                 </a:solidFill>
@@ -10231,18 +10802,42 @@
               </a:rPr>
             </a:br>
             <a:r>
-              <a:rPr lang="en">
-                <a:solidFill>
-                  <a:schemeClr val="dk1"/>
-                </a:solidFill>
-                <a:latin typeface="Droid Serif"/>
-                <a:ea typeface="Droid Serif"/>
-                <a:cs typeface="Droid Serif"/>
-                <a:sym typeface="Droid Serif"/>
-              </a:rPr>
-              <a:t>var methods = document.forms.shipping.elements.method;</a:t>
-            </a:r>
-            <a:endParaRPr>
+              <a:rPr lang="en" dirty="0">
+                <a:solidFill>
+                  <a:schemeClr val="dk1"/>
+                </a:solidFill>
+                <a:latin typeface="Droid Serif"/>
+                <a:ea typeface="Droid Serif"/>
+                <a:cs typeface="Droid Serif"/>
+                <a:sym typeface="Droid Serif"/>
+              </a:rPr>
+              <a:t>var methods = </a:t>
+            </a:r>
+            <a:r>
+              <a:rPr lang="en" dirty="0" err="1">
+                <a:solidFill>
+                  <a:schemeClr val="dk1"/>
+                </a:solidFill>
+                <a:latin typeface="Droid Serif"/>
+                <a:ea typeface="Droid Serif"/>
+                <a:cs typeface="Droid Serif"/>
+                <a:sym typeface="Droid Serif"/>
+              </a:rPr>
+              <a:t>document.forms.shipping.elements.method</a:t>
+            </a:r>
+            <a:r>
+              <a:rPr lang="en" dirty="0">
+                <a:solidFill>
+                  <a:schemeClr val="dk1"/>
+                </a:solidFill>
+                <a:latin typeface="Droid Serif"/>
+                <a:ea typeface="Droid Serif"/>
+                <a:cs typeface="Droid Serif"/>
+                <a:sym typeface="Droid Serif"/>
+              </a:rPr>
+              <a:t>;</a:t>
+            </a:r>
+            <a:endParaRPr dirty="0">
               <a:solidFill>
                 <a:schemeClr val="dk1"/>
               </a:solidFill>
@@ -10263,11 +10858,11 @@
 </file>
 
 <file path=ppt/slides/slide22.xml><?xml version="1.0" encoding="utf-8"?>
-<p:sld xmlns:a="http://schemas.openxmlformats.org/drawingml/2006/main" xmlns:r="http://schemas.openxmlformats.org/officeDocument/2006/relationships" xmlns:mc="http://schemas.openxmlformats.org/markup-compatibility/2006" xmlns:mv="urn:schemas-microsoft-com:mac:vml" xmlns:p="http://schemas.openxmlformats.org/presentationml/2006/main" xmlns:c="http://schemas.openxmlformats.org/drawingml/2006/chart" xmlns:dgm="http://schemas.openxmlformats.org/drawingml/2006/diagram" xmlns:o="urn:schemas-microsoft-com:office:office" xmlns:v="urn:schemas-microsoft-com:vml" xmlns:pvml="urn:schemas-microsoft-com:office:powerpoint" xmlns:com="http://schemas.openxmlformats.org/drawingml/2006/compatibility" xmlns:p14="http://schemas.microsoft.com/office/powerpoint/2010/main" xmlns:p15="http://schemas.microsoft.com/office/powerpoint/2012/main">
+<p:sld xmlns:a="http://schemas.openxmlformats.org/drawingml/2006/main" xmlns:r="http://schemas.openxmlformats.org/officeDocument/2006/relationships" xmlns:p="http://schemas.openxmlformats.org/presentationml/2006/main">
   <p:cSld>
     <p:spTree>
       <p:nvGrpSpPr>
-        <p:cNvPr id="180" name="Shape 180"/>
+        <p:cNvPr id="1" name="Shape 180"/>
         <p:cNvGrpSpPr/>
         <p:nvPr/>
       </p:nvGrpSpPr>
@@ -10282,9 +10877,11 @@
       <p:sp>
         <p:nvSpPr>
           <p:cNvPr id="181" name="Shape 181"/>
-          <p:cNvSpPr txBox="1"/>
+          <p:cNvSpPr txBox="1">
+            <a:spLocks noGrp="1"/>
+          </p:cNvSpPr>
           <p:nvPr>
-            <p:ph idx="1" type="body"/>
+            <p:ph type="body" idx="1"/>
           </p:nvPr>
         </p:nvSpPr>
         <p:spPr>
@@ -10297,22 +10894,19 @@
           </a:prstGeom>
         </p:spPr>
         <p:txBody>
-          <a:bodyPr anchorCtr="0" anchor="t" bIns="91425" lIns="91425" spcFirstLastPara="1" rIns="91425" wrap="square" tIns="91425">
+          <a:bodyPr spcFirstLastPara="1" wrap="square" lIns="91425" tIns="91425" rIns="91425" bIns="91425" anchor="t" anchorCtr="0">
             <a:noAutofit/>
           </a:bodyPr>
           <a:lstStyle/>
           <a:p>
-            <a:pPr indent="0" lvl="0" marL="0" rtl="0">
-              <a:spcBef>
-                <a:spcPts val="0"/>
-              </a:spcBef>
+            <a:pPr marL="0" lvl="0" indent="0">
               <a:spcAft>
                 <a:spcPts val="1600"/>
               </a:spcAft>
               <a:buNone/>
             </a:pPr>
             <a:r>
-              <a:rPr lang="en">
+              <a:rPr lang="en" dirty="0">
                 <a:solidFill>
                   <a:schemeClr val="dk1"/>
                 </a:solidFill>
@@ -10323,8 +10917,16 @@
               </a:rPr>
               <a:t>Note that &lt;form&gt;  elements have an HTML attribute and corresponding JavaScript property named “method”, so in this case, we must use the elements  property of the form instead of directly accessing the method  property. In order to determine which shipping method the user has selected, we’d loop through the form elements in the array and check the checked  property of each:</a:t>
             </a:r>
+          </a:p>
+          <a:p>
+            <a:pPr marL="0" lvl="0" indent="0">
+              <a:spcAft>
+                <a:spcPts val="1600"/>
+              </a:spcAft>
+              <a:buNone/>
+            </a:pPr>
             <a:br>
-              <a:rPr lang="en">
+              <a:rPr lang="en" dirty="0">
                 <a:solidFill>
                   <a:schemeClr val="dk1"/>
                 </a:solidFill>
@@ -10334,8 +10936,44 @@
                 <a:sym typeface="Droid Serif"/>
               </a:rPr>
             </a:br>
+            <a:r>
+              <a:rPr lang="en" dirty="0">
+                <a:solidFill>
+                  <a:schemeClr val="dk1"/>
+                </a:solidFill>
+                <a:latin typeface="Droid Serif"/>
+                <a:ea typeface="Droid Serif"/>
+                <a:cs typeface="Droid Serif"/>
+                <a:sym typeface="Droid Serif"/>
+              </a:rPr>
+              <a:t>var methods = </a:t>
+            </a:r>
+            <a:r>
+              <a:rPr lang="en" dirty="0" err="1">
+                <a:solidFill>
+                  <a:schemeClr val="dk1"/>
+                </a:solidFill>
+                <a:latin typeface="Droid Serif"/>
+                <a:ea typeface="Droid Serif"/>
+                <a:cs typeface="Droid Serif"/>
+                <a:sym typeface="Droid Serif"/>
+              </a:rPr>
+              <a:t>document.forms.shipping.elements.method</a:t>
+            </a:r>
+            <a:r>
+              <a:rPr lang="en" dirty="0">
+                <a:solidFill>
+                  <a:schemeClr val="dk1"/>
+                </a:solidFill>
+                <a:latin typeface="Droid Serif"/>
+                <a:ea typeface="Droid Serif"/>
+                <a:cs typeface="Droid Serif"/>
+                <a:sym typeface="Droid Serif"/>
+              </a:rPr>
+              <a:t>;</a:t>
+            </a:r>
             <a:br>
-              <a:rPr lang="en">
+              <a:rPr lang="en" dirty="0">
                 <a:solidFill>
                   <a:schemeClr val="dk1"/>
                 </a:solidFill>
@@ -10346,19 +10984,43 @@
               </a:rPr>
             </a:br>
             <a:r>
-              <a:rPr lang="en">
-                <a:solidFill>
-                  <a:schemeClr val="dk1"/>
-                </a:solidFill>
-                <a:latin typeface="Droid Serif"/>
-                <a:ea typeface="Droid Serif"/>
-                <a:cs typeface="Droid Serif"/>
-                <a:sym typeface="Droid Serif"/>
-              </a:rPr>
-              <a:t>var shipping_method;</a:t>
+              <a:rPr lang="en" dirty="0">
+                <a:solidFill>
+                  <a:schemeClr val="dk1"/>
+                </a:solidFill>
+                <a:latin typeface="Droid Serif"/>
+                <a:ea typeface="Droid Serif"/>
+                <a:cs typeface="Droid Serif"/>
+                <a:sym typeface="Droid Serif"/>
+              </a:rPr>
+              <a:t>var </a:t>
+            </a:r>
+            <a:r>
+              <a:rPr lang="en" dirty="0" err="1">
+                <a:solidFill>
+                  <a:schemeClr val="dk1"/>
+                </a:solidFill>
+                <a:latin typeface="Droid Serif"/>
+                <a:ea typeface="Droid Serif"/>
+                <a:cs typeface="Droid Serif"/>
+                <a:sym typeface="Droid Serif"/>
+              </a:rPr>
+              <a:t>shipping_method</a:t>
+            </a:r>
+            <a:r>
+              <a:rPr lang="en" dirty="0">
+                <a:solidFill>
+                  <a:schemeClr val="dk1"/>
+                </a:solidFill>
+                <a:latin typeface="Droid Serif"/>
+                <a:ea typeface="Droid Serif"/>
+                <a:cs typeface="Droid Serif"/>
+                <a:sym typeface="Droid Serif"/>
+              </a:rPr>
+              <a:t>;</a:t>
             </a:r>
             <a:br>
-              <a:rPr lang="en">
+              <a:rPr lang="en" dirty="0">
                 <a:solidFill>
                   <a:schemeClr val="dk1"/>
                 </a:solidFill>
@@ -10369,19 +11031,115 @@
               </a:rPr>
             </a:br>
             <a:r>
-              <a:rPr lang="en">
-                <a:solidFill>
-                  <a:schemeClr val="dk1"/>
-                </a:solidFill>
-                <a:latin typeface="Droid Serif"/>
-                <a:ea typeface="Droid Serif"/>
-                <a:cs typeface="Droid Serif"/>
-                <a:sym typeface="Droid Serif"/>
-              </a:rPr>
-              <a:t>for(var i = 0; i &lt; methods.length; i++)</a:t>
+              <a:rPr lang="en" dirty="0">
+                <a:solidFill>
+                  <a:schemeClr val="dk1"/>
+                </a:solidFill>
+                <a:latin typeface="Droid Serif"/>
+                <a:ea typeface="Droid Serif"/>
+                <a:cs typeface="Droid Serif"/>
+                <a:sym typeface="Droid Serif"/>
+              </a:rPr>
+              <a:t>for(var </a:t>
+            </a:r>
+            <a:r>
+              <a:rPr lang="en" dirty="0" err="1">
+                <a:solidFill>
+                  <a:schemeClr val="dk1"/>
+                </a:solidFill>
+                <a:latin typeface="Droid Serif"/>
+                <a:ea typeface="Droid Serif"/>
+                <a:cs typeface="Droid Serif"/>
+                <a:sym typeface="Droid Serif"/>
+              </a:rPr>
+              <a:t>i</a:t>
+            </a:r>
+            <a:r>
+              <a:rPr lang="en" dirty="0">
+                <a:solidFill>
+                  <a:schemeClr val="dk1"/>
+                </a:solidFill>
+                <a:latin typeface="Droid Serif"/>
+                <a:ea typeface="Droid Serif"/>
+                <a:cs typeface="Droid Serif"/>
+                <a:sym typeface="Droid Serif"/>
+              </a:rPr>
+              <a:t> = 0; </a:t>
+            </a:r>
+            <a:r>
+              <a:rPr lang="en" dirty="0" err="1">
+                <a:solidFill>
+                  <a:schemeClr val="dk1"/>
+                </a:solidFill>
+                <a:latin typeface="Droid Serif"/>
+                <a:ea typeface="Droid Serif"/>
+                <a:cs typeface="Droid Serif"/>
+                <a:sym typeface="Droid Serif"/>
+              </a:rPr>
+              <a:t>i</a:t>
+            </a:r>
+            <a:r>
+              <a:rPr lang="en" dirty="0">
+                <a:solidFill>
+                  <a:schemeClr val="dk1"/>
+                </a:solidFill>
+                <a:latin typeface="Droid Serif"/>
+                <a:ea typeface="Droid Serif"/>
+                <a:cs typeface="Droid Serif"/>
+                <a:sym typeface="Droid Serif"/>
+              </a:rPr>
+              <a:t> &lt; </a:t>
+            </a:r>
+            <a:r>
+              <a:rPr lang="en" dirty="0" err="1">
+                <a:solidFill>
+                  <a:schemeClr val="dk1"/>
+                </a:solidFill>
+                <a:latin typeface="Droid Serif"/>
+                <a:ea typeface="Droid Serif"/>
+                <a:cs typeface="Droid Serif"/>
+                <a:sym typeface="Droid Serif"/>
+              </a:rPr>
+              <a:t>methods.length</a:t>
+            </a:r>
+            <a:r>
+              <a:rPr lang="en" dirty="0">
+                <a:solidFill>
+                  <a:schemeClr val="dk1"/>
+                </a:solidFill>
+                <a:latin typeface="Droid Serif"/>
+                <a:ea typeface="Droid Serif"/>
+                <a:cs typeface="Droid Serif"/>
+                <a:sym typeface="Droid Serif"/>
+              </a:rPr>
+              <a:t>; </a:t>
+            </a:r>
+            <a:r>
+              <a:rPr lang="en" dirty="0" err="1">
+                <a:solidFill>
+                  <a:schemeClr val="dk1"/>
+                </a:solidFill>
+                <a:latin typeface="Droid Serif"/>
+                <a:ea typeface="Droid Serif"/>
+                <a:cs typeface="Droid Serif"/>
+                <a:sym typeface="Droid Serif"/>
+              </a:rPr>
+              <a:t>i</a:t>
+            </a:r>
+            <a:r>
+              <a:rPr lang="en" dirty="0">
+                <a:solidFill>
+                  <a:schemeClr val="dk1"/>
+                </a:solidFill>
+                <a:latin typeface="Droid Serif"/>
+                <a:ea typeface="Droid Serif"/>
+                <a:cs typeface="Droid Serif"/>
+                <a:sym typeface="Droid Serif"/>
+              </a:rPr>
+              <a:t>++)</a:t>
             </a:r>
             <a:br>
-              <a:rPr lang="en">
+              <a:rPr lang="en" dirty="0">
                 <a:solidFill>
                   <a:schemeClr val="dk1"/>
                 </a:solidFill>
@@ -10392,19 +11150,19 @@
               </a:rPr>
             </a:br>
             <a:r>
-              <a:rPr lang="en">
-                <a:solidFill>
-                  <a:schemeClr val="dk1"/>
-                </a:solidFill>
-                <a:latin typeface="Droid Serif"/>
-                <a:ea typeface="Droid Serif"/>
-                <a:cs typeface="Droid Serif"/>
-                <a:sym typeface="Droid Serif"/>
-              </a:rPr>
-              <a:t>	</a:t>
-            </a:r>
-            <a:r>
-              <a:rPr lang="en">
+              <a:rPr lang="en" dirty="0">
+                <a:solidFill>
+                  <a:schemeClr val="dk1"/>
+                </a:solidFill>
+                <a:latin typeface="Droid Serif"/>
+                <a:ea typeface="Droid Serif"/>
+                <a:cs typeface="Droid Serif"/>
+                <a:sym typeface="Droid Serif"/>
+              </a:rPr>
+              <a:t>	if (methods[</a:t>
+            </a:r>
+            <a:r>
+              <a:rPr lang="en" dirty="0" err="1">
                 <a:solidFill>
                   <a:schemeClr val="dk1"/>
                 </a:solidFill>
@@ -10416,18 +11174,66 @@
               <a:t>i</a:t>
             </a:r>
             <a:r>
-              <a:rPr lang="en">
-                <a:solidFill>
-                  <a:schemeClr val="dk1"/>
-                </a:solidFill>
-                <a:latin typeface="Droid Serif"/>
-                <a:ea typeface="Droid Serif"/>
-                <a:cs typeface="Droid Serif"/>
-                <a:sym typeface="Droid Serif"/>
-              </a:rPr>
-              <a:t>f (methods[i].checked) shipping_method = methods[i].value;</a:t>
-            </a:r>
-            <a:endParaRPr>
+              <a:rPr lang="en" dirty="0">
+                <a:solidFill>
+                  <a:schemeClr val="dk1"/>
+                </a:solidFill>
+                <a:latin typeface="Droid Serif"/>
+                <a:ea typeface="Droid Serif"/>
+                <a:cs typeface="Droid Serif"/>
+                <a:sym typeface="Droid Serif"/>
+              </a:rPr>
+              <a:t>].checked) </a:t>
+            </a:r>
+            <a:r>
+              <a:rPr lang="en" dirty="0" err="1">
+                <a:solidFill>
+                  <a:schemeClr val="dk1"/>
+                </a:solidFill>
+                <a:latin typeface="Droid Serif"/>
+                <a:ea typeface="Droid Serif"/>
+                <a:cs typeface="Droid Serif"/>
+                <a:sym typeface="Droid Serif"/>
+              </a:rPr>
+              <a:t>shipping_method</a:t>
+            </a:r>
+            <a:r>
+              <a:rPr lang="en" dirty="0">
+                <a:solidFill>
+                  <a:schemeClr val="dk1"/>
+                </a:solidFill>
+                <a:latin typeface="Droid Serif"/>
+                <a:ea typeface="Droid Serif"/>
+                <a:cs typeface="Droid Serif"/>
+                <a:sym typeface="Droid Serif"/>
+              </a:rPr>
+              <a:t> = methods[</a:t>
+            </a:r>
+            <a:r>
+              <a:rPr lang="en" dirty="0" err="1">
+                <a:solidFill>
+                  <a:schemeClr val="dk1"/>
+                </a:solidFill>
+                <a:latin typeface="Droid Serif"/>
+                <a:ea typeface="Droid Serif"/>
+                <a:cs typeface="Droid Serif"/>
+                <a:sym typeface="Droid Serif"/>
+              </a:rPr>
+              <a:t>i</a:t>
+            </a:r>
+            <a:r>
+              <a:rPr lang="en" dirty="0">
+                <a:solidFill>
+                  <a:schemeClr val="dk1"/>
+                </a:solidFill>
+                <a:latin typeface="Droid Serif"/>
+                <a:ea typeface="Droid Serif"/>
+                <a:cs typeface="Droid Serif"/>
+                <a:sym typeface="Droid Serif"/>
+              </a:rPr>
+              <a:t>].value;</a:t>
+            </a:r>
+            <a:endParaRPr dirty="0">
               <a:solidFill>
                 <a:schemeClr val="dk1"/>
               </a:solidFill>
@@ -10442,7 +11248,9 @@
       <p:sp>
         <p:nvSpPr>
           <p:cNvPr id="182" name="Shape 182"/>
-          <p:cNvSpPr txBox="1"/>
+          <p:cNvSpPr txBox="1">
+            <a:spLocks noGrp="1"/>
+          </p:cNvSpPr>
           <p:nvPr>
             <p:ph type="title"/>
           </p:nvPr>
@@ -10457,12 +11265,12 @@
           </a:prstGeom>
         </p:spPr>
         <p:txBody>
-          <a:bodyPr anchorCtr="0" anchor="t" bIns="91425" lIns="91425" spcFirstLastPara="1" rIns="91425" wrap="square" tIns="91425">
+          <a:bodyPr spcFirstLastPara="1" wrap="square" lIns="91425" tIns="91425" rIns="91425" bIns="91425" anchor="t" anchorCtr="0">
             <a:noAutofit/>
           </a:bodyPr>
           <a:lstStyle/>
           <a:p>
-            <a:pPr indent="0" lvl="0" marL="0" rtl="0">
+            <a:pPr marL="0" lvl="0" indent="0" rtl="0">
               <a:spcBef>
                 <a:spcPts val="0"/>
               </a:spcBef>
@@ -10498,11 +11306,11 @@
 </file>
 
 <file path=ppt/slides/slide3.xml><?xml version="1.0" encoding="utf-8"?>
-<p:sld xmlns:a="http://schemas.openxmlformats.org/drawingml/2006/main" xmlns:r="http://schemas.openxmlformats.org/officeDocument/2006/relationships" xmlns:mc="http://schemas.openxmlformats.org/markup-compatibility/2006" xmlns:mv="urn:schemas-microsoft-com:mac:vml" xmlns:p="http://schemas.openxmlformats.org/presentationml/2006/main" xmlns:c="http://schemas.openxmlformats.org/drawingml/2006/chart" xmlns:dgm="http://schemas.openxmlformats.org/drawingml/2006/diagram" xmlns:o="urn:schemas-microsoft-com:office:office" xmlns:v="urn:schemas-microsoft-com:vml" xmlns:pvml="urn:schemas-microsoft-com:office:powerpoint" xmlns:com="http://schemas.openxmlformats.org/drawingml/2006/compatibility" xmlns:p14="http://schemas.microsoft.com/office/powerpoint/2010/main" xmlns:p15="http://schemas.microsoft.com/office/powerpoint/2012/main">
+<p:sld xmlns:a="http://schemas.openxmlformats.org/drawingml/2006/main" xmlns:r="http://schemas.openxmlformats.org/officeDocument/2006/relationships" xmlns:p="http://schemas.openxmlformats.org/presentationml/2006/main">
   <p:cSld>
     <p:spTree>
       <p:nvGrpSpPr>
-        <p:cNvPr id="66" name="Shape 66"/>
+        <p:cNvPr id="1" name="Shape 66"/>
         <p:cNvGrpSpPr/>
         <p:nvPr/>
       </p:nvGrpSpPr>
@@ -10517,7 +11325,9 @@
       <p:sp>
         <p:nvSpPr>
           <p:cNvPr id="67" name="Shape 67"/>
-          <p:cNvSpPr txBox="1"/>
+          <p:cNvSpPr txBox="1">
+            <a:spLocks noGrp="1"/>
+          </p:cNvSpPr>
           <p:nvPr>
             <p:ph type="title"/>
           </p:nvPr>
@@ -10532,12 +11342,12 @@
           </a:prstGeom>
         </p:spPr>
         <p:txBody>
-          <a:bodyPr anchorCtr="0" anchor="t" bIns="91425" lIns="91425" spcFirstLastPara="1" rIns="91425" wrap="square" tIns="91425">
+          <a:bodyPr spcFirstLastPara="1" wrap="square" lIns="91425" tIns="91425" rIns="91425" bIns="91425" anchor="t" anchorCtr="0">
             <a:noAutofit/>
           </a:bodyPr>
           <a:lstStyle/>
           <a:p>
-            <a:pPr indent="0" lvl="0" marL="0" rtl="0">
+            <a:pPr marL="0" lvl="0" indent="0" rtl="0">
               <a:spcBef>
                 <a:spcPts val="0"/>
               </a:spcBef>
@@ -10567,9 +11377,11 @@
       <p:sp>
         <p:nvSpPr>
           <p:cNvPr id="68" name="Shape 68"/>
-          <p:cNvSpPr txBox="1"/>
+          <p:cNvSpPr txBox="1">
+            <a:spLocks noGrp="1"/>
+          </p:cNvSpPr>
           <p:nvPr>
-            <p:ph idx="1" type="body"/>
+            <p:ph type="body" idx="1"/>
           </p:nvPr>
         </p:nvSpPr>
         <p:spPr>
@@ -10582,12 +11394,12 @@
           </a:prstGeom>
         </p:spPr>
         <p:txBody>
-          <a:bodyPr anchorCtr="0" anchor="t" bIns="91425" lIns="91425" spcFirstLastPara="1" rIns="91425" wrap="square" tIns="91425">
+          <a:bodyPr spcFirstLastPara="1" wrap="square" lIns="91425" tIns="91425" rIns="91425" bIns="91425" anchor="t" anchorCtr="0">
             <a:noAutofit/>
           </a:bodyPr>
           <a:lstStyle/>
           <a:p>
-            <a:pPr indent="0" lvl="0" marL="0" rtl="0">
+            <a:pPr marL="0" lvl="0" indent="0" rtl="0">
               <a:spcBef>
                 <a:spcPts val="0"/>
               </a:spcBef>
@@ -10629,11 +11441,11 @@
 </file>
 
 <file path=ppt/slides/slide4.xml><?xml version="1.0" encoding="utf-8"?>
-<p:sld xmlns:a="http://schemas.openxmlformats.org/drawingml/2006/main" xmlns:r="http://schemas.openxmlformats.org/officeDocument/2006/relationships" xmlns:mc="http://schemas.openxmlformats.org/markup-compatibility/2006" xmlns:mv="urn:schemas-microsoft-com:mac:vml" xmlns:p="http://schemas.openxmlformats.org/presentationml/2006/main" xmlns:c="http://schemas.openxmlformats.org/drawingml/2006/chart" xmlns:dgm="http://schemas.openxmlformats.org/drawingml/2006/diagram" xmlns:o="urn:schemas-microsoft-com:office:office" xmlns:v="urn:schemas-microsoft-com:vml" xmlns:pvml="urn:schemas-microsoft-com:office:powerpoint" xmlns:com="http://schemas.openxmlformats.org/drawingml/2006/compatibility" xmlns:p14="http://schemas.microsoft.com/office/powerpoint/2010/main" xmlns:p15="http://schemas.microsoft.com/office/powerpoint/2012/main">
+<p:sld xmlns:a="http://schemas.openxmlformats.org/drawingml/2006/main" xmlns:r="http://schemas.openxmlformats.org/officeDocument/2006/relationships" xmlns:p="http://schemas.openxmlformats.org/presentationml/2006/main">
   <p:cSld>
     <p:spTree>
       <p:nvGrpSpPr>
-        <p:cNvPr id="72" name="Shape 72"/>
+        <p:cNvPr id="1" name="Shape 72"/>
         <p:cNvGrpSpPr/>
         <p:nvPr/>
       </p:nvGrpSpPr>
@@ -10648,7 +11460,9 @@
       <p:sp>
         <p:nvSpPr>
           <p:cNvPr id="73" name="Shape 73"/>
-          <p:cNvSpPr txBox="1"/>
+          <p:cNvSpPr txBox="1">
+            <a:spLocks noGrp="1"/>
+          </p:cNvSpPr>
           <p:nvPr>
             <p:ph type="title"/>
           </p:nvPr>
@@ -10663,12 +11477,12 @@
           </a:prstGeom>
         </p:spPr>
         <p:txBody>
-          <a:bodyPr anchorCtr="0" anchor="t" bIns="91425" lIns="91425" spcFirstLastPara="1" rIns="91425" wrap="square" tIns="91425">
+          <a:bodyPr spcFirstLastPara="1" wrap="square" lIns="91425" tIns="91425" rIns="91425" bIns="91425" anchor="t" anchorCtr="0">
             <a:noAutofit/>
           </a:bodyPr>
           <a:lstStyle/>
           <a:p>
-            <a:pPr indent="0" lvl="0" marL="0" rtl="0">
+            <a:pPr marL="0" lvl="0" indent="0" rtl="0">
               <a:spcBef>
                 <a:spcPts val="0"/>
               </a:spcBef>
@@ -10678,7 +11492,7 @@
               <a:buNone/>
             </a:pPr>
             <a:r>
-              <a:rPr lang="en">
+              <a:rPr lang="en" dirty="0">
                 <a:latin typeface="Droid Serif"/>
                 <a:ea typeface="Droid Serif"/>
                 <a:cs typeface="Droid Serif"/>
@@ -10686,7 +11500,7 @@
               </a:rPr>
               <a:t>Documents As Trees of Nodes</a:t>
             </a:r>
-            <a:endParaRPr>
+            <a:endParaRPr dirty="0">
               <a:latin typeface="Droid Serif"/>
               <a:ea typeface="Droid Serif"/>
               <a:cs typeface="Droid Serif"/>
@@ -10698,9 +11512,11 @@
       <p:sp>
         <p:nvSpPr>
           <p:cNvPr id="74" name="Shape 74"/>
-          <p:cNvSpPr txBox="1"/>
+          <p:cNvSpPr txBox="1">
+            <a:spLocks noGrp="1"/>
+          </p:cNvSpPr>
           <p:nvPr>
-            <p:ph idx="1" type="body"/>
+            <p:ph type="body" idx="1"/>
           </p:nvPr>
         </p:nvSpPr>
         <p:spPr>
@@ -10713,12 +11529,12 @@
           </a:prstGeom>
         </p:spPr>
         <p:txBody>
-          <a:bodyPr anchorCtr="0" anchor="t" bIns="91425" lIns="91425" spcFirstLastPara="1" rIns="91425" wrap="square" tIns="91425">
+          <a:bodyPr spcFirstLastPara="1" wrap="square" lIns="91425" tIns="91425" rIns="91425" bIns="91425" anchor="t" anchorCtr="0">
             <a:noAutofit/>
           </a:bodyPr>
           <a:lstStyle/>
           <a:p>
-            <a:pPr indent="0" lvl="0" marL="0">
+            <a:pPr marL="0" lvl="0" indent="0">
               <a:spcBef>
                 <a:spcPts val="0"/>
               </a:spcBef>
@@ -10733,7 +11549,7 @@
               <a:buNone/>
             </a:pPr>
             <a:r>
-              <a:rPr lang="en">
+              <a:rPr lang="en" dirty="0">
                 <a:solidFill>
                   <a:schemeClr val="dk1"/>
                 </a:solidFill>
@@ -10744,7 +11560,7 @@
               </a:rPr>
               <a:t>The Document object, its Element objects, and the Text objects that represent runs of text in the document are all Node objects. Node defines the following important properties:</a:t>
             </a:r>
-            <a:endParaRPr>
+            <a:endParaRPr dirty="0">
               <a:solidFill>
                 <a:schemeClr val="dk1"/>
               </a:solidFill>
@@ -10755,7 +11571,7 @@
             </a:endParaRPr>
           </a:p>
           <a:p>
-            <a:pPr indent="0" lvl="0" marL="0">
+            <a:pPr marL="0" lvl="0" indent="0">
               <a:spcBef>
                 <a:spcPts val="1600"/>
               </a:spcBef>
@@ -10770,7 +11586,7 @@
               <a:buNone/>
             </a:pPr>
             <a:r>
-              <a:rPr lang="en" sz="1400">
+              <a:rPr lang="en" sz="1400" dirty="0" err="1">
                 <a:solidFill>
                   <a:schemeClr val="dk1"/>
                 </a:solidFill>
@@ -10782,7 +11598,7 @@
               <a:t>parentNode</a:t>
             </a:r>
             <a:br>
-              <a:rPr lang="en" sz="1400">
+              <a:rPr lang="en" sz="1400" dirty="0">
                 <a:solidFill>
                   <a:schemeClr val="dk1"/>
                 </a:solidFill>
@@ -10793,7 +11609,7 @@
               </a:rPr>
             </a:br>
             <a:r>
-              <a:rPr lang="en" sz="1400">
+              <a:rPr lang="en" sz="1400" dirty="0">
                 <a:solidFill>
                   <a:schemeClr val="dk1"/>
                 </a:solidFill>
@@ -10804,7 +11620,7 @@
               </a:rPr>
               <a:t>The Node that is the parent of this one, or null  for nodes like the Document object that have no parent.</a:t>
             </a:r>
-            <a:endParaRPr sz="1400">
+            <a:endParaRPr sz="1400" dirty="0">
               <a:solidFill>
                 <a:schemeClr val="dk1"/>
               </a:solidFill>
@@ -10815,7 +11631,7 @@
             </a:endParaRPr>
           </a:p>
           <a:p>
-            <a:pPr indent="0" lvl="0" marL="0">
+            <a:pPr marL="0" lvl="0" indent="0">
               <a:spcBef>
                 <a:spcPts val="1600"/>
               </a:spcBef>
@@ -10825,7 +11641,7 @@
               <a:buNone/>
             </a:pPr>
             <a:r>
-              <a:rPr lang="en" sz="1400">
+              <a:rPr lang="en" sz="1400" dirty="0" err="1">
                 <a:solidFill>
                   <a:schemeClr val="dk1"/>
                 </a:solidFill>
@@ -10837,7 +11653,7 @@
               <a:t>childNodes</a:t>
             </a:r>
             <a:br>
-              <a:rPr lang="en" sz="1400">
+              <a:rPr lang="en" sz="1400" dirty="0">
                 <a:solidFill>
                   <a:schemeClr val="dk1"/>
                 </a:solidFill>
@@ -10848,18 +11664,42 @@
               </a:rPr>
             </a:br>
             <a:r>
-              <a:rPr lang="en" sz="1400">
-                <a:solidFill>
-                  <a:schemeClr val="dk1"/>
-                </a:solidFill>
-                <a:latin typeface="Droid Serif"/>
-                <a:ea typeface="Droid Serif"/>
-                <a:cs typeface="Droid Serif"/>
-                <a:sym typeface="Droid Serif"/>
-              </a:rPr>
-              <a:t>A read-only array-like object (a NodeList) that is a live representation of a Node’s child nodes.</a:t>
-            </a:r>
-            <a:endParaRPr sz="1400">
+              <a:rPr lang="en" sz="1400" dirty="0">
+                <a:solidFill>
+                  <a:schemeClr val="dk1"/>
+                </a:solidFill>
+                <a:latin typeface="Droid Serif"/>
+                <a:ea typeface="Droid Serif"/>
+                <a:cs typeface="Droid Serif"/>
+                <a:sym typeface="Droid Serif"/>
+              </a:rPr>
+              <a:t>A read-only array-like object (a </a:t>
+            </a:r>
+            <a:r>
+              <a:rPr lang="en" sz="1400" dirty="0" err="1">
+                <a:solidFill>
+                  <a:schemeClr val="dk1"/>
+                </a:solidFill>
+                <a:latin typeface="Droid Serif"/>
+                <a:ea typeface="Droid Serif"/>
+                <a:cs typeface="Droid Serif"/>
+                <a:sym typeface="Droid Serif"/>
+              </a:rPr>
+              <a:t>NodeList</a:t>
+            </a:r>
+            <a:r>
+              <a:rPr lang="en" sz="1400" dirty="0">
+                <a:solidFill>
+                  <a:schemeClr val="dk1"/>
+                </a:solidFill>
+                <a:latin typeface="Droid Serif"/>
+                <a:ea typeface="Droid Serif"/>
+                <a:cs typeface="Droid Serif"/>
+                <a:sym typeface="Droid Serif"/>
+              </a:rPr>
+              <a:t>) that is a live representation of a Node’s child nodes.</a:t>
+            </a:r>
+            <a:endParaRPr sz="1400" dirty="0">
               <a:solidFill>
                 <a:schemeClr val="dk1"/>
               </a:solidFill>
@@ -10870,7 +11710,7 @@
             </a:endParaRPr>
           </a:p>
           <a:p>
-            <a:pPr indent="0" lvl="0" marL="0" rtl="0">
+            <a:pPr marL="0" lvl="0" indent="0" rtl="0">
               <a:spcBef>
                 <a:spcPts val="1600"/>
               </a:spcBef>
@@ -10880,19 +11720,43 @@
               <a:buNone/>
             </a:pPr>
             <a:r>
-              <a:rPr lang="en" sz="1400">
-                <a:solidFill>
-                  <a:schemeClr val="dk1"/>
-                </a:solidFill>
-                <a:latin typeface="Droid Serif"/>
-                <a:ea typeface="Droid Serif"/>
-                <a:cs typeface="Droid Serif"/>
-                <a:sym typeface="Droid Serif"/>
-              </a:rPr>
-              <a:t>firstChild, lastChild</a:t>
+              <a:rPr lang="en" sz="1400" dirty="0" err="1">
+                <a:solidFill>
+                  <a:schemeClr val="dk1"/>
+                </a:solidFill>
+                <a:latin typeface="Droid Serif"/>
+                <a:ea typeface="Droid Serif"/>
+                <a:cs typeface="Droid Serif"/>
+                <a:sym typeface="Droid Serif"/>
+              </a:rPr>
+              <a:t>firstChild</a:t>
+            </a:r>
+            <a:r>
+              <a:rPr lang="en" sz="1400" dirty="0">
+                <a:solidFill>
+                  <a:schemeClr val="dk1"/>
+                </a:solidFill>
+                <a:latin typeface="Droid Serif"/>
+                <a:ea typeface="Droid Serif"/>
+                <a:cs typeface="Droid Serif"/>
+                <a:sym typeface="Droid Serif"/>
+              </a:rPr>
+              <a:t>, </a:t>
+            </a:r>
+            <a:r>
+              <a:rPr lang="en" sz="1400" dirty="0" err="1">
+                <a:solidFill>
+                  <a:schemeClr val="dk1"/>
+                </a:solidFill>
+                <a:latin typeface="Droid Serif"/>
+                <a:ea typeface="Droid Serif"/>
+                <a:cs typeface="Droid Serif"/>
+                <a:sym typeface="Droid Serif"/>
+              </a:rPr>
+              <a:t>lastChild</a:t>
             </a:r>
             <a:br>
-              <a:rPr lang="en" sz="1400">
+              <a:rPr lang="en" sz="1400" dirty="0">
                 <a:solidFill>
                   <a:schemeClr val="dk1"/>
                 </a:solidFill>
@@ -10903,7 +11767,7 @@
               </a:rPr>
             </a:br>
             <a:r>
-              <a:rPr lang="en" sz="1400">
+              <a:rPr lang="en" sz="1400" dirty="0">
                 <a:solidFill>
                   <a:schemeClr val="dk1"/>
                 </a:solidFill>
@@ -10914,7 +11778,7 @@
               </a:rPr>
               <a:t>The first and last child nodes of a node, or null  if the node has no children.</a:t>
             </a:r>
-            <a:endParaRPr sz="1400">
+            <a:endParaRPr sz="1400" dirty="0">
               <a:solidFill>
                 <a:schemeClr val="dk1"/>
               </a:solidFill>
@@ -10935,11 +11799,11 @@
 </file>
 
 <file path=ppt/slides/slide5.xml><?xml version="1.0" encoding="utf-8"?>
-<p:sld xmlns:a="http://schemas.openxmlformats.org/drawingml/2006/main" xmlns:r="http://schemas.openxmlformats.org/officeDocument/2006/relationships" xmlns:mc="http://schemas.openxmlformats.org/markup-compatibility/2006" xmlns:mv="urn:schemas-microsoft-com:mac:vml" xmlns:p="http://schemas.openxmlformats.org/presentationml/2006/main" xmlns:c="http://schemas.openxmlformats.org/drawingml/2006/chart" xmlns:dgm="http://schemas.openxmlformats.org/drawingml/2006/diagram" xmlns:o="urn:schemas-microsoft-com:office:office" xmlns:v="urn:schemas-microsoft-com:vml" xmlns:pvml="urn:schemas-microsoft-com:office:powerpoint" xmlns:com="http://schemas.openxmlformats.org/drawingml/2006/compatibility" xmlns:p14="http://schemas.microsoft.com/office/powerpoint/2010/main" xmlns:p15="http://schemas.microsoft.com/office/powerpoint/2012/main">
+<p:sld xmlns:a="http://schemas.openxmlformats.org/drawingml/2006/main" xmlns:r="http://schemas.openxmlformats.org/officeDocument/2006/relationships" xmlns:p="http://schemas.openxmlformats.org/presentationml/2006/main">
   <p:cSld>
     <p:spTree>
       <p:nvGrpSpPr>
-        <p:cNvPr id="78" name="Shape 78"/>
+        <p:cNvPr id="1" name="Shape 78"/>
         <p:cNvGrpSpPr/>
         <p:nvPr/>
       </p:nvGrpSpPr>
@@ -10954,7 +11818,9 @@
       <p:sp>
         <p:nvSpPr>
           <p:cNvPr id="79" name="Shape 79"/>
-          <p:cNvSpPr txBox="1"/>
+          <p:cNvSpPr txBox="1">
+            <a:spLocks noGrp="1"/>
+          </p:cNvSpPr>
           <p:nvPr>
             <p:ph type="title"/>
           </p:nvPr>
@@ -10969,12 +11835,12 @@
           </a:prstGeom>
         </p:spPr>
         <p:txBody>
-          <a:bodyPr anchorCtr="0" anchor="t" bIns="91425" lIns="91425" spcFirstLastPara="1" rIns="91425" wrap="square" tIns="91425">
+          <a:bodyPr spcFirstLastPara="1" wrap="square" lIns="91425" tIns="91425" rIns="91425" bIns="91425" anchor="t" anchorCtr="0">
             <a:noAutofit/>
           </a:bodyPr>
           <a:lstStyle/>
           <a:p>
-            <a:pPr indent="0" lvl="0" marL="0" rtl="0">
+            <a:pPr marL="0" lvl="0" indent="0" rtl="0">
               <a:spcBef>
                 <a:spcPts val="0"/>
               </a:spcBef>
@@ -11004,9 +11870,11 @@
       <p:sp>
         <p:nvSpPr>
           <p:cNvPr id="80" name="Shape 80"/>
-          <p:cNvSpPr txBox="1"/>
+          <p:cNvSpPr txBox="1">
+            <a:spLocks noGrp="1"/>
+          </p:cNvSpPr>
           <p:nvPr>
-            <p:ph idx="1" type="body"/>
+            <p:ph type="body" idx="1"/>
           </p:nvPr>
         </p:nvSpPr>
         <p:spPr>
@@ -11019,12 +11887,12 @@
           </a:prstGeom>
         </p:spPr>
         <p:txBody>
-          <a:bodyPr anchorCtr="0" anchor="t" bIns="91425" lIns="91425" spcFirstLastPara="1" rIns="91425" wrap="square" tIns="91425">
+          <a:bodyPr spcFirstLastPara="1" wrap="square" lIns="91425" tIns="91425" rIns="91425" bIns="91425" anchor="t" anchorCtr="0">
             <a:noAutofit/>
           </a:bodyPr>
           <a:lstStyle/>
           <a:p>
-            <a:pPr indent="0" lvl="0" marL="0">
+            <a:pPr marL="0" lvl="0" indent="0">
               <a:spcBef>
                 <a:spcPts val="0"/>
               </a:spcBef>
@@ -11079,7 +11947,7 @@
             </a:endParaRPr>
           </a:p>
           <a:p>
-            <a:pPr indent="0" lvl="0" marL="0">
+            <a:pPr marL="0" lvl="0" indent="0">
               <a:spcBef>
                 <a:spcPts val="1600"/>
               </a:spcBef>
@@ -11134,7 +12002,7 @@
             </a:endParaRPr>
           </a:p>
           <a:p>
-            <a:pPr indent="0" lvl="0" marL="0">
+            <a:pPr marL="0" lvl="0" indent="0">
               <a:spcBef>
                 <a:spcPts val="1600"/>
               </a:spcBef>
@@ -11189,7 +12057,7 @@
             </a:endParaRPr>
           </a:p>
           <a:p>
-            <a:pPr indent="0" lvl="0" marL="0" rtl="0">
+            <a:pPr marL="0" lvl="0" indent="0" rtl="0">
               <a:spcBef>
                 <a:spcPts val="1600"/>
               </a:spcBef>
@@ -11254,11 +12122,11 @@
 </file>
 
 <file path=ppt/slides/slide6.xml><?xml version="1.0" encoding="utf-8"?>
-<p:sld xmlns:a="http://schemas.openxmlformats.org/drawingml/2006/main" xmlns:r="http://schemas.openxmlformats.org/officeDocument/2006/relationships" xmlns:mc="http://schemas.openxmlformats.org/markup-compatibility/2006" xmlns:mv="urn:schemas-microsoft-com:mac:vml" xmlns:p="http://schemas.openxmlformats.org/presentationml/2006/main" xmlns:c="http://schemas.openxmlformats.org/drawingml/2006/chart" xmlns:dgm="http://schemas.openxmlformats.org/drawingml/2006/diagram" xmlns:o="urn:schemas-microsoft-com:office:office" xmlns:v="urn:schemas-microsoft-com:vml" xmlns:pvml="urn:schemas-microsoft-com:office:powerpoint" xmlns:com="http://schemas.openxmlformats.org/drawingml/2006/compatibility" xmlns:p14="http://schemas.microsoft.com/office/powerpoint/2010/main" xmlns:p15="http://schemas.microsoft.com/office/powerpoint/2012/main">
+<p:sld xmlns:a="http://schemas.openxmlformats.org/drawingml/2006/main" xmlns:r="http://schemas.openxmlformats.org/officeDocument/2006/relationships" xmlns:p="http://schemas.openxmlformats.org/presentationml/2006/main">
   <p:cSld>
     <p:spTree>
       <p:nvGrpSpPr>
-        <p:cNvPr id="84" name="Shape 84"/>
+        <p:cNvPr id="1" name="Shape 84"/>
         <p:cNvGrpSpPr/>
         <p:nvPr/>
       </p:nvGrpSpPr>
@@ -11273,7 +12141,9 @@
       <p:sp>
         <p:nvSpPr>
           <p:cNvPr id="85" name="Shape 85"/>
-          <p:cNvSpPr txBox="1"/>
+          <p:cNvSpPr txBox="1">
+            <a:spLocks noGrp="1"/>
+          </p:cNvSpPr>
           <p:nvPr>
             <p:ph type="title"/>
           </p:nvPr>
@@ -11288,12 +12158,12 @@
           </a:prstGeom>
         </p:spPr>
         <p:txBody>
-          <a:bodyPr anchorCtr="0" anchor="t" bIns="91425" lIns="91425" spcFirstLastPara="1" rIns="91425" wrap="square" tIns="91425">
+          <a:bodyPr spcFirstLastPara="1" wrap="square" lIns="91425" tIns="91425" rIns="91425" bIns="91425" anchor="t" anchorCtr="0">
             <a:noAutofit/>
           </a:bodyPr>
           <a:lstStyle/>
           <a:p>
-            <a:pPr indent="0" lvl="0" marL="0" rtl="0">
+            <a:pPr marL="0" lvl="0" indent="0" rtl="0">
               <a:spcBef>
                 <a:spcPts val="0"/>
               </a:spcBef>
@@ -11323,9 +12193,11 @@
       <p:sp>
         <p:nvSpPr>
           <p:cNvPr id="86" name="Shape 86"/>
-          <p:cNvSpPr txBox="1"/>
+          <p:cNvSpPr txBox="1">
+            <a:spLocks noGrp="1"/>
+          </p:cNvSpPr>
           <p:nvPr>
-            <p:ph idx="1" type="body"/>
+            <p:ph type="body" idx="1"/>
           </p:nvPr>
         </p:nvSpPr>
         <p:spPr>
@@ -11338,12 +12210,12 @@
           </a:prstGeom>
         </p:spPr>
         <p:txBody>
-          <a:bodyPr anchorCtr="0" anchor="t" bIns="91425" lIns="91425" spcFirstLastPara="1" rIns="91425" wrap="square" tIns="91425">
+          <a:bodyPr spcFirstLastPara="1" wrap="square" lIns="91425" tIns="91425" rIns="91425" bIns="91425" anchor="t" anchorCtr="0">
             <a:noAutofit/>
           </a:bodyPr>
           <a:lstStyle/>
           <a:p>
-            <a:pPr indent="0" lvl="0" marL="0">
+            <a:pPr marL="0" lvl="0" indent="0">
               <a:spcBef>
                 <a:spcPts val="0"/>
               </a:spcBef>
@@ -11375,7 +12247,7 @@
             </a:endParaRPr>
           </a:p>
           <a:p>
-            <a:pPr indent="0" lvl="0" marL="0">
+            <a:pPr marL="0" lvl="0" indent="0">
               <a:spcBef>
                 <a:spcPts val="1600"/>
               </a:spcBef>
@@ -11430,7 +12302,7 @@
             </a:endParaRPr>
           </a:p>
           <a:p>
-            <a:pPr indent="0" lvl="0" marL="0" rtl="0">
+            <a:pPr marL="0" lvl="0" indent="0" rtl="0">
               <a:spcBef>
                 <a:spcPts val="1600"/>
               </a:spcBef>
@@ -11564,11 +12436,11 @@
 </file>
 
 <file path=ppt/slides/slide7.xml><?xml version="1.0" encoding="utf-8"?>
-<p:sld xmlns:a="http://schemas.openxmlformats.org/drawingml/2006/main" xmlns:r="http://schemas.openxmlformats.org/officeDocument/2006/relationships" xmlns:mc="http://schemas.openxmlformats.org/markup-compatibility/2006" xmlns:mv="urn:schemas-microsoft-com:mac:vml" xmlns:p="http://schemas.openxmlformats.org/presentationml/2006/main" xmlns:c="http://schemas.openxmlformats.org/drawingml/2006/chart" xmlns:dgm="http://schemas.openxmlformats.org/drawingml/2006/diagram" xmlns:o="urn:schemas-microsoft-com:office:office" xmlns:v="urn:schemas-microsoft-com:vml" xmlns:pvml="urn:schemas-microsoft-com:office:powerpoint" xmlns:com="http://schemas.openxmlformats.org/drawingml/2006/compatibility" xmlns:p14="http://schemas.microsoft.com/office/powerpoint/2010/main" xmlns:p15="http://schemas.microsoft.com/office/powerpoint/2012/main">
+<p:sld xmlns:a="http://schemas.openxmlformats.org/drawingml/2006/main" xmlns:r="http://schemas.openxmlformats.org/officeDocument/2006/relationships" xmlns:p="http://schemas.openxmlformats.org/presentationml/2006/main">
   <p:cSld>
     <p:spTree>
       <p:nvGrpSpPr>
-        <p:cNvPr id="90" name="Shape 90"/>
+        <p:cNvPr id="1" name="Shape 90"/>
         <p:cNvGrpSpPr/>
         <p:nvPr/>
       </p:nvGrpSpPr>
@@ -11583,9 +12455,11 @@
       <p:sp>
         <p:nvSpPr>
           <p:cNvPr id="91" name="Shape 91"/>
-          <p:cNvSpPr txBox="1"/>
+          <p:cNvSpPr txBox="1">
+            <a:spLocks noGrp="1"/>
+          </p:cNvSpPr>
           <p:nvPr>
-            <p:ph idx="1" type="body"/>
+            <p:ph type="body" idx="1"/>
           </p:nvPr>
         </p:nvSpPr>
         <p:spPr>
@@ -11598,12 +12472,12 @@
           </a:prstGeom>
         </p:spPr>
         <p:txBody>
-          <a:bodyPr anchorCtr="0" anchor="t" bIns="91425" lIns="91425" spcFirstLastPara="1" rIns="91425" wrap="square" tIns="91425">
+          <a:bodyPr spcFirstLastPara="1" wrap="square" lIns="91425" tIns="91425" rIns="91425" bIns="91425" anchor="t" anchorCtr="0">
             <a:noAutofit/>
           </a:bodyPr>
           <a:lstStyle/>
           <a:p>
-            <a:pPr indent="0" lvl="0" marL="0">
+            <a:pPr marL="0" lvl="0" indent="0">
               <a:spcBef>
                 <a:spcPts val="0"/>
               </a:spcBef>
@@ -11635,7 +12509,7 @@
             </a:endParaRPr>
           </a:p>
           <a:p>
-            <a:pPr indent="0" lvl="0" marL="0">
+            <a:pPr marL="0" lvl="0" indent="0">
               <a:spcBef>
                 <a:spcPts val="1600"/>
               </a:spcBef>
@@ -11713,7 +12587,7 @@
             </a:endParaRPr>
           </a:p>
           <a:p>
-            <a:pPr indent="0" lvl="0" marL="0" rtl="0">
+            <a:pPr marL="0" lvl="0" indent="0" rtl="0">
               <a:spcBef>
                 <a:spcPts val="1600"/>
               </a:spcBef>
@@ -11749,7 +12623,9 @@
       <p:sp>
         <p:nvSpPr>
           <p:cNvPr id="92" name="Shape 92"/>
-          <p:cNvSpPr txBox="1"/>
+          <p:cNvSpPr txBox="1">
+            <a:spLocks noGrp="1"/>
+          </p:cNvSpPr>
           <p:nvPr>
             <p:ph type="title"/>
           </p:nvPr>
@@ -11764,12 +12640,12 @@
           </a:prstGeom>
         </p:spPr>
         <p:txBody>
-          <a:bodyPr anchorCtr="0" anchor="t" bIns="91425" lIns="91425" spcFirstLastPara="1" rIns="91425" wrap="square" tIns="91425">
+          <a:bodyPr spcFirstLastPara="1" wrap="square" lIns="91425" tIns="91425" rIns="91425" bIns="91425" anchor="t" anchorCtr="0">
             <a:noAutofit/>
           </a:bodyPr>
           <a:lstStyle/>
           <a:p>
-            <a:pPr indent="0" lvl="0" marL="0" rtl="0">
+            <a:pPr marL="0" lvl="0" indent="0" rtl="0">
               <a:spcBef>
                 <a:spcPts val="0"/>
               </a:spcBef>
@@ -11805,11 +12681,11 @@
 </file>
 
 <file path=ppt/slides/slide8.xml><?xml version="1.0" encoding="utf-8"?>
-<p:sld xmlns:a="http://schemas.openxmlformats.org/drawingml/2006/main" xmlns:r="http://schemas.openxmlformats.org/officeDocument/2006/relationships" xmlns:mc="http://schemas.openxmlformats.org/markup-compatibility/2006" xmlns:mv="urn:schemas-microsoft-com:mac:vml" xmlns:p="http://schemas.openxmlformats.org/presentationml/2006/main" xmlns:c="http://schemas.openxmlformats.org/drawingml/2006/chart" xmlns:dgm="http://schemas.openxmlformats.org/drawingml/2006/diagram" xmlns:o="urn:schemas-microsoft-com:office:office" xmlns:v="urn:schemas-microsoft-com:vml" xmlns:pvml="urn:schemas-microsoft-com:office:powerpoint" xmlns:com="http://schemas.openxmlformats.org/drawingml/2006/compatibility" xmlns:p14="http://schemas.microsoft.com/office/powerpoint/2010/main" xmlns:p15="http://schemas.microsoft.com/office/powerpoint/2012/main">
+<p:sld xmlns:a="http://schemas.openxmlformats.org/drawingml/2006/main" xmlns:r="http://schemas.openxmlformats.org/officeDocument/2006/relationships" xmlns:p="http://schemas.openxmlformats.org/presentationml/2006/main">
   <p:cSld>
     <p:spTree>
       <p:nvGrpSpPr>
-        <p:cNvPr id="96" name="Shape 96"/>
+        <p:cNvPr id="1" name="Shape 96"/>
         <p:cNvGrpSpPr/>
         <p:nvPr/>
       </p:nvGrpSpPr>
@@ -11824,9 +12700,11 @@
       <p:sp>
         <p:nvSpPr>
           <p:cNvPr id="97" name="Shape 97"/>
-          <p:cNvSpPr txBox="1"/>
+          <p:cNvSpPr txBox="1">
+            <a:spLocks noGrp="1"/>
+          </p:cNvSpPr>
           <p:nvPr>
-            <p:ph idx="1" type="body"/>
+            <p:ph type="body" idx="1"/>
           </p:nvPr>
         </p:nvSpPr>
         <p:spPr>
@@ -11839,12 +12717,12 @@
           </a:prstGeom>
         </p:spPr>
         <p:txBody>
-          <a:bodyPr anchorCtr="0" anchor="t" bIns="91425" lIns="91425" spcFirstLastPara="1" rIns="91425" wrap="square" tIns="91425">
+          <a:bodyPr spcFirstLastPara="1" wrap="square" lIns="91425" tIns="91425" rIns="91425" bIns="91425" anchor="t" anchorCtr="0">
             <a:noAutofit/>
           </a:bodyPr>
           <a:lstStyle/>
           <a:p>
-            <a:pPr indent="0" lvl="0" marL="0" rtl="0">
+            <a:pPr marL="0" lvl="0" indent="0" rtl="0">
               <a:spcBef>
                 <a:spcPts val="0"/>
               </a:spcBef>
@@ -11880,7 +12758,9 @@
       <p:sp>
         <p:nvSpPr>
           <p:cNvPr id="98" name="Shape 98"/>
-          <p:cNvSpPr txBox="1"/>
+          <p:cNvSpPr txBox="1">
+            <a:spLocks noGrp="1"/>
+          </p:cNvSpPr>
           <p:nvPr>
             <p:ph type="title"/>
           </p:nvPr>
@@ -11895,12 +12775,12 @@
           </a:prstGeom>
         </p:spPr>
         <p:txBody>
-          <a:bodyPr anchorCtr="0" anchor="t" bIns="91425" lIns="91425" spcFirstLastPara="1" rIns="91425" wrap="square" tIns="91425">
+          <a:bodyPr spcFirstLastPara="1" wrap="square" lIns="91425" tIns="91425" rIns="91425" bIns="91425" anchor="t" anchorCtr="0">
             <a:noAutofit/>
           </a:bodyPr>
           <a:lstStyle/>
           <a:p>
-            <a:pPr indent="0" lvl="0" marL="0" rtl="0">
+            <a:pPr marL="0" lvl="0" indent="0" rtl="0">
               <a:spcBef>
                 <a:spcPts val="0"/>
               </a:spcBef>
@@ -11936,11 +12816,11 @@
 </file>
 
 <file path=ppt/slides/slide9.xml><?xml version="1.0" encoding="utf-8"?>
-<p:sld xmlns:a="http://schemas.openxmlformats.org/drawingml/2006/main" xmlns:r="http://schemas.openxmlformats.org/officeDocument/2006/relationships" xmlns:mc="http://schemas.openxmlformats.org/markup-compatibility/2006" xmlns:mv="urn:schemas-microsoft-com:mac:vml" xmlns:p="http://schemas.openxmlformats.org/presentationml/2006/main" xmlns:c="http://schemas.openxmlformats.org/drawingml/2006/chart" xmlns:dgm="http://schemas.openxmlformats.org/drawingml/2006/diagram" xmlns:o="urn:schemas-microsoft-com:office:office" xmlns:v="urn:schemas-microsoft-com:vml" xmlns:pvml="urn:schemas-microsoft-com:office:powerpoint" xmlns:com="http://schemas.openxmlformats.org/drawingml/2006/compatibility" xmlns:p14="http://schemas.microsoft.com/office/powerpoint/2010/main" xmlns:p15="http://schemas.microsoft.com/office/powerpoint/2012/main">
+<p:sld xmlns:a="http://schemas.openxmlformats.org/drawingml/2006/main" xmlns:r="http://schemas.openxmlformats.org/officeDocument/2006/relationships" xmlns:p="http://schemas.openxmlformats.org/presentationml/2006/main">
   <p:cSld>
     <p:spTree>
       <p:nvGrpSpPr>
-        <p:cNvPr id="102" name="Shape 102"/>
+        <p:cNvPr id="1" name="Shape 102"/>
         <p:cNvGrpSpPr/>
         <p:nvPr/>
       </p:nvGrpSpPr>
@@ -11955,9 +12835,11 @@
       <p:sp>
         <p:nvSpPr>
           <p:cNvPr id="103" name="Shape 103"/>
-          <p:cNvSpPr txBox="1"/>
+          <p:cNvSpPr txBox="1">
+            <a:spLocks noGrp="1"/>
+          </p:cNvSpPr>
           <p:nvPr>
-            <p:ph idx="1" type="body"/>
+            <p:ph type="body" idx="1"/>
           </p:nvPr>
         </p:nvSpPr>
         <p:spPr>
@@ -11970,12 +12852,12 @@
           </a:prstGeom>
         </p:spPr>
         <p:txBody>
-          <a:bodyPr anchorCtr="0" anchor="t" bIns="91425" lIns="91425" spcFirstLastPara="1" rIns="91425" wrap="square" tIns="91425">
+          <a:bodyPr spcFirstLastPara="1" wrap="square" lIns="91425" tIns="91425" rIns="91425" bIns="91425" anchor="t" anchorCtr="0">
             <a:noAutofit/>
           </a:bodyPr>
           <a:lstStyle/>
           <a:p>
-            <a:pPr indent="0" lvl="0" marL="0">
+            <a:pPr marL="0" lvl="0" indent="0">
               <a:spcBef>
                 <a:spcPts val="0"/>
               </a:spcBef>
@@ -12007,7 +12889,7 @@
             </a:endParaRPr>
           </a:p>
           <a:p>
-            <a:pPr indent="0" lvl="0" marL="0">
+            <a:pPr marL="0" lvl="0" indent="0">
               <a:spcBef>
                 <a:spcPts val="1600"/>
               </a:spcBef>
@@ -12039,7 +12921,7 @@
             </a:endParaRPr>
           </a:p>
           <a:p>
-            <a:pPr indent="0" lvl="0" marL="0" rtl="0">
+            <a:pPr marL="0" lvl="0" indent="0" rtl="0">
               <a:spcBef>
                 <a:spcPts val="1600"/>
               </a:spcBef>
@@ -12075,7 +12957,9 @@
       <p:sp>
         <p:nvSpPr>
           <p:cNvPr id="104" name="Shape 104"/>
-          <p:cNvSpPr txBox="1"/>
+          <p:cNvSpPr txBox="1">
+            <a:spLocks noGrp="1"/>
+          </p:cNvSpPr>
           <p:nvPr>
             <p:ph type="title"/>
           </p:nvPr>
@@ -12090,12 +12974,12 @@
           </a:prstGeom>
         </p:spPr>
         <p:txBody>
-          <a:bodyPr anchorCtr="0" anchor="t" bIns="91425" lIns="91425" spcFirstLastPara="1" rIns="91425" wrap="square" tIns="91425">
+          <a:bodyPr spcFirstLastPara="1" wrap="square" lIns="91425" tIns="91425" rIns="91425" bIns="91425" anchor="t" anchorCtr="0">
             <a:noAutofit/>
           </a:bodyPr>
           <a:lstStyle/>
           <a:p>
-            <a:pPr indent="0" lvl="0" marL="0" rtl="0">
+            <a:pPr marL="0" lvl="0" indent="0" rtl="0">
               <a:spcBef>
                 <a:spcPts val="0"/>
               </a:spcBef>
@@ -12131,7 +13015,7 @@
 </file>
 
 <file path=ppt/theme/theme1.xml><?xml version="1.0" encoding="utf-8"?>
-<a:theme xmlns:a="http://schemas.openxmlformats.org/drawingml/2006/main" xmlns:r="http://schemas.openxmlformats.org/officeDocument/2006/relationships" name="Simple Light">
+<a:theme xmlns:a="http://schemas.openxmlformats.org/drawingml/2006/main" name="Simple Light">
   <a:themeElements>
     <a:clrScheme name="Simple Light">
       <a:dk1>
@@ -12406,11 +13290,13 @@
       </a:bgFillStyleLst>
     </a:fmtScheme>
   </a:themeElements>
+  <a:objectDefaults/>
+  <a:extraClrSchemeLst/>
 </a:theme>
 </file>
 
 <file path=ppt/theme/theme2.xml><?xml version="1.0" encoding="utf-8"?>
-<a:theme xmlns:a="http://schemas.openxmlformats.org/drawingml/2006/main" xmlns:r="http://schemas.openxmlformats.org/officeDocument/2006/relationships">
+<a:theme xmlns:a="http://schemas.openxmlformats.org/drawingml/2006/main">
   <a:themeElements>
     <a:clrScheme name="Default">
       <a:dk1>
@@ -12685,5 +13571,7 @@
       </a:bgFillStyleLst>
     </a:fmtScheme>
   </a:themeElements>
+  <a:objectDefaults/>
+  <a:extraClrSchemeLst/>
 </a:theme>
 </file>